--- a/docs/thuyetTrinh_LeMinhNghia_B1605229.pptx
+++ b/docs/thuyetTrinh_LeMinhNghia_B1605229.pptx
@@ -5,7 +5,7 @@
     <p:sldMasterId id="2147483673" r:id="rId1"/>
   </p:sldMasterIdLst>
   <p:notesMasterIdLst>
-    <p:notesMasterId r:id="rId25"/>
+    <p:notesMasterId r:id="rId24"/>
   </p:notesMasterIdLst>
   <p:sldIdLst>
     <p:sldId id="258" r:id="rId2"/>
@@ -17,82 +17,81 @@
     <p:sldId id="311" r:id="rId8"/>
     <p:sldId id="314" r:id="rId9"/>
     <p:sldId id="306" r:id="rId10"/>
-    <p:sldId id="315" r:id="rId11"/>
-    <p:sldId id="316" r:id="rId12"/>
-    <p:sldId id="317" r:id="rId13"/>
-    <p:sldId id="326" r:id="rId14"/>
-    <p:sldId id="328" r:id="rId15"/>
-    <p:sldId id="327" r:id="rId16"/>
-    <p:sldId id="329" r:id="rId17"/>
-    <p:sldId id="330" r:id="rId18"/>
-    <p:sldId id="307" r:id="rId19"/>
-    <p:sldId id="318" r:id="rId20"/>
-    <p:sldId id="319" r:id="rId21"/>
-    <p:sldId id="320" r:id="rId22"/>
-    <p:sldId id="260" r:id="rId23"/>
-    <p:sldId id="321" r:id="rId24"/>
+    <p:sldId id="316" r:id="rId11"/>
+    <p:sldId id="317" r:id="rId12"/>
+    <p:sldId id="326" r:id="rId13"/>
+    <p:sldId id="328" r:id="rId14"/>
+    <p:sldId id="327" r:id="rId15"/>
+    <p:sldId id="329" r:id="rId16"/>
+    <p:sldId id="330" r:id="rId17"/>
+    <p:sldId id="307" r:id="rId18"/>
+    <p:sldId id="318" r:id="rId19"/>
+    <p:sldId id="319" r:id="rId20"/>
+    <p:sldId id="320" r:id="rId21"/>
+    <p:sldId id="260" r:id="rId22"/>
+    <p:sldId id="321" r:id="rId23"/>
   </p:sldIdLst>
   <p:sldSz cx="9144000" cy="5143500" type="screen16x9"/>
   <p:notesSz cx="6858000" cy="9144000"/>
   <p:embeddedFontLst>
     <p:embeddedFont>
       <p:font typeface="Arvo" panose="020B0604020202020204" charset="0"/>
-      <p:regular r:id="rId26"/>
-      <p:bold r:id="rId27"/>
-      <p:italic r:id="rId28"/>
-      <p:boldItalic r:id="rId29"/>
+      <p:regular r:id="rId25"/>
+      <p:bold r:id="rId26"/>
+      <p:italic r:id="rId27"/>
+      <p:boldItalic r:id="rId28"/>
     </p:embeddedFont>
     <p:embeddedFont>
       <p:font typeface="Cabin" panose="020B0604020202020204" charset="0"/>
-      <p:regular r:id="rId30"/>
-      <p:bold r:id="rId31"/>
-      <p:italic r:id="rId32"/>
-      <p:boldItalic r:id="rId33"/>
+      <p:regular r:id="rId29"/>
+      <p:bold r:id="rId30"/>
+      <p:italic r:id="rId31"/>
+      <p:boldItalic r:id="rId32"/>
     </p:embeddedFont>
     <p:embeddedFont>
       <p:font typeface="Cabin Regular" panose="020B0604020202020204" charset="0"/>
-      <p:regular r:id="rId34"/>
-      <p:bold r:id="rId35"/>
-      <p:italic r:id="rId36"/>
-      <p:boldItalic r:id="rId37"/>
+      <p:regular r:id="rId33"/>
+      <p:bold r:id="rId34"/>
+      <p:italic r:id="rId35"/>
+      <p:boldItalic r:id="rId36"/>
     </p:embeddedFont>
     <p:embeddedFont>
-      <p:font typeface="Montserrat" panose="00000500000000000000" pitchFamily="2" charset="0"/>
-      <p:regular r:id="rId38"/>
-      <p:bold r:id="rId39"/>
-      <p:italic r:id="rId40"/>
-      <p:boldItalic r:id="rId41"/>
+      <p:font typeface="Montserrat" panose="00000500000000000000" pitchFamily="50" charset="0"/>
+      <p:regular r:id="rId37"/>
+      <p:bold r:id="rId38"/>
+      <p:italic r:id="rId39"/>
+      <p:boldItalic r:id="rId40"/>
     </p:embeddedFont>
     <p:embeddedFont>
-      <p:font typeface="Montserrat Black" panose="00000A00000000000000" pitchFamily="2" charset="0"/>
-      <p:bold r:id="rId42"/>
-      <p:boldItalic r:id="rId43"/>
+      <p:font typeface="Montserrat Black" panose="00000A00000000000000" pitchFamily="50" charset="0"/>
+      <p:bold r:id="rId41"/>
+      <p:boldItalic r:id="rId42"/>
     </p:embeddedFont>
     <p:embeddedFont>
-      <p:font typeface="Montserrat ExtraBold" panose="00000900000000000000" pitchFamily="2" charset="0"/>
-      <p:bold r:id="rId44"/>
-      <p:boldItalic r:id="rId45"/>
+      <p:font typeface="Montserrat ExtraBold" panose="00000900000000000000" pitchFamily="50" charset="0"/>
+      <p:bold r:id="rId43"/>
+      <p:boldItalic r:id="rId44"/>
     </p:embeddedFont>
     <p:embeddedFont>
-      <p:font typeface="Montserrat Medium" panose="00000600000000000000" pitchFamily="2" charset="0"/>
-      <p:regular r:id="rId46"/>
-      <p:bold r:id="rId47"/>
-      <p:italic r:id="rId48"/>
-      <p:boldItalic r:id="rId49"/>
+      <p:font typeface="Montserrat Medium" panose="00000600000000000000" pitchFamily="50" charset="0"/>
+      <p:regular r:id="rId45"/>
+      <p:bold r:id="rId46"/>
+      <p:italic r:id="rId47"/>
+      <p:boldItalic r:id="rId48"/>
     </p:embeddedFont>
     <p:embeddedFont>
       <p:font typeface="Open Sans" panose="020B0606030504020204" pitchFamily="34" charset="0"/>
-      <p:regular r:id="rId50"/>
-      <p:bold r:id="rId51"/>
-      <p:italic r:id="rId52"/>
-      <p:boldItalic r:id="rId53"/>
+      <p:regular r:id="rId49"/>
+      <p:bold r:id="rId50"/>
+      <p:italic r:id="rId51"/>
+      <p:boldItalic r:id="rId52"/>
     </p:embeddedFont>
     <p:embeddedFont>
       <p:font typeface="PT Sans" panose="020B0604020202020204" charset="0"/>
-      <p:regular r:id="rId54"/>
-      <p:bold r:id="rId55"/>
-      <p:italic r:id="rId56"/>
-      <p:boldItalic r:id="rId57"/>
+      <p:regular r:id="rId53"/>
+      <p:bold r:id="rId54"/>
+      <p:italic r:id="rId55"/>
+      <p:boldItalic r:id="rId56"/>
     </p:embeddedFont>
   </p:embeddedFontLst>
   <p:defaultTextStyle>
@@ -324,6 +323,11 @@
       </a:defRPr>
     </a:lvl9pPr>
   </p:defaultTextStyle>
+  <p:extLst>
+    <p:ext uri="{EFAFB233-063F-42B5-8137-9DF3F51BA10A}">
+      <p15:sldGuideLst xmlns:p15="http://schemas.microsoft.com/office/powerpoint/2012/main"/>
+    </p:ext>
+  </p:extLst>
 </p:presentation>
 </file>
 
@@ -9733,7 +9737,7 @@
         <p:spPr>
           <a:xfrm>
             <a:off x="1274847" y="3402613"/>
-            <a:ext cx="2164009" cy="622088"/>
+            <a:ext cx="2369596" cy="622088"/>
           </a:xfrm>
           <a:prstGeom prst="rect">
             <a:avLst/>
@@ -10416,383 +10420,7 @@
                 </a:solidFill>
                 <a:latin typeface="Montserrat" panose="00000500000000000000" pitchFamily="2" charset="0"/>
               </a:rPr>
-              <a:t>1. Mô tả hệ thống</a:t>
-            </a:r>
-          </a:p>
-          <a:p>
-            <a:endParaRPr lang="en-US" dirty="0">
-              <a:latin typeface="Montserrat" panose="00000500000000000000" pitchFamily="2" charset="0"/>
-            </a:endParaRPr>
-          </a:p>
-        </p:txBody>
-      </p:sp>
-      <p:sp>
-        <p:nvSpPr>
-          <p:cNvPr id="2" name="Slide Number Placeholder 1">
-            <a:extLst>
-              <a:ext uri="{FF2B5EF4-FFF2-40B4-BE49-F238E27FC236}">
-                <a16:creationId xmlns:a16="http://schemas.microsoft.com/office/drawing/2014/main" id="{8240FE17-0AF1-45D8-9BC8-AF258FD540F3}"/>
-              </a:ext>
-            </a:extLst>
-          </p:cNvPr>
-          <p:cNvSpPr>
-            <a:spLocks noGrp="1"/>
-          </p:cNvSpPr>
-          <p:nvPr>
-            <p:ph type="sldNum" idx="12"/>
-          </p:nvPr>
-        </p:nvSpPr>
-        <p:spPr/>
-        <p:txBody>
-          <a:bodyPr/>
-          <a:lstStyle/>
-          <a:p>
-            <a:pPr marL="0" lvl="0" indent="0" algn="l" rtl="0">
-              <a:spcBef>
-                <a:spcPts val="0"/>
-              </a:spcBef>
-              <a:spcAft>
-                <a:spcPts val="0"/>
-              </a:spcAft>
-              <a:buNone/>
-            </a:pPr>
-            <a:fld id="{00000000-1234-1234-1234-123412341234}" type="slidenum">
-              <a:rPr lang="es" smtClean="0">
-                <a:solidFill>
-                  <a:schemeClr val="bg1"/>
-                </a:solidFill>
-              </a:rPr>
-              <a:t>10</a:t>
-            </a:fld>
-            <a:endParaRPr lang="es">
-              <a:solidFill>
-                <a:schemeClr val="bg1"/>
-              </a:solidFill>
-            </a:endParaRPr>
-          </a:p>
-        </p:txBody>
-      </p:sp>
-    </p:spTree>
-    <p:extLst>
-      <p:ext uri="{BB962C8B-B14F-4D97-AF65-F5344CB8AC3E}">
-        <p14:creationId xmlns:p14="http://schemas.microsoft.com/office/powerpoint/2010/main" val="2580596785"/>
-      </p:ext>
-    </p:extLst>
-  </p:cSld>
-  <p:clrMapOvr>
-    <a:masterClrMapping/>
-  </p:clrMapOvr>
-</p:sld>
-</file>
-
-<file path=ppt/slides/slide11.xml><?xml version="1.0" encoding="utf-8"?>
-<p:sld xmlns:a="http://schemas.openxmlformats.org/drawingml/2006/main" xmlns:r="http://schemas.openxmlformats.org/officeDocument/2006/relationships" xmlns:p="http://schemas.openxmlformats.org/presentationml/2006/main">
-  <p:cSld>
-    <p:spTree>
-      <p:nvGrpSpPr>
-        <p:cNvPr id="1" name=""/>
-        <p:cNvGrpSpPr/>
-        <p:nvPr/>
-      </p:nvGrpSpPr>
-      <p:grpSpPr>
-        <a:xfrm>
-          <a:off x="0" y="0"/>
-          <a:ext cx="0" cy="0"/>
-          <a:chOff x="0" y="0"/>
-          <a:chExt cx="0" cy="0"/>
-        </a:xfrm>
-      </p:grpSpPr>
-      <p:sp>
-        <p:nvSpPr>
-          <p:cNvPr id="4" name="Title 3">
-            <a:extLst>
-              <a:ext uri="{FF2B5EF4-FFF2-40B4-BE49-F238E27FC236}">
-                <a16:creationId xmlns:a16="http://schemas.microsoft.com/office/drawing/2014/main" id="{72EF1456-7EBC-43D3-82FF-0972040834A4}"/>
-              </a:ext>
-            </a:extLst>
-          </p:cNvPr>
-          <p:cNvSpPr>
-            <a:spLocks noGrp="1"/>
-          </p:cNvSpPr>
-          <p:nvPr>
-            <p:ph type="ctrTitle"/>
-          </p:nvPr>
-        </p:nvSpPr>
-        <p:spPr/>
-        <p:txBody>
-          <a:bodyPr/>
-          <a:lstStyle/>
-          <a:p>
-            <a:r>
-              <a:rPr lang="en-US" b="1" dirty="0"/>
-              <a:t>2. Nội dung và kết quả</a:t>
-            </a:r>
-          </a:p>
-        </p:txBody>
-      </p:sp>
-      <p:sp>
-        <p:nvSpPr>
-          <p:cNvPr id="5" name="Text Placeholder 3">
-            <a:extLst>
-              <a:ext uri="{FF2B5EF4-FFF2-40B4-BE49-F238E27FC236}">
-                <a16:creationId xmlns:a16="http://schemas.microsoft.com/office/drawing/2014/main" id="{2A31BA36-AD2E-4CD3-A1D5-8CFF0DB3D1EA}"/>
-              </a:ext>
-            </a:extLst>
-          </p:cNvPr>
-          <p:cNvSpPr txBox="1">
-            <a:spLocks/>
-          </p:cNvSpPr>
-          <p:nvPr/>
-        </p:nvSpPr>
-        <p:spPr>
-          <a:xfrm>
-            <a:off x="1258350" y="1069411"/>
-            <a:ext cx="6856950" cy="3347610"/>
-          </a:xfrm>
-          <a:prstGeom prst="rect">
-            <a:avLst/>
-          </a:prstGeom>
-        </p:spPr>
-        <p:txBody>
-          <a:bodyPr/>
-          <a:lstStyle>
-            <a:defPPr marR="0" lvl="0" algn="l" rtl="0">
-              <a:lnSpc>
-                <a:spcPct val="100000"/>
-              </a:lnSpc>
-              <a:spcBef>
-                <a:spcPts val="0"/>
-              </a:spcBef>
-              <a:spcAft>
-                <a:spcPts val="0"/>
-              </a:spcAft>
-            </a:defPPr>
-            <a:lvl1pPr marR="0" lvl="0" algn="l" rtl="0">
-              <a:lnSpc>
-                <a:spcPct val="100000"/>
-              </a:lnSpc>
-              <a:spcBef>
-                <a:spcPts val="0"/>
-              </a:spcBef>
-              <a:spcAft>
-                <a:spcPts val="0"/>
-              </a:spcAft>
-              <a:buClr>
-                <a:srgbClr val="000000"/>
-              </a:buClr>
-              <a:buFont typeface="Arial"/>
-              <a:defRPr sz="1400" b="0" i="0" u="none" strike="noStrike" cap="none">
-                <a:solidFill>
-                  <a:srgbClr val="000000"/>
-                </a:solidFill>
-                <a:latin typeface="Arial"/>
-                <a:ea typeface="Arial"/>
-                <a:cs typeface="Arial"/>
-                <a:sym typeface="Arial"/>
-              </a:defRPr>
-            </a:lvl1pPr>
-            <a:lvl2pPr marR="0" lvl="1" algn="l" rtl="0">
-              <a:lnSpc>
-                <a:spcPct val="100000"/>
-              </a:lnSpc>
-              <a:spcBef>
-                <a:spcPts val="0"/>
-              </a:spcBef>
-              <a:spcAft>
-                <a:spcPts val="0"/>
-              </a:spcAft>
-              <a:buClr>
-                <a:srgbClr val="000000"/>
-              </a:buClr>
-              <a:buFont typeface="Arial"/>
-              <a:defRPr sz="1400" b="0" i="0" u="none" strike="noStrike" cap="none">
-                <a:solidFill>
-                  <a:srgbClr val="000000"/>
-                </a:solidFill>
-                <a:latin typeface="Arial"/>
-                <a:ea typeface="Arial"/>
-                <a:cs typeface="Arial"/>
-                <a:sym typeface="Arial"/>
-              </a:defRPr>
-            </a:lvl2pPr>
-            <a:lvl3pPr marR="0" lvl="2" algn="l" rtl="0">
-              <a:lnSpc>
-                <a:spcPct val="100000"/>
-              </a:lnSpc>
-              <a:spcBef>
-                <a:spcPts val="0"/>
-              </a:spcBef>
-              <a:spcAft>
-                <a:spcPts val="0"/>
-              </a:spcAft>
-              <a:buClr>
-                <a:srgbClr val="000000"/>
-              </a:buClr>
-              <a:buFont typeface="Arial"/>
-              <a:defRPr sz="1400" b="0" i="0" u="none" strike="noStrike" cap="none">
-                <a:solidFill>
-                  <a:srgbClr val="000000"/>
-                </a:solidFill>
-                <a:latin typeface="Arial"/>
-                <a:ea typeface="Arial"/>
-                <a:cs typeface="Arial"/>
-                <a:sym typeface="Arial"/>
-              </a:defRPr>
-            </a:lvl3pPr>
-            <a:lvl4pPr marR="0" lvl="3" algn="l" rtl="0">
-              <a:lnSpc>
-                <a:spcPct val="100000"/>
-              </a:lnSpc>
-              <a:spcBef>
-                <a:spcPts val="0"/>
-              </a:spcBef>
-              <a:spcAft>
-                <a:spcPts val="0"/>
-              </a:spcAft>
-              <a:buClr>
-                <a:srgbClr val="000000"/>
-              </a:buClr>
-              <a:buFont typeface="Arial"/>
-              <a:defRPr sz="1400" b="0" i="0" u="none" strike="noStrike" cap="none">
-                <a:solidFill>
-                  <a:srgbClr val="000000"/>
-                </a:solidFill>
-                <a:latin typeface="Arial"/>
-                <a:ea typeface="Arial"/>
-                <a:cs typeface="Arial"/>
-                <a:sym typeface="Arial"/>
-              </a:defRPr>
-            </a:lvl4pPr>
-            <a:lvl5pPr marR="0" lvl="4" algn="l" rtl="0">
-              <a:lnSpc>
-                <a:spcPct val="100000"/>
-              </a:lnSpc>
-              <a:spcBef>
-                <a:spcPts val="0"/>
-              </a:spcBef>
-              <a:spcAft>
-                <a:spcPts val="0"/>
-              </a:spcAft>
-              <a:buClr>
-                <a:srgbClr val="000000"/>
-              </a:buClr>
-              <a:buFont typeface="Arial"/>
-              <a:defRPr sz="1400" b="0" i="0" u="none" strike="noStrike" cap="none">
-                <a:solidFill>
-                  <a:srgbClr val="000000"/>
-                </a:solidFill>
-                <a:latin typeface="Arial"/>
-                <a:ea typeface="Arial"/>
-                <a:cs typeface="Arial"/>
-                <a:sym typeface="Arial"/>
-              </a:defRPr>
-            </a:lvl5pPr>
-            <a:lvl6pPr marR="0" lvl="5" algn="l" rtl="0">
-              <a:lnSpc>
-                <a:spcPct val="100000"/>
-              </a:lnSpc>
-              <a:spcBef>
-                <a:spcPts val="0"/>
-              </a:spcBef>
-              <a:spcAft>
-                <a:spcPts val="0"/>
-              </a:spcAft>
-              <a:buClr>
-                <a:srgbClr val="000000"/>
-              </a:buClr>
-              <a:buFont typeface="Arial"/>
-              <a:defRPr sz="1400" b="0" i="0" u="none" strike="noStrike" cap="none">
-                <a:solidFill>
-                  <a:srgbClr val="000000"/>
-                </a:solidFill>
-                <a:latin typeface="Arial"/>
-                <a:ea typeface="Arial"/>
-                <a:cs typeface="Arial"/>
-                <a:sym typeface="Arial"/>
-              </a:defRPr>
-            </a:lvl6pPr>
-            <a:lvl7pPr marR="0" lvl="6" algn="l" rtl="0">
-              <a:lnSpc>
-                <a:spcPct val="100000"/>
-              </a:lnSpc>
-              <a:spcBef>
-                <a:spcPts val="0"/>
-              </a:spcBef>
-              <a:spcAft>
-                <a:spcPts val="0"/>
-              </a:spcAft>
-              <a:buClr>
-                <a:srgbClr val="000000"/>
-              </a:buClr>
-              <a:buFont typeface="Arial"/>
-              <a:defRPr sz="1400" b="0" i="0" u="none" strike="noStrike" cap="none">
-                <a:solidFill>
-                  <a:srgbClr val="000000"/>
-                </a:solidFill>
-                <a:latin typeface="Arial"/>
-                <a:ea typeface="Arial"/>
-                <a:cs typeface="Arial"/>
-                <a:sym typeface="Arial"/>
-              </a:defRPr>
-            </a:lvl7pPr>
-            <a:lvl8pPr marR="0" lvl="7" algn="l" rtl="0">
-              <a:lnSpc>
-                <a:spcPct val="100000"/>
-              </a:lnSpc>
-              <a:spcBef>
-                <a:spcPts val="0"/>
-              </a:spcBef>
-              <a:spcAft>
-                <a:spcPts val="0"/>
-              </a:spcAft>
-              <a:buClr>
-                <a:srgbClr val="000000"/>
-              </a:buClr>
-              <a:buFont typeface="Arial"/>
-              <a:defRPr sz="1400" b="0" i="0" u="none" strike="noStrike" cap="none">
-                <a:solidFill>
-                  <a:srgbClr val="000000"/>
-                </a:solidFill>
-                <a:latin typeface="Arial"/>
-                <a:ea typeface="Arial"/>
-                <a:cs typeface="Arial"/>
-                <a:sym typeface="Arial"/>
-              </a:defRPr>
-            </a:lvl8pPr>
-            <a:lvl9pPr marR="0" lvl="8" algn="l" rtl="0">
-              <a:lnSpc>
-                <a:spcPct val="100000"/>
-              </a:lnSpc>
-              <a:spcBef>
-                <a:spcPts val="0"/>
-              </a:spcBef>
-              <a:spcAft>
-                <a:spcPts val="0"/>
-              </a:spcAft>
-              <a:buClr>
-                <a:srgbClr val="000000"/>
-              </a:buClr>
-              <a:buFont typeface="Arial"/>
-              <a:defRPr sz="1400" b="0" i="0" u="none" strike="noStrike" cap="none">
-                <a:solidFill>
-                  <a:srgbClr val="000000"/>
-                </a:solidFill>
-                <a:latin typeface="Arial"/>
-                <a:ea typeface="Arial"/>
-                <a:cs typeface="Arial"/>
-                <a:sym typeface="Arial"/>
-              </a:defRPr>
-            </a:lvl9pPr>
-          </a:lstStyle>
-          <a:p>
-            <a:r>
-              <a:rPr lang="en-US" sz="2000" b="1" dirty="0">
-                <a:solidFill>
-                  <a:srgbClr val="3E516C"/>
-                </a:solidFill>
-                <a:latin typeface="Montserrat" panose="00000500000000000000" pitchFamily="2" charset="0"/>
-              </a:rPr>
-              <a:t>2. Cơ sở lý thuyết</a:t>
+              <a:t>1. Cơ sở lý thuyết</a:t>
             </a:r>
           </a:p>
           <a:p>
@@ -10841,7 +10469,7 @@
                   <a:schemeClr val="bg1"/>
                 </a:solidFill>
               </a:rPr>
-              <a:t>11</a:t>
+              <a:t>10</a:t>
             </a:fld>
             <a:endParaRPr lang="es">
               <a:solidFill>
@@ -12408,6 +12036,691 @@
 </p:sld>
 </file>
 
+<file path=ppt/slides/slide11.xml><?xml version="1.0" encoding="utf-8"?>
+<p:sld xmlns:a="http://schemas.openxmlformats.org/drawingml/2006/main" xmlns:r="http://schemas.openxmlformats.org/officeDocument/2006/relationships" xmlns:p="http://schemas.openxmlformats.org/presentationml/2006/main">
+  <p:cSld>
+    <p:spTree>
+      <p:nvGrpSpPr>
+        <p:cNvPr id="1" name=""/>
+        <p:cNvGrpSpPr/>
+        <p:nvPr/>
+      </p:nvGrpSpPr>
+      <p:grpSpPr>
+        <a:xfrm>
+          <a:off x="0" y="0"/>
+          <a:ext cx="0" cy="0"/>
+          <a:chOff x="0" y="0"/>
+          <a:chExt cx="0" cy="0"/>
+        </a:xfrm>
+      </p:grpSpPr>
+      <p:sp>
+        <p:nvSpPr>
+          <p:cNvPr id="4" name="Title 3">
+            <a:extLst>
+              <a:ext uri="{FF2B5EF4-FFF2-40B4-BE49-F238E27FC236}">
+                <a16:creationId xmlns:a16="http://schemas.microsoft.com/office/drawing/2014/main" id="{72EF1456-7EBC-43D3-82FF-0972040834A4}"/>
+              </a:ext>
+            </a:extLst>
+          </p:cNvPr>
+          <p:cNvSpPr>
+            <a:spLocks noGrp="1"/>
+          </p:cNvSpPr>
+          <p:nvPr>
+            <p:ph type="ctrTitle"/>
+          </p:nvPr>
+        </p:nvSpPr>
+        <p:spPr/>
+        <p:txBody>
+          <a:bodyPr/>
+          <a:lstStyle/>
+          <a:p>
+            <a:r>
+              <a:rPr lang="en-US" b="1" dirty="0"/>
+              <a:t>2. Nội dung và kết quả</a:t>
+            </a:r>
+          </a:p>
+        </p:txBody>
+      </p:sp>
+      <p:sp>
+        <p:nvSpPr>
+          <p:cNvPr id="5" name="Text Placeholder 3">
+            <a:extLst>
+              <a:ext uri="{FF2B5EF4-FFF2-40B4-BE49-F238E27FC236}">
+                <a16:creationId xmlns:a16="http://schemas.microsoft.com/office/drawing/2014/main" id="{2A31BA36-AD2E-4CD3-A1D5-8CFF0DB3D1EA}"/>
+              </a:ext>
+            </a:extLst>
+          </p:cNvPr>
+          <p:cNvSpPr txBox="1">
+            <a:spLocks/>
+          </p:cNvSpPr>
+          <p:nvPr/>
+        </p:nvSpPr>
+        <p:spPr>
+          <a:xfrm>
+            <a:off x="1258350" y="1103685"/>
+            <a:ext cx="6856950" cy="3347610"/>
+          </a:xfrm>
+          <a:prstGeom prst="rect">
+            <a:avLst/>
+          </a:prstGeom>
+        </p:spPr>
+        <p:txBody>
+          <a:bodyPr/>
+          <a:lstStyle>
+            <a:defPPr marR="0" lvl="0" algn="l" rtl="0">
+              <a:lnSpc>
+                <a:spcPct val="100000"/>
+              </a:lnSpc>
+              <a:spcBef>
+                <a:spcPts val="0"/>
+              </a:spcBef>
+              <a:spcAft>
+                <a:spcPts val="0"/>
+              </a:spcAft>
+            </a:defPPr>
+            <a:lvl1pPr marR="0" lvl="0" algn="l" rtl="0">
+              <a:lnSpc>
+                <a:spcPct val="100000"/>
+              </a:lnSpc>
+              <a:spcBef>
+                <a:spcPts val="0"/>
+              </a:spcBef>
+              <a:spcAft>
+                <a:spcPts val="0"/>
+              </a:spcAft>
+              <a:buClr>
+                <a:srgbClr val="000000"/>
+              </a:buClr>
+              <a:buFont typeface="Arial"/>
+              <a:defRPr sz="1400" b="0" i="0" u="none" strike="noStrike" cap="none">
+                <a:solidFill>
+                  <a:srgbClr val="000000"/>
+                </a:solidFill>
+                <a:latin typeface="Arial"/>
+                <a:ea typeface="Arial"/>
+                <a:cs typeface="Arial"/>
+                <a:sym typeface="Arial"/>
+              </a:defRPr>
+            </a:lvl1pPr>
+            <a:lvl2pPr marR="0" lvl="1" algn="l" rtl="0">
+              <a:lnSpc>
+                <a:spcPct val="100000"/>
+              </a:lnSpc>
+              <a:spcBef>
+                <a:spcPts val="0"/>
+              </a:spcBef>
+              <a:spcAft>
+                <a:spcPts val="0"/>
+              </a:spcAft>
+              <a:buClr>
+                <a:srgbClr val="000000"/>
+              </a:buClr>
+              <a:buFont typeface="Arial"/>
+              <a:defRPr sz="1400" b="0" i="0" u="none" strike="noStrike" cap="none">
+                <a:solidFill>
+                  <a:srgbClr val="000000"/>
+                </a:solidFill>
+                <a:latin typeface="Arial"/>
+                <a:ea typeface="Arial"/>
+                <a:cs typeface="Arial"/>
+                <a:sym typeface="Arial"/>
+              </a:defRPr>
+            </a:lvl2pPr>
+            <a:lvl3pPr marR="0" lvl="2" algn="l" rtl="0">
+              <a:lnSpc>
+                <a:spcPct val="100000"/>
+              </a:lnSpc>
+              <a:spcBef>
+                <a:spcPts val="0"/>
+              </a:spcBef>
+              <a:spcAft>
+                <a:spcPts val="0"/>
+              </a:spcAft>
+              <a:buClr>
+                <a:srgbClr val="000000"/>
+              </a:buClr>
+              <a:buFont typeface="Arial"/>
+              <a:defRPr sz="1400" b="0" i="0" u="none" strike="noStrike" cap="none">
+                <a:solidFill>
+                  <a:srgbClr val="000000"/>
+                </a:solidFill>
+                <a:latin typeface="Arial"/>
+                <a:ea typeface="Arial"/>
+                <a:cs typeface="Arial"/>
+                <a:sym typeface="Arial"/>
+              </a:defRPr>
+            </a:lvl3pPr>
+            <a:lvl4pPr marR="0" lvl="3" algn="l" rtl="0">
+              <a:lnSpc>
+                <a:spcPct val="100000"/>
+              </a:lnSpc>
+              <a:spcBef>
+                <a:spcPts val="0"/>
+              </a:spcBef>
+              <a:spcAft>
+                <a:spcPts val="0"/>
+              </a:spcAft>
+              <a:buClr>
+                <a:srgbClr val="000000"/>
+              </a:buClr>
+              <a:buFont typeface="Arial"/>
+              <a:defRPr sz="1400" b="0" i="0" u="none" strike="noStrike" cap="none">
+                <a:solidFill>
+                  <a:srgbClr val="000000"/>
+                </a:solidFill>
+                <a:latin typeface="Arial"/>
+                <a:ea typeface="Arial"/>
+                <a:cs typeface="Arial"/>
+                <a:sym typeface="Arial"/>
+              </a:defRPr>
+            </a:lvl4pPr>
+            <a:lvl5pPr marR="0" lvl="4" algn="l" rtl="0">
+              <a:lnSpc>
+                <a:spcPct val="100000"/>
+              </a:lnSpc>
+              <a:spcBef>
+                <a:spcPts val="0"/>
+              </a:spcBef>
+              <a:spcAft>
+                <a:spcPts val="0"/>
+              </a:spcAft>
+              <a:buClr>
+                <a:srgbClr val="000000"/>
+              </a:buClr>
+              <a:buFont typeface="Arial"/>
+              <a:defRPr sz="1400" b="0" i="0" u="none" strike="noStrike" cap="none">
+                <a:solidFill>
+                  <a:srgbClr val="000000"/>
+                </a:solidFill>
+                <a:latin typeface="Arial"/>
+                <a:ea typeface="Arial"/>
+                <a:cs typeface="Arial"/>
+                <a:sym typeface="Arial"/>
+              </a:defRPr>
+            </a:lvl5pPr>
+            <a:lvl6pPr marR="0" lvl="5" algn="l" rtl="0">
+              <a:lnSpc>
+                <a:spcPct val="100000"/>
+              </a:lnSpc>
+              <a:spcBef>
+                <a:spcPts val="0"/>
+              </a:spcBef>
+              <a:spcAft>
+                <a:spcPts val="0"/>
+              </a:spcAft>
+              <a:buClr>
+                <a:srgbClr val="000000"/>
+              </a:buClr>
+              <a:buFont typeface="Arial"/>
+              <a:defRPr sz="1400" b="0" i="0" u="none" strike="noStrike" cap="none">
+                <a:solidFill>
+                  <a:srgbClr val="000000"/>
+                </a:solidFill>
+                <a:latin typeface="Arial"/>
+                <a:ea typeface="Arial"/>
+                <a:cs typeface="Arial"/>
+                <a:sym typeface="Arial"/>
+              </a:defRPr>
+            </a:lvl6pPr>
+            <a:lvl7pPr marR="0" lvl="6" algn="l" rtl="0">
+              <a:lnSpc>
+                <a:spcPct val="100000"/>
+              </a:lnSpc>
+              <a:spcBef>
+                <a:spcPts val="0"/>
+              </a:spcBef>
+              <a:spcAft>
+                <a:spcPts val="0"/>
+              </a:spcAft>
+              <a:buClr>
+                <a:srgbClr val="000000"/>
+              </a:buClr>
+              <a:buFont typeface="Arial"/>
+              <a:defRPr sz="1400" b="0" i="0" u="none" strike="noStrike" cap="none">
+                <a:solidFill>
+                  <a:srgbClr val="000000"/>
+                </a:solidFill>
+                <a:latin typeface="Arial"/>
+                <a:ea typeface="Arial"/>
+                <a:cs typeface="Arial"/>
+                <a:sym typeface="Arial"/>
+              </a:defRPr>
+            </a:lvl7pPr>
+            <a:lvl8pPr marR="0" lvl="7" algn="l" rtl="0">
+              <a:lnSpc>
+                <a:spcPct val="100000"/>
+              </a:lnSpc>
+              <a:spcBef>
+                <a:spcPts val="0"/>
+              </a:spcBef>
+              <a:spcAft>
+                <a:spcPts val="0"/>
+              </a:spcAft>
+              <a:buClr>
+                <a:srgbClr val="000000"/>
+              </a:buClr>
+              <a:buFont typeface="Arial"/>
+              <a:defRPr sz="1400" b="0" i="0" u="none" strike="noStrike" cap="none">
+                <a:solidFill>
+                  <a:srgbClr val="000000"/>
+                </a:solidFill>
+                <a:latin typeface="Arial"/>
+                <a:ea typeface="Arial"/>
+                <a:cs typeface="Arial"/>
+                <a:sym typeface="Arial"/>
+              </a:defRPr>
+            </a:lvl8pPr>
+            <a:lvl9pPr marR="0" lvl="8" algn="l" rtl="0">
+              <a:lnSpc>
+                <a:spcPct val="100000"/>
+              </a:lnSpc>
+              <a:spcBef>
+                <a:spcPts val="0"/>
+              </a:spcBef>
+              <a:spcAft>
+                <a:spcPts val="0"/>
+              </a:spcAft>
+              <a:buClr>
+                <a:srgbClr val="000000"/>
+              </a:buClr>
+              <a:buFont typeface="Arial"/>
+              <a:defRPr sz="1400" b="0" i="0" u="none" strike="noStrike" cap="none">
+                <a:solidFill>
+                  <a:srgbClr val="000000"/>
+                </a:solidFill>
+                <a:latin typeface="Arial"/>
+                <a:ea typeface="Arial"/>
+                <a:cs typeface="Arial"/>
+                <a:sym typeface="Arial"/>
+              </a:defRPr>
+            </a:lvl9pPr>
+          </a:lstStyle>
+          <a:p>
+            <a:r>
+              <a:rPr lang="en-US" sz="2000" b="1" dirty="0">
+                <a:solidFill>
+                  <a:srgbClr val="3E516C"/>
+                </a:solidFill>
+                <a:latin typeface="Montserrat "/>
+              </a:rPr>
+              <a:t>2. Sơ đồ use case</a:t>
+            </a:r>
+          </a:p>
+          <a:p>
+            <a:r>
+              <a:rPr lang="en-US" dirty="0">
+                <a:latin typeface="Montserrat "/>
+              </a:rPr>
+              <a:t>Sơ đồ use case</a:t>
+            </a:r>
+          </a:p>
+          <a:p>
+            <a:endParaRPr lang="en-US" dirty="0">
+              <a:latin typeface="Montserrat "/>
+            </a:endParaRPr>
+          </a:p>
+        </p:txBody>
+      </p:sp>
+      <p:sp>
+        <p:nvSpPr>
+          <p:cNvPr id="2" name="Slide Number Placeholder 1">
+            <a:extLst>
+              <a:ext uri="{FF2B5EF4-FFF2-40B4-BE49-F238E27FC236}">
+                <a16:creationId xmlns:a16="http://schemas.microsoft.com/office/drawing/2014/main" id="{917892FE-64D4-4E41-8C1A-708B08D55C50}"/>
+              </a:ext>
+            </a:extLst>
+          </p:cNvPr>
+          <p:cNvSpPr>
+            <a:spLocks noGrp="1"/>
+          </p:cNvSpPr>
+          <p:nvPr>
+            <p:ph type="sldNum" idx="12"/>
+          </p:nvPr>
+        </p:nvSpPr>
+        <p:spPr/>
+        <p:txBody>
+          <a:bodyPr/>
+          <a:lstStyle/>
+          <a:p>
+            <a:pPr marL="0" lvl="0" indent="0" algn="l" rtl="0">
+              <a:spcBef>
+                <a:spcPts val="0"/>
+              </a:spcBef>
+              <a:spcAft>
+                <a:spcPts val="0"/>
+              </a:spcAft>
+              <a:buNone/>
+            </a:pPr>
+            <a:fld id="{00000000-1234-1234-1234-123412341234}" type="slidenum">
+              <a:rPr lang="es" smtClean="0">
+                <a:solidFill>
+                  <a:schemeClr val="bg1"/>
+                </a:solidFill>
+              </a:rPr>
+              <a:t>11</a:t>
+            </a:fld>
+            <a:endParaRPr lang="es" dirty="0">
+              <a:solidFill>
+                <a:schemeClr val="bg1"/>
+              </a:solidFill>
+            </a:endParaRPr>
+          </a:p>
+        </p:txBody>
+      </p:sp>
+      <p:pic>
+        <p:nvPicPr>
+          <p:cNvPr id="7" name="Picture 6">
+            <a:extLst>
+              <a:ext uri="{FF2B5EF4-FFF2-40B4-BE49-F238E27FC236}">
+                <a16:creationId xmlns:a16="http://schemas.microsoft.com/office/drawing/2014/main" id="{89F9E3C2-8082-4987-A205-B7A53F5C81C3}"/>
+              </a:ext>
+            </a:extLst>
+          </p:cNvPr>
+          <p:cNvPicPr>
+            <a:picLocks noChangeAspect="1"/>
+          </p:cNvPicPr>
+          <p:nvPr/>
+        </p:nvPicPr>
+        <p:blipFill>
+          <a:blip r:embed="rId2"/>
+          <a:stretch>
+            <a:fillRect/>
+          </a:stretch>
+        </p:blipFill>
+        <p:spPr>
+          <a:xfrm>
+            <a:off x="2766254" y="1463040"/>
+            <a:ext cx="2910646" cy="3138731"/>
+          </a:xfrm>
+          <a:prstGeom prst="rect">
+            <a:avLst/>
+          </a:prstGeom>
+        </p:spPr>
+      </p:pic>
+      <p:sp>
+        <p:nvSpPr>
+          <p:cNvPr id="8" name="Text Placeholder 3">
+            <a:extLst>
+              <a:ext uri="{FF2B5EF4-FFF2-40B4-BE49-F238E27FC236}">
+                <a16:creationId xmlns:a16="http://schemas.microsoft.com/office/drawing/2014/main" id="{1B6F0749-6199-47FF-9307-12A234F61EA9}"/>
+              </a:ext>
+            </a:extLst>
+          </p:cNvPr>
+          <p:cNvSpPr txBox="1">
+            <a:spLocks/>
+          </p:cNvSpPr>
+          <p:nvPr/>
+        </p:nvSpPr>
+        <p:spPr>
+          <a:xfrm>
+            <a:off x="2274515" y="4601771"/>
+            <a:ext cx="4824620" cy="458415"/>
+          </a:xfrm>
+          <a:prstGeom prst="rect">
+            <a:avLst/>
+          </a:prstGeom>
+        </p:spPr>
+        <p:txBody>
+          <a:bodyPr/>
+          <a:lstStyle>
+            <a:defPPr marR="0" lvl="0" algn="l" rtl="0">
+              <a:lnSpc>
+                <a:spcPct val="100000"/>
+              </a:lnSpc>
+              <a:spcBef>
+                <a:spcPts val="0"/>
+              </a:spcBef>
+              <a:spcAft>
+                <a:spcPts val="0"/>
+              </a:spcAft>
+            </a:defPPr>
+            <a:lvl1pPr marR="0" lvl="0" algn="l" rtl="0">
+              <a:lnSpc>
+                <a:spcPct val="100000"/>
+              </a:lnSpc>
+              <a:spcBef>
+                <a:spcPts val="0"/>
+              </a:spcBef>
+              <a:spcAft>
+                <a:spcPts val="0"/>
+              </a:spcAft>
+              <a:buClr>
+                <a:srgbClr val="000000"/>
+              </a:buClr>
+              <a:buFont typeface="Arial"/>
+              <a:defRPr sz="1400" b="0" i="0" u="none" strike="noStrike" cap="none">
+                <a:solidFill>
+                  <a:srgbClr val="000000"/>
+                </a:solidFill>
+                <a:latin typeface="Arial"/>
+                <a:ea typeface="Arial"/>
+                <a:cs typeface="Arial"/>
+                <a:sym typeface="Arial"/>
+              </a:defRPr>
+            </a:lvl1pPr>
+            <a:lvl2pPr marR="0" lvl="1" algn="l" rtl="0">
+              <a:lnSpc>
+                <a:spcPct val="100000"/>
+              </a:lnSpc>
+              <a:spcBef>
+                <a:spcPts val="0"/>
+              </a:spcBef>
+              <a:spcAft>
+                <a:spcPts val="0"/>
+              </a:spcAft>
+              <a:buClr>
+                <a:srgbClr val="000000"/>
+              </a:buClr>
+              <a:buFont typeface="Arial"/>
+              <a:defRPr sz="1400" b="0" i="0" u="none" strike="noStrike" cap="none">
+                <a:solidFill>
+                  <a:srgbClr val="000000"/>
+                </a:solidFill>
+                <a:latin typeface="Arial"/>
+                <a:ea typeface="Arial"/>
+                <a:cs typeface="Arial"/>
+                <a:sym typeface="Arial"/>
+              </a:defRPr>
+            </a:lvl2pPr>
+            <a:lvl3pPr marR="0" lvl="2" algn="l" rtl="0">
+              <a:lnSpc>
+                <a:spcPct val="100000"/>
+              </a:lnSpc>
+              <a:spcBef>
+                <a:spcPts val="0"/>
+              </a:spcBef>
+              <a:spcAft>
+                <a:spcPts val="0"/>
+              </a:spcAft>
+              <a:buClr>
+                <a:srgbClr val="000000"/>
+              </a:buClr>
+              <a:buFont typeface="Arial"/>
+              <a:defRPr sz="1400" b="0" i="0" u="none" strike="noStrike" cap="none">
+                <a:solidFill>
+                  <a:srgbClr val="000000"/>
+                </a:solidFill>
+                <a:latin typeface="Arial"/>
+                <a:ea typeface="Arial"/>
+                <a:cs typeface="Arial"/>
+                <a:sym typeface="Arial"/>
+              </a:defRPr>
+            </a:lvl3pPr>
+            <a:lvl4pPr marR="0" lvl="3" algn="l" rtl="0">
+              <a:lnSpc>
+                <a:spcPct val="100000"/>
+              </a:lnSpc>
+              <a:spcBef>
+                <a:spcPts val="0"/>
+              </a:spcBef>
+              <a:spcAft>
+                <a:spcPts val="0"/>
+              </a:spcAft>
+              <a:buClr>
+                <a:srgbClr val="000000"/>
+              </a:buClr>
+              <a:buFont typeface="Arial"/>
+              <a:defRPr sz="1400" b="0" i="0" u="none" strike="noStrike" cap="none">
+                <a:solidFill>
+                  <a:srgbClr val="000000"/>
+                </a:solidFill>
+                <a:latin typeface="Arial"/>
+                <a:ea typeface="Arial"/>
+                <a:cs typeface="Arial"/>
+                <a:sym typeface="Arial"/>
+              </a:defRPr>
+            </a:lvl4pPr>
+            <a:lvl5pPr marR="0" lvl="4" algn="l" rtl="0">
+              <a:lnSpc>
+                <a:spcPct val="100000"/>
+              </a:lnSpc>
+              <a:spcBef>
+                <a:spcPts val="0"/>
+              </a:spcBef>
+              <a:spcAft>
+                <a:spcPts val="0"/>
+              </a:spcAft>
+              <a:buClr>
+                <a:srgbClr val="000000"/>
+              </a:buClr>
+              <a:buFont typeface="Arial"/>
+              <a:defRPr sz="1400" b="0" i="0" u="none" strike="noStrike" cap="none">
+                <a:solidFill>
+                  <a:srgbClr val="000000"/>
+                </a:solidFill>
+                <a:latin typeface="Arial"/>
+                <a:ea typeface="Arial"/>
+                <a:cs typeface="Arial"/>
+                <a:sym typeface="Arial"/>
+              </a:defRPr>
+            </a:lvl5pPr>
+            <a:lvl6pPr marR="0" lvl="5" algn="l" rtl="0">
+              <a:lnSpc>
+                <a:spcPct val="100000"/>
+              </a:lnSpc>
+              <a:spcBef>
+                <a:spcPts val="0"/>
+              </a:spcBef>
+              <a:spcAft>
+                <a:spcPts val="0"/>
+              </a:spcAft>
+              <a:buClr>
+                <a:srgbClr val="000000"/>
+              </a:buClr>
+              <a:buFont typeface="Arial"/>
+              <a:defRPr sz="1400" b="0" i="0" u="none" strike="noStrike" cap="none">
+                <a:solidFill>
+                  <a:srgbClr val="000000"/>
+                </a:solidFill>
+                <a:latin typeface="Arial"/>
+                <a:ea typeface="Arial"/>
+                <a:cs typeface="Arial"/>
+                <a:sym typeface="Arial"/>
+              </a:defRPr>
+            </a:lvl6pPr>
+            <a:lvl7pPr marR="0" lvl="6" algn="l" rtl="0">
+              <a:lnSpc>
+                <a:spcPct val="100000"/>
+              </a:lnSpc>
+              <a:spcBef>
+                <a:spcPts val="0"/>
+              </a:spcBef>
+              <a:spcAft>
+                <a:spcPts val="0"/>
+              </a:spcAft>
+              <a:buClr>
+                <a:srgbClr val="000000"/>
+              </a:buClr>
+              <a:buFont typeface="Arial"/>
+              <a:defRPr sz="1400" b="0" i="0" u="none" strike="noStrike" cap="none">
+                <a:solidFill>
+                  <a:srgbClr val="000000"/>
+                </a:solidFill>
+                <a:latin typeface="Arial"/>
+                <a:ea typeface="Arial"/>
+                <a:cs typeface="Arial"/>
+                <a:sym typeface="Arial"/>
+              </a:defRPr>
+            </a:lvl7pPr>
+            <a:lvl8pPr marR="0" lvl="7" algn="l" rtl="0">
+              <a:lnSpc>
+                <a:spcPct val="100000"/>
+              </a:lnSpc>
+              <a:spcBef>
+                <a:spcPts val="0"/>
+              </a:spcBef>
+              <a:spcAft>
+                <a:spcPts val="0"/>
+              </a:spcAft>
+              <a:buClr>
+                <a:srgbClr val="000000"/>
+              </a:buClr>
+              <a:buFont typeface="Arial"/>
+              <a:defRPr sz="1400" b="0" i="0" u="none" strike="noStrike" cap="none">
+                <a:solidFill>
+                  <a:srgbClr val="000000"/>
+                </a:solidFill>
+                <a:latin typeface="Arial"/>
+                <a:ea typeface="Arial"/>
+                <a:cs typeface="Arial"/>
+                <a:sym typeface="Arial"/>
+              </a:defRPr>
+            </a:lvl8pPr>
+            <a:lvl9pPr marR="0" lvl="8" algn="l" rtl="0">
+              <a:lnSpc>
+                <a:spcPct val="100000"/>
+              </a:lnSpc>
+              <a:spcBef>
+                <a:spcPts val="0"/>
+              </a:spcBef>
+              <a:spcAft>
+                <a:spcPts val="0"/>
+              </a:spcAft>
+              <a:buClr>
+                <a:srgbClr val="000000"/>
+              </a:buClr>
+              <a:buFont typeface="Arial"/>
+              <a:defRPr sz="1400" b="0" i="0" u="none" strike="noStrike" cap="none">
+                <a:solidFill>
+                  <a:srgbClr val="000000"/>
+                </a:solidFill>
+                <a:latin typeface="Arial"/>
+                <a:ea typeface="Arial"/>
+                <a:cs typeface="Arial"/>
+                <a:sym typeface="Arial"/>
+              </a:defRPr>
+            </a:lvl9pPr>
+          </a:lstStyle>
+          <a:p>
+            <a:r>
+              <a:rPr lang="en-US" i="1" dirty="0">
+                <a:solidFill>
+                  <a:schemeClr val="tx1"/>
+                </a:solidFill>
+                <a:latin typeface="Montserrat "/>
+                <a:cs typeface="Times New Roman" panose="02020603050405020304" pitchFamily="18" charset="0"/>
+              </a:rPr>
+              <a:t>Sơ đồ hoạt vụ của người dùng không có tài khoản</a:t>
+            </a:r>
+            <a:endParaRPr lang="en-US" dirty="0">
+              <a:latin typeface="Montserrat "/>
+            </a:endParaRPr>
+          </a:p>
+        </p:txBody>
+      </p:sp>
+    </p:spTree>
+    <p:extLst>
+      <p:ext uri="{BB962C8B-B14F-4D97-AF65-F5344CB8AC3E}">
+        <p14:creationId xmlns:p14="http://schemas.microsoft.com/office/powerpoint/2010/main" val="3071720949"/>
+      </p:ext>
+    </p:extLst>
+  </p:cSld>
+  <p:clrMapOvr>
+    <a:masterClrMapping/>
+  </p:clrMapOvr>
+</p:sld>
+</file>
+
 <file path=ppt/slides/slide12.xml><?xml version="1.0" encoding="utf-8"?>
 <p:sld xmlns:a="http://schemas.openxmlformats.org/drawingml/2006/main" xmlns:r="http://schemas.openxmlformats.org/officeDocument/2006/relationships" xmlns:p="http://schemas.openxmlformats.org/presentationml/2006/main">
   <p:cSld>
@@ -12715,7 +13028,7 @@
                 </a:solidFill>
                 <a:latin typeface="Montserrat "/>
               </a:rPr>
-              <a:t>3. Thiết kế hệ thống</a:t>
+              <a:t>2. Sơ đồ use case</a:t>
             </a:r>
           </a:p>
           <a:p>
@@ -12779,12 +13092,283 @@
           </a:p>
         </p:txBody>
       </p:sp>
+      <p:sp>
+        <p:nvSpPr>
+          <p:cNvPr id="8" name="Text Placeholder 3">
+            <a:extLst>
+              <a:ext uri="{FF2B5EF4-FFF2-40B4-BE49-F238E27FC236}">
+                <a16:creationId xmlns:a16="http://schemas.microsoft.com/office/drawing/2014/main" id="{1B6F0749-6199-47FF-9307-12A234F61EA9}"/>
+              </a:ext>
+            </a:extLst>
+          </p:cNvPr>
+          <p:cNvSpPr txBox="1">
+            <a:spLocks/>
+          </p:cNvSpPr>
+          <p:nvPr/>
+        </p:nvSpPr>
+        <p:spPr>
+          <a:xfrm>
+            <a:off x="3217421" y="4638225"/>
+            <a:ext cx="2709158" cy="458415"/>
+          </a:xfrm>
+          <a:prstGeom prst="rect">
+            <a:avLst/>
+          </a:prstGeom>
+        </p:spPr>
+        <p:txBody>
+          <a:bodyPr/>
+          <a:lstStyle>
+            <a:defPPr marR="0" lvl="0" algn="l" rtl="0">
+              <a:lnSpc>
+                <a:spcPct val="100000"/>
+              </a:lnSpc>
+              <a:spcBef>
+                <a:spcPts val="0"/>
+              </a:spcBef>
+              <a:spcAft>
+                <a:spcPts val="0"/>
+              </a:spcAft>
+            </a:defPPr>
+            <a:lvl1pPr marR="0" lvl="0" algn="l" rtl="0">
+              <a:lnSpc>
+                <a:spcPct val="100000"/>
+              </a:lnSpc>
+              <a:spcBef>
+                <a:spcPts val="0"/>
+              </a:spcBef>
+              <a:spcAft>
+                <a:spcPts val="0"/>
+              </a:spcAft>
+              <a:buClr>
+                <a:srgbClr val="000000"/>
+              </a:buClr>
+              <a:buFont typeface="Arial"/>
+              <a:defRPr sz="1400" b="0" i="0" u="none" strike="noStrike" cap="none">
+                <a:solidFill>
+                  <a:srgbClr val="000000"/>
+                </a:solidFill>
+                <a:latin typeface="Arial"/>
+                <a:ea typeface="Arial"/>
+                <a:cs typeface="Arial"/>
+                <a:sym typeface="Arial"/>
+              </a:defRPr>
+            </a:lvl1pPr>
+            <a:lvl2pPr marR="0" lvl="1" algn="l" rtl="0">
+              <a:lnSpc>
+                <a:spcPct val="100000"/>
+              </a:lnSpc>
+              <a:spcBef>
+                <a:spcPts val="0"/>
+              </a:spcBef>
+              <a:spcAft>
+                <a:spcPts val="0"/>
+              </a:spcAft>
+              <a:buClr>
+                <a:srgbClr val="000000"/>
+              </a:buClr>
+              <a:buFont typeface="Arial"/>
+              <a:defRPr sz="1400" b="0" i="0" u="none" strike="noStrike" cap="none">
+                <a:solidFill>
+                  <a:srgbClr val="000000"/>
+                </a:solidFill>
+                <a:latin typeface="Arial"/>
+                <a:ea typeface="Arial"/>
+                <a:cs typeface="Arial"/>
+                <a:sym typeface="Arial"/>
+              </a:defRPr>
+            </a:lvl2pPr>
+            <a:lvl3pPr marR="0" lvl="2" algn="l" rtl="0">
+              <a:lnSpc>
+                <a:spcPct val="100000"/>
+              </a:lnSpc>
+              <a:spcBef>
+                <a:spcPts val="0"/>
+              </a:spcBef>
+              <a:spcAft>
+                <a:spcPts val="0"/>
+              </a:spcAft>
+              <a:buClr>
+                <a:srgbClr val="000000"/>
+              </a:buClr>
+              <a:buFont typeface="Arial"/>
+              <a:defRPr sz="1400" b="0" i="0" u="none" strike="noStrike" cap="none">
+                <a:solidFill>
+                  <a:srgbClr val="000000"/>
+                </a:solidFill>
+                <a:latin typeface="Arial"/>
+                <a:ea typeface="Arial"/>
+                <a:cs typeface="Arial"/>
+                <a:sym typeface="Arial"/>
+              </a:defRPr>
+            </a:lvl3pPr>
+            <a:lvl4pPr marR="0" lvl="3" algn="l" rtl="0">
+              <a:lnSpc>
+                <a:spcPct val="100000"/>
+              </a:lnSpc>
+              <a:spcBef>
+                <a:spcPts val="0"/>
+              </a:spcBef>
+              <a:spcAft>
+                <a:spcPts val="0"/>
+              </a:spcAft>
+              <a:buClr>
+                <a:srgbClr val="000000"/>
+              </a:buClr>
+              <a:buFont typeface="Arial"/>
+              <a:defRPr sz="1400" b="0" i="0" u="none" strike="noStrike" cap="none">
+                <a:solidFill>
+                  <a:srgbClr val="000000"/>
+                </a:solidFill>
+                <a:latin typeface="Arial"/>
+                <a:ea typeface="Arial"/>
+                <a:cs typeface="Arial"/>
+                <a:sym typeface="Arial"/>
+              </a:defRPr>
+            </a:lvl4pPr>
+            <a:lvl5pPr marR="0" lvl="4" algn="l" rtl="0">
+              <a:lnSpc>
+                <a:spcPct val="100000"/>
+              </a:lnSpc>
+              <a:spcBef>
+                <a:spcPts val="0"/>
+              </a:spcBef>
+              <a:spcAft>
+                <a:spcPts val="0"/>
+              </a:spcAft>
+              <a:buClr>
+                <a:srgbClr val="000000"/>
+              </a:buClr>
+              <a:buFont typeface="Arial"/>
+              <a:defRPr sz="1400" b="0" i="0" u="none" strike="noStrike" cap="none">
+                <a:solidFill>
+                  <a:srgbClr val="000000"/>
+                </a:solidFill>
+                <a:latin typeface="Arial"/>
+                <a:ea typeface="Arial"/>
+                <a:cs typeface="Arial"/>
+                <a:sym typeface="Arial"/>
+              </a:defRPr>
+            </a:lvl5pPr>
+            <a:lvl6pPr marR="0" lvl="5" algn="l" rtl="0">
+              <a:lnSpc>
+                <a:spcPct val="100000"/>
+              </a:lnSpc>
+              <a:spcBef>
+                <a:spcPts val="0"/>
+              </a:spcBef>
+              <a:spcAft>
+                <a:spcPts val="0"/>
+              </a:spcAft>
+              <a:buClr>
+                <a:srgbClr val="000000"/>
+              </a:buClr>
+              <a:buFont typeface="Arial"/>
+              <a:defRPr sz="1400" b="0" i="0" u="none" strike="noStrike" cap="none">
+                <a:solidFill>
+                  <a:srgbClr val="000000"/>
+                </a:solidFill>
+                <a:latin typeface="Arial"/>
+                <a:ea typeface="Arial"/>
+                <a:cs typeface="Arial"/>
+                <a:sym typeface="Arial"/>
+              </a:defRPr>
+            </a:lvl6pPr>
+            <a:lvl7pPr marR="0" lvl="6" algn="l" rtl="0">
+              <a:lnSpc>
+                <a:spcPct val="100000"/>
+              </a:lnSpc>
+              <a:spcBef>
+                <a:spcPts val="0"/>
+              </a:spcBef>
+              <a:spcAft>
+                <a:spcPts val="0"/>
+              </a:spcAft>
+              <a:buClr>
+                <a:srgbClr val="000000"/>
+              </a:buClr>
+              <a:buFont typeface="Arial"/>
+              <a:defRPr sz="1400" b="0" i="0" u="none" strike="noStrike" cap="none">
+                <a:solidFill>
+                  <a:srgbClr val="000000"/>
+                </a:solidFill>
+                <a:latin typeface="Arial"/>
+                <a:ea typeface="Arial"/>
+                <a:cs typeface="Arial"/>
+                <a:sym typeface="Arial"/>
+              </a:defRPr>
+            </a:lvl7pPr>
+            <a:lvl8pPr marR="0" lvl="7" algn="l" rtl="0">
+              <a:lnSpc>
+                <a:spcPct val="100000"/>
+              </a:lnSpc>
+              <a:spcBef>
+                <a:spcPts val="0"/>
+              </a:spcBef>
+              <a:spcAft>
+                <a:spcPts val="0"/>
+              </a:spcAft>
+              <a:buClr>
+                <a:srgbClr val="000000"/>
+              </a:buClr>
+              <a:buFont typeface="Arial"/>
+              <a:defRPr sz="1400" b="0" i="0" u="none" strike="noStrike" cap="none">
+                <a:solidFill>
+                  <a:srgbClr val="000000"/>
+                </a:solidFill>
+                <a:latin typeface="Arial"/>
+                <a:ea typeface="Arial"/>
+                <a:cs typeface="Arial"/>
+                <a:sym typeface="Arial"/>
+              </a:defRPr>
+            </a:lvl8pPr>
+            <a:lvl9pPr marR="0" lvl="8" algn="l" rtl="0">
+              <a:lnSpc>
+                <a:spcPct val="100000"/>
+              </a:lnSpc>
+              <a:spcBef>
+                <a:spcPts val="0"/>
+              </a:spcBef>
+              <a:spcAft>
+                <a:spcPts val="0"/>
+              </a:spcAft>
+              <a:buClr>
+                <a:srgbClr val="000000"/>
+              </a:buClr>
+              <a:buFont typeface="Arial"/>
+              <a:defRPr sz="1400" b="0" i="0" u="none" strike="noStrike" cap="none">
+                <a:solidFill>
+                  <a:srgbClr val="000000"/>
+                </a:solidFill>
+                <a:latin typeface="Arial"/>
+                <a:ea typeface="Arial"/>
+                <a:cs typeface="Arial"/>
+                <a:sym typeface="Arial"/>
+              </a:defRPr>
+            </a:lvl9pPr>
+          </a:lstStyle>
+          <a:p>
+            <a:r>
+              <a:rPr lang="en-US" i="1" dirty="0">
+                <a:solidFill>
+                  <a:schemeClr val="tx1"/>
+                </a:solidFill>
+                <a:latin typeface="Montserrat "/>
+                <a:cs typeface="Times New Roman" panose="02020603050405020304" pitchFamily="18" charset="0"/>
+              </a:rPr>
+              <a:t>Sơ đồ hoạt vụ của học viên</a:t>
+            </a:r>
+            <a:endParaRPr lang="en-US" dirty="0">
+              <a:latin typeface="Montserrat "/>
+            </a:endParaRPr>
+          </a:p>
+        </p:txBody>
+      </p:sp>
       <p:pic>
         <p:nvPicPr>
-          <p:cNvPr id="7" name="Picture 6">
+          <p:cNvPr id="6" name="Picture 5">
             <a:extLst>
               <a:ext uri="{FF2B5EF4-FFF2-40B4-BE49-F238E27FC236}">
-                <a16:creationId xmlns:a16="http://schemas.microsoft.com/office/drawing/2014/main" id="{89F9E3C2-8082-4987-A205-B7A53F5C81C3}"/>
+                <a16:creationId xmlns:a16="http://schemas.microsoft.com/office/drawing/2014/main" id="{B5931ECC-BDD6-4D6B-B1A3-0062EB64C9CE}"/>
               </a:ext>
             </a:extLst>
           </p:cNvPr>
@@ -12801,289 +13385,18 @@
         </p:blipFill>
         <p:spPr>
           <a:xfrm>
-            <a:off x="2766254" y="1463040"/>
-            <a:ext cx="2910646" cy="3138731"/>
+            <a:off x="3710451" y="1531263"/>
+            <a:ext cx="1219689" cy="3070508"/>
           </a:xfrm>
           <a:prstGeom prst="rect">
             <a:avLst/>
           </a:prstGeom>
         </p:spPr>
       </p:pic>
-      <p:sp>
-        <p:nvSpPr>
-          <p:cNvPr id="8" name="Text Placeholder 3">
-            <a:extLst>
-              <a:ext uri="{FF2B5EF4-FFF2-40B4-BE49-F238E27FC236}">
-                <a16:creationId xmlns:a16="http://schemas.microsoft.com/office/drawing/2014/main" id="{1B6F0749-6199-47FF-9307-12A234F61EA9}"/>
-              </a:ext>
-            </a:extLst>
-          </p:cNvPr>
-          <p:cNvSpPr txBox="1">
-            <a:spLocks/>
-          </p:cNvSpPr>
-          <p:nvPr/>
-        </p:nvSpPr>
-        <p:spPr>
-          <a:xfrm>
-            <a:off x="2274515" y="4601771"/>
-            <a:ext cx="4824620" cy="458415"/>
-          </a:xfrm>
-          <a:prstGeom prst="rect">
-            <a:avLst/>
-          </a:prstGeom>
-        </p:spPr>
-        <p:txBody>
-          <a:bodyPr/>
-          <a:lstStyle>
-            <a:defPPr marR="0" lvl="0" algn="l" rtl="0">
-              <a:lnSpc>
-                <a:spcPct val="100000"/>
-              </a:lnSpc>
-              <a:spcBef>
-                <a:spcPts val="0"/>
-              </a:spcBef>
-              <a:spcAft>
-                <a:spcPts val="0"/>
-              </a:spcAft>
-            </a:defPPr>
-            <a:lvl1pPr marR="0" lvl="0" algn="l" rtl="0">
-              <a:lnSpc>
-                <a:spcPct val="100000"/>
-              </a:lnSpc>
-              <a:spcBef>
-                <a:spcPts val="0"/>
-              </a:spcBef>
-              <a:spcAft>
-                <a:spcPts val="0"/>
-              </a:spcAft>
-              <a:buClr>
-                <a:srgbClr val="000000"/>
-              </a:buClr>
-              <a:buFont typeface="Arial"/>
-              <a:defRPr sz="1400" b="0" i="0" u="none" strike="noStrike" cap="none">
-                <a:solidFill>
-                  <a:srgbClr val="000000"/>
-                </a:solidFill>
-                <a:latin typeface="Arial"/>
-                <a:ea typeface="Arial"/>
-                <a:cs typeface="Arial"/>
-                <a:sym typeface="Arial"/>
-              </a:defRPr>
-            </a:lvl1pPr>
-            <a:lvl2pPr marR="0" lvl="1" algn="l" rtl="0">
-              <a:lnSpc>
-                <a:spcPct val="100000"/>
-              </a:lnSpc>
-              <a:spcBef>
-                <a:spcPts val="0"/>
-              </a:spcBef>
-              <a:spcAft>
-                <a:spcPts val="0"/>
-              </a:spcAft>
-              <a:buClr>
-                <a:srgbClr val="000000"/>
-              </a:buClr>
-              <a:buFont typeface="Arial"/>
-              <a:defRPr sz="1400" b="0" i="0" u="none" strike="noStrike" cap="none">
-                <a:solidFill>
-                  <a:srgbClr val="000000"/>
-                </a:solidFill>
-                <a:latin typeface="Arial"/>
-                <a:ea typeface="Arial"/>
-                <a:cs typeface="Arial"/>
-                <a:sym typeface="Arial"/>
-              </a:defRPr>
-            </a:lvl2pPr>
-            <a:lvl3pPr marR="0" lvl="2" algn="l" rtl="0">
-              <a:lnSpc>
-                <a:spcPct val="100000"/>
-              </a:lnSpc>
-              <a:spcBef>
-                <a:spcPts val="0"/>
-              </a:spcBef>
-              <a:spcAft>
-                <a:spcPts val="0"/>
-              </a:spcAft>
-              <a:buClr>
-                <a:srgbClr val="000000"/>
-              </a:buClr>
-              <a:buFont typeface="Arial"/>
-              <a:defRPr sz="1400" b="0" i="0" u="none" strike="noStrike" cap="none">
-                <a:solidFill>
-                  <a:srgbClr val="000000"/>
-                </a:solidFill>
-                <a:latin typeface="Arial"/>
-                <a:ea typeface="Arial"/>
-                <a:cs typeface="Arial"/>
-                <a:sym typeface="Arial"/>
-              </a:defRPr>
-            </a:lvl3pPr>
-            <a:lvl4pPr marR="0" lvl="3" algn="l" rtl="0">
-              <a:lnSpc>
-                <a:spcPct val="100000"/>
-              </a:lnSpc>
-              <a:spcBef>
-                <a:spcPts val="0"/>
-              </a:spcBef>
-              <a:spcAft>
-                <a:spcPts val="0"/>
-              </a:spcAft>
-              <a:buClr>
-                <a:srgbClr val="000000"/>
-              </a:buClr>
-              <a:buFont typeface="Arial"/>
-              <a:defRPr sz="1400" b="0" i="0" u="none" strike="noStrike" cap="none">
-                <a:solidFill>
-                  <a:srgbClr val="000000"/>
-                </a:solidFill>
-                <a:latin typeface="Arial"/>
-                <a:ea typeface="Arial"/>
-                <a:cs typeface="Arial"/>
-                <a:sym typeface="Arial"/>
-              </a:defRPr>
-            </a:lvl4pPr>
-            <a:lvl5pPr marR="0" lvl="4" algn="l" rtl="0">
-              <a:lnSpc>
-                <a:spcPct val="100000"/>
-              </a:lnSpc>
-              <a:spcBef>
-                <a:spcPts val="0"/>
-              </a:spcBef>
-              <a:spcAft>
-                <a:spcPts val="0"/>
-              </a:spcAft>
-              <a:buClr>
-                <a:srgbClr val="000000"/>
-              </a:buClr>
-              <a:buFont typeface="Arial"/>
-              <a:defRPr sz="1400" b="0" i="0" u="none" strike="noStrike" cap="none">
-                <a:solidFill>
-                  <a:srgbClr val="000000"/>
-                </a:solidFill>
-                <a:latin typeface="Arial"/>
-                <a:ea typeface="Arial"/>
-                <a:cs typeface="Arial"/>
-                <a:sym typeface="Arial"/>
-              </a:defRPr>
-            </a:lvl5pPr>
-            <a:lvl6pPr marR="0" lvl="5" algn="l" rtl="0">
-              <a:lnSpc>
-                <a:spcPct val="100000"/>
-              </a:lnSpc>
-              <a:spcBef>
-                <a:spcPts val="0"/>
-              </a:spcBef>
-              <a:spcAft>
-                <a:spcPts val="0"/>
-              </a:spcAft>
-              <a:buClr>
-                <a:srgbClr val="000000"/>
-              </a:buClr>
-              <a:buFont typeface="Arial"/>
-              <a:defRPr sz="1400" b="0" i="0" u="none" strike="noStrike" cap="none">
-                <a:solidFill>
-                  <a:srgbClr val="000000"/>
-                </a:solidFill>
-                <a:latin typeface="Arial"/>
-                <a:ea typeface="Arial"/>
-                <a:cs typeface="Arial"/>
-                <a:sym typeface="Arial"/>
-              </a:defRPr>
-            </a:lvl6pPr>
-            <a:lvl7pPr marR="0" lvl="6" algn="l" rtl="0">
-              <a:lnSpc>
-                <a:spcPct val="100000"/>
-              </a:lnSpc>
-              <a:spcBef>
-                <a:spcPts val="0"/>
-              </a:spcBef>
-              <a:spcAft>
-                <a:spcPts val="0"/>
-              </a:spcAft>
-              <a:buClr>
-                <a:srgbClr val="000000"/>
-              </a:buClr>
-              <a:buFont typeface="Arial"/>
-              <a:defRPr sz="1400" b="0" i="0" u="none" strike="noStrike" cap="none">
-                <a:solidFill>
-                  <a:srgbClr val="000000"/>
-                </a:solidFill>
-                <a:latin typeface="Arial"/>
-                <a:ea typeface="Arial"/>
-                <a:cs typeface="Arial"/>
-                <a:sym typeface="Arial"/>
-              </a:defRPr>
-            </a:lvl7pPr>
-            <a:lvl8pPr marR="0" lvl="7" algn="l" rtl="0">
-              <a:lnSpc>
-                <a:spcPct val="100000"/>
-              </a:lnSpc>
-              <a:spcBef>
-                <a:spcPts val="0"/>
-              </a:spcBef>
-              <a:spcAft>
-                <a:spcPts val="0"/>
-              </a:spcAft>
-              <a:buClr>
-                <a:srgbClr val="000000"/>
-              </a:buClr>
-              <a:buFont typeface="Arial"/>
-              <a:defRPr sz="1400" b="0" i="0" u="none" strike="noStrike" cap="none">
-                <a:solidFill>
-                  <a:srgbClr val="000000"/>
-                </a:solidFill>
-                <a:latin typeface="Arial"/>
-                <a:ea typeface="Arial"/>
-                <a:cs typeface="Arial"/>
-                <a:sym typeface="Arial"/>
-              </a:defRPr>
-            </a:lvl8pPr>
-            <a:lvl9pPr marR="0" lvl="8" algn="l" rtl="0">
-              <a:lnSpc>
-                <a:spcPct val="100000"/>
-              </a:lnSpc>
-              <a:spcBef>
-                <a:spcPts val="0"/>
-              </a:spcBef>
-              <a:spcAft>
-                <a:spcPts val="0"/>
-              </a:spcAft>
-              <a:buClr>
-                <a:srgbClr val="000000"/>
-              </a:buClr>
-              <a:buFont typeface="Arial"/>
-              <a:defRPr sz="1400" b="0" i="0" u="none" strike="noStrike" cap="none">
-                <a:solidFill>
-                  <a:srgbClr val="000000"/>
-                </a:solidFill>
-                <a:latin typeface="Arial"/>
-                <a:ea typeface="Arial"/>
-                <a:cs typeface="Arial"/>
-                <a:sym typeface="Arial"/>
-              </a:defRPr>
-            </a:lvl9pPr>
-          </a:lstStyle>
-          <a:p>
-            <a:r>
-              <a:rPr lang="en-US" i="1" dirty="0">
-                <a:solidFill>
-                  <a:schemeClr val="tx1"/>
-                </a:solidFill>
-                <a:latin typeface="Montserrat "/>
-                <a:cs typeface="Times New Roman" panose="02020603050405020304" pitchFamily="18" charset="0"/>
-              </a:rPr>
-              <a:t>Sơ đồ hoạt vụ của người dùng không có tài khoản</a:t>
-            </a:r>
-            <a:endParaRPr lang="en-US" dirty="0">
-              <a:latin typeface="Montserrat "/>
-            </a:endParaRPr>
-          </a:p>
-        </p:txBody>
-      </p:sp>
     </p:spTree>
     <p:extLst>
       <p:ext uri="{BB962C8B-B14F-4D97-AF65-F5344CB8AC3E}">
-        <p14:creationId xmlns:p14="http://schemas.microsoft.com/office/powerpoint/2010/main" val="3071720949"/>
+        <p14:creationId xmlns:p14="http://schemas.microsoft.com/office/powerpoint/2010/main" val="2803990864"/>
       </p:ext>
     </p:extLst>
   </p:cSld>
@@ -13400,7 +13713,7 @@
                 </a:solidFill>
                 <a:latin typeface="Montserrat "/>
               </a:rPr>
-              <a:t>3. Thiết kế hệ thống</a:t>
+              <a:t>2. Sơ đồ use case</a:t>
             </a:r>
           </a:p>
           <a:p>
@@ -13480,8 +13793,8 @@
         </p:nvSpPr>
         <p:spPr>
           <a:xfrm>
-            <a:off x="3217421" y="4638225"/>
-            <a:ext cx="2709158" cy="458415"/>
+            <a:off x="3213652" y="4628902"/>
+            <a:ext cx="2430863" cy="458415"/>
           </a:xfrm>
           <a:prstGeom prst="rect">
             <a:avLst/>
@@ -13727,7 +14040,7 @@
                 <a:latin typeface="Montserrat "/>
                 <a:cs typeface="Times New Roman" panose="02020603050405020304" pitchFamily="18" charset="0"/>
               </a:rPr>
-              <a:t>Sơ đồ hoạt vụ của học viên</a:t>
+              <a:t>Sơ đồ hoạt vụ của gia sư</a:t>
             </a:r>
             <a:endParaRPr lang="en-US" dirty="0">
               <a:latin typeface="Montserrat "/>
@@ -13737,10 +14050,10 @@
       </p:sp>
       <p:pic>
         <p:nvPicPr>
-          <p:cNvPr id="6" name="Picture 5">
+          <p:cNvPr id="7" name="Picture 6">
             <a:extLst>
               <a:ext uri="{FF2B5EF4-FFF2-40B4-BE49-F238E27FC236}">
-                <a16:creationId xmlns:a16="http://schemas.microsoft.com/office/drawing/2014/main" id="{B5931ECC-BDD6-4D6B-B1A3-0062EB64C9CE}"/>
+                <a16:creationId xmlns:a16="http://schemas.microsoft.com/office/drawing/2014/main" id="{6291808E-A4F7-43B4-9296-0164B9D91D36}"/>
               </a:ext>
             </a:extLst>
           </p:cNvPr>
@@ -13757,8 +14070,8 @@
         </p:blipFill>
         <p:spPr>
           <a:xfrm>
-            <a:off x="3710451" y="1531263"/>
-            <a:ext cx="1219689" cy="3070508"/>
+            <a:off x="2765984" y="1459600"/>
+            <a:ext cx="3451936" cy="3025969"/>
           </a:xfrm>
           <a:prstGeom prst="rect">
             <a:avLst/>
@@ -13768,7 +14081,7 @@
     </p:spTree>
     <p:extLst>
       <p:ext uri="{BB962C8B-B14F-4D97-AF65-F5344CB8AC3E}">
-        <p14:creationId xmlns:p14="http://schemas.microsoft.com/office/powerpoint/2010/main" val="2803990864"/>
+        <p14:creationId xmlns:p14="http://schemas.microsoft.com/office/powerpoint/2010/main" val="4100631414"/>
       </p:ext>
     </p:extLst>
   </p:cSld>
@@ -14085,7 +14398,7 @@
                 </a:solidFill>
                 <a:latin typeface="Montserrat "/>
               </a:rPr>
-              <a:t>3. Thiết kế hệ thống</a:t>
+              <a:t>2. Sơ đồ use case</a:t>
             </a:r>
           </a:p>
           <a:p>
@@ -14165,8 +14478,8 @@
         </p:nvSpPr>
         <p:spPr>
           <a:xfrm>
-            <a:off x="3213652" y="4628902"/>
-            <a:ext cx="2430863" cy="458415"/>
+            <a:off x="2948610" y="4628902"/>
+            <a:ext cx="3055950" cy="458415"/>
           </a:xfrm>
           <a:prstGeom prst="rect">
             <a:avLst/>
@@ -14412,7 +14725,7 @@
                 <a:latin typeface="Montserrat "/>
                 <a:cs typeface="Times New Roman" panose="02020603050405020304" pitchFamily="18" charset="0"/>
               </a:rPr>
-              <a:t>Sơ đồ hoạt vụ của gia sư</a:t>
+              <a:t>Sơ đồ hoạt vụ của quản trị viên</a:t>
             </a:r>
             <a:endParaRPr lang="en-US" dirty="0">
               <a:latin typeface="Montserrat "/>
@@ -14425,7 +14738,7 @@
           <p:cNvPr id="7" name="Picture 6">
             <a:extLst>
               <a:ext uri="{FF2B5EF4-FFF2-40B4-BE49-F238E27FC236}">
-                <a16:creationId xmlns:a16="http://schemas.microsoft.com/office/drawing/2014/main" id="{6291808E-A4F7-43B4-9296-0164B9D91D36}"/>
+                <a16:creationId xmlns:a16="http://schemas.microsoft.com/office/drawing/2014/main" id="{B0A5E455-BEBB-4AB4-8CB8-ED1C8DC78B86}"/>
               </a:ext>
             </a:extLst>
           </p:cNvPr>
@@ -14442,8 +14755,8 @@
         </p:blipFill>
         <p:spPr>
           <a:xfrm>
-            <a:off x="2765984" y="1459600"/>
-            <a:ext cx="3451936" cy="3025969"/>
+            <a:off x="2678746" y="1466227"/>
+            <a:ext cx="4404541" cy="3162675"/>
           </a:xfrm>
           <a:prstGeom prst="rect">
             <a:avLst/>
@@ -14453,7 +14766,7 @@
     </p:spTree>
     <p:extLst>
       <p:ext uri="{BB962C8B-B14F-4D97-AF65-F5344CB8AC3E}">
-        <p14:creationId xmlns:p14="http://schemas.microsoft.com/office/powerpoint/2010/main" val="4100631414"/>
+        <p14:creationId xmlns:p14="http://schemas.microsoft.com/office/powerpoint/2010/main" val="3288045863"/>
       </p:ext>
     </p:extLst>
   </p:cSld>
@@ -14768,23 +15081,13 @@
                 <a:solidFill>
                   <a:srgbClr val="3E516C"/>
                 </a:solidFill>
-                <a:latin typeface="Montserrat "/>
+                <a:latin typeface="Montserrat" panose="00000500000000000000" pitchFamily="2" charset="0"/>
               </a:rPr>
-              <a:t>3. Thiết kế hệ thống</a:t>
+              <a:t>3. Thiết kế mô hình</a:t>
             </a:r>
           </a:p>
           <a:p>
-            <a:r>
-              <a:rPr lang="en-US" dirty="0">
-                <a:latin typeface="Montserrat "/>
-              </a:rPr>
-              <a:t>Sơ đồ use case</a:t>
-            </a:r>
-          </a:p>
-          <a:p>
-            <a:endParaRPr lang="en-US" dirty="0">
-              <a:latin typeface="Montserrat "/>
-            </a:endParaRPr>
+            <a:endParaRPr lang="en-US" dirty="0"/>
           </a:p>
         </p:txBody>
       </p:sp>
@@ -14850,8 +15153,8 @@
         </p:nvSpPr>
         <p:spPr>
           <a:xfrm>
-            <a:off x="2948610" y="4628902"/>
-            <a:ext cx="3055950" cy="458415"/>
+            <a:off x="2578740" y="4637913"/>
+            <a:ext cx="4644362" cy="458415"/>
           </a:xfrm>
           <a:prstGeom prst="rect">
             <a:avLst/>
@@ -15097,7 +15400,7 @@
                 <a:latin typeface="Montserrat "/>
                 <a:cs typeface="Times New Roman" panose="02020603050405020304" pitchFamily="18" charset="0"/>
               </a:rPr>
-              <a:t>Sơ đồ hoạt vụ của quản trị viên</a:t>
+              <a:t>Mô hình dữ liệu mức quan niệm (CDM) (trang 31)</a:t>
             </a:r>
             <a:endParaRPr lang="en-US" dirty="0">
               <a:latin typeface="Montserrat "/>
@@ -15107,10 +15410,10 @@
       </p:sp>
       <p:pic>
         <p:nvPicPr>
-          <p:cNvPr id="7" name="Picture 6">
+          <p:cNvPr id="6" name="Picture 5">
             <a:extLst>
               <a:ext uri="{FF2B5EF4-FFF2-40B4-BE49-F238E27FC236}">
-                <a16:creationId xmlns:a16="http://schemas.microsoft.com/office/drawing/2014/main" id="{B0A5E455-BEBB-4AB4-8CB8-ED1C8DC78B86}"/>
+                <a16:creationId xmlns:a16="http://schemas.microsoft.com/office/drawing/2014/main" id="{6D698042-63AD-478E-A42E-029A1CE09E65}"/>
               </a:ext>
             </a:extLst>
           </p:cNvPr>
@@ -15127,8 +15430,8 @@
         </p:blipFill>
         <p:spPr>
           <a:xfrm>
-            <a:off x="2678746" y="1466227"/>
-            <a:ext cx="4404541" cy="3162675"/>
+            <a:off x="2875328" y="1499879"/>
+            <a:ext cx="3317855" cy="3040220"/>
           </a:xfrm>
           <a:prstGeom prst="rect">
             <a:avLst/>
@@ -15138,7 +15441,7 @@
     </p:spTree>
     <p:extLst>
       <p:ext uri="{BB962C8B-B14F-4D97-AF65-F5344CB8AC3E}">
-        <p14:creationId xmlns:p14="http://schemas.microsoft.com/office/powerpoint/2010/main" val="3288045863"/>
+        <p14:creationId xmlns:p14="http://schemas.microsoft.com/office/powerpoint/2010/main" val="1869140198"/>
       </p:ext>
     </p:extLst>
   </p:cSld>
@@ -15455,7 +15758,7 @@
                 </a:solidFill>
                 <a:latin typeface="Montserrat" panose="00000500000000000000" pitchFamily="2" charset="0"/>
               </a:rPr>
-              <a:t>3. Thiết kế hệ thống</a:t>
+              <a:t>3. Thiết kế mô hình</a:t>
             </a:r>
           </a:p>
           <a:p>
@@ -15525,8 +15828,8 @@
         </p:nvSpPr>
         <p:spPr>
           <a:xfrm>
-            <a:off x="2715564" y="4637913"/>
-            <a:ext cx="3942522" cy="458415"/>
+            <a:off x="2381387" y="4663913"/>
+            <a:ext cx="4118089" cy="458415"/>
           </a:xfrm>
           <a:prstGeom prst="rect">
             <a:avLst/>
@@ -15772,682 +16075,7 @@
                 <a:latin typeface="Montserrat "/>
                 <a:cs typeface="Times New Roman" panose="02020603050405020304" pitchFamily="18" charset="0"/>
               </a:rPr>
-              <a:t>Mô hình dữ liệu mức quan niệm (CDM)</a:t>
-            </a:r>
-            <a:endParaRPr lang="en-US" dirty="0">
-              <a:latin typeface="Montserrat "/>
-            </a:endParaRPr>
-          </a:p>
-        </p:txBody>
-      </p:sp>
-      <p:pic>
-        <p:nvPicPr>
-          <p:cNvPr id="6" name="Picture 5">
-            <a:extLst>
-              <a:ext uri="{FF2B5EF4-FFF2-40B4-BE49-F238E27FC236}">
-                <a16:creationId xmlns:a16="http://schemas.microsoft.com/office/drawing/2014/main" id="{6D698042-63AD-478E-A42E-029A1CE09E65}"/>
-              </a:ext>
-            </a:extLst>
-          </p:cNvPr>
-          <p:cNvPicPr>
-            <a:picLocks noChangeAspect="1"/>
-          </p:cNvPicPr>
-          <p:nvPr/>
-        </p:nvPicPr>
-        <p:blipFill>
-          <a:blip r:embed="rId2"/>
-          <a:stretch>
-            <a:fillRect/>
-          </a:stretch>
-        </p:blipFill>
-        <p:spPr>
-          <a:xfrm>
-            <a:off x="2875328" y="1499879"/>
-            <a:ext cx="3317855" cy="3040220"/>
-          </a:xfrm>
-          <a:prstGeom prst="rect">
-            <a:avLst/>
-          </a:prstGeom>
-        </p:spPr>
-      </p:pic>
-    </p:spTree>
-    <p:extLst>
-      <p:ext uri="{BB962C8B-B14F-4D97-AF65-F5344CB8AC3E}">
-        <p14:creationId xmlns:p14="http://schemas.microsoft.com/office/powerpoint/2010/main" val="1869140198"/>
-      </p:ext>
-    </p:extLst>
-  </p:cSld>
-  <p:clrMapOvr>
-    <a:masterClrMapping/>
-  </p:clrMapOvr>
-</p:sld>
-</file>
-
-<file path=ppt/slides/slide17.xml><?xml version="1.0" encoding="utf-8"?>
-<p:sld xmlns:a="http://schemas.openxmlformats.org/drawingml/2006/main" xmlns:r="http://schemas.openxmlformats.org/officeDocument/2006/relationships" xmlns:p="http://schemas.openxmlformats.org/presentationml/2006/main">
-  <p:cSld>
-    <p:spTree>
-      <p:nvGrpSpPr>
-        <p:cNvPr id="1" name=""/>
-        <p:cNvGrpSpPr/>
-        <p:nvPr/>
-      </p:nvGrpSpPr>
-      <p:grpSpPr>
-        <a:xfrm>
-          <a:off x="0" y="0"/>
-          <a:ext cx="0" cy="0"/>
-          <a:chOff x="0" y="0"/>
-          <a:chExt cx="0" cy="0"/>
-        </a:xfrm>
-      </p:grpSpPr>
-      <p:sp>
-        <p:nvSpPr>
-          <p:cNvPr id="4" name="Title 3">
-            <a:extLst>
-              <a:ext uri="{FF2B5EF4-FFF2-40B4-BE49-F238E27FC236}">
-                <a16:creationId xmlns:a16="http://schemas.microsoft.com/office/drawing/2014/main" id="{72EF1456-7EBC-43D3-82FF-0972040834A4}"/>
-              </a:ext>
-            </a:extLst>
-          </p:cNvPr>
-          <p:cNvSpPr>
-            <a:spLocks noGrp="1"/>
-          </p:cNvSpPr>
-          <p:nvPr>
-            <p:ph type="ctrTitle"/>
-          </p:nvPr>
-        </p:nvSpPr>
-        <p:spPr/>
-        <p:txBody>
-          <a:bodyPr/>
-          <a:lstStyle/>
-          <a:p>
-            <a:r>
-              <a:rPr lang="en-US" b="1" dirty="0"/>
-              <a:t>2. Nội dung và kết quả</a:t>
-            </a:r>
-          </a:p>
-        </p:txBody>
-      </p:sp>
-      <p:sp>
-        <p:nvSpPr>
-          <p:cNvPr id="5" name="Text Placeholder 3">
-            <a:extLst>
-              <a:ext uri="{FF2B5EF4-FFF2-40B4-BE49-F238E27FC236}">
-                <a16:creationId xmlns:a16="http://schemas.microsoft.com/office/drawing/2014/main" id="{2A31BA36-AD2E-4CD3-A1D5-8CFF0DB3D1EA}"/>
-              </a:ext>
-            </a:extLst>
-          </p:cNvPr>
-          <p:cNvSpPr txBox="1">
-            <a:spLocks/>
-          </p:cNvSpPr>
-          <p:nvPr/>
-        </p:nvSpPr>
-        <p:spPr>
-          <a:xfrm>
-            <a:off x="1258350" y="1103685"/>
-            <a:ext cx="6856950" cy="3347610"/>
-          </a:xfrm>
-          <a:prstGeom prst="rect">
-            <a:avLst/>
-          </a:prstGeom>
-        </p:spPr>
-        <p:txBody>
-          <a:bodyPr/>
-          <a:lstStyle>
-            <a:defPPr marR="0" lvl="0" algn="l" rtl="0">
-              <a:lnSpc>
-                <a:spcPct val="100000"/>
-              </a:lnSpc>
-              <a:spcBef>
-                <a:spcPts val="0"/>
-              </a:spcBef>
-              <a:spcAft>
-                <a:spcPts val="0"/>
-              </a:spcAft>
-            </a:defPPr>
-            <a:lvl1pPr marR="0" lvl="0" algn="l" rtl="0">
-              <a:lnSpc>
-                <a:spcPct val="100000"/>
-              </a:lnSpc>
-              <a:spcBef>
-                <a:spcPts val="0"/>
-              </a:spcBef>
-              <a:spcAft>
-                <a:spcPts val="0"/>
-              </a:spcAft>
-              <a:buClr>
-                <a:srgbClr val="000000"/>
-              </a:buClr>
-              <a:buFont typeface="Arial"/>
-              <a:defRPr sz="1400" b="0" i="0" u="none" strike="noStrike" cap="none">
-                <a:solidFill>
-                  <a:srgbClr val="000000"/>
-                </a:solidFill>
-                <a:latin typeface="Arial"/>
-                <a:ea typeface="Arial"/>
-                <a:cs typeface="Arial"/>
-                <a:sym typeface="Arial"/>
-              </a:defRPr>
-            </a:lvl1pPr>
-            <a:lvl2pPr marR="0" lvl="1" algn="l" rtl="0">
-              <a:lnSpc>
-                <a:spcPct val="100000"/>
-              </a:lnSpc>
-              <a:spcBef>
-                <a:spcPts val="0"/>
-              </a:spcBef>
-              <a:spcAft>
-                <a:spcPts val="0"/>
-              </a:spcAft>
-              <a:buClr>
-                <a:srgbClr val="000000"/>
-              </a:buClr>
-              <a:buFont typeface="Arial"/>
-              <a:defRPr sz="1400" b="0" i="0" u="none" strike="noStrike" cap="none">
-                <a:solidFill>
-                  <a:srgbClr val="000000"/>
-                </a:solidFill>
-                <a:latin typeface="Arial"/>
-                <a:ea typeface="Arial"/>
-                <a:cs typeface="Arial"/>
-                <a:sym typeface="Arial"/>
-              </a:defRPr>
-            </a:lvl2pPr>
-            <a:lvl3pPr marR="0" lvl="2" algn="l" rtl="0">
-              <a:lnSpc>
-                <a:spcPct val="100000"/>
-              </a:lnSpc>
-              <a:spcBef>
-                <a:spcPts val="0"/>
-              </a:spcBef>
-              <a:spcAft>
-                <a:spcPts val="0"/>
-              </a:spcAft>
-              <a:buClr>
-                <a:srgbClr val="000000"/>
-              </a:buClr>
-              <a:buFont typeface="Arial"/>
-              <a:defRPr sz="1400" b="0" i="0" u="none" strike="noStrike" cap="none">
-                <a:solidFill>
-                  <a:srgbClr val="000000"/>
-                </a:solidFill>
-                <a:latin typeface="Arial"/>
-                <a:ea typeface="Arial"/>
-                <a:cs typeface="Arial"/>
-                <a:sym typeface="Arial"/>
-              </a:defRPr>
-            </a:lvl3pPr>
-            <a:lvl4pPr marR="0" lvl="3" algn="l" rtl="0">
-              <a:lnSpc>
-                <a:spcPct val="100000"/>
-              </a:lnSpc>
-              <a:spcBef>
-                <a:spcPts val="0"/>
-              </a:spcBef>
-              <a:spcAft>
-                <a:spcPts val="0"/>
-              </a:spcAft>
-              <a:buClr>
-                <a:srgbClr val="000000"/>
-              </a:buClr>
-              <a:buFont typeface="Arial"/>
-              <a:defRPr sz="1400" b="0" i="0" u="none" strike="noStrike" cap="none">
-                <a:solidFill>
-                  <a:srgbClr val="000000"/>
-                </a:solidFill>
-                <a:latin typeface="Arial"/>
-                <a:ea typeface="Arial"/>
-                <a:cs typeface="Arial"/>
-                <a:sym typeface="Arial"/>
-              </a:defRPr>
-            </a:lvl4pPr>
-            <a:lvl5pPr marR="0" lvl="4" algn="l" rtl="0">
-              <a:lnSpc>
-                <a:spcPct val="100000"/>
-              </a:lnSpc>
-              <a:spcBef>
-                <a:spcPts val="0"/>
-              </a:spcBef>
-              <a:spcAft>
-                <a:spcPts val="0"/>
-              </a:spcAft>
-              <a:buClr>
-                <a:srgbClr val="000000"/>
-              </a:buClr>
-              <a:buFont typeface="Arial"/>
-              <a:defRPr sz="1400" b="0" i="0" u="none" strike="noStrike" cap="none">
-                <a:solidFill>
-                  <a:srgbClr val="000000"/>
-                </a:solidFill>
-                <a:latin typeface="Arial"/>
-                <a:ea typeface="Arial"/>
-                <a:cs typeface="Arial"/>
-                <a:sym typeface="Arial"/>
-              </a:defRPr>
-            </a:lvl5pPr>
-            <a:lvl6pPr marR="0" lvl="5" algn="l" rtl="0">
-              <a:lnSpc>
-                <a:spcPct val="100000"/>
-              </a:lnSpc>
-              <a:spcBef>
-                <a:spcPts val="0"/>
-              </a:spcBef>
-              <a:spcAft>
-                <a:spcPts val="0"/>
-              </a:spcAft>
-              <a:buClr>
-                <a:srgbClr val="000000"/>
-              </a:buClr>
-              <a:buFont typeface="Arial"/>
-              <a:defRPr sz="1400" b="0" i="0" u="none" strike="noStrike" cap="none">
-                <a:solidFill>
-                  <a:srgbClr val="000000"/>
-                </a:solidFill>
-                <a:latin typeface="Arial"/>
-                <a:ea typeface="Arial"/>
-                <a:cs typeface="Arial"/>
-                <a:sym typeface="Arial"/>
-              </a:defRPr>
-            </a:lvl6pPr>
-            <a:lvl7pPr marR="0" lvl="6" algn="l" rtl="0">
-              <a:lnSpc>
-                <a:spcPct val="100000"/>
-              </a:lnSpc>
-              <a:spcBef>
-                <a:spcPts val="0"/>
-              </a:spcBef>
-              <a:spcAft>
-                <a:spcPts val="0"/>
-              </a:spcAft>
-              <a:buClr>
-                <a:srgbClr val="000000"/>
-              </a:buClr>
-              <a:buFont typeface="Arial"/>
-              <a:defRPr sz="1400" b="0" i="0" u="none" strike="noStrike" cap="none">
-                <a:solidFill>
-                  <a:srgbClr val="000000"/>
-                </a:solidFill>
-                <a:latin typeface="Arial"/>
-                <a:ea typeface="Arial"/>
-                <a:cs typeface="Arial"/>
-                <a:sym typeface="Arial"/>
-              </a:defRPr>
-            </a:lvl7pPr>
-            <a:lvl8pPr marR="0" lvl="7" algn="l" rtl="0">
-              <a:lnSpc>
-                <a:spcPct val="100000"/>
-              </a:lnSpc>
-              <a:spcBef>
-                <a:spcPts val="0"/>
-              </a:spcBef>
-              <a:spcAft>
-                <a:spcPts val="0"/>
-              </a:spcAft>
-              <a:buClr>
-                <a:srgbClr val="000000"/>
-              </a:buClr>
-              <a:buFont typeface="Arial"/>
-              <a:defRPr sz="1400" b="0" i="0" u="none" strike="noStrike" cap="none">
-                <a:solidFill>
-                  <a:srgbClr val="000000"/>
-                </a:solidFill>
-                <a:latin typeface="Arial"/>
-                <a:ea typeface="Arial"/>
-                <a:cs typeface="Arial"/>
-                <a:sym typeface="Arial"/>
-              </a:defRPr>
-            </a:lvl8pPr>
-            <a:lvl9pPr marR="0" lvl="8" algn="l" rtl="0">
-              <a:lnSpc>
-                <a:spcPct val="100000"/>
-              </a:lnSpc>
-              <a:spcBef>
-                <a:spcPts val="0"/>
-              </a:spcBef>
-              <a:spcAft>
-                <a:spcPts val="0"/>
-              </a:spcAft>
-              <a:buClr>
-                <a:srgbClr val="000000"/>
-              </a:buClr>
-              <a:buFont typeface="Arial"/>
-              <a:defRPr sz="1400" b="0" i="0" u="none" strike="noStrike" cap="none">
-                <a:solidFill>
-                  <a:srgbClr val="000000"/>
-                </a:solidFill>
-                <a:latin typeface="Arial"/>
-                <a:ea typeface="Arial"/>
-                <a:cs typeface="Arial"/>
-                <a:sym typeface="Arial"/>
-              </a:defRPr>
-            </a:lvl9pPr>
-          </a:lstStyle>
-          <a:p>
-            <a:r>
-              <a:rPr lang="en-US" sz="2000" b="1" dirty="0">
-                <a:solidFill>
-                  <a:srgbClr val="3E516C"/>
-                </a:solidFill>
-                <a:latin typeface="Montserrat" panose="00000500000000000000" pitchFamily="2" charset="0"/>
-              </a:rPr>
-              <a:t>3. Thiết kế hệ thống</a:t>
-            </a:r>
-          </a:p>
-          <a:p>
-            <a:endParaRPr lang="en-US" dirty="0"/>
-          </a:p>
-        </p:txBody>
-      </p:sp>
-      <p:sp>
-        <p:nvSpPr>
-          <p:cNvPr id="2" name="Slide Number Placeholder 1">
-            <a:extLst>
-              <a:ext uri="{FF2B5EF4-FFF2-40B4-BE49-F238E27FC236}">
-                <a16:creationId xmlns:a16="http://schemas.microsoft.com/office/drawing/2014/main" id="{917892FE-64D4-4E41-8C1A-708B08D55C50}"/>
-              </a:ext>
-            </a:extLst>
-          </p:cNvPr>
-          <p:cNvSpPr>
-            <a:spLocks noGrp="1"/>
-          </p:cNvSpPr>
-          <p:nvPr>
-            <p:ph type="sldNum" idx="12"/>
-          </p:nvPr>
-        </p:nvSpPr>
-        <p:spPr/>
-        <p:txBody>
-          <a:bodyPr/>
-          <a:lstStyle/>
-          <a:p>
-            <a:pPr marL="0" lvl="0" indent="0" algn="l" rtl="0">
-              <a:spcBef>
-                <a:spcPts val="0"/>
-              </a:spcBef>
-              <a:spcAft>
-                <a:spcPts val="0"/>
-              </a:spcAft>
-              <a:buNone/>
-            </a:pPr>
-            <a:fld id="{00000000-1234-1234-1234-123412341234}" type="slidenum">
-              <a:rPr lang="es" smtClean="0">
-                <a:solidFill>
-                  <a:schemeClr val="bg1"/>
-                </a:solidFill>
-              </a:rPr>
-              <a:t>17</a:t>
-            </a:fld>
-            <a:endParaRPr lang="es" dirty="0">
-              <a:solidFill>
-                <a:schemeClr val="bg1"/>
-              </a:solidFill>
-            </a:endParaRPr>
-          </a:p>
-        </p:txBody>
-      </p:sp>
-      <p:sp>
-        <p:nvSpPr>
-          <p:cNvPr id="8" name="Text Placeholder 3">
-            <a:extLst>
-              <a:ext uri="{FF2B5EF4-FFF2-40B4-BE49-F238E27FC236}">
-                <a16:creationId xmlns:a16="http://schemas.microsoft.com/office/drawing/2014/main" id="{1B6F0749-6199-47FF-9307-12A234F61EA9}"/>
-              </a:ext>
-            </a:extLst>
-          </p:cNvPr>
-          <p:cNvSpPr txBox="1">
-            <a:spLocks/>
-          </p:cNvSpPr>
-          <p:nvPr/>
-        </p:nvSpPr>
-        <p:spPr>
-          <a:xfrm>
-            <a:off x="2772203" y="4663913"/>
-            <a:ext cx="3303889" cy="458415"/>
-          </a:xfrm>
-          <a:prstGeom prst="rect">
-            <a:avLst/>
-          </a:prstGeom>
-        </p:spPr>
-        <p:txBody>
-          <a:bodyPr/>
-          <a:lstStyle>
-            <a:defPPr marR="0" lvl="0" algn="l" rtl="0">
-              <a:lnSpc>
-                <a:spcPct val="100000"/>
-              </a:lnSpc>
-              <a:spcBef>
-                <a:spcPts val="0"/>
-              </a:spcBef>
-              <a:spcAft>
-                <a:spcPts val="0"/>
-              </a:spcAft>
-            </a:defPPr>
-            <a:lvl1pPr marR="0" lvl="0" algn="l" rtl="0">
-              <a:lnSpc>
-                <a:spcPct val="100000"/>
-              </a:lnSpc>
-              <a:spcBef>
-                <a:spcPts val="0"/>
-              </a:spcBef>
-              <a:spcAft>
-                <a:spcPts val="0"/>
-              </a:spcAft>
-              <a:buClr>
-                <a:srgbClr val="000000"/>
-              </a:buClr>
-              <a:buFont typeface="Arial"/>
-              <a:defRPr sz="1400" b="0" i="0" u="none" strike="noStrike" cap="none">
-                <a:solidFill>
-                  <a:srgbClr val="000000"/>
-                </a:solidFill>
-                <a:latin typeface="Arial"/>
-                <a:ea typeface="Arial"/>
-                <a:cs typeface="Arial"/>
-                <a:sym typeface="Arial"/>
-              </a:defRPr>
-            </a:lvl1pPr>
-            <a:lvl2pPr marR="0" lvl="1" algn="l" rtl="0">
-              <a:lnSpc>
-                <a:spcPct val="100000"/>
-              </a:lnSpc>
-              <a:spcBef>
-                <a:spcPts val="0"/>
-              </a:spcBef>
-              <a:spcAft>
-                <a:spcPts val="0"/>
-              </a:spcAft>
-              <a:buClr>
-                <a:srgbClr val="000000"/>
-              </a:buClr>
-              <a:buFont typeface="Arial"/>
-              <a:defRPr sz="1400" b="0" i="0" u="none" strike="noStrike" cap="none">
-                <a:solidFill>
-                  <a:srgbClr val="000000"/>
-                </a:solidFill>
-                <a:latin typeface="Arial"/>
-                <a:ea typeface="Arial"/>
-                <a:cs typeface="Arial"/>
-                <a:sym typeface="Arial"/>
-              </a:defRPr>
-            </a:lvl2pPr>
-            <a:lvl3pPr marR="0" lvl="2" algn="l" rtl="0">
-              <a:lnSpc>
-                <a:spcPct val="100000"/>
-              </a:lnSpc>
-              <a:spcBef>
-                <a:spcPts val="0"/>
-              </a:spcBef>
-              <a:spcAft>
-                <a:spcPts val="0"/>
-              </a:spcAft>
-              <a:buClr>
-                <a:srgbClr val="000000"/>
-              </a:buClr>
-              <a:buFont typeface="Arial"/>
-              <a:defRPr sz="1400" b="0" i="0" u="none" strike="noStrike" cap="none">
-                <a:solidFill>
-                  <a:srgbClr val="000000"/>
-                </a:solidFill>
-                <a:latin typeface="Arial"/>
-                <a:ea typeface="Arial"/>
-                <a:cs typeface="Arial"/>
-                <a:sym typeface="Arial"/>
-              </a:defRPr>
-            </a:lvl3pPr>
-            <a:lvl4pPr marR="0" lvl="3" algn="l" rtl="0">
-              <a:lnSpc>
-                <a:spcPct val="100000"/>
-              </a:lnSpc>
-              <a:spcBef>
-                <a:spcPts val="0"/>
-              </a:spcBef>
-              <a:spcAft>
-                <a:spcPts val="0"/>
-              </a:spcAft>
-              <a:buClr>
-                <a:srgbClr val="000000"/>
-              </a:buClr>
-              <a:buFont typeface="Arial"/>
-              <a:defRPr sz="1400" b="0" i="0" u="none" strike="noStrike" cap="none">
-                <a:solidFill>
-                  <a:srgbClr val="000000"/>
-                </a:solidFill>
-                <a:latin typeface="Arial"/>
-                <a:ea typeface="Arial"/>
-                <a:cs typeface="Arial"/>
-                <a:sym typeface="Arial"/>
-              </a:defRPr>
-            </a:lvl4pPr>
-            <a:lvl5pPr marR="0" lvl="4" algn="l" rtl="0">
-              <a:lnSpc>
-                <a:spcPct val="100000"/>
-              </a:lnSpc>
-              <a:spcBef>
-                <a:spcPts val="0"/>
-              </a:spcBef>
-              <a:spcAft>
-                <a:spcPts val="0"/>
-              </a:spcAft>
-              <a:buClr>
-                <a:srgbClr val="000000"/>
-              </a:buClr>
-              <a:buFont typeface="Arial"/>
-              <a:defRPr sz="1400" b="0" i="0" u="none" strike="noStrike" cap="none">
-                <a:solidFill>
-                  <a:srgbClr val="000000"/>
-                </a:solidFill>
-                <a:latin typeface="Arial"/>
-                <a:ea typeface="Arial"/>
-                <a:cs typeface="Arial"/>
-                <a:sym typeface="Arial"/>
-              </a:defRPr>
-            </a:lvl5pPr>
-            <a:lvl6pPr marR="0" lvl="5" algn="l" rtl="0">
-              <a:lnSpc>
-                <a:spcPct val="100000"/>
-              </a:lnSpc>
-              <a:spcBef>
-                <a:spcPts val="0"/>
-              </a:spcBef>
-              <a:spcAft>
-                <a:spcPts val="0"/>
-              </a:spcAft>
-              <a:buClr>
-                <a:srgbClr val="000000"/>
-              </a:buClr>
-              <a:buFont typeface="Arial"/>
-              <a:defRPr sz="1400" b="0" i="0" u="none" strike="noStrike" cap="none">
-                <a:solidFill>
-                  <a:srgbClr val="000000"/>
-                </a:solidFill>
-                <a:latin typeface="Arial"/>
-                <a:ea typeface="Arial"/>
-                <a:cs typeface="Arial"/>
-                <a:sym typeface="Arial"/>
-              </a:defRPr>
-            </a:lvl6pPr>
-            <a:lvl7pPr marR="0" lvl="6" algn="l" rtl="0">
-              <a:lnSpc>
-                <a:spcPct val="100000"/>
-              </a:lnSpc>
-              <a:spcBef>
-                <a:spcPts val="0"/>
-              </a:spcBef>
-              <a:spcAft>
-                <a:spcPts val="0"/>
-              </a:spcAft>
-              <a:buClr>
-                <a:srgbClr val="000000"/>
-              </a:buClr>
-              <a:buFont typeface="Arial"/>
-              <a:defRPr sz="1400" b="0" i="0" u="none" strike="noStrike" cap="none">
-                <a:solidFill>
-                  <a:srgbClr val="000000"/>
-                </a:solidFill>
-                <a:latin typeface="Arial"/>
-                <a:ea typeface="Arial"/>
-                <a:cs typeface="Arial"/>
-                <a:sym typeface="Arial"/>
-              </a:defRPr>
-            </a:lvl7pPr>
-            <a:lvl8pPr marR="0" lvl="7" algn="l" rtl="0">
-              <a:lnSpc>
-                <a:spcPct val="100000"/>
-              </a:lnSpc>
-              <a:spcBef>
-                <a:spcPts val="0"/>
-              </a:spcBef>
-              <a:spcAft>
-                <a:spcPts val="0"/>
-              </a:spcAft>
-              <a:buClr>
-                <a:srgbClr val="000000"/>
-              </a:buClr>
-              <a:buFont typeface="Arial"/>
-              <a:defRPr sz="1400" b="0" i="0" u="none" strike="noStrike" cap="none">
-                <a:solidFill>
-                  <a:srgbClr val="000000"/>
-                </a:solidFill>
-                <a:latin typeface="Arial"/>
-                <a:ea typeface="Arial"/>
-                <a:cs typeface="Arial"/>
-                <a:sym typeface="Arial"/>
-              </a:defRPr>
-            </a:lvl8pPr>
-            <a:lvl9pPr marR="0" lvl="8" algn="l" rtl="0">
-              <a:lnSpc>
-                <a:spcPct val="100000"/>
-              </a:lnSpc>
-              <a:spcBef>
-                <a:spcPts val="0"/>
-              </a:spcBef>
-              <a:spcAft>
-                <a:spcPts val="0"/>
-              </a:spcAft>
-              <a:buClr>
-                <a:srgbClr val="000000"/>
-              </a:buClr>
-              <a:buFont typeface="Arial"/>
-              <a:defRPr sz="1400" b="0" i="0" u="none" strike="noStrike" cap="none">
-                <a:solidFill>
-                  <a:srgbClr val="000000"/>
-                </a:solidFill>
-                <a:latin typeface="Arial"/>
-                <a:ea typeface="Arial"/>
-                <a:cs typeface="Arial"/>
-                <a:sym typeface="Arial"/>
-              </a:defRPr>
-            </a:lvl9pPr>
-          </a:lstStyle>
-          <a:p>
-            <a:r>
-              <a:rPr lang="en-US" i="1" dirty="0">
-                <a:solidFill>
-                  <a:schemeClr val="tx1"/>
-                </a:solidFill>
-                <a:latin typeface="Montserrat "/>
-                <a:cs typeface="Times New Roman" panose="02020603050405020304" pitchFamily="18" charset="0"/>
-              </a:rPr>
-              <a:t>Mô hình dữ liệu mức vật lý (PDM)</a:t>
+              <a:t>Mô hình dữ liệu mức vật lý (PDM) (trang 31)</a:t>
             </a:r>
             <a:endParaRPr lang="en-US" dirty="0">
               <a:latin typeface="Montserrat "/>
@@ -16498,7 +16126,7 @@
 </p:sld>
 </file>
 
-<file path=ppt/slides/slide18.xml><?xml version="1.0" encoding="utf-8"?>
+<file path=ppt/slides/slide17.xml><?xml version="1.0" encoding="utf-8"?>
 <p:sld xmlns:a="http://schemas.openxmlformats.org/drawingml/2006/main" xmlns:r="http://schemas.openxmlformats.org/officeDocument/2006/relationships" xmlns:p="http://schemas.openxmlformats.org/presentationml/2006/main">
   <p:cSld>
     <p:spTree>
@@ -17239,7 +16867,7 @@
               <a:rPr lang="es" smtClean="0">
                 <a:latin typeface="Montserrat "/>
               </a:rPr>
-              <a:t>18</a:t>
+              <a:t>17</a:t>
             </a:fld>
             <a:endParaRPr lang="es">
               <a:latin typeface="Montserrat "/>
@@ -17260,7 +16888,7 @@
 </p:sld>
 </file>
 
-<file path=ppt/slides/slide19.xml><?xml version="1.0" encoding="utf-8"?>
+<file path=ppt/slides/slide18.xml><?xml version="1.0" encoding="utf-8"?>
 <p:sld xmlns:a="http://schemas.openxmlformats.org/drawingml/2006/main" xmlns:r="http://schemas.openxmlformats.org/officeDocument/2006/relationships" xmlns:p="http://schemas.openxmlformats.org/presentationml/2006/main">
   <p:cSld>
     <p:spTree>
@@ -17611,7 +17239,7 @@
                   <a:schemeClr val="bg1"/>
                 </a:solidFill>
               </a:rPr>
-              <a:t>19</a:t>
+              <a:t>18</a:t>
             </a:fld>
             <a:endParaRPr lang="es" dirty="0">
               <a:solidFill>
@@ -19540,6 +19168,1652 @@
     <p:extLst>
       <p:ext uri="{BB962C8B-B14F-4D97-AF65-F5344CB8AC3E}">
         <p14:creationId xmlns:p14="http://schemas.microsoft.com/office/powerpoint/2010/main" val="608833449"/>
+      </p:ext>
+    </p:extLst>
+  </p:cSld>
+  <p:clrMapOvr>
+    <a:masterClrMapping/>
+  </p:clrMapOvr>
+</p:sld>
+</file>
+
+<file path=ppt/slides/slide19.xml><?xml version="1.0" encoding="utf-8"?>
+<p:sld xmlns:a="http://schemas.openxmlformats.org/drawingml/2006/main" xmlns:r="http://schemas.openxmlformats.org/officeDocument/2006/relationships" xmlns:p="http://schemas.openxmlformats.org/presentationml/2006/main">
+  <p:cSld>
+    <p:spTree>
+      <p:nvGrpSpPr>
+        <p:cNvPr id="1" name=""/>
+        <p:cNvGrpSpPr/>
+        <p:nvPr/>
+      </p:nvGrpSpPr>
+      <p:grpSpPr>
+        <a:xfrm>
+          <a:off x="0" y="0"/>
+          <a:ext cx="0" cy="0"/>
+          <a:chOff x="0" y="0"/>
+          <a:chExt cx="0" cy="0"/>
+        </a:xfrm>
+      </p:grpSpPr>
+      <p:sp>
+        <p:nvSpPr>
+          <p:cNvPr id="4" name="Title 3">
+            <a:extLst>
+              <a:ext uri="{FF2B5EF4-FFF2-40B4-BE49-F238E27FC236}">
+                <a16:creationId xmlns:a16="http://schemas.microsoft.com/office/drawing/2014/main" id="{72EF1456-7EBC-43D3-82FF-0972040834A4}"/>
+              </a:ext>
+            </a:extLst>
+          </p:cNvPr>
+          <p:cNvSpPr>
+            <a:spLocks noGrp="1"/>
+          </p:cNvSpPr>
+          <p:nvPr>
+            <p:ph type="ctrTitle"/>
+          </p:nvPr>
+        </p:nvSpPr>
+        <p:spPr/>
+        <p:txBody>
+          <a:bodyPr/>
+          <a:lstStyle/>
+          <a:p>
+            <a:r>
+              <a:rPr lang="en-US" b="1" dirty="0"/>
+              <a:t>3. Kết luận và hướng phát triển</a:t>
+            </a:r>
+          </a:p>
+        </p:txBody>
+      </p:sp>
+      <p:sp>
+        <p:nvSpPr>
+          <p:cNvPr id="5" name="Text Placeholder 3">
+            <a:extLst>
+              <a:ext uri="{FF2B5EF4-FFF2-40B4-BE49-F238E27FC236}">
+                <a16:creationId xmlns:a16="http://schemas.microsoft.com/office/drawing/2014/main" id="{2A31BA36-AD2E-4CD3-A1D5-8CFF0DB3D1EA}"/>
+              </a:ext>
+            </a:extLst>
+          </p:cNvPr>
+          <p:cNvSpPr txBox="1">
+            <a:spLocks/>
+          </p:cNvSpPr>
+          <p:nvPr/>
+        </p:nvSpPr>
+        <p:spPr>
+          <a:xfrm>
+            <a:off x="1258350" y="1069411"/>
+            <a:ext cx="6856950" cy="3347610"/>
+          </a:xfrm>
+          <a:prstGeom prst="rect">
+            <a:avLst/>
+          </a:prstGeom>
+        </p:spPr>
+        <p:txBody>
+          <a:bodyPr/>
+          <a:lstStyle>
+            <a:defPPr marR="0" lvl="0" algn="l" rtl="0">
+              <a:lnSpc>
+                <a:spcPct val="100000"/>
+              </a:lnSpc>
+              <a:spcBef>
+                <a:spcPts val="0"/>
+              </a:spcBef>
+              <a:spcAft>
+                <a:spcPts val="0"/>
+              </a:spcAft>
+            </a:defPPr>
+            <a:lvl1pPr marR="0" lvl="0" algn="l" rtl="0">
+              <a:lnSpc>
+                <a:spcPct val="100000"/>
+              </a:lnSpc>
+              <a:spcBef>
+                <a:spcPts val="0"/>
+              </a:spcBef>
+              <a:spcAft>
+                <a:spcPts val="0"/>
+              </a:spcAft>
+              <a:buClr>
+                <a:srgbClr val="000000"/>
+              </a:buClr>
+              <a:buFont typeface="Arial"/>
+              <a:defRPr sz="1400" b="0" i="0" u="none" strike="noStrike" cap="none">
+                <a:solidFill>
+                  <a:srgbClr val="000000"/>
+                </a:solidFill>
+                <a:latin typeface="Arial"/>
+                <a:ea typeface="Arial"/>
+                <a:cs typeface="Arial"/>
+                <a:sym typeface="Arial"/>
+              </a:defRPr>
+            </a:lvl1pPr>
+            <a:lvl2pPr marR="0" lvl="1" algn="l" rtl="0">
+              <a:lnSpc>
+                <a:spcPct val="100000"/>
+              </a:lnSpc>
+              <a:spcBef>
+                <a:spcPts val="0"/>
+              </a:spcBef>
+              <a:spcAft>
+                <a:spcPts val="0"/>
+              </a:spcAft>
+              <a:buClr>
+                <a:srgbClr val="000000"/>
+              </a:buClr>
+              <a:buFont typeface="Arial"/>
+              <a:defRPr sz="1400" b="0" i="0" u="none" strike="noStrike" cap="none">
+                <a:solidFill>
+                  <a:srgbClr val="000000"/>
+                </a:solidFill>
+                <a:latin typeface="Arial"/>
+                <a:ea typeface="Arial"/>
+                <a:cs typeface="Arial"/>
+                <a:sym typeface="Arial"/>
+              </a:defRPr>
+            </a:lvl2pPr>
+            <a:lvl3pPr marR="0" lvl="2" algn="l" rtl="0">
+              <a:lnSpc>
+                <a:spcPct val="100000"/>
+              </a:lnSpc>
+              <a:spcBef>
+                <a:spcPts val="0"/>
+              </a:spcBef>
+              <a:spcAft>
+                <a:spcPts val="0"/>
+              </a:spcAft>
+              <a:buClr>
+                <a:srgbClr val="000000"/>
+              </a:buClr>
+              <a:buFont typeface="Arial"/>
+              <a:defRPr sz="1400" b="0" i="0" u="none" strike="noStrike" cap="none">
+                <a:solidFill>
+                  <a:srgbClr val="000000"/>
+                </a:solidFill>
+                <a:latin typeface="Arial"/>
+                <a:ea typeface="Arial"/>
+                <a:cs typeface="Arial"/>
+                <a:sym typeface="Arial"/>
+              </a:defRPr>
+            </a:lvl3pPr>
+            <a:lvl4pPr marR="0" lvl="3" algn="l" rtl="0">
+              <a:lnSpc>
+                <a:spcPct val="100000"/>
+              </a:lnSpc>
+              <a:spcBef>
+                <a:spcPts val="0"/>
+              </a:spcBef>
+              <a:spcAft>
+                <a:spcPts val="0"/>
+              </a:spcAft>
+              <a:buClr>
+                <a:srgbClr val="000000"/>
+              </a:buClr>
+              <a:buFont typeface="Arial"/>
+              <a:defRPr sz="1400" b="0" i="0" u="none" strike="noStrike" cap="none">
+                <a:solidFill>
+                  <a:srgbClr val="000000"/>
+                </a:solidFill>
+                <a:latin typeface="Arial"/>
+                <a:ea typeface="Arial"/>
+                <a:cs typeface="Arial"/>
+                <a:sym typeface="Arial"/>
+              </a:defRPr>
+            </a:lvl4pPr>
+            <a:lvl5pPr marR="0" lvl="4" algn="l" rtl="0">
+              <a:lnSpc>
+                <a:spcPct val="100000"/>
+              </a:lnSpc>
+              <a:spcBef>
+                <a:spcPts val="0"/>
+              </a:spcBef>
+              <a:spcAft>
+                <a:spcPts val="0"/>
+              </a:spcAft>
+              <a:buClr>
+                <a:srgbClr val="000000"/>
+              </a:buClr>
+              <a:buFont typeface="Arial"/>
+              <a:defRPr sz="1400" b="0" i="0" u="none" strike="noStrike" cap="none">
+                <a:solidFill>
+                  <a:srgbClr val="000000"/>
+                </a:solidFill>
+                <a:latin typeface="Arial"/>
+                <a:ea typeface="Arial"/>
+                <a:cs typeface="Arial"/>
+                <a:sym typeface="Arial"/>
+              </a:defRPr>
+            </a:lvl5pPr>
+            <a:lvl6pPr marR="0" lvl="5" algn="l" rtl="0">
+              <a:lnSpc>
+                <a:spcPct val="100000"/>
+              </a:lnSpc>
+              <a:spcBef>
+                <a:spcPts val="0"/>
+              </a:spcBef>
+              <a:spcAft>
+                <a:spcPts val="0"/>
+              </a:spcAft>
+              <a:buClr>
+                <a:srgbClr val="000000"/>
+              </a:buClr>
+              <a:buFont typeface="Arial"/>
+              <a:defRPr sz="1400" b="0" i="0" u="none" strike="noStrike" cap="none">
+                <a:solidFill>
+                  <a:srgbClr val="000000"/>
+                </a:solidFill>
+                <a:latin typeface="Arial"/>
+                <a:ea typeface="Arial"/>
+                <a:cs typeface="Arial"/>
+                <a:sym typeface="Arial"/>
+              </a:defRPr>
+            </a:lvl6pPr>
+            <a:lvl7pPr marR="0" lvl="6" algn="l" rtl="0">
+              <a:lnSpc>
+                <a:spcPct val="100000"/>
+              </a:lnSpc>
+              <a:spcBef>
+                <a:spcPts val="0"/>
+              </a:spcBef>
+              <a:spcAft>
+                <a:spcPts val="0"/>
+              </a:spcAft>
+              <a:buClr>
+                <a:srgbClr val="000000"/>
+              </a:buClr>
+              <a:buFont typeface="Arial"/>
+              <a:defRPr sz="1400" b="0" i="0" u="none" strike="noStrike" cap="none">
+                <a:solidFill>
+                  <a:srgbClr val="000000"/>
+                </a:solidFill>
+                <a:latin typeface="Arial"/>
+                <a:ea typeface="Arial"/>
+                <a:cs typeface="Arial"/>
+                <a:sym typeface="Arial"/>
+              </a:defRPr>
+            </a:lvl7pPr>
+            <a:lvl8pPr marR="0" lvl="7" algn="l" rtl="0">
+              <a:lnSpc>
+                <a:spcPct val="100000"/>
+              </a:lnSpc>
+              <a:spcBef>
+                <a:spcPts val="0"/>
+              </a:spcBef>
+              <a:spcAft>
+                <a:spcPts val="0"/>
+              </a:spcAft>
+              <a:buClr>
+                <a:srgbClr val="000000"/>
+              </a:buClr>
+              <a:buFont typeface="Arial"/>
+              <a:defRPr sz="1400" b="0" i="0" u="none" strike="noStrike" cap="none">
+                <a:solidFill>
+                  <a:srgbClr val="000000"/>
+                </a:solidFill>
+                <a:latin typeface="Arial"/>
+                <a:ea typeface="Arial"/>
+                <a:cs typeface="Arial"/>
+                <a:sym typeface="Arial"/>
+              </a:defRPr>
+            </a:lvl8pPr>
+            <a:lvl9pPr marR="0" lvl="8" algn="l" rtl="0">
+              <a:lnSpc>
+                <a:spcPct val="100000"/>
+              </a:lnSpc>
+              <a:spcBef>
+                <a:spcPts val="0"/>
+              </a:spcBef>
+              <a:spcAft>
+                <a:spcPts val="0"/>
+              </a:spcAft>
+              <a:buClr>
+                <a:srgbClr val="000000"/>
+              </a:buClr>
+              <a:buFont typeface="Arial"/>
+              <a:defRPr sz="1400" b="0" i="0" u="none" strike="noStrike" cap="none">
+                <a:solidFill>
+                  <a:srgbClr val="000000"/>
+                </a:solidFill>
+                <a:latin typeface="Arial"/>
+                <a:ea typeface="Arial"/>
+                <a:cs typeface="Arial"/>
+                <a:sym typeface="Arial"/>
+              </a:defRPr>
+            </a:lvl9pPr>
+          </a:lstStyle>
+          <a:p>
+            <a:r>
+              <a:rPr lang="en-US" sz="2000" b="1" dirty="0">
+                <a:solidFill>
+                  <a:srgbClr val="3E516C"/>
+                </a:solidFill>
+                <a:latin typeface="Montserrat" panose="00000500000000000000" pitchFamily="2" charset="0"/>
+              </a:rPr>
+              <a:t>2. Hạn chế và khó khăn</a:t>
+            </a:r>
+          </a:p>
+          <a:p>
+            <a:endParaRPr lang="en-US" dirty="0"/>
+          </a:p>
+        </p:txBody>
+      </p:sp>
+      <p:sp>
+        <p:nvSpPr>
+          <p:cNvPr id="2" name="Slide Number Placeholder 1">
+            <a:extLst>
+              <a:ext uri="{FF2B5EF4-FFF2-40B4-BE49-F238E27FC236}">
+                <a16:creationId xmlns:a16="http://schemas.microsoft.com/office/drawing/2014/main" id="{8E9BB517-42FC-440E-B038-392C89359550}"/>
+              </a:ext>
+            </a:extLst>
+          </p:cNvPr>
+          <p:cNvSpPr>
+            <a:spLocks noGrp="1"/>
+          </p:cNvSpPr>
+          <p:nvPr>
+            <p:ph type="sldNum" idx="12"/>
+          </p:nvPr>
+        </p:nvSpPr>
+        <p:spPr/>
+        <p:txBody>
+          <a:bodyPr/>
+          <a:lstStyle/>
+          <a:p>
+            <a:pPr marL="0" lvl="0" indent="0" algn="l" rtl="0">
+              <a:spcBef>
+                <a:spcPts val="0"/>
+              </a:spcBef>
+              <a:spcAft>
+                <a:spcPts val="0"/>
+              </a:spcAft>
+              <a:buNone/>
+            </a:pPr>
+            <a:fld id="{00000000-1234-1234-1234-123412341234}" type="slidenum">
+              <a:rPr lang="es" smtClean="0">
+                <a:solidFill>
+                  <a:schemeClr val="bg1"/>
+                </a:solidFill>
+              </a:rPr>
+              <a:t>19</a:t>
+            </a:fld>
+            <a:endParaRPr lang="es" dirty="0">
+              <a:solidFill>
+                <a:schemeClr val="bg1"/>
+              </a:solidFill>
+            </a:endParaRPr>
+          </a:p>
+        </p:txBody>
+      </p:sp>
+      <p:sp>
+        <p:nvSpPr>
+          <p:cNvPr id="7" name="Google Shape;1146;p50">
+            <a:extLst>
+              <a:ext uri="{FF2B5EF4-FFF2-40B4-BE49-F238E27FC236}">
+                <a16:creationId xmlns:a16="http://schemas.microsoft.com/office/drawing/2014/main" id="{F1FE9C58-B7BB-4139-80EF-62624AE39090}"/>
+              </a:ext>
+            </a:extLst>
+          </p:cNvPr>
+          <p:cNvSpPr txBox="1">
+            <a:spLocks/>
+          </p:cNvSpPr>
+          <p:nvPr/>
+        </p:nvSpPr>
+        <p:spPr>
+          <a:xfrm>
+            <a:off x="1459518" y="1828800"/>
+            <a:ext cx="2542135" cy="1136100"/>
+          </a:xfrm>
+          <a:prstGeom prst="rect">
+            <a:avLst/>
+          </a:prstGeom>
+          <a:noFill/>
+          <a:ln>
+            <a:noFill/>
+          </a:ln>
+        </p:spPr>
+        <p:txBody>
+          <a:bodyPr spcFirstLastPara="1" wrap="square" lIns="91425" tIns="91425" rIns="91425" bIns="91425" anchor="t" anchorCtr="0">
+            <a:noAutofit/>
+          </a:bodyPr>
+          <a:lstStyle>
+            <a:defPPr marR="0" lvl="0" algn="l" rtl="0">
+              <a:lnSpc>
+                <a:spcPct val="100000"/>
+              </a:lnSpc>
+              <a:spcBef>
+                <a:spcPts val="0"/>
+              </a:spcBef>
+              <a:spcAft>
+                <a:spcPts val="0"/>
+              </a:spcAft>
+            </a:defPPr>
+            <a:lvl1pPr marL="457200" marR="0" lvl="0" indent="-330200" algn="l" rtl="0">
+              <a:lnSpc>
+                <a:spcPct val="115000"/>
+              </a:lnSpc>
+              <a:spcBef>
+                <a:spcPts val="0"/>
+              </a:spcBef>
+              <a:spcAft>
+                <a:spcPts val="0"/>
+              </a:spcAft>
+              <a:buClr>
+                <a:srgbClr val="E9AA1B"/>
+              </a:buClr>
+              <a:buSzPts val="1600"/>
+              <a:buFont typeface="Cabin"/>
+              <a:buChar char="●"/>
+              <a:defRPr sz="1600" b="0" i="0" u="none" strike="noStrike" cap="none">
+                <a:solidFill>
+                  <a:srgbClr val="999999"/>
+                </a:solidFill>
+                <a:latin typeface="Cabin"/>
+                <a:ea typeface="Cabin"/>
+                <a:cs typeface="Cabin"/>
+                <a:sym typeface="Cabin"/>
+              </a:defRPr>
+            </a:lvl1pPr>
+            <a:lvl2pPr marL="914400" marR="0" lvl="1" indent="-330200" algn="l" rtl="0">
+              <a:lnSpc>
+                <a:spcPct val="115000"/>
+              </a:lnSpc>
+              <a:spcBef>
+                <a:spcPts val="0"/>
+              </a:spcBef>
+              <a:spcAft>
+                <a:spcPts val="0"/>
+              </a:spcAft>
+              <a:buClr>
+                <a:srgbClr val="E9AA1B"/>
+              </a:buClr>
+              <a:buSzPts val="1600"/>
+              <a:buFont typeface="Cabin"/>
+              <a:buChar char="○"/>
+              <a:defRPr sz="1600" b="0" i="0" u="none" strike="noStrike" cap="none">
+                <a:solidFill>
+                  <a:srgbClr val="999999"/>
+                </a:solidFill>
+                <a:latin typeface="Cabin"/>
+                <a:ea typeface="Cabin"/>
+                <a:cs typeface="Cabin"/>
+                <a:sym typeface="Cabin"/>
+              </a:defRPr>
+            </a:lvl2pPr>
+            <a:lvl3pPr marL="1371600" marR="0" lvl="2" indent="-323850" algn="l" rtl="0">
+              <a:lnSpc>
+                <a:spcPct val="115000"/>
+              </a:lnSpc>
+              <a:spcBef>
+                <a:spcPts val="0"/>
+              </a:spcBef>
+              <a:spcAft>
+                <a:spcPts val="0"/>
+              </a:spcAft>
+              <a:buClr>
+                <a:srgbClr val="E9AA1B"/>
+              </a:buClr>
+              <a:buSzPts val="1500"/>
+              <a:buFont typeface="Cabin"/>
+              <a:buChar char="■"/>
+              <a:defRPr sz="1500" b="0" i="0" u="none" strike="noStrike" cap="none">
+                <a:solidFill>
+                  <a:srgbClr val="999999"/>
+                </a:solidFill>
+                <a:latin typeface="Cabin"/>
+                <a:ea typeface="Cabin"/>
+                <a:cs typeface="Cabin"/>
+                <a:sym typeface="Cabin"/>
+              </a:defRPr>
+            </a:lvl3pPr>
+            <a:lvl4pPr marL="1828800" marR="0" lvl="3" indent="-323850" algn="l" rtl="0">
+              <a:lnSpc>
+                <a:spcPct val="115000"/>
+              </a:lnSpc>
+              <a:spcBef>
+                <a:spcPts val="0"/>
+              </a:spcBef>
+              <a:spcAft>
+                <a:spcPts val="0"/>
+              </a:spcAft>
+              <a:buClr>
+                <a:srgbClr val="E9AA1B"/>
+              </a:buClr>
+              <a:buSzPts val="1500"/>
+              <a:buFont typeface="Cabin"/>
+              <a:buChar char="●"/>
+              <a:defRPr sz="1500" b="0" i="0" u="none" strike="noStrike" cap="none">
+                <a:solidFill>
+                  <a:srgbClr val="999999"/>
+                </a:solidFill>
+                <a:latin typeface="Cabin"/>
+                <a:ea typeface="Cabin"/>
+                <a:cs typeface="Cabin"/>
+                <a:sym typeface="Cabin"/>
+              </a:defRPr>
+            </a:lvl4pPr>
+            <a:lvl5pPr marL="2286000" marR="0" lvl="4" indent="-317500" algn="l" rtl="0">
+              <a:lnSpc>
+                <a:spcPct val="115000"/>
+              </a:lnSpc>
+              <a:spcBef>
+                <a:spcPts val="0"/>
+              </a:spcBef>
+              <a:spcAft>
+                <a:spcPts val="0"/>
+              </a:spcAft>
+              <a:buClr>
+                <a:srgbClr val="E9AA1B"/>
+              </a:buClr>
+              <a:buSzPts val="1400"/>
+              <a:buFont typeface="Cabin"/>
+              <a:buChar char="○"/>
+              <a:defRPr sz="1400" b="0" i="0" u="none" strike="noStrike" cap="none">
+                <a:solidFill>
+                  <a:srgbClr val="999999"/>
+                </a:solidFill>
+                <a:latin typeface="Cabin"/>
+                <a:ea typeface="Cabin"/>
+                <a:cs typeface="Cabin"/>
+                <a:sym typeface="Cabin"/>
+              </a:defRPr>
+            </a:lvl5pPr>
+            <a:lvl6pPr marL="2743200" marR="0" lvl="5" indent="-317500" algn="l" rtl="0">
+              <a:lnSpc>
+                <a:spcPct val="115000"/>
+              </a:lnSpc>
+              <a:spcBef>
+                <a:spcPts val="0"/>
+              </a:spcBef>
+              <a:spcAft>
+                <a:spcPts val="0"/>
+              </a:spcAft>
+              <a:buClr>
+                <a:srgbClr val="E9AA1B"/>
+              </a:buClr>
+              <a:buSzPts val="1400"/>
+              <a:buFont typeface="Cabin"/>
+              <a:buChar char="■"/>
+              <a:defRPr sz="1400" b="0" i="0" u="none" strike="noStrike" cap="none">
+                <a:solidFill>
+                  <a:srgbClr val="999999"/>
+                </a:solidFill>
+                <a:latin typeface="Cabin"/>
+                <a:ea typeface="Cabin"/>
+                <a:cs typeface="Cabin"/>
+                <a:sym typeface="Cabin"/>
+              </a:defRPr>
+            </a:lvl6pPr>
+            <a:lvl7pPr marL="3200400" marR="0" lvl="6" indent="-311150" algn="l" rtl="0">
+              <a:lnSpc>
+                <a:spcPct val="115000"/>
+              </a:lnSpc>
+              <a:spcBef>
+                <a:spcPts val="0"/>
+              </a:spcBef>
+              <a:spcAft>
+                <a:spcPts val="0"/>
+              </a:spcAft>
+              <a:buClr>
+                <a:srgbClr val="999999"/>
+              </a:buClr>
+              <a:buSzPts val="1300"/>
+              <a:buFont typeface="Cabin"/>
+              <a:buChar char="●"/>
+              <a:defRPr sz="1300" b="0" i="0" u="none" strike="noStrike" cap="none">
+                <a:solidFill>
+                  <a:srgbClr val="999999"/>
+                </a:solidFill>
+                <a:latin typeface="Cabin"/>
+                <a:ea typeface="Cabin"/>
+                <a:cs typeface="Cabin"/>
+                <a:sym typeface="Cabin"/>
+              </a:defRPr>
+            </a:lvl7pPr>
+            <a:lvl8pPr marL="3657600" marR="0" lvl="7" indent="-311150" algn="l" rtl="0">
+              <a:lnSpc>
+                <a:spcPct val="115000"/>
+              </a:lnSpc>
+              <a:spcBef>
+                <a:spcPts val="0"/>
+              </a:spcBef>
+              <a:spcAft>
+                <a:spcPts val="0"/>
+              </a:spcAft>
+              <a:buClr>
+                <a:srgbClr val="999999"/>
+              </a:buClr>
+              <a:buSzPts val="1300"/>
+              <a:buFont typeface="Cabin"/>
+              <a:buChar char="○"/>
+              <a:defRPr sz="1300" b="0" i="0" u="none" strike="noStrike" cap="none">
+                <a:solidFill>
+                  <a:srgbClr val="999999"/>
+                </a:solidFill>
+                <a:latin typeface="Cabin"/>
+                <a:ea typeface="Cabin"/>
+                <a:cs typeface="Cabin"/>
+                <a:sym typeface="Cabin"/>
+              </a:defRPr>
+            </a:lvl8pPr>
+            <a:lvl9pPr marL="4114800" marR="0" lvl="8" indent="-304800" algn="l" rtl="0">
+              <a:lnSpc>
+                <a:spcPct val="115000"/>
+              </a:lnSpc>
+              <a:spcBef>
+                <a:spcPts val="0"/>
+              </a:spcBef>
+              <a:spcAft>
+                <a:spcPts val="0"/>
+              </a:spcAft>
+              <a:buClr>
+                <a:srgbClr val="999999"/>
+              </a:buClr>
+              <a:buSzPts val="1200"/>
+              <a:buFont typeface="Cabin"/>
+              <a:buChar char="■"/>
+              <a:defRPr sz="1200" b="0" i="0" u="none" strike="noStrike" cap="none">
+                <a:solidFill>
+                  <a:srgbClr val="999999"/>
+                </a:solidFill>
+                <a:latin typeface="Cabin"/>
+                <a:ea typeface="Cabin"/>
+                <a:cs typeface="Cabin"/>
+                <a:sym typeface="Cabin"/>
+              </a:defRPr>
+            </a:lvl9pPr>
+          </a:lstStyle>
+          <a:p>
+            <a:pPr marL="0" indent="0">
+              <a:spcAft>
+                <a:spcPts val="200"/>
+              </a:spcAft>
+              <a:buFont typeface="Cabin"/>
+              <a:buNone/>
+            </a:pPr>
+            <a:r>
+              <a:rPr lang="en-US" sz="1400" b="1" dirty="0">
+                <a:solidFill>
+                  <a:srgbClr val="F8BC28"/>
+                </a:solidFill>
+                <a:latin typeface="Montserrat"/>
+                <a:ea typeface="Montserrat"/>
+                <a:cs typeface="Montserrat"/>
+                <a:sym typeface="Montserrat"/>
+              </a:rPr>
+              <a:t>Giao diện</a:t>
+            </a:r>
+            <a:br>
+              <a:rPr lang="en-US" dirty="0"/>
+            </a:br>
+            <a:r>
+              <a:rPr lang="en-US" sz="1200" dirty="0"/>
+              <a:t>Giao diện chưa sinh động và bắt mắt</a:t>
+            </a:r>
+          </a:p>
+        </p:txBody>
+      </p:sp>
+      <p:sp>
+        <p:nvSpPr>
+          <p:cNvPr id="9" name="Google Shape;1148;p50">
+            <a:extLst>
+              <a:ext uri="{FF2B5EF4-FFF2-40B4-BE49-F238E27FC236}">
+                <a16:creationId xmlns:a16="http://schemas.microsoft.com/office/drawing/2014/main" id="{C70B67BF-593E-4D89-88C0-867A474E8B91}"/>
+              </a:ext>
+            </a:extLst>
+          </p:cNvPr>
+          <p:cNvSpPr txBox="1">
+            <a:spLocks/>
+          </p:cNvSpPr>
+          <p:nvPr/>
+        </p:nvSpPr>
+        <p:spPr>
+          <a:xfrm>
+            <a:off x="5035300" y="1828800"/>
+            <a:ext cx="3118100" cy="1136100"/>
+          </a:xfrm>
+          <a:prstGeom prst="rect">
+            <a:avLst/>
+          </a:prstGeom>
+          <a:noFill/>
+          <a:ln>
+            <a:noFill/>
+          </a:ln>
+        </p:spPr>
+        <p:txBody>
+          <a:bodyPr spcFirstLastPara="1" wrap="square" lIns="91425" tIns="91425" rIns="91425" bIns="91425" anchor="t" anchorCtr="0">
+            <a:noAutofit/>
+          </a:bodyPr>
+          <a:lstStyle>
+            <a:defPPr marR="0" lvl="0" algn="l" rtl="0">
+              <a:lnSpc>
+                <a:spcPct val="100000"/>
+              </a:lnSpc>
+              <a:spcBef>
+                <a:spcPts val="0"/>
+              </a:spcBef>
+              <a:spcAft>
+                <a:spcPts val="0"/>
+              </a:spcAft>
+            </a:defPPr>
+            <a:lvl1pPr marL="457200" marR="0" lvl="0" indent="-330200" algn="l" rtl="0">
+              <a:lnSpc>
+                <a:spcPct val="115000"/>
+              </a:lnSpc>
+              <a:spcBef>
+                <a:spcPts val="0"/>
+              </a:spcBef>
+              <a:spcAft>
+                <a:spcPts val="0"/>
+              </a:spcAft>
+              <a:buClr>
+                <a:srgbClr val="E9AA1B"/>
+              </a:buClr>
+              <a:buSzPts val="1600"/>
+              <a:buFont typeface="Cabin"/>
+              <a:buChar char="●"/>
+              <a:defRPr sz="1600" b="0" i="0" u="none" strike="noStrike" cap="none">
+                <a:solidFill>
+                  <a:srgbClr val="999999"/>
+                </a:solidFill>
+                <a:latin typeface="Cabin"/>
+                <a:ea typeface="Cabin"/>
+                <a:cs typeface="Cabin"/>
+                <a:sym typeface="Cabin"/>
+              </a:defRPr>
+            </a:lvl1pPr>
+            <a:lvl2pPr marL="914400" marR="0" lvl="1" indent="-330200" algn="l" rtl="0">
+              <a:lnSpc>
+                <a:spcPct val="115000"/>
+              </a:lnSpc>
+              <a:spcBef>
+                <a:spcPts val="0"/>
+              </a:spcBef>
+              <a:spcAft>
+                <a:spcPts val="0"/>
+              </a:spcAft>
+              <a:buClr>
+                <a:srgbClr val="E9AA1B"/>
+              </a:buClr>
+              <a:buSzPts val="1600"/>
+              <a:buFont typeface="Cabin"/>
+              <a:buChar char="○"/>
+              <a:defRPr sz="1600" b="0" i="0" u="none" strike="noStrike" cap="none">
+                <a:solidFill>
+                  <a:srgbClr val="999999"/>
+                </a:solidFill>
+                <a:latin typeface="Cabin"/>
+                <a:ea typeface="Cabin"/>
+                <a:cs typeface="Cabin"/>
+                <a:sym typeface="Cabin"/>
+              </a:defRPr>
+            </a:lvl2pPr>
+            <a:lvl3pPr marL="1371600" marR="0" lvl="2" indent="-323850" algn="l" rtl="0">
+              <a:lnSpc>
+                <a:spcPct val="115000"/>
+              </a:lnSpc>
+              <a:spcBef>
+                <a:spcPts val="0"/>
+              </a:spcBef>
+              <a:spcAft>
+                <a:spcPts val="0"/>
+              </a:spcAft>
+              <a:buClr>
+                <a:srgbClr val="E9AA1B"/>
+              </a:buClr>
+              <a:buSzPts val="1500"/>
+              <a:buFont typeface="Cabin"/>
+              <a:buChar char="■"/>
+              <a:defRPr sz="1500" b="0" i="0" u="none" strike="noStrike" cap="none">
+                <a:solidFill>
+                  <a:srgbClr val="999999"/>
+                </a:solidFill>
+                <a:latin typeface="Cabin"/>
+                <a:ea typeface="Cabin"/>
+                <a:cs typeface="Cabin"/>
+                <a:sym typeface="Cabin"/>
+              </a:defRPr>
+            </a:lvl3pPr>
+            <a:lvl4pPr marL="1828800" marR="0" lvl="3" indent="-323850" algn="l" rtl="0">
+              <a:lnSpc>
+                <a:spcPct val="115000"/>
+              </a:lnSpc>
+              <a:spcBef>
+                <a:spcPts val="0"/>
+              </a:spcBef>
+              <a:spcAft>
+                <a:spcPts val="0"/>
+              </a:spcAft>
+              <a:buClr>
+                <a:srgbClr val="E9AA1B"/>
+              </a:buClr>
+              <a:buSzPts val="1500"/>
+              <a:buFont typeface="Cabin"/>
+              <a:buChar char="●"/>
+              <a:defRPr sz="1500" b="0" i="0" u="none" strike="noStrike" cap="none">
+                <a:solidFill>
+                  <a:srgbClr val="999999"/>
+                </a:solidFill>
+                <a:latin typeface="Cabin"/>
+                <a:ea typeface="Cabin"/>
+                <a:cs typeface="Cabin"/>
+                <a:sym typeface="Cabin"/>
+              </a:defRPr>
+            </a:lvl4pPr>
+            <a:lvl5pPr marL="2286000" marR="0" lvl="4" indent="-317500" algn="l" rtl="0">
+              <a:lnSpc>
+                <a:spcPct val="115000"/>
+              </a:lnSpc>
+              <a:spcBef>
+                <a:spcPts val="0"/>
+              </a:spcBef>
+              <a:spcAft>
+                <a:spcPts val="0"/>
+              </a:spcAft>
+              <a:buClr>
+                <a:srgbClr val="E9AA1B"/>
+              </a:buClr>
+              <a:buSzPts val="1400"/>
+              <a:buFont typeface="Cabin"/>
+              <a:buChar char="○"/>
+              <a:defRPr sz="1400" b="0" i="0" u="none" strike="noStrike" cap="none">
+                <a:solidFill>
+                  <a:srgbClr val="999999"/>
+                </a:solidFill>
+                <a:latin typeface="Cabin"/>
+                <a:ea typeface="Cabin"/>
+                <a:cs typeface="Cabin"/>
+                <a:sym typeface="Cabin"/>
+              </a:defRPr>
+            </a:lvl5pPr>
+            <a:lvl6pPr marL="2743200" marR="0" lvl="5" indent="-317500" algn="l" rtl="0">
+              <a:lnSpc>
+                <a:spcPct val="115000"/>
+              </a:lnSpc>
+              <a:spcBef>
+                <a:spcPts val="0"/>
+              </a:spcBef>
+              <a:spcAft>
+                <a:spcPts val="0"/>
+              </a:spcAft>
+              <a:buClr>
+                <a:srgbClr val="E9AA1B"/>
+              </a:buClr>
+              <a:buSzPts val="1400"/>
+              <a:buFont typeface="Cabin"/>
+              <a:buChar char="■"/>
+              <a:defRPr sz="1400" b="0" i="0" u="none" strike="noStrike" cap="none">
+                <a:solidFill>
+                  <a:srgbClr val="999999"/>
+                </a:solidFill>
+                <a:latin typeface="Cabin"/>
+                <a:ea typeface="Cabin"/>
+                <a:cs typeface="Cabin"/>
+                <a:sym typeface="Cabin"/>
+              </a:defRPr>
+            </a:lvl6pPr>
+            <a:lvl7pPr marL="3200400" marR="0" lvl="6" indent="-311150" algn="l" rtl="0">
+              <a:lnSpc>
+                <a:spcPct val="115000"/>
+              </a:lnSpc>
+              <a:spcBef>
+                <a:spcPts val="0"/>
+              </a:spcBef>
+              <a:spcAft>
+                <a:spcPts val="0"/>
+              </a:spcAft>
+              <a:buClr>
+                <a:srgbClr val="999999"/>
+              </a:buClr>
+              <a:buSzPts val="1300"/>
+              <a:buFont typeface="Cabin"/>
+              <a:buChar char="●"/>
+              <a:defRPr sz="1300" b="0" i="0" u="none" strike="noStrike" cap="none">
+                <a:solidFill>
+                  <a:srgbClr val="999999"/>
+                </a:solidFill>
+                <a:latin typeface="Cabin"/>
+                <a:ea typeface="Cabin"/>
+                <a:cs typeface="Cabin"/>
+                <a:sym typeface="Cabin"/>
+              </a:defRPr>
+            </a:lvl7pPr>
+            <a:lvl8pPr marL="3657600" marR="0" lvl="7" indent="-311150" algn="l" rtl="0">
+              <a:lnSpc>
+                <a:spcPct val="115000"/>
+              </a:lnSpc>
+              <a:spcBef>
+                <a:spcPts val="0"/>
+              </a:spcBef>
+              <a:spcAft>
+                <a:spcPts val="0"/>
+              </a:spcAft>
+              <a:buClr>
+                <a:srgbClr val="999999"/>
+              </a:buClr>
+              <a:buSzPts val="1300"/>
+              <a:buFont typeface="Cabin"/>
+              <a:buChar char="○"/>
+              <a:defRPr sz="1300" b="0" i="0" u="none" strike="noStrike" cap="none">
+                <a:solidFill>
+                  <a:srgbClr val="999999"/>
+                </a:solidFill>
+                <a:latin typeface="Cabin"/>
+                <a:ea typeface="Cabin"/>
+                <a:cs typeface="Cabin"/>
+                <a:sym typeface="Cabin"/>
+              </a:defRPr>
+            </a:lvl8pPr>
+            <a:lvl9pPr marL="4114800" marR="0" lvl="8" indent="-304800" algn="l" rtl="0">
+              <a:lnSpc>
+                <a:spcPct val="115000"/>
+              </a:lnSpc>
+              <a:spcBef>
+                <a:spcPts val="0"/>
+              </a:spcBef>
+              <a:spcAft>
+                <a:spcPts val="0"/>
+              </a:spcAft>
+              <a:buClr>
+                <a:srgbClr val="999999"/>
+              </a:buClr>
+              <a:buSzPts val="1200"/>
+              <a:buFont typeface="Cabin"/>
+              <a:buChar char="■"/>
+              <a:defRPr sz="1200" b="0" i="0" u="none" strike="noStrike" cap="none">
+                <a:solidFill>
+                  <a:srgbClr val="999999"/>
+                </a:solidFill>
+                <a:latin typeface="Cabin"/>
+                <a:ea typeface="Cabin"/>
+                <a:cs typeface="Cabin"/>
+                <a:sym typeface="Cabin"/>
+              </a:defRPr>
+            </a:lvl9pPr>
+          </a:lstStyle>
+          <a:p>
+            <a:pPr marL="0" indent="0">
+              <a:buFont typeface="Cabin"/>
+              <a:buNone/>
+            </a:pPr>
+            <a:r>
+              <a:rPr lang="en-US" sz="1400" b="1" dirty="0">
+                <a:solidFill>
+                  <a:srgbClr val="3E516C"/>
+                </a:solidFill>
+                <a:latin typeface="Montserrat"/>
+                <a:ea typeface="Montserrat"/>
+                <a:cs typeface="Montserrat"/>
+                <a:sym typeface="Montserrat"/>
+              </a:rPr>
+              <a:t>Thanh toán</a:t>
+            </a:r>
+            <a:br>
+              <a:rPr lang="en-US" sz="1400" dirty="0"/>
+            </a:br>
+            <a:r>
+              <a:rPr lang="en-US" sz="1200" dirty="0"/>
+              <a:t>Chưa quản lý thu nhập của lớp học</a:t>
+            </a:r>
+          </a:p>
+          <a:p>
+            <a:pPr marL="0" indent="0">
+              <a:buFont typeface="Cabin"/>
+              <a:buNone/>
+            </a:pPr>
+            <a:r>
+              <a:rPr lang="en-US" sz="1200" dirty="0"/>
+              <a:t>Gia sư chưa thể rút tiền về tài khoản</a:t>
+            </a:r>
+          </a:p>
+        </p:txBody>
+      </p:sp>
+      <p:sp>
+        <p:nvSpPr>
+          <p:cNvPr id="10" name="Google Shape;1149;p50">
+            <a:extLst>
+              <a:ext uri="{FF2B5EF4-FFF2-40B4-BE49-F238E27FC236}">
+                <a16:creationId xmlns:a16="http://schemas.microsoft.com/office/drawing/2014/main" id="{339085DB-A400-43FF-BB71-FE1C1F3E6264}"/>
+              </a:ext>
+            </a:extLst>
+          </p:cNvPr>
+          <p:cNvSpPr txBox="1">
+            <a:spLocks/>
+          </p:cNvSpPr>
+          <p:nvPr/>
+        </p:nvSpPr>
+        <p:spPr>
+          <a:xfrm>
+            <a:off x="1459518" y="3140625"/>
+            <a:ext cx="2542135" cy="1136100"/>
+          </a:xfrm>
+          <a:prstGeom prst="rect">
+            <a:avLst/>
+          </a:prstGeom>
+          <a:noFill/>
+          <a:ln>
+            <a:noFill/>
+          </a:ln>
+        </p:spPr>
+        <p:txBody>
+          <a:bodyPr spcFirstLastPara="1" wrap="square" lIns="91425" tIns="91425" rIns="91425" bIns="91425" anchor="t" anchorCtr="0">
+            <a:noAutofit/>
+          </a:bodyPr>
+          <a:lstStyle>
+            <a:defPPr marR="0" lvl="0" algn="l" rtl="0">
+              <a:lnSpc>
+                <a:spcPct val="100000"/>
+              </a:lnSpc>
+              <a:spcBef>
+                <a:spcPts val="0"/>
+              </a:spcBef>
+              <a:spcAft>
+                <a:spcPts val="0"/>
+              </a:spcAft>
+            </a:defPPr>
+            <a:lvl1pPr marL="457200" marR="0" lvl="0" indent="-330200" algn="l" rtl="0">
+              <a:lnSpc>
+                <a:spcPct val="115000"/>
+              </a:lnSpc>
+              <a:spcBef>
+                <a:spcPts val="0"/>
+              </a:spcBef>
+              <a:spcAft>
+                <a:spcPts val="0"/>
+              </a:spcAft>
+              <a:buClr>
+                <a:srgbClr val="E9AA1B"/>
+              </a:buClr>
+              <a:buSzPts val="1600"/>
+              <a:buFont typeface="Cabin"/>
+              <a:buChar char="●"/>
+              <a:defRPr sz="1600" b="0" i="0" u="none" strike="noStrike" cap="none">
+                <a:solidFill>
+                  <a:srgbClr val="999999"/>
+                </a:solidFill>
+                <a:latin typeface="Cabin"/>
+                <a:ea typeface="Cabin"/>
+                <a:cs typeface="Cabin"/>
+                <a:sym typeface="Cabin"/>
+              </a:defRPr>
+            </a:lvl1pPr>
+            <a:lvl2pPr marL="914400" marR="0" lvl="1" indent="-330200" algn="l" rtl="0">
+              <a:lnSpc>
+                <a:spcPct val="115000"/>
+              </a:lnSpc>
+              <a:spcBef>
+                <a:spcPts val="0"/>
+              </a:spcBef>
+              <a:spcAft>
+                <a:spcPts val="0"/>
+              </a:spcAft>
+              <a:buClr>
+                <a:srgbClr val="E9AA1B"/>
+              </a:buClr>
+              <a:buSzPts val="1600"/>
+              <a:buFont typeface="Cabin"/>
+              <a:buChar char="○"/>
+              <a:defRPr sz="1600" b="0" i="0" u="none" strike="noStrike" cap="none">
+                <a:solidFill>
+                  <a:srgbClr val="999999"/>
+                </a:solidFill>
+                <a:latin typeface="Cabin"/>
+                <a:ea typeface="Cabin"/>
+                <a:cs typeface="Cabin"/>
+                <a:sym typeface="Cabin"/>
+              </a:defRPr>
+            </a:lvl2pPr>
+            <a:lvl3pPr marL="1371600" marR="0" lvl="2" indent="-323850" algn="l" rtl="0">
+              <a:lnSpc>
+                <a:spcPct val="115000"/>
+              </a:lnSpc>
+              <a:spcBef>
+                <a:spcPts val="0"/>
+              </a:spcBef>
+              <a:spcAft>
+                <a:spcPts val="0"/>
+              </a:spcAft>
+              <a:buClr>
+                <a:srgbClr val="E9AA1B"/>
+              </a:buClr>
+              <a:buSzPts val="1500"/>
+              <a:buFont typeface="Cabin"/>
+              <a:buChar char="■"/>
+              <a:defRPr sz="1500" b="0" i="0" u="none" strike="noStrike" cap="none">
+                <a:solidFill>
+                  <a:srgbClr val="999999"/>
+                </a:solidFill>
+                <a:latin typeface="Cabin"/>
+                <a:ea typeface="Cabin"/>
+                <a:cs typeface="Cabin"/>
+                <a:sym typeface="Cabin"/>
+              </a:defRPr>
+            </a:lvl3pPr>
+            <a:lvl4pPr marL="1828800" marR="0" lvl="3" indent="-323850" algn="l" rtl="0">
+              <a:lnSpc>
+                <a:spcPct val="115000"/>
+              </a:lnSpc>
+              <a:spcBef>
+                <a:spcPts val="0"/>
+              </a:spcBef>
+              <a:spcAft>
+                <a:spcPts val="0"/>
+              </a:spcAft>
+              <a:buClr>
+                <a:srgbClr val="E9AA1B"/>
+              </a:buClr>
+              <a:buSzPts val="1500"/>
+              <a:buFont typeface="Cabin"/>
+              <a:buChar char="●"/>
+              <a:defRPr sz="1500" b="0" i="0" u="none" strike="noStrike" cap="none">
+                <a:solidFill>
+                  <a:srgbClr val="999999"/>
+                </a:solidFill>
+                <a:latin typeface="Cabin"/>
+                <a:ea typeface="Cabin"/>
+                <a:cs typeface="Cabin"/>
+                <a:sym typeface="Cabin"/>
+              </a:defRPr>
+            </a:lvl4pPr>
+            <a:lvl5pPr marL="2286000" marR="0" lvl="4" indent="-317500" algn="l" rtl="0">
+              <a:lnSpc>
+                <a:spcPct val="115000"/>
+              </a:lnSpc>
+              <a:spcBef>
+                <a:spcPts val="0"/>
+              </a:spcBef>
+              <a:spcAft>
+                <a:spcPts val="0"/>
+              </a:spcAft>
+              <a:buClr>
+                <a:srgbClr val="E9AA1B"/>
+              </a:buClr>
+              <a:buSzPts val="1400"/>
+              <a:buFont typeface="Cabin"/>
+              <a:buChar char="○"/>
+              <a:defRPr sz="1400" b="0" i="0" u="none" strike="noStrike" cap="none">
+                <a:solidFill>
+                  <a:srgbClr val="999999"/>
+                </a:solidFill>
+                <a:latin typeface="Cabin"/>
+                <a:ea typeface="Cabin"/>
+                <a:cs typeface="Cabin"/>
+                <a:sym typeface="Cabin"/>
+              </a:defRPr>
+            </a:lvl5pPr>
+            <a:lvl6pPr marL="2743200" marR="0" lvl="5" indent="-317500" algn="l" rtl="0">
+              <a:lnSpc>
+                <a:spcPct val="115000"/>
+              </a:lnSpc>
+              <a:spcBef>
+                <a:spcPts val="0"/>
+              </a:spcBef>
+              <a:spcAft>
+                <a:spcPts val="0"/>
+              </a:spcAft>
+              <a:buClr>
+                <a:srgbClr val="E9AA1B"/>
+              </a:buClr>
+              <a:buSzPts val="1400"/>
+              <a:buFont typeface="Cabin"/>
+              <a:buChar char="■"/>
+              <a:defRPr sz="1400" b="0" i="0" u="none" strike="noStrike" cap="none">
+                <a:solidFill>
+                  <a:srgbClr val="999999"/>
+                </a:solidFill>
+                <a:latin typeface="Cabin"/>
+                <a:ea typeface="Cabin"/>
+                <a:cs typeface="Cabin"/>
+                <a:sym typeface="Cabin"/>
+              </a:defRPr>
+            </a:lvl6pPr>
+            <a:lvl7pPr marL="3200400" marR="0" lvl="6" indent="-311150" algn="l" rtl="0">
+              <a:lnSpc>
+                <a:spcPct val="115000"/>
+              </a:lnSpc>
+              <a:spcBef>
+                <a:spcPts val="0"/>
+              </a:spcBef>
+              <a:spcAft>
+                <a:spcPts val="0"/>
+              </a:spcAft>
+              <a:buClr>
+                <a:srgbClr val="999999"/>
+              </a:buClr>
+              <a:buSzPts val="1300"/>
+              <a:buFont typeface="Cabin"/>
+              <a:buChar char="●"/>
+              <a:defRPr sz="1300" b="0" i="0" u="none" strike="noStrike" cap="none">
+                <a:solidFill>
+                  <a:srgbClr val="999999"/>
+                </a:solidFill>
+                <a:latin typeface="Cabin"/>
+                <a:ea typeface="Cabin"/>
+                <a:cs typeface="Cabin"/>
+                <a:sym typeface="Cabin"/>
+              </a:defRPr>
+            </a:lvl7pPr>
+            <a:lvl8pPr marL="3657600" marR="0" lvl="7" indent="-311150" algn="l" rtl="0">
+              <a:lnSpc>
+                <a:spcPct val="115000"/>
+              </a:lnSpc>
+              <a:spcBef>
+                <a:spcPts val="0"/>
+              </a:spcBef>
+              <a:spcAft>
+                <a:spcPts val="0"/>
+              </a:spcAft>
+              <a:buClr>
+                <a:srgbClr val="999999"/>
+              </a:buClr>
+              <a:buSzPts val="1300"/>
+              <a:buFont typeface="Cabin"/>
+              <a:buChar char="○"/>
+              <a:defRPr sz="1300" b="0" i="0" u="none" strike="noStrike" cap="none">
+                <a:solidFill>
+                  <a:srgbClr val="999999"/>
+                </a:solidFill>
+                <a:latin typeface="Cabin"/>
+                <a:ea typeface="Cabin"/>
+                <a:cs typeface="Cabin"/>
+                <a:sym typeface="Cabin"/>
+              </a:defRPr>
+            </a:lvl8pPr>
+            <a:lvl9pPr marL="4114800" marR="0" lvl="8" indent="-304800" algn="l" rtl="0">
+              <a:lnSpc>
+                <a:spcPct val="115000"/>
+              </a:lnSpc>
+              <a:spcBef>
+                <a:spcPts val="0"/>
+              </a:spcBef>
+              <a:spcAft>
+                <a:spcPts val="0"/>
+              </a:spcAft>
+              <a:buClr>
+                <a:srgbClr val="999999"/>
+              </a:buClr>
+              <a:buSzPts val="1200"/>
+              <a:buFont typeface="Cabin"/>
+              <a:buChar char="■"/>
+              <a:defRPr sz="1200" b="0" i="0" u="none" strike="noStrike" cap="none">
+                <a:solidFill>
+                  <a:srgbClr val="999999"/>
+                </a:solidFill>
+                <a:latin typeface="Cabin"/>
+                <a:ea typeface="Cabin"/>
+                <a:cs typeface="Cabin"/>
+                <a:sym typeface="Cabin"/>
+              </a:defRPr>
+            </a:lvl9pPr>
+          </a:lstStyle>
+          <a:p>
+            <a:pPr marL="0" indent="0">
+              <a:buFont typeface="Cabin"/>
+              <a:buNone/>
+            </a:pPr>
+            <a:r>
+              <a:rPr lang="en-US" sz="1400" b="1" dirty="0">
+                <a:solidFill>
+                  <a:srgbClr val="3E516C"/>
+                </a:solidFill>
+                <a:latin typeface="Montserrat"/>
+                <a:ea typeface="Montserrat"/>
+                <a:cs typeface="Montserrat"/>
+                <a:sym typeface="Montserrat"/>
+              </a:rPr>
+              <a:t>Thông tin cá nhân</a:t>
+            </a:r>
+            <a:br>
+              <a:rPr lang="en-US" sz="1400" dirty="0"/>
+            </a:br>
+            <a:r>
+              <a:rPr lang="en-US" sz="1200" dirty="0"/>
+              <a:t>Chưa cập nhật được ảnh đại diện</a:t>
+            </a:r>
+          </a:p>
+        </p:txBody>
+      </p:sp>
+      <p:sp>
+        <p:nvSpPr>
+          <p:cNvPr id="12" name="Google Shape;1151;p50">
+            <a:extLst>
+              <a:ext uri="{FF2B5EF4-FFF2-40B4-BE49-F238E27FC236}">
+                <a16:creationId xmlns:a16="http://schemas.microsoft.com/office/drawing/2014/main" id="{58B65F7D-3763-435D-81F4-6DA7A4783BBF}"/>
+              </a:ext>
+            </a:extLst>
+          </p:cNvPr>
+          <p:cNvSpPr txBox="1">
+            <a:spLocks/>
+          </p:cNvSpPr>
+          <p:nvPr/>
+        </p:nvSpPr>
+        <p:spPr>
+          <a:xfrm>
+            <a:off x="5035299" y="3140617"/>
+            <a:ext cx="3270149" cy="1136100"/>
+          </a:xfrm>
+          <a:prstGeom prst="rect">
+            <a:avLst/>
+          </a:prstGeom>
+          <a:noFill/>
+          <a:ln>
+            <a:noFill/>
+          </a:ln>
+        </p:spPr>
+        <p:txBody>
+          <a:bodyPr spcFirstLastPara="1" wrap="square" lIns="91425" tIns="91425" rIns="91425" bIns="91425" anchor="t" anchorCtr="0">
+            <a:noAutofit/>
+          </a:bodyPr>
+          <a:lstStyle>
+            <a:defPPr marR="0" lvl="0" algn="l" rtl="0">
+              <a:lnSpc>
+                <a:spcPct val="100000"/>
+              </a:lnSpc>
+              <a:spcBef>
+                <a:spcPts val="0"/>
+              </a:spcBef>
+              <a:spcAft>
+                <a:spcPts val="0"/>
+              </a:spcAft>
+            </a:defPPr>
+            <a:lvl1pPr marL="457200" marR="0" lvl="0" indent="-330200" algn="l" rtl="0">
+              <a:lnSpc>
+                <a:spcPct val="115000"/>
+              </a:lnSpc>
+              <a:spcBef>
+                <a:spcPts val="0"/>
+              </a:spcBef>
+              <a:spcAft>
+                <a:spcPts val="0"/>
+              </a:spcAft>
+              <a:buClr>
+                <a:srgbClr val="E9AA1B"/>
+              </a:buClr>
+              <a:buSzPts val="1600"/>
+              <a:buFont typeface="Cabin"/>
+              <a:buChar char="●"/>
+              <a:defRPr sz="1600" b="0" i="0" u="none" strike="noStrike" cap="none">
+                <a:solidFill>
+                  <a:srgbClr val="999999"/>
+                </a:solidFill>
+                <a:latin typeface="Cabin"/>
+                <a:ea typeface="Cabin"/>
+                <a:cs typeface="Cabin"/>
+                <a:sym typeface="Cabin"/>
+              </a:defRPr>
+            </a:lvl1pPr>
+            <a:lvl2pPr marL="914400" marR="0" lvl="1" indent="-330200" algn="l" rtl="0">
+              <a:lnSpc>
+                <a:spcPct val="115000"/>
+              </a:lnSpc>
+              <a:spcBef>
+                <a:spcPts val="0"/>
+              </a:spcBef>
+              <a:spcAft>
+                <a:spcPts val="0"/>
+              </a:spcAft>
+              <a:buClr>
+                <a:srgbClr val="E9AA1B"/>
+              </a:buClr>
+              <a:buSzPts val="1600"/>
+              <a:buFont typeface="Cabin"/>
+              <a:buChar char="○"/>
+              <a:defRPr sz="1600" b="0" i="0" u="none" strike="noStrike" cap="none">
+                <a:solidFill>
+                  <a:srgbClr val="999999"/>
+                </a:solidFill>
+                <a:latin typeface="Cabin"/>
+                <a:ea typeface="Cabin"/>
+                <a:cs typeface="Cabin"/>
+                <a:sym typeface="Cabin"/>
+              </a:defRPr>
+            </a:lvl2pPr>
+            <a:lvl3pPr marL="1371600" marR="0" lvl="2" indent="-323850" algn="l" rtl="0">
+              <a:lnSpc>
+                <a:spcPct val="115000"/>
+              </a:lnSpc>
+              <a:spcBef>
+                <a:spcPts val="0"/>
+              </a:spcBef>
+              <a:spcAft>
+                <a:spcPts val="0"/>
+              </a:spcAft>
+              <a:buClr>
+                <a:srgbClr val="E9AA1B"/>
+              </a:buClr>
+              <a:buSzPts val="1500"/>
+              <a:buFont typeface="Cabin"/>
+              <a:buChar char="■"/>
+              <a:defRPr sz="1500" b="0" i="0" u="none" strike="noStrike" cap="none">
+                <a:solidFill>
+                  <a:srgbClr val="999999"/>
+                </a:solidFill>
+                <a:latin typeface="Cabin"/>
+                <a:ea typeface="Cabin"/>
+                <a:cs typeface="Cabin"/>
+                <a:sym typeface="Cabin"/>
+              </a:defRPr>
+            </a:lvl3pPr>
+            <a:lvl4pPr marL="1828800" marR="0" lvl="3" indent="-323850" algn="l" rtl="0">
+              <a:lnSpc>
+                <a:spcPct val="115000"/>
+              </a:lnSpc>
+              <a:spcBef>
+                <a:spcPts val="0"/>
+              </a:spcBef>
+              <a:spcAft>
+                <a:spcPts val="0"/>
+              </a:spcAft>
+              <a:buClr>
+                <a:srgbClr val="E9AA1B"/>
+              </a:buClr>
+              <a:buSzPts val="1500"/>
+              <a:buFont typeface="Cabin"/>
+              <a:buChar char="●"/>
+              <a:defRPr sz="1500" b="0" i="0" u="none" strike="noStrike" cap="none">
+                <a:solidFill>
+                  <a:srgbClr val="999999"/>
+                </a:solidFill>
+                <a:latin typeface="Cabin"/>
+                <a:ea typeface="Cabin"/>
+                <a:cs typeface="Cabin"/>
+                <a:sym typeface="Cabin"/>
+              </a:defRPr>
+            </a:lvl4pPr>
+            <a:lvl5pPr marL="2286000" marR="0" lvl="4" indent="-317500" algn="l" rtl="0">
+              <a:lnSpc>
+                <a:spcPct val="115000"/>
+              </a:lnSpc>
+              <a:spcBef>
+                <a:spcPts val="0"/>
+              </a:spcBef>
+              <a:spcAft>
+                <a:spcPts val="0"/>
+              </a:spcAft>
+              <a:buClr>
+                <a:srgbClr val="E9AA1B"/>
+              </a:buClr>
+              <a:buSzPts val="1400"/>
+              <a:buFont typeface="Cabin"/>
+              <a:buChar char="○"/>
+              <a:defRPr sz="1400" b="0" i="0" u="none" strike="noStrike" cap="none">
+                <a:solidFill>
+                  <a:srgbClr val="999999"/>
+                </a:solidFill>
+                <a:latin typeface="Cabin"/>
+                <a:ea typeface="Cabin"/>
+                <a:cs typeface="Cabin"/>
+                <a:sym typeface="Cabin"/>
+              </a:defRPr>
+            </a:lvl5pPr>
+            <a:lvl6pPr marL="2743200" marR="0" lvl="5" indent="-317500" algn="l" rtl="0">
+              <a:lnSpc>
+                <a:spcPct val="115000"/>
+              </a:lnSpc>
+              <a:spcBef>
+                <a:spcPts val="0"/>
+              </a:spcBef>
+              <a:spcAft>
+                <a:spcPts val="0"/>
+              </a:spcAft>
+              <a:buClr>
+                <a:srgbClr val="E9AA1B"/>
+              </a:buClr>
+              <a:buSzPts val="1400"/>
+              <a:buFont typeface="Cabin"/>
+              <a:buChar char="■"/>
+              <a:defRPr sz="1400" b="0" i="0" u="none" strike="noStrike" cap="none">
+                <a:solidFill>
+                  <a:srgbClr val="999999"/>
+                </a:solidFill>
+                <a:latin typeface="Cabin"/>
+                <a:ea typeface="Cabin"/>
+                <a:cs typeface="Cabin"/>
+                <a:sym typeface="Cabin"/>
+              </a:defRPr>
+            </a:lvl6pPr>
+            <a:lvl7pPr marL="3200400" marR="0" lvl="6" indent="-311150" algn="l" rtl="0">
+              <a:lnSpc>
+                <a:spcPct val="115000"/>
+              </a:lnSpc>
+              <a:spcBef>
+                <a:spcPts val="0"/>
+              </a:spcBef>
+              <a:spcAft>
+                <a:spcPts val="0"/>
+              </a:spcAft>
+              <a:buClr>
+                <a:srgbClr val="999999"/>
+              </a:buClr>
+              <a:buSzPts val="1300"/>
+              <a:buFont typeface="Cabin"/>
+              <a:buChar char="●"/>
+              <a:defRPr sz="1300" b="0" i="0" u="none" strike="noStrike" cap="none">
+                <a:solidFill>
+                  <a:srgbClr val="999999"/>
+                </a:solidFill>
+                <a:latin typeface="Cabin"/>
+                <a:ea typeface="Cabin"/>
+                <a:cs typeface="Cabin"/>
+                <a:sym typeface="Cabin"/>
+              </a:defRPr>
+            </a:lvl7pPr>
+            <a:lvl8pPr marL="3657600" marR="0" lvl="7" indent="-311150" algn="l" rtl="0">
+              <a:lnSpc>
+                <a:spcPct val="115000"/>
+              </a:lnSpc>
+              <a:spcBef>
+                <a:spcPts val="0"/>
+              </a:spcBef>
+              <a:spcAft>
+                <a:spcPts val="0"/>
+              </a:spcAft>
+              <a:buClr>
+                <a:srgbClr val="999999"/>
+              </a:buClr>
+              <a:buSzPts val="1300"/>
+              <a:buFont typeface="Cabin"/>
+              <a:buChar char="○"/>
+              <a:defRPr sz="1300" b="0" i="0" u="none" strike="noStrike" cap="none">
+                <a:solidFill>
+                  <a:srgbClr val="999999"/>
+                </a:solidFill>
+                <a:latin typeface="Cabin"/>
+                <a:ea typeface="Cabin"/>
+                <a:cs typeface="Cabin"/>
+                <a:sym typeface="Cabin"/>
+              </a:defRPr>
+            </a:lvl8pPr>
+            <a:lvl9pPr marL="4114800" marR="0" lvl="8" indent="-304800" algn="l" rtl="0">
+              <a:lnSpc>
+                <a:spcPct val="115000"/>
+              </a:lnSpc>
+              <a:spcBef>
+                <a:spcPts val="0"/>
+              </a:spcBef>
+              <a:spcAft>
+                <a:spcPts val="0"/>
+              </a:spcAft>
+              <a:buClr>
+                <a:srgbClr val="999999"/>
+              </a:buClr>
+              <a:buSzPts val="1200"/>
+              <a:buFont typeface="Cabin"/>
+              <a:buChar char="■"/>
+              <a:defRPr sz="1200" b="0" i="0" u="none" strike="noStrike" cap="none">
+                <a:solidFill>
+                  <a:srgbClr val="999999"/>
+                </a:solidFill>
+                <a:latin typeface="Cabin"/>
+                <a:ea typeface="Cabin"/>
+                <a:cs typeface="Cabin"/>
+                <a:sym typeface="Cabin"/>
+              </a:defRPr>
+            </a:lvl9pPr>
+          </a:lstStyle>
+          <a:p>
+            <a:pPr marL="0" indent="0">
+              <a:buFont typeface="Cabin"/>
+              <a:buNone/>
+            </a:pPr>
+            <a:r>
+              <a:rPr lang="en-US" sz="1400" b="1" dirty="0">
+                <a:solidFill>
+                  <a:srgbClr val="E8A81A"/>
+                </a:solidFill>
+                <a:latin typeface="Montserrat"/>
+                <a:ea typeface="Montserrat"/>
+                <a:cs typeface="Montserrat"/>
+                <a:sym typeface="Montserrat"/>
+              </a:rPr>
+              <a:t>Quản lý</a:t>
+            </a:r>
+            <a:br>
+              <a:rPr lang="en-US" sz="1400" dirty="0"/>
+            </a:br>
+            <a:r>
+              <a:rPr lang="en-US" sz="1200" dirty="0"/>
+              <a:t>Chưa tối ưu công cụ quản lý</a:t>
+            </a:r>
+          </a:p>
+          <a:p>
+            <a:pPr marL="0" indent="0">
+              <a:buFont typeface="Cabin"/>
+              <a:buNone/>
+            </a:pPr>
+            <a:endParaRPr lang="en-US" sz="1400" dirty="0"/>
+          </a:p>
+        </p:txBody>
+      </p:sp>
+      <p:cxnSp>
+        <p:nvCxnSpPr>
+          <p:cNvPr id="13" name="Google Shape;1152;p50">
+            <a:extLst>
+              <a:ext uri="{FF2B5EF4-FFF2-40B4-BE49-F238E27FC236}">
+                <a16:creationId xmlns:a16="http://schemas.microsoft.com/office/drawing/2014/main" id="{52DFB10E-64B5-4C8A-8AC6-00BF82118471}"/>
+              </a:ext>
+            </a:extLst>
+          </p:cNvPr>
+          <p:cNvCxnSpPr/>
+          <p:nvPr/>
+        </p:nvCxnSpPr>
+        <p:spPr>
+          <a:xfrm>
+            <a:off x="4587222" y="1828800"/>
+            <a:ext cx="0" cy="2459700"/>
+          </a:xfrm>
+          <a:prstGeom prst="straightConnector1">
+            <a:avLst/>
+          </a:prstGeom>
+          <a:noFill/>
+          <a:ln w="9525" cap="flat" cmpd="sng">
+            <a:solidFill>
+              <a:srgbClr val="F8BC28"/>
+            </a:solidFill>
+            <a:prstDash val="dash"/>
+            <a:round/>
+            <a:headEnd type="none" w="med" len="med"/>
+            <a:tailEnd type="none" w="med" len="med"/>
+          </a:ln>
+        </p:spPr>
+      </p:cxnSp>
+    </p:spTree>
+    <p:extLst>
+      <p:ext uri="{BB962C8B-B14F-4D97-AF65-F5344CB8AC3E}">
+        <p14:creationId xmlns:p14="http://schemas.microsoft.com/office/powerpoint/2010/main" val="447988280"/>
       </p:ext>
     </p:extLst>
   </p:cSld>
@@ -21212,1652 +22486,6 @@
                 </a:solidFill>
                 <a:latin typeface="Montserrat" panose="00000500000000000000" pitchFamily="2" charset="0"/>
               </a:rPr>
-              <a:t>2. Hạn chế và khó khăn</a:t>
-            </a:r>
-          </a:p>
-          <a:p>
-            <a:endParaRPr lang="en-US" dirty="0"/>
-          </a:p>
-        </p:txBody>
-      </p:sp>
-      <p:sp>
-        <p:nvSpPr>
-          <p:cNvPr id="2" name="Slide Number Placeholder 1">
-            <a:extLst>
-              <a:ext uri="{FF2B5EF4-FFF2-40B4-BE49-F238E27FC236}">
-                <a16:creationId xmlns:a16="http://schemas.microsoft.com/office/drawing/2014/main" id="{8E9BB517-42FC-440E-B038-392C89359550}"/>
-              </a:ext>
-            </a:extLst>
-          </p:cNvPr>
-          <p:cNvSpPr>
-            <a:spLocks noGrp="1"/>
-          </p:cNvSpPr>
-          <p:nvPr>
-            <p:ph type="sldNum" idx="12"/>
-          </p:nvPr>
-        </p:nvSpPr>
-        <p:spPr/>
-        <p:txBody>
-          <a:bodyPr/>
-          <a:lstStyle/>
-          <a:p>
-            <a:pPr marL="0" lvl="0" indent="0" algn="l" rtl="0">
-              <a:spcBef>
-                <a:spcPts val="0"/>
-              </a:spcBef>
-              <a:spcAft>
-                <a:spcPts val="0"/>
-              </a:spcAft>
-              <a:buNone/>
-            </a:pPr>
-            <a:fld id="{00000000-1234-1234-1234-123412341234}" type="slidenum">
-              <a:rPr lang="es" smtClean="0">
-                <a:solidFill>
-                  <a:schemeClr val="bg1"/>
-                </a:solidFill>
-              </a:rPr>
-              <a:t>20</a:t>
-            </a:fld>
-            <a:endParaRPr lang="es" dirty="0">
-              <a:solidFill>
-                <a:schemeClr val="bg1"/>
-              </a:solidFill>
-            </a:endParaRPr>
-          </a:p>
-        </p:txBody>
-      </p:sp>
-      <p:sp>
-        <p:nvSpPr>
-          <p:cNvPr id="7" name="Google Shape;1146;p50">
-            <a:extLst>
-              <a:ext uri="{FF2B5EF4-FFF2-40B4-BE49-F238E27FC236}">
-                <a16:creationId xmlns:a16="http://schemas.microsoft.com/office/drawing/2014/main" id="{F1FE9C58-B7BB-4139-80EF-62624AE39090}"/>
-              </a:ext>
-            </a:extLst>
-          </p:cNvPr>
-          <p:cNvSpPr txBox="1">
-            <a:spLocks/>
-          </p:cNvSpPr>
-          <p:nvPr/>
-        </p:nvSpPr>
-        <p:spPr>
-          <a:xfrm>
-            <a:off x="1459518" y="1828800"/>
-            <a:ext cx="2542135" cy="1136100"/>
-          </a:xfrm>
-          <a:prstGeom prst="rect">
-            <a:avLst/>
-          </a:prstGeom>
-          <a:noFill/>
-          <a:ln>
-            <a:noFill/>
-          </a:ln>
-        </p:spPr>
-        <p:txBody>
-          <a:bodyPr spcFirstLastPara="1" wrap="square" lIns="91425" tIns="91425" rIns="91425" bIns="91425" anchor="t" anchorCtr="0">
-            <a:noAutofit/>
-          </a:bodyPr>
-          <a:lstStyle>
-            <a:defPPr marR="0" lvl="0" algn="l" rtl="0">
-              <a:lnSpc>
-                <a:spcPct val="100000"/>
-              </a:lnSpc>
-              <a:spcBef>
-                <a:spcPts val="0"/>
-              </a:spcBef>
-              <a:spcAft>
-                <a:spcPts val="0"/>
-              </a:spcAft>
-            </a:defPPr>
-            <a:lvl1pPr marL="457200" marR="0" lvl="0" indent="-330200" algn="l" rtl="0">
-              <a:lnSpc>
-                <a:spcPct val="115000"/>
-              </a:lnSpc>
-              <a:spcBef>
-                <a:spcPts val="0"/>
-              </a:spcBef>
-              <a:spcAft>
-                <a:spcPts val="0"/>
-              </a:spcAft>
-              <a:buClr>
-                <a:srgbClr val="E9AA1B"/>
-              </a:buClr>
-              <a:buSzPts val="1600"/>
-              <a:buFont typeface="Cabin"/>
-              <a:buChar char="●"/>
-              <a:defRPr sz="1600" b="0" i="0" u="none" strike="noStrike" cap="none">
-                <a:solidFill>
-                  <a:srgbClr val="999999"/>
-                </a:solidFill>
-                <a:latin typeface="Cabin"/>
-                <a:ea typeface="Cabin"/>
-                <a:cs typeface="Cabin"/>
-                <a:sym typeface="Cabin"/>
-              </a:defRPr>
-            </a:lvl1pPr>
-            <a:lvl2pPr marL="914400" marR="0" lvl="1" indent="-330200" algn="l" rtl="0">
-              <a:lnSpc>
-                <a:spcPct val="115000"/>
-              </a:lnSpc>
-              <a:spcBef>
-                <a:spcPts val="0"/>
-              </a:spcBef>
-              <a:spcAft>
-                <a:spcPts val="0"/>
-              </a:spcAft>
-              <a:buClr>
-                <a:srgbClr val="E9AA1B"/>
-              </a:buClr>
-              <a:buSzPts val="1600"/>
-              <a:buFont typeface="Cabin"/>
-              <a:buChar char="○"/>
-              <a:defRPr sz="1600" b="0" i="0" u="none" strike="noStrike" cap="none">
-                <a:solidFill>
-                  <a:srgbClr val="999999"/>
-                </a:solidFill>
-                <a:latin typeface="Cabin"/>
-                <a:ea typeface="Cabin"/>
-                <a:cs typeface="Cabin"/>
-                <a:sym typeface="Cabin"/>
-              </a:defRPr>
-            </a:lvl2pPr>
-            <a:lvl3pPr marL="1371600" marR="0" lvl="2" indent="-323850" algn="l" rtl="0">
-              <a:lnSpc>
-                <a:spcPct val="115000"/>
-              </a:lnSpc>
-              <a:spcBef>
-                <a:spcPts val="0"/>
-              </a:spcBef>
-              <a:spcAft>
-                <a:spcPts val="0"/>
-              </a:spcAft>
-              <a:buClr>
-                <a:srgbClr val="E9AA1B"/>
-              </a:buClr>
-              <a:buSzPts val="1500"/>
-              <a:buFont typeface="Cabin"/>
-              <a:buChar char="■"/>
-              <a:defRPr sz="1500" b="0" i="0" u="none" strike="noStrike" cap="none">
-                <a:solidFill>
-                  <a:srgbClr val="999999"/>
-                </a:solidFill>
-                <a:latin typeface="Cabin"/>
-                <a:ea typeface="Cabin"/>
-                <a:cs typeface="Cabin"/>
-                <a:sym typeface="Cabin"/>
-              </a:defRPr>
-            </a:lvl3pPr>
-            <a:lvl4pPr marL="1828800" marR="0" lvl="3" indent="-323850" algn="l" rtl="0">
-              <a:lnSpc>
-                <a:spcPct val="115000"/>
-              </a:lnSpc>
-              <a:spcBef>
-                <a:spcPts val="0"/>
-              </a:spcBef>
-              <a:spcAft>
-                <a:spcPts val="0"/>
-              </a:spcAft>
-              <a:buClr>
-                <a:srgbClr val="E9AA1B"/>
-              </a:buClr>
-              <a:buSzPts val="1500"/>
-              <a:buFont typeface="Cabin"/>
-              <a:buChar char="●"/>
-              <a:defRPr sz="1500" b="0" i="0" u="none" strike="noStrike" cap="none">
-                <a:solidFill>
-                  <a:srgbClr val="999999"/>
-                </a:solidFill>
-                <a:latin typeface="Cabin"/>
-                <a:ea typeface="Cabin"/>
-                <a:cs typeface="Cabin"/>
-                <a:sym typeface="Cabin"/>
-              </a:defRPr>
-            </a:lvl4pPr>
-            <a:lvl5pPr marL="2286000" marR="0" lvl="4" indent="-317500" algn="l" rtl="0">
-              <a:lnSpc>
-                <a:spcPct val="115000"/>
-              </a:lnSpc>
-              <a:spcBef>
-                <a:spcPts val="0"/>
-              </a:spcBef>
-              <a:spcAft>
-                <a:spcPts val="0"/>
-              </a:spcAft>
-              <a:buClr>
-                <a:srgbClr val="E9AA1B"/>
-              </a:buClr>
-              <a:buSzPts val="1400"/>
-              <a:buFont typeface="Cabin"/>
-              <a:buChar char="○"/>
-              <a:defRPr sz="1400" b="0" i="0" u="none" strike="noStrike" cap="none">
-                <a:solidFill>
-                  <a:srgbClr val="999999"/>
-                </a:solidFill>
-                <a:latin typeface="Cabin"/>
-                <a:ea typeface="Cabin"/>
-                <a:cs typeface="Cabin"/>
-                <a:sym typeface="Cabin"/>
-              </a:defRPr>
-            </a:lvl5pPr>
-            <a:lvl6pPr marL="2743200" marR="0" lvl="5" indent="-317500" algn="l" rtl="0">
-              <a:lnSpc>
-                <a:spcPct val="115000"/>
-              </a:lnSpc>
-              <a:spcBef>
-                <a:spcPts val="0"/>
-              </a:spcBef>
-              <a:spcAft>
-                <a:spcPts val="0"/>
-              </a:spcAft>
-              <a:buClr>
-                <a:srgbClr val="E9AA1B"/>
-              </a:buClr>
-              <a:buSzPts val="1400"/>
-              <a:buFont typeface="Cabin"/>
-              <a:buChar char="■"/>
-              <a:defRPr sz="1400" b="0" i="0" u="none" strike="noStrike" cap="none">
-                <a:solidFill>
-                  <a:srgbClr val="999999"/>
-                </a:solidFill>
-                <a:latin typeface="Cabin"/>
-                <a:ea typeface="Cabin"/>
-                <a:cs typeface="Cabin"/>
-                <a:sym typeface="Cabin"/>
-              </a:defRPr>
-            </a:lvl6pPr>
-            <a:lvl7pPr marL="3200400" marR="0" lvl="6" indent="-311150" algn="l" rtl="0">
-              <a:lnSpc>
-                <a:spcPct val="115000"/>
-              </a:lnSpc>
-              <a:spcBef>
-                <a:spcPts val="0"/>
-              </a:spcBef>
-              <a:spcAft>
-                <a:spcPts val="0"/>
-              </a:spcAft>
-              <a:buClr>
-                <a:srgbClr val="999999"/>
-              </a:buClr>
-              <a:buSzPts val="1300"/>
-              <a:buFont typeface="Cabin"/>
-              <a:buChar char="●"/>
-              <a:defRPr sz="1300" b="0" i="0" u="none" strike="noStrike" cap="none">
-                <a:solidFill>
-                  <a:srgbClr val="999999"/>
-                </a:solidFill>
-                <a:latin typeface="Cabin"/>
-                <a:ea typeface="Cabin"/>
-                <a:cs typeface="Cabin"/>
-                <a:sym typeface="Cabin"/>
-              </a:defRPr>
-            </a:lvl7pPr>
-            <a:lvl8pPr marL="3657600" marR="0" lvl="7" indent="-311150" algn="l" rtl="0">
-              <a:lnSpc>
-                <a:spcPct val="115000"/>
-              </a:lnSpc>
-              <a:spcBef>
-                <a:spcPts val="0"/>
-              </a:spcBef>
-              <a:spcAft>
-                <a:spcPts val="0"/>
-              </a:spcAft>
-              <a:buClr>
-                <a:srgbClr val="999999"/>
-              </a:buClr>
-              <a:buSzPts val="1300"/>
-              <a:buFont typeface="Cabin"/>
-              <a:buChar char="○"/>
-              <a:defRPr sz="1300" b="0" i="0" u="none" strike="noStrike" cap="none">
-                <a:solidFill>
-                  <a:srgbClr val="999999"/>
-                </a:solidFill>
-                <a:latin typeface="Cabin"/>
-                <a:ea typeface="Cabin"/>
-                <a:cs typeface="Cabin"/>
-                <a:sym typeface="Cabin"/>
-              </a:defRPr>
-            </a:lvl8pPr>
-            <a:lvl9pPr marL="4114800" marR="0" lvl="8" indent="-304800" algn="l" rtl="0">
-              <a:lnSpc>
-                <a:spcPct val="115000"/>
-              </a:lnSpc>
-              <a:spcBef>
-                <a:spcPts val="0"/>
-              </a:spcBef>
-              <a:spcAft>
-                <a:spcPts val="0"/>
-              </a:spcAft>
-              <a:buClr>
-                <a:srgbClr val="999999"/>
-              </a:buClr>
-              <a:buSzPts val="1200"/>
-              <a:buFont typeface="Cabin"/>
-              <a:buChar char="■"/>
-              <a:defRPr sz="1200" b="0" i="0" u="none" strike="noStrike" cap="none">
-                <a:solidFill>
-                  <a:srgbClr val="999999"/>
-                </a:solidFill>
-                <a:latin typeface="Cabin"/>
-                <a:ea typeface="Cabin"/>
-                <a:cs typeface="Cabin"/>
-                <a:sym typeface="Cabin"/>
-              </a:defRPr>
-            </a:lvl9pPr>
-          </a:lstStyle>
-          <a:p>
-            <a:pPr marL="0" indent="0">
-              <a:spcAft>
-                <a:spcPts val="200"/>
-              </a:spcAft>
-              <a:buFont typeface="Cabin"/>
-              <a:buNone/>
-            </a:pPr>
-            <a:r>
-              <a:rPr lang="en-US" sz="1400" b="1" dirty="0">
-                <a:solidFill>
-                  <a:srgbClr val="F8BC28"/>
-                </a:solidFill>
-                <a:latin typeface="Montserrat"/>
-                <a:ea typeface="Montserrat"/>
-                <a:cs typeface="Montserrat"/>
-                <a:sym typeface="Montserrat"/>
-              </a:rPr>
-              <a:t>Giao diện</a:t>
-            </a:r>
-            <a:br>
-              <a:rPr lang="en-US" dirty="0"/>
-            </a:br>
-            <a:r>
-              <a:rPr lang="en-US" sz="1200" dirty="0"/>
-              <a:t>Giao diện chưa sinh động và bắt mắt</a:t>
-            </a:r>
-          </a:p>
-        </p:txBody>
-      </p:sp>
-      <p:sp>
-        <p:nvSpPr>
-          <p:cNvPr id="9" name="Google Shape;1148;p50">
-            <a:extLst>
-              <a:ext uri="{FF2B5EF4-FFF2-40B4-BE49-F238E27FC236}">
-                <a16:creationId xmlns:a16="http://schemas.microsoft.com/office/drawing/2014/main" id="{C70B67BF-593E-4D89-88C0-867A474E8B91}"/>
-              </a:ext>
-            </a:extLst>
-          </p:cNvPr>
-          <p:cNvSpPr txBox="1">
-            <a:spLocks/>
-          </p:cNvSpPr>
-          <p:nvPr/>
-        </p:nvSpPr>
-        <p:spPr>
-          <a:xfrm>
-            <a:off x="5035300" y="1828800"/>
-            <a:ext cx="3118100" cy="1136100"/>
-          </a:xfrm>
-          <a:prstGeom prst="rect">
-            <a:avLst/>
-          </a:prstGeom>
-          <a:noFill/>
-          <a:ln>
-            <a:noFill/>
-          </a:ln>
-        </p:spPr>
-        <p:txBody>
-          <a:bodyPr spcFirstLastPara="1" wrap="square" lIns="91425" tIns="91425" rIns="91425" bIns="91425" anchor="t" anchorCtr="0">
-            <a:noAutofit/>
-          </a:bodyPr>
-          <a:lstStyle>
-            <a:defPPr marR="0" lvl="0" algn="l" rtl="0">
-              <a:lnSpc>
-                <a:spcPct val="100000"/>
-              </a:lnSpc>
-              <a:spcBef>
-                <a:spcPts val="0"/>
-              </a:spcBef>
-              <a:spcAft>
-                <a:spcPts val="0"/>
-              </a:spcAft>
-            </a:defPPr>
-            <a:lvl1pPr marL="457200" marR="0" lvl="0" indent="-330200" algn="l" rtl="0">
-              <a:lnSpc>
-                <a:spcPct val="115000"/>
-              </a:lnSpc>
-              <a:spcBef>
-                <a:spcPts val="0"/>
-              </a:spcBef>
-              <a:spcAft>
-                <a:spcPts val="0"/>
-              </a:spcAft>
-              <a:buClr>
-                <a:srgbClr val="E9AA1B"/>
-              </a:buClr>
-              <a:buSzPts val="1600"/>
-              <a:buFont typeface="Cabin"/>
-              <a:buChar char="●"/>
-              <a:defRPr sz="1600" b="0" i="0" u="none" strike="noStrike" cap="none">
-                <a:solidFill>
-                  <a:srgbClr val="999999"/>
-                </a:solidFill>
-                <a:latin typeface="Cabin"/>
-                <a:ea typeface="Cabin"/>
-                <a:cs typeface="Cabin"/>
-                <a:sym typeface="Cabin"/>
-              </a:defRPr>
-            </a:lvl1pPr>
-            <a:lvl2pPr marL="914400" marR="0" lvl="1" indent="-330200" algn="l" rtl="0">
-              <a:lnSpc>
-                <a:spcPct val="115000"/>
-              </a:lnSpc>
-              <a:spcBef>
-                <a:spcPts val="0"/>
-              </a:spcBef>
-              <a:spcAft>
-                <a:spcPts val="0"/>
-              </a:spcAft>
-              <a:buClr>
-                <a:srgbClr val="E9AA1B"/>
-              </a:buClr>
-              <a:buSzPts val="1600"/>
-              <a:buFont typeface="Cabin"/>
-              <a:buChar char="○"/>
-              <a:defRPr sz="1600" b="0" i="0" u="none" strike="noStrike" cap="none">
-                <a:solidFill>
-                  <a:srgbClr val="999999"/>
-                </a:solidFill>
-                <a:latin typeface="Cabin"/>
-                <a:ea typeface="Cabin"/>
-                <a:cs typeface="Cabin"/>
-                <a:sym typeface="Cabin"/>
-              </a:defRPr>
-            </a:lvl2pPr>
-            <a:lvl3pPr marL="1371600" marR="0" lvl="2" indent="-323850" algn="l" rtl="0">
-              <a:lnSpc>
-                <a:spcPct val="115000"/>
-              </a:lnSpc>
-              <a:spcBef>
-                <a:spcPts val="0"/>
-              </a:spcBef>
-              <a:spcAft>
-                <a:spcPts val="0"/>
-              </a:spcAft>
-              <a:buClr>
-                <a:srgbClr val="E9AA1B"/>
-              </a:buClr>
-              <a:buSzPts val="1500"/>
-              <a:buFont typeface="Cabin"/>
-              <a:buChar char="■"/>
-              <a:defRPr sz="1500" b="0" i="0" u="none" strike="noStrike" cap="none">
-                <a:solidFill>
-                  <a:srgbClr val="999999"/>
-                </a:solidFill>
-                <a:latin typeface="Cabin"/>
-                <a:ea typeface="Cabin"/>
-                <a:cs typeface="Cabin"/>
-                <a:sym typeface="Cabin"/>
-              </a:defRPr>
-            </a:lvl3pPr>
-            <a:lvl4pPr marL="1828800" marR="0" lvl="3" indent="-323850" algn="l" rtl="0">
-              <a:lnSpc>
-                <a:spcPct val="115000"/>
-              </a:lnSpc>
-              <a:spcBef>
-                <a:spcPts val="0"/>
-              </a:spcBef>
-              <a:spcAft>
-                <a:spcPts val="0"/>
-              </a:spcAft>
-              <a:buClr>
-                <a:srgbClr val="E9AA1B"/>
-              </a:buClr>
-              <a:buSzPts val="1500"/>
-              <a:buFont typeface="Cabin"/>
-              <a:buChar char="●"/>
-              <a:defRPr sz="1500" b="0" i="0" u="none" strike="noStrike" cap="none">
-                <a:solidFill>
-                  <a:srgbClr val="999999"/>
-                </a:solidFill>
-                <a:latin typeface="Cabin"/>
-                <a:ea typeface="Cabin"/>
-                <a:cs typeface="Cabin"/>
-                <a:sym typeface="Cabin"/>
-              </a:defRPr>
-            </a:lvl4pPr>
-            <a:lvl5pPr marL="2286000" marR="0" lvl="4" indent="-317500" algn="l" rtl="0">
-              <a:lnSpc>
-                <a:spcPct val="115000"/>
-              </a:lnSpc>
-              <a:spcBef>
-                <a:spcPts val="0"/>
-              </a:spcBef>
-              <a:spcAft>
-                <a:spcPts val="0"/>
-              </a:spcAft>
-              <a:buClr>
-                <a:srgbClr val="E9AA1B"/>
-              </a:buClr>
-              <a:buSzPts val="1400"/>
-              <a:buFont typeface="Cabin"/>
-              <a:buChar char="○"/>
-              <a:defRPr sz="1400" b="0" i="0" u="none" strike="noStrike" cap="none">
-                <a:solidFill>
-                  <a:srgbClr val="999999"/>
-                </a:solidFill>
-                <a:latin typeface="Cabin"/>
-                <a:ea typeface="Cabin"/>
-                <a:cs typeface="Cabin"/>
-                <a:sym typeface="Cabin"/>
-              </a:defRPr>
-            </a:lvl5pPr>
-            <a:lvl6pPr marL="2743200" marR="0" lvl="5" indent="-317500" algn="l" rtl="0">
-              <a:lnSpc>
-                <a:spcPct val="115000"/>
-              </a:lnSpc>
-              <a:spcBef>
-                <a:spcPts val="0"/>
-              </a:spcBef>
-              <a:spcAft>
-                <a:spcPts val="0"/>
-              </a:spcAft>
-              <a:buClr>
-                <a:srgbClr val="E9AA1B"/>
-              </a:buClr>
-              <a:buSzPts val="1400"/>
-              <a:buFont typeface="Cabin"/>
-              <a:buChar char="■"/>
-              <a:defRPr sz="1400" b="0" i="0" u="none" strike="noStrike" cap="none">
-                <a:solidFill>
-                  <a:srgbClr val="999999"/>
-                </a:solidFill>
-                <a:latin typeface="Cabin"/>
-                <a:ea typeface="Cabin"/>
-                <a:cs typeface="Cabin"/>
-                <a:sym typeface="Cabin"/>
-              </a:defRPr>
-            </a:lvl6pPr>
-            <a:lvl7pPr marL="3200400" marR="0" lvl="6" indent="-311150" algn="l" rtl="0">
-              <a:lnSpc>
-                <a:spcPct val="115000"/>
-              </a:lnSpc>
-              <a:spcBef>
-                <a:spcPts val="0"/>
-              </a:spcBef>
-              <a:spcAft>
-                <a:spcPts val="0"/>
-              </a:spcAft>
-              <a:buClr>
-                <a:srgbClr val="999999"/>
-              </a:buClr>
-              <a:buSzPts val="1300"/>
-              <a:buFont typeface="Cabin"/>
-              <a:buChar char="●"/>
-              <a:defRPr sz="1300" b="0" i="0" u="none" strike="noStrike" cap="none">
-                <a:solidFill>
-                  <a:srgbClr val="999999"/>
-                </a:solidFill>
-                <a:latin typeface="Cabin"/>
-                <a:ea typeface="Cabin"/>
-                <a:cs typeface="Cabin"/>
-                <a:sym typeface="Cabin"/>
-              </a:defRPr>
-            </a:lvl7pPr>
-            <a:lvl8pPr marL="3657600" marR="0" lvl="7" indent="-311150" algn="l" rtl="0">
-              <a:lnSpc>
-                <a:spcPct val="115000"/>
-              </a:lnSpc>
-              <a:spcBef>
-                <a:spcPts val="0"/>
-              </a:spcBef>
-              <a:spcAft>
-                <a:spcPts val="0"/>
-              </a:spcAft>
-              <a:buClr>
-                <a:srgbClr val="999999"/>
-              </a:buClr>
-              <a:buSzPts val="1300"/>
-              <a:buFont typeface="Cabin"/>
-              <a:buChar char="○"/>
-              <a:defRPr sz="1300" b="0" i="0" u="none" strike="noStrike" cap="none">
-                <a:solidFill>
-                  <a:srgbClr val="999999"/>
-                </a:solidFill>
-                <a:latin typeface="Cabin"/>
-                <a:ea typeface="Cabin"/>
-                <a:cs typeface="Cabin"/>
-                <a:sym typeface="Cabin"/>
-              </a:defRPr>
-            </a:lvl8pPr>
-            <a:lvl9pPr marL="4114800" marR="0" lvl="8" indent="-304800" algn="l" rtl="0">
-              <a:lnSpc>
-                <a:spcPct val="115000"/>
-              </a:lnSpc>
-              <a:spcBef>
-                <a:spcPts val="0"/>
-              </a:spcBef>
-              <a:spcAft>
-                <a:spcPts val="0"/>
-              </a:spcAft>
-              <a:buClr>
-                <a:srgbClr val="999999"/>
-              </a:buClr>
-              <a:buSzPts val="1200"/>
-              <a:buFont typeface="Cabin"/>
-              <a:buChar char="■"/>
-              <a:defRPr sz="1200" b="0" i="0" u="none" strike="noStrike" cap="none">
-                <a:solidFill>
-                  <a:srgbClr val="999999"/>
-                </a:solidFill>
-                <a:latin typeface="Cabin"/>
-                <a:ea typeface="Cabin"/>
-                <a:cs typeface="Cabin"/>
-                <a:sym typeface="Cabin"/>
-              </a:defRPr>
-            </a:lvl9pPr>
-          </a:lstStyle>
-          <a:p>
-            <a:pPr marL="0" indent="0">
-              <a:buFont typeface="Cabin"/>
-              <a:buNone/>
-            </a:pPr>
-            <a:r>
-              <a:rPr lang="en-US" sz="1400" b="1" dirty="0">
-                <a:solidFill>
-                  <a:srgbClr val="3E516C"/>
-                </a:solidFill>
-                <a:latin typeface="Montserrat"/>
-                <a:ea typeface="Montserrat"/>
-                <a:cs typeface="Montserrat"/>
-                <a:sym typeface="Montserrat"/>
-              </a:rPr>
-              <a:t>Thanh toán</a:t>
-            </a:r>
-            <a:br>
-              <a:rPr lang="en-US" sz="1400" dirty="0"/>
-            </a:br>
-            <a:r>
-              <a:rPr lang="en-US" sz="1200" dirty="0"/>
-              <a:t>Chưa quản lý thu nhập của lớp học</a:t>
-            </a:r>
-          </a:p>
-          <a:p>
-            <a:pPr marL="0" indent="0">
-              <a:buFont typeface="Cabin"/>
-              <a:buNone/>
-            </a:pPr>
-            <a:r>
-              <a:rPr lang="en-US" sz="1200" dirty="0"/>
-              <a:t>Gia sư chưa thể rút tiền về tài khoản</a:t>
-            </a:r>
-          </a:p>
-        </p:txBody>
-      </p:sp>
-      <p:sp>
-        <p:nvSpPr>
-          <p:cNvPr id="10" name="Google Shape;1149;p50">
-            <a:extLst>
-              <a:ext uri="{FF2B5EF4-FFF2-40B4-BE49-F238E27FC236}">
-                <a16:creationId xmlns:a16="http://schemas.microsoft.com/office/drawing/2014/main" id="{339085DB-A400-43FF-BB71-FE1C1F3E6264}"/>
-              </a:ext>
-            </a:extLst>
-          </p:cNvPr>
-          <p:cNvSpPr txBox="1">
-            <a:spLocks/>
-          </p:cNvSpPr>
-          <p:nvPr/>
-        </p:nvSpPr>
-        <p:spPr>
-          <a:xfrm>
-            <a:off x="1459518" y="3140625"/>
-            <a:ext cx="2542135" cy="1136100"/>
-          </a:xfrm>
-          <a:prstGeom prst="rect">
-            <a:avLst/>
-          </a:prstGeom>
-          <a:noFill/>
-          <a:ln>
-            <a:noFill/>
-          </a:ln>
-        </p:spPr>
-        <p:txBody>
-          <a:bodyPr spcFirstLastPara="1" wrap="square" lIns="91425" tIns="91425" rIns="91425" bIns="91425" anchor="t" anchorCtr="0">
-            <a:noAutofit/>
-          </a:bodyPr>
-          <a:lstStyle>
-            <a:defPPr marR="0" lvl="0" algn="l" rtl="0">
-              <a:lnSpc>
-                <a:spcPct val="100000"/>
-              </a:lnSpc>
-              <a:spcBef>
-                <a:spcPts val="0"/>
-              </a:spcBef>
-              <a:spcAft>
-                <a:spcPts val="0"/>
-              </a:spcAft>
-            </a:defPPr>
-            <a:lvl1pPr marL="457200" marR="0" lvl="0" indent="-330200" algn="l" rtl="0">
-              <a:lnSpc>
-                <a:spcPct val="115000"/>
-              </a:lnSpc>
-              <a:spcBef>
-                <a:spcPts val="0"/>
-              </a:spcBef>
-              <a:spcAft>
-                <a:spcPts val="0"/>
-              </a:spcAft>
-              <a:buClr>
-                <a:srgbClr val="E9AA1B"/>
-              </a:buClr>
-              <a:buSzPts val="1600"/>
-              <a:buFont typeface="Cabin"/>
-              <a:buChar char="●"/>
-              <a:defRPr sz="1600" b="0" i="0" u="none" strike="noStrike" cap="none">
-                <a:solidFill>
-                  <a:srgbClr val="999999"/>
-                </a:solidFill>
-                <a:latin typeface="Cabin"/>
-                <a:ea typeface="Cabin"/>
-                <a:cs typeface="Cabin"/>
-                <a:sym typeface="Cabin"/>
-              </a:defRPr>
-            </a:lvl1pPr>
-            <a:lvl2pPr marL="914400" marR="0" lvl="1" indent="-330200" algn="l" rtl="0">
-              <a:lnSpc>
-                <a:spcPct val="115000"/>
-              </a:lnSpc>
-              <a:spcBef>
-                <a:spcPts val="0"/>
-              </a:spcBef>
-              <a:spcAft>
-                <a:spcPts val="0"/>
-              </a:spcAft>
-              <a:buClr>
-                <a:srgbClr val="E9AA1B"/>
-              </a:buClr>
-              <a:buSzPts val="1600"/>
-              <a:buFont typeface="Cabin"/>
-              <a:buChar char="○"/>
-              <a:defRPr sz="1600" b="0" i="0" u="none" strike="noStrike" cap="none">
-                <a:solidFill>
-                  <a:srgbClr val="999999"/>
-                </a:solidFill>
-                <a:latin typeface="Cabin"/>
-                <a:ea typeface="Cabin"/>
-                <a:cs typeface="Cabin"/>
-                <a:sym typeface="Cabin"/>
-              </a:defRPr>
-            </a:lvl2pPr>
-            <a:lvl3pPr marL="1371600" marR="0" lvl="2" indent="-323850" algn="l" rtl="0">
-              <a:lnSpc>
-                <a:spcPct val="115000"/>
-              </a:lnSpc>
-              <a:spcBef>
-                <a:spcPts val="0"/>
-              </a:spcBef>
-              <a:spcAft>
-                <a:spcPts val="0"/>
-              </a:spcAft>
-              <a:buClr>
-                <a:srgbClr val="E9AA1B"/>
-              </a:buClr>
-              <a:buSzPts val="1500"/>
-              <a:buFont typeface="Cabin"/>
-              <a:buChar char="■"/>
-              <a:defRPr sz="1500" b="0" i="0" u="none" strike="noStrike" cap="none">
-                <a:solidFill>
-                  <a:srgbClr val="999999"/>
-                </a:solidFill>
-                <a:latin typeface="Cabin"/>
-                <a:ea typeface="Cabin"/>
-                <a:cs typeface="Cabin"/>
-                <a:sym typeface="Cabin"/>
-              </a:defRPr>
-            </a:lvl3pPr>
-            <a:lvl4pPr marL="1828800" marR="0" lvl="3" indent="-323850" algn="l" rtl="0">
-              <a:lnSpc>
-                <a:spcPct val="115000"/>
-              </a:lnSpc>
-              <a:spcBef>
-                <a:spcPts val="0"/>
-              </a:spcBef>
-              <a:spcAft>
-                <a:spcPts val="0"/>
-              </a:spcAft>
-              <a:buClr>
-                <a:srgbClr val="E9AA1B"/>
-              </a:buClr>
-              <a:buSzPts val="1500"/>
-              <a:buFont typeface="Cabin"/>
-              <a:buChar char="●"/>
-              <a:defRPr sz="1500" b="0" i="0" u="none" strike="noStrike" cap="none">
-                <a:solidFill>
-                  <a:srgbClr val="999999"/>
-                </a:solidFill>
-                <a:latin typeface="Cabin"/>
-                <a:ea typeface="Cabin"/>
-                <a:cs typeface="Cabin"/>
-                <a:sym typeface="Cabin"/>
-              </a:defRPr>
-            </a:lvl4pPr>
-            <a:lvl5pPr marL="2286000" marR="0" lvl="4" indent="-317500" algn="l" rtl="0">
-              <a:lnSpc>
-                <a:spcPct val="115000"/>
-              </a:lnSpc>
-              <a:spcBef>
-                <a:spcPts val="0"/>
-              </a:spcBef>
-              <a:spcAft>
-                <a:spcPts val="0"/>
-              </a:spcAft>
-              <a:buClr>
-                <a:srgbClr val="E9AA1B"/>
-              </a:buClr>
-              <a:buSzPts val="1400"/>
-              <a:buFont typeface="Cabin"/>
-              <a:buChar char="○"/>
-              <a:defRPr sz="1400" b="0" i="0" u="none" strike="noStrike" cap="none">
-                <a:solidFill>
-                  <a:srgbClr val="999999"/>
-                </a:solidFill>
-                <a:latin typeface="Cabin"/>
-                <a:ea typeface="Cabin"/>
-                <a:cs typeface="Cabin"/>
-                <a:sym typeface="Cabin"/>
-              </a:defRPr>
-            </a:lvl5pPr>
-            <a:lvl6pPr marL="2743200" marR="0" lvl="5" indent="-317500" algn="l" rtl="0">
-              <a:lnSpc>
-                <a:spcPct val="115000"/>
-              </a:lnSpc>
-              <a:spcBef>
-                <a:spcPts val="0"/>
-              </a:spcBef>
-              <a:spcAft>
-                <a:spcPts val="0"/>
-              </a:spcAft>
-              <a:buClr>
-                <a:srgbClr val="E9AA1B"/>
-              </a:buClr>
-              <a:buSzPts val="1400"/>
-              <a:buFont typeface="Cabin"/>
-              <a:buChar char="■"/>
-              <a:defRPr sz="1400" b="0" i="0" u="none" strike="noStrike" cap="none">
-                <a:solidFill>
-                  <a:srgbClr val="999999"/>
-                </a:solidFill>
-                <a:latin typeface="Cabin"/>
-                <a:ea typeface="Cabin"/>
-                <a:cs typeface="Cabin"/>
-                <a:sym typeface="Cabin"/>
-              </a:defRPr>
-            </a:lvl6pPr>
-            <a:lvl7pPr marL="3200400" marR="0" lvl="6" indent="-311150" algn="l" rtl="0">
-              <a:lnSpc>
-                <a:spcPct val="115000"/>
-              </a:lnSpc>
-              <a:spcBef>
-                <a:spcPts val="0"/>
-              </a:spcBef>
-              <a:spcAft>
-                <a:spcPts val="0"/>
-              </a:spcAft>
-              <a:buClr>
-                <a:srgbClr val="999999"/>
-              </a:buClr>
-              <a:buSzPts val="1300"/>
-              <a:buFont typeface="Cabin"/>
-              <a:buChar char="●"/>
-              <a:defRPr sz="1300" b="0" i="0" u="none" strike="noStrike" cap="none">
-                <a:solidFill>
-                  <a:srgbClr val="999999"/>
-                </a:solidFill>
-                <a:latin typeface="Cabin"/>
-                <a:ea typeface="Cabin"/>
-                <a:cs typeface="Cabin"/>
-                <a:sym typeface="Cabin"/>
-              </a:defRPr>
-            </a:lvl7pPr>
-            <a:lvl8pPr marL="3657600" marR="0" lvl="7" indent="-311150" algn="l" rtl="0">
-              <a:lnSpc>
-                <a:spcPct val="115000"/>
-              </a:lnSpc>
-              <a:spcBef>
-                <a:spcPts val="0"/>
-              </a:spcBef>
-              <a:spcAft>
-                <a:spcPts val="0"/>
-              </a:spcAft>
-              <a:buClr>
-                <a:srgbClr val="999999"/>
-              </a:buClr>
-              <a:buSzPts val="1300"/>
-              <a:buFont typeface="Cabin"/>
-              <a:buChar char="○"/>
-              <a:defRPr sz="1300" b="0" i="0" u="none" strike="noStrike" cap="none">
-                <a:solidFill>
-                  <a:srgbClr val="999999"/>
-                </a:solidFill>
-                <a:latin typeface="Cabin"/>
-                <a:ea typeface="Cabin"/>
-                <a:cs typeface="Cabin"/>
-                <a:sym typeface="Cabin"/>
-              </a:defRPr>
-            </a:lvl8pPr>
-            <a:lvl9pPr marL="4114800" marR="0" lvl="8" indent="-304800" algn="l" rtl="0">
-              <a:lnSpc>
-                <a:spcPct val="115000"/>
-              </a:lnSpc>
-              <a:spcBef>
-                <a:spcPts val="0"/>
-              </a:spcBef>
-              <a:spcAft>
-                <a:spcPts val="0"/>
-              </a:spcAft>
-              <a:buClr>
-                <a:srgbClr val="999999"/>
-              </a:buClr>
-              <a:buSzPts val="1200"/>
-              <a:buFont typeface="Cabin"/>
-              <a:buChar char="■"/>
-              <a:defRPr sz="1200" b="0" i="0" u="none" strike="noStrike" cap="none">
-                <a:solidFill>
-                  <a:srgbClr val="999999"/>
-                </a:solidFill>
-                <a:latin typeface="Cabin"/>
-                <a:ea typeface="Cabin"/>
-                <a:cs typeface="Cabin"/>
-                <a:sym typeface="Cabin"/>
-              </a:defRPr>
-            </a:lvl9pPr>
-          </a:lstStyle>
-          <a:p>
-            <a:pPr marL="0" indent="0">
-              <a:buFont typeface="Cabin"/>
-              <a:buNone/>
-            </a:pPr>
-            <a:r>
-              <a:rPr lang="en-US" sz="1400" b="1" dirty="0">
-                <a:solidFill>
-                  <a:srgbClr val="3E516C"/>
-                </a:solidFill>
-                <a:latin typeface="Montserrat"/>
-                <a:ea typeface="Montserrat"/>
-                <a:cs typeface="Montserrat"/>
-                <a:sym typeface="Montserrat"/>
-              </a:rPr>
-              <a:t>Thông tin cá nhân</a:t>
-            </a:r>
-            <a:br>
-              <a:rPr lang="en-US" sz="1400" dirty="0"/>
-            </a:br>
-            <a:r>
-              <a:rPr lang="en-US" sz="1200" dirty="0"/>
-              <a:t>Chưa cập nhật được ảnh đại diện</a:t>
-            </a:r>
-          </a:p>
-        </p:txBody>
-      </p:sp>
-      <p:sp>
-        <p:nvSpPr>
-          <p:cNvPr id="12" name="Google Shape;1151;p50">
-            <a:extLst>
-              <a:ext uri="{FF2B5EF4-FFF2-40B4-BE49-F238E27FC236}">
-                <a16:creationId xmlns:a16="http://schemas.microsoft.com/office/drawing/2014/main" id="{58B65F7D-3763-435D-81F4-6DA7A4783BBF}"/>
-              </a:ext>
-            </a:extLst>
-          </p:cNvPr>
-          <p:cNvSpPr txBox="1">
-            <a:spLocks/>
-          </p:cNvSpPr>
-          <p:nvPr/>
-        </p:nvSpPr>
-        <p:spPr>
-          <a:xfrm>
-            <a:off x="5035299" y="3140617"/>
-            <a:ext cx="3270149" cy="1136100"/>
-          </a:xfrm>
-          <a:prstGeom prst="rect">
-            <a:avLst/>
-          </a:prstGeom>
-          <a:noFill/>
-          <a:ln>
-            <a:noFill/>
-          </a:ln>
-        </p:spPr>
-        <p:txBody>
-          <a:bodyPr spcFirstLastPara="1" wrap="square" lIns="91425" tIns="91425" rIns="91425" bIns="91425" anchor="t" anchorCtr="0">
-            <a:noAutofit/>
-          </a:bodyPr>
-          <a:lstStyle>
-            <a:defPPr marR="0" lvl="0" algn="l" rtl="0">
-              <a:lnSpc>
-                <a:spcPct val="100000"/>
-              </a:lnSpc>
-              <a:spcBef>
-                <a:spcPts val="0"/>
-              </a:spcBef>
-              <a:spcAft>
-                <a:spcPts val="0"/>
-              </a:spcAft>
-            </a:defPPr>
-            <a:lvl1pPr marL="457200" marR="0" lvl="0" indent="-330200" algn="l" rtl="0">
-              <a:lnSpc>
-                <a:spcPct val="115000"/>
-              </a:lnSpc>
-              <a:spcBef>
-                <a:spcPts val="0"/>
-              </a:spcBef>
-              <a:spcAft>
-                <a:spcPts val="0"/>
-              </a:spcAft>
-              <a:buClr>
-                <a:srgbClr val="E9AA1B"/>
-              </a:buClr>
-              <a:buSzPts val="1600"/>
-              <a:buFont typeface="Cabin"/>
-              <a:buChar char="●"/>
-              <a:defRPr sz="1600" b="0" i="0" u="none" strike="noStrike" cap="none">
-                <a:solidFill>
-                  <a:srgbClr val="999999"/>
-                </a:solidFill>
-                <a:latin typeface="Cabin"/>
-                <a:ea typeface="Cabin"/>
-                <a:cs typeface="Cabin"/>
-                <a:sym typeface="Cabin"/>
-              </a:defRPr>
-            </a:lvl1pPr>
-            <a:lvl2pPr marL="914400" marR="0" lvl="1" indent="-330200" algn="l" rtl="0">
-              <a:lnSpc>
-                <a:spcPct val="115000"/>
-              </a:lnSpc>
-              <a:spcBef>
-                <a:spcPts val="0"/>
-              </a:spcBef>
-              <a:spcAft>
-                <a:spcPts val="0"/>
-              </a:spcAft>
-              <a:buClr>
-                <a:srgbClr val="E9AA1B"/>
-              </a:buClr>
-              <a:buSzPts val="1600"/>
-              <a:buFont typeface="Cabin"/>
-              <a:buChar char="○"/>
-              <a:defRPr sz="1600" b="0" i="0" u="none" strike="noStrike" cap="none">
-                <a:solidFill>
-                  <a:srgbClr val="999999"/>
-                </a:solidFill>
-                <a:latin typeface="Cabin"/>
-                <a:ea typeface="Cabin"/>
-                <a:cs typeface="Cabin"/>
-                <a:sym typeface="Cabin"/>
-              </a:defRPr>
-            </a:lvl2pPr>
-            <a:lvl3pPr marL="1371600" marR="0" lvl="2" indent="-323850" algn="l" rtl="0">
-              <a:lnSpc>
-                <a:spcPct val="115000"/>
-              </a:lnSpc>
-              <a:spcBef>
-                <a:spcPts val="0"/>
-              </a:spcBef>
-              <a:spcAft>
-                <a:spcPts val="0"/>
-              </a:spcAft>
-              <a:buClr>
-                <a:srgbClr val="E9AA1B"/>
-              </a:buClr>
-              <a:buSzPts val="1500"/>
-              <a:buFont typeface="Cabin"/>
-              <a:buChar char="■"/>
-              <a:defRPr sz="1500" b="0" i="0" u="none" strike="noStrike" cap="none">
-                <a:solidFill>
-                  <a:srgbClr val="999999"/>
-                </a:solidFill>
-                <a:latin typeface="Cabin"/>
-                <a:ea typeface="Cabin"/>
-                <a:cs typeface="Cabin"/>
-                <a:sym typeface="Cabin"/>
-              </a:defRPr>
-            </a:lvl3pPr>
-            <a:lvl4pPr marL="1828800" marR="0" lvl="3" indent="-323850" algn="l" rtl="0">
-              <a:lnSpc>
-                <a:spcPct val="115000"/>
-              </a:lnSpc>
-              <a:spcBef>
-                <a:spcPts val="0"/>
-              </a:spcBef>
-              <a:spcAft>
-                <a:spcPts val="0"/>
-              </a:spcAft>
-              <a:buClr>
-                <a:srgbClr val="E9AA1B"/>
-              </a:buClr>
-              <a:buSzPts val="1500"/>
-              <a:buFont typeface="Cabin"/>
-              <a:buChar char="●"/>
-              <a:defRPr sz="1500" b="0" i="0" u="none" strike="noStrike" cap="none">
-                <a:solidFill>
-                  <a:srgbClr val="999999"/>
-                </a:solidFill>
-                <a:latin typeface="Cabin"/>
-                <a:ea typeface="Cabin"/>
-                <a:cs typeface="Cabin"/>
-                <a:sym typeface="Cabin"/>
-              </a:defRPr>
-            </a:lvl4pPr>
-            <a:lvl5pPr marL="2286000" marR="0" lvl="4" indent="-317500" algn="l" rtl="0">
-              <a:lnSpc>
-                <a:spcPct val="115000"/>
-              </a:lnSpc>
-              <a:spcBef>
-                <a:spcPts val="0"/>
-              </a:spcBef>
-              <a:spcAft>
-                <a:spcPts val="0"/>
-              </a:spcAft>
-              <a:buClr>
-                <a:srgbClr val="E9AA1B"/>
-              </a:buClr>
-              <a:buSzPts val="1400"/>
-              <a:buFont typeface="Cabin"/>
-              <a:buChar char="○"/>
-              <a:defRPr sz="1400" b="0" i="0" u="none" strike="noStrike" cap="none">
-                <a:solidFill>
-                  <a:srgbClr val="999999"/>
-                </a:solidFill>
-                <a:latin typeface="Cabin"/>
-                <a:ea typeface="Cabin"/>
-                <a:cs typeface="Cabin"/>
-                <a:sym typeface="Cabin"/>
-              </a:defRPr>
-            </a:lvl5pPr>
-            <a:lvl6pPr marL="2743200" marR="0" lvl="5" indent="-317500" algn="l" rtl="0">
-              <a:lnSpc>
-                <a:spcPct val="115000"/>
-              </a:lnSpc>
-              <a:spcBef>
-                <a:spcPts val="0"/>
-              </a:spcBef>
-              <a:spcAft>
-                <a:spcPts val="0"/>
-              </a:spcAft>
-              <a:buClr>
-                <a:srgbClr val="E9AA1B"/>
-              </a:buClr>
-              <a:buSzPts val="1400"/>
-              <a:buFont typeface="Cabin"/>
-              <a:buChar char="■"/>
-              <a:defRPr sz="1400" b="0" i="0" u="none" strike="noStrike" cap="none">
-                <a:solidFill>
-                  <a:srgbClr val="999999"/>
-                </a:solidFill>
-                <a:latin typeface="Cabin"/>
-                <a:ea typeface="Cabin"/>
-                <a:cs typeface="Cabin"/>
-                <a:sym typeface="Cabin"/>
-              </a:defRPr>
-            </a:lvl6pPr>
-            <a:lvl7pPr marL="3200400" marR="0" lvl="6" indent="-311150" algn="l" rtl="0">
-              <a:lnSpc>
-                <a:spcPct val="115000"/>
-              </a:lnSpc>
-              <a:spcBef>
-                <a:spcPts val="0"/>
-              </a:spcBef>
-              <a:spcAft>
-                <a:spcPts val="0"/>
-              </a:spcAft>
-              <a:buClr>
-                <a:srgbClr val="999999"/>
-              </a:buClr>
-              <a:buSzPts val="1300"/>
-              <a:buFont typeface="Cabin"/>
-              <a:buChar char="●"/>
-              <a:defRPr sz="1300" b="0" i="0" u="none" strike="noStrike" cap="none">
-                <a:solidFill>
-                  <a:srgbClr val="999999"/>
-                </a:solidFill>
-                <a:latin typeface="Cabin"/>
-                <a:ea typeface="Cabin"/>
-                <a:cs typeface="Cabin"/>
-                <a:sym typeface="Cabin"/>
-              </a:defRPr>
-            </a:lvl7pPr>
-            <a:lvl8pPr marL="3657600" marR="0" lvl="7" indent="-311150" algn="l" rtl="0">
-              <a:lnSpc>
-                <a:spcPct val="115000"/>
-              </a:lnSpc>
-              <a:spcBef>
-                <a:spcPts val="0"/>
-              </a:spcBef>
-              <a:spcAft>
-                <a:spcPts val="0"/>
-              </a:spcAft>
-              <a:buClr>
-                <a:srgbClr val="999999"/>
-              </a:buClr>
-              <a:buSzPts val="1300"/>
-              <a:buFont typeface="Cabin"/>
-              <a:buChar char="○"/>
-              <a:defRPr sz="1300" b="0" i="0" u="none" strike="noStrike" cap="none">
-                <a:solidFill>
-                  <a:srgbClr val="999999"/>
-                </a:solidFill>
-                <a:latin typeface="Cabin"/>
-                <a:ea typeface="Cabin"/>
-                <a:cs typeface="Cabin"/>
-                <a:sym typeface="Cabin"/>
-              </a:defRPr>
-            </a:lvl8pPr>
-            <a:lvl9pPr marL="4114800" marR="0" lvl="8" indent="-304800" algn="l" rtl="0">
-              <a:lnSpc>
-                <a:spcPct val="115000"/>
-              </a:lnSpc>
-              <a:spcBef>
-                <a:spcPts val="0"/>
-              </a:spcBef>
-              <a:spcAft>
-                <a:spcPts val="0"/>
-              </a:spcAft>
-              <a:buClr>
-                <a:srgbClr val="999999"/>
-              </a:buClr>
-              <a:buSzPts val="1200"/>
-              <a:buFont typeface="Cabin"/>
-              <a:buChar char="■"/>
-              <a:defRPr sz="1200" b="0" i="0" u="none" strike="noStrike" cap="none">
-                <a:solidFill>
-                  <a:srgbClr val="999999"/>
-                </a:solidFill>
-                <a:latin typeface="Cabin"/>
-                <a:ea typeface="Cabin"/>
-                <a:cs typeface="Cabin"/>
-                <a:sym typeface="Cabin"/>
-              </a:defRPr>
-            </a:lvl9pPr>
-          </a:lstStyle>
-          <a:p>
-            <a:pPr marL="0" indent="0">
-              <a:buFont typeface="Cabin"/>
-              <a:buNone/>
-            </a:pPr>
-            <a:r>
-              <a:rPr lang="en-US" sz="1400" b="1" dirty="0">
-                <a:solidFill>
-                  <a:srgbClr val="E8A81A"/>
-                </a:solidFill>
-                <a:latin typeface="Montserrat"/>
-                <a:ea typeface="Montserrat"/>
-                <a:cs typeface="Montserrat"/>
-                <a:sym typeface="Montserrat"/>
-              </a:rPr>
-              <a:t>Quản lý</a:t>
-            </a:r>
-            <a:br>
-              <a:rPr lang="en-US" sz="1400" dirty="0"/>
-            </a:br>
-            <a:r>
-              <a:rPr lang="en-US" sz="1200" dirty="0"/>
-              <a:t>Chưa tối ưu công cụ quản lý</a:t>
-            </a:r>
-          </a:p>
-          <a:p>
-            <a:pPr marL="0" indent="0">
-              <a:buFont typeface="Cabin"/>
-              <a:buNone/>
-            </a:pPr>
-            <a:endParaRPr lang="en-US" sz="1400" dirty="0"/>
-          </a:p>
-        </p:txBody>
-      </p:sp>
-      <p:cxnSp>
-        <p:nvCxnSpPr>
-          <p:cNvPr id="13" name="Google Shape;1152;p50">
-            <a:extLst>
-              <a:ext uri="{FF2B5EF4-FFF2-40B4-BE49-F238E27FC236}">
-                <a16:creationId xmlns:a16="http://schemas.microsoft.com/office/drawing/2014/main" id="{52DFB10E-64B5-4C8A-8AC6-00BF82118471}"/>
-              </a:ext>
-            </a:extLst>
-          </p:cNvPr>
-          <p:cNvCxnSpPr/>
-          <p:nvPr/>
-        </p:nvCxnSpPr>
-        <p:spPr>
-          <a:xfrm>
-            <a:off x="4587222" y="1828800"/>
-            <a:ext cx="0" cy="2459700"/>
-          </a:xfrm>
-          <a:prstGeom prst="straightConnector1">
-            <a:avLst/>
-          </a:prstGeom>
-          <a:noFill/>
-          <a:ln w="9525" cap="flat" cmpd="sng">
-            <a:solidFill>
-              <a:srgbClr val="F8BC28"/>
-            </a:solidFill>
-            <a:prstDash val="dash"/>
-            <a:round/>
-            <a:headEnd type="none" w="med" len="med"/>
-            <a:tailEnd type="none" w="med" len="med"/>
-          </a:ln>
-        </p:spPr>
-      </p:cxnSp>
-    </p:spTree>
-    <p:extLst>
-      <p:ext uri="{BB962C8B-B14F-4D97-AF65-F5344CB8AC3E}">
-        <p14:creationId xmlns:p14="http://schemas.microsoft.com/office/powerpoint/2010/main" val="447988280"/>
-      </p:ext>
-    </p:extLst>
-  </p:cSld>
-  <p:clrMapOvr>
-    <a:masterClrMapping/>
-  </p:clrMapOvr>
-</p:sld>
-</file>
-
-<file path=ppt/slides/slide21.xml><?xml version="1.0" encoding="utf-8"?>
-<p:sld xmlns:a="http://schemas.openxmlformats.org/drawingml/2006/main" xmlns:r="http://schemas.openxmlformats.org/officeDocument/2006/relationships" xmlns:p="http://schemas.openxmlformats.org/presentationml/2006/main">
-  <p:cSld>
-    <p:spTree>
-      <p:nvGrpSpPr>
-        <p:cNvPr id="1" name=""/>
-        <p:cNvGrpSpPr/>
-        <p:nvPr/>
-      </p:nvGrpSpPr>
-      <p:grpSpPr>
-        <a:xfrm>
-          <a:off x="0" y="0"/>
-          <a:ext cx="0" cy="0"/>
-          <a:chOff x="0" y="0"/>
-          <a:chExt cx="0" cy="0"/>
-        </a:xfrm>
-      </p:grpSpPr>
-      <p:sp>
-        <p:nvSpPr>
-          <p:cNvPr id="4" name="Title 3">
-            <a:extLst>
-              <a:ext uri="{FF2B5EF4-FFF2-40B4-BE49-F238E27FC236}">
-                <a16:creationId xmlns:a16="http://schemas.microsoft.com/office/drawing/2014/main" id="{72EF1456-7EBC-43D3-82FF-0972040834A4}"/>
-              </a:ext>
-            </a:extLst>
-          </p:cNvPr>
-          <p:cNvSpPr>
-            <a:spLocks noGrp="1"/>
-          </p:cNvSpPr>
-          <p:nvPr>
-            <p:ph type="ctrTitle"/>
-          </p:nvPr>
-        </p:nvSpPr>
-        <p:spPr/>
-        <p:txBody>
-          <a:bodyPr/>
-          <a:lstStyle/>
-          <a:p>
-            <a:r>
-              <a:rPr lang="en-US" b="1" dirty="0"/>
-              <a:t>3. Kết luận và hướng phát triển</a:t>
-            </a:r>
-          </a:p>
-        </p:txBody>
-      </p:sp>
-      <p:sp>
-        <p:nvSpPr>
-          <p:cNvPr id="5" name="Text Placeholder 3">
-            <a:extLst>
-              <a:ext uri="{FF2B5EF4-FFF2-40B4-BE49-F238E27FC236}">
-                <a16:creationId xmlns:a16="http://schemas.microsoft.com/office/drawing/2014/main" id="{2A31BA36-AD2E-4CD3-A1D5-8CFF0DB3D1EA}"/>
-              </a:ext>
-            </a:extLst>
-          </p:cNvPr>
-          <p:cNvSpPr txBox="1">
-            <a:spLocks/>
-          </p:cNvSpPr>
-          <p:nvPr/>
-        </p:nvSpPr>
-        <p:spPr>
-          <a:xfrm>
-            <a:off x="1258350" y="1069411"/>
-            <a:ext cx="6856950" cy="3347610"/>
-          </a:xfrm>
-          <a:prstGeom prst="rect">
-            <a:avLst/>
-          </a:prstGeom>
-        </p:spPr>
-        <p:txBody>
-          <a:bodyPr/>
-          <a:lstStyle>
-            <a:defPPr marR="0" lvl="0" algn="l" rtl="0">
-              <a:lnSpc>
-                <a:spcPct val="100000"/>
-              </a:lnSpc>
-              <a:spcBef>
-                <a:spcPts val="0"/>
-              </a:spcBef>
-              <a:spcAft>
-                <a:spcPts val="0"/>
-              </a:spcAft>
-            </a:defPPr>
-            <a:lvl1pPr marR="0" lvl="0" algn="l" rtl="0">
-              <a:lnSpc>
-                <a:spcPct val="100000"/>
-              </a:lnSpc>
-              <a:spcBef>
-                <a:spcPts val="0"/>
-              </a:spcBef>
-              <a:spcAft>
-                <a:spcPts val="0"/>
-              </a:spcAft>
-              <a:buClr>
-                <a:srgbClr val="000000"/>
-              </a:buClr>
-              <a:buFont typeface="Arial"/>
-              <a:defRPr sz="1400" b="0" i="0" u="none" strike="noStrike" cap="none">
-                <a:solidFill>
-                  <a:srgbClr val="000000"/>
-                </a:solidFill>
-                <a:latin typeface="Arial"/>
-                <a:ea typeface="Arial"/>
-                <a:cs typeface="Arial"/>
-                <a:sym typeface="Arial"/>
-              </a:defRPr>
-            </a:lvl1pPr>
-            <a:lvl2pPr marR="0" lvl="1" algn="l" rtl="0">
-              <a:lnSpc>
-                <a:spcPct val="100000"/>
-              </a:lnSpc>
-              <a:spcBef>
-                <a:spcPts val="0"/>
-              </a:spcBef>
-              <a:spcAft>
-                <a:spcPts val="0"/>
-              </a:spcAft>
-              <a:buClr>
-                <a:srgbClr val="000000"/>
-              </a:buClr>
-              <a:buFont typeface="Arial"/>
-              <a:defRPr sz="1400" b="0" i="0" u="none" strike="noStrike" cap="none">
-                <a:solidFill>
-                  <a:srgbClr val="000000"/>
-                </a:solidFill>
-                <a:latin typeface="Arial"/>
-                <a:ea typeface="Arial"/>
-                <a:cs typeface="Arial"/>
-                <a:sym typeface="Arial"/>
-              </a:defRPr>
-            </a:lvl2pPr>
-            <a:lvl3pPr marR="0" lvl="2" algn="l" rtl="0">
-              <a:lnSpc>
-                <a:spcPct val="100000"/>
-              </a:lnSpc>
-              <a:spcBef>
-                <a:spcPts val="0"/>
-              </a:spcBef>
-              <a:spcAft>
-                <a:spcPts val="0"/>
-              </a:spcAft>
-              <a:buClr>
-                <a:srgbClr val="000000"/>
-              </a:buClr>
-              <a:buFont typeface="Arial"/>
-              <a:defRPr sz="1400" b="0" i="0" u="none" strike="noStrike" cap="none">
-                <a:solidFill>
-                  <a:srgbClr val="000000"/>
-                </a:solidFill>
-                <a:latin typeface="Arial"/>
-                <a:ea typeface="Arial"/>
-                <a:cs typeface="Arial"/>
-                <a:sym typeface="Arial"/>
-              </a:defRPr>
-            </a:lvl3pPr>
-            <a:lvl4pPr marR="0" lvl="3" algn="l" rtl="0">
-              <a:lnSpc>
-                <a:spcPct val="100000"/>
-              </a:lnSpc>
-              <a:spcBef>
-                <a:spcPts val="0"/>
-              </a:spcBef>
-              <a:spcAft>
-                <a:spcPts val="0"/>
-              </a:spcAft>
-              <a:buClr>
-                <a:srgbClr val="000000"/>
-              </a:buClr>
-              <a:buFont typeface="Arial"/>
-              <a:defRPr sz="1400" b="0" i="0" u="none" strike="noStrike" cap="none">
-                <a:solidFill>
-                  <a:srgbClr val="000000"/>
-                </a:solidFill>
-                <a:latin typeface="Arial"/>
-                <a:ea typeface="Arial"/>
-                <a:cs typeface="Arial"/>
-                <a:sym typeface="Arial"/>
-              </a:defRPr>
-            </a:lvl4pPr>
-            <a:lvl5pPr marR="0" lvl="4" algn="l" rtl="0">
-              <a:lnSpc>
-                <a:spcPct val="100000"/>
-              </a:lnSpc>
-              <a:spcBef>
-                <a:spcPts val="0"/>
-              </a:spcBef>
-              <a:spcAft>
-                <a:spcPts val="0"/>
-              </a:spcAft>
-              <a:buClr>
-                <a:srgbClr val="000000"/>
-              </a:buClr>
-              <a:buFont typeface="Arial"/>
-              <a:defRPr sz="1400" b="0" i="0" u="none" strike="noStrike" cap="none">
-                <a:solidFill>
-                  <a:srgbClr val="000000"/>
-                </a:solidFill>
-                <a:latin typeface="Arial"/>
-                <a:ea typeface="Arial"/>
-                <a:cs typeface="Arial"/>
-                <a:sym typeface="Arial"/>
-              </a:defRPr>
-            </a:lvl5pPr>
-            <a:lvl6pPr marR="0" lvl="5" algn="l" rtl="0">
-              <a:lnSpc>
-                <a:spcPct val="100000"/>
-              </a:lnSpc>
-              <a:spcBef>
-                <a:spcPts val="0"/>
-              </a:spcBef>
-              <a:spcAft>
-                <a:spcPts val="0"/>
-              </a:spcAft>
-              <a:buClr>
-                <a:srgbClr val="000000"/>
-              </a:buClr>
-              <a:buFont typeface="Arial"/>
-              <a:defRPr sz="1400" b="0" i="0" u="none" strike="noStrike" cap="none">
-                <a:solidFill>
-                  <a:srgbClr val="000000"/>
-                </a:solidFill>
-                <a:latin typeface="Arial"/>
-                <a:ea typeface="Arial"/>
-                <a:cs typeface="Arial"/>
-                <a:sym typeface="Arial"/>
-              </a:defRPr>
-            </a:lvl6pPr>
-            <a:lvl7pPr marR="0" lvl="6" algn="l" rtl="0">
-              <a:lnSpc>
-                <a:spcPct val="100000"/>
-              </a:lnSpc>
-              <a:spcBef>
-                <a:spcPts val="0"/>
-              </a:spcBef>
-              <a:spcAft>
-                <a:spcPts val="0"/>
-              </a:spcAft>
-              <a:buClr>
-                <a:srgbClr val="000000"/>
-              </a:buClr>
-              <a:buFont typeface="Arial"/>
-              <a:defRPr sz="1400" b="0" i="0" u="none" strike="noStrike" cap="none">
-                <a:solidFill>
-                  <a:srgbClr val="000000"/>
-                </a:solidFill>
-                <a:latin typeface="Arial"/>
-                <a:ea typeface="Arial"/>
-                <a:cs typeface="Arial"/>
-                <a:sym typeface="Arial"/>
-              </a:defRPr>
-            </a:lvl7pPr>
-            <a:lvl8pPr marR="0" lvl="7" algn="l" rtl="0">
-              <a:lnSpc>
-                <a:spcPct val="100000"/>
-              </a:lnSpc>
-              <a:spcBef>
-                <a:spcPts val="0"/>
-              </a:spcBef>
-              <a:spcAft>
-                <a:spcPts val="0"/>
-              </a:spcAft>
-              <a:buClr>
-                <a:srgbClr val="000000"/>
-              </a:buClr>
-              <a:buFont typeface="Arial"/>
-              <a:defRPr sz="1400" b="0" i="0" u="none" strike="noStrike" cap="none">
-                <a:solidFill>
-                  <a:srgbClr val="000000"/>
-                </a:solidFill>
-                <a:latin typeface="Arial"/>
-                <a:ea typeface="Arial"/>
-                <a:cs typeface="Arial"/>
-                <a:sym typeface="Arial"/>
-              </a:defRPr>
-            </a:lvl8pPr>
-            <a:lvl9pPr marR="0" lvl="8" algn="l" rtl="0">
-              <a:lnSpc>
-                <a:spcPct val="100000"/>
-              </a:lnSpc>
-              <a:spcBef>
-                <a:spcPts val="0"/>
-              </a:spcBef>
-              <a:spcAft>
-                <a:spcPts val="0"/>
-              </a:spcAft>
-              <a:buClr>
-                <a:srgbClr val="000000"/>
-              </a:buClr>
-              <a:buFont typeface="Arial"/>
-              <a:defRPr sz="1400" b="0" i="0" u="none" strike="noStrike" cap="none">
-                <a:solidFill>
-                  <a:srgbClr val="000000"/>
-                </a:solidFill>
-                <a:latin typeface="Arial"/>
-                <a:ea typeface="Arial"/>
-                <a:cs typeface="Arial"/>
-                <a:sym typeface="Arial"/>
-              </a:defRPr>
-            </a:lvl9pPr>
-          </a:lstStyle>
-          <a:p>
-            <a:r>
-              <a:rPr lang="en-US" sz="2000" b="1" dirty="0">
-                <a:solidFill>
-                  <a:srgbClr val="3E516C"/>
-                </a:solidFill>
-                <a:latin typeface="Montserrat" panose="00000500000000000000" pitchFamily="2" charset="0"/>
-              </a:rPr>
               <a:t>3. Hướng phát triển</a:t>
             </a:r>
           </a:p>
@@ -22902,7 +22530,7 @@
                   <a:schemeClr val="bg1"/>
                 </a:solidFill>
               </a:rPr>
-              <a:t>21</a:t>
+              <a:t>20</a:t>
             </a:fld>
             <a:endParaRPr lang="es" dirty="0">
               <a:solidFill>
@@ -27182,7 +26810,7 @@
 </p:sld>
 </file>
 
-<file path=ppt/slides/slide22.xml><?xml version="1.0" encoding="utf-8"?>
+<file path=ppt/slides/slide21.xml><?xml version="1.0" encoding="utf-8"?>
 <p:sld xmlns:a="http://schemas.openxmlformats.org/drawingml/2006/main" xmlns:r="http://schemas.openxmlformats.org/officeDocument/2006/relationships" xmlns:p="http://schemas.openxmlformats.org/presentationml/2006/main">
   <p:cSld>
     <p:spTree>
@@ -27625,7 +27253,7 @@
             </a:pPr>
             <a:fld id="{00000000-1234-1234-1234-123412341234}" type="slidenum">
               <a:rPr lang="es" smtClean="0"/>
-              <a:t>22</a:t>
+              <a:t>21</a:t>
             </a:fld>
             <a:endParaRPr lang="es"/>
           </a:p>
@@ -27639,7 +27267,7 @@
 </p:sld>
 </file>
 
-<file path=ppt/slides/slide23.xml><?xml version="1.0" encoding="utf-8"?>
+<file path=ppt/slides/slide22.xml><?xml version="1.0" encoding="utf-8"?>
 <p:sld xmlns:a="http://schemas.openxmlformats.org/drawingml/2006/main" xmlns:r="http://schemas.openxmlformats.org/officeDocument/2006/relationships" xmlns:p="http://schemas.openxmlformats.org/presentationml/2006/main">
   <p:cSld>
     <p:spTree>
@@ -27738,7 +27366,7 @@
             </a:pPr>
             <a:fld id="{00000000-1234-1234-1234-123412341234}" type="slidenum">
               <a:rPr lang="es" smtClean="0"/>
-              <a:t>23</a:t>
+              <a:t>22</a:t>
             </a:fld>
             <a:endParaRPr lang="es"/>
           </a:p>
@@ -28681,7 +28309,7 @@
                   <a:latin typeface="Montserrat" panose="00000500000000000000" pitchFamily="2" charset="0"/>
                   <a:cs typeface="Times New Roman" panose="02020603050405020304" pitchFamily="18" charset="0"/>
                 </a:rPr>
-                <a:t>6</a:t>
+                <a:t>5</a:t>
               </a:r>
               <a:endParaRPr lang="ko-KR" altLang="en-US" sz="3200" b="1" dirty="0">
                 <a:solidFill>
@@ -40359,15 +39987,23 @@
           <a:lstStyle/>
           <a:p>
             <a:r>
-              <a:rPr lang="en-US" altLang="ko-KR" sz="1400" b="1" dirty="0">
+              <a:rPr lang="es-ES" b="1" dirty="0">
                 <a:solidFill>
                   <a:srgbClr val="404040"/>
                 </a:solidFill>
+                <a:effectLst/>
                 <a:latin typeface="Montserrat "/>
-                <a:cs typeface="Times New Roman" panose="02020603050405020304" pitchFamily="18" charset="0"/>
+                <a:ea typeface="Times New Roman" panose="02020603050405020304" pitchFamily="18" charset="0"/>
               </a:rPr>
-              <a:t>MÔ TẢ HỆ THỐNG</a:t>
+              <a:t>CƠ SỞ LÝ THUYẾT</a:t>
             </a:r>
+            <a:endParaRPr lang="en-US" altLang="ko-KR" b="1" dirty="0">
+              <a:solidFill>
+                <a:srgbClr val="404040"/>
+              </a:solidFill>
+              <a:latin typeface="Montserrat "/>
+              <a:cs typeface="Times New Roman" panose="02020603050405020304" pitchFamily="18" charset="0"/>
+            </a:endParaRPr>
           </a:p>
         </p:txBody>
       </p:sp>
@@ -40602,7 +40238,7 @@
                 <a:latin typeface="Montserrat "/>
                 <a:ea typeface="Times New Roman" panose="02020603050405020304" pitchFamily="18" charset="0"/>
               </a:rPr>
-              <a:t>CƠ SỞ LÝ THUYẾT</a:t>
+              <a:t>SƠ ĐỒ USE CASE</a:t>
             </a:r>
             <a:endParaRPr lang="en-US" altLang="ko-KR" b="1" dirty="0">
               <a:solidFill>
@@ -40801,7 +40437,7 @@
                 <a:latin typeface="Montserrat "/>
                 <a:ea typeface="Times New Roman" panose="02020603050405020304" pitchFamily="18" charset="0"/>
               </a:rPr>
-              <a:t>THIẾT KẾ HỆ THỐNG</a:t>
+              <a:t>THIẾT KẾ MÔ HÌNH</a:t>
             </a:r>
             <a:endParaRPr lang="en-US" altLang="ko-KR" b="1" dirty="0">
               <a:solidFill>

--- a/docs/thuyetTrinh_LeMinhNghia_B1605229.pptx
+++ b/docs/thuyetTrinh_LeMinhNghia_B1605229.pptx
@@ -5,7 +5,7 @@
     <p:sldMasterId id="2147483673" r:id="rId1"/>
   </p:sldMasterIdLst>
   <p:notesMasterIdLst>
-    <p:notesMasterId r:id="rId24"/>
+    <p:notesMasterId r:id="rId25"/>
   </p:notesMasterIdLst>
   <p:sldIdLst>
     <p:sldId id="258" r:id="rId2"/>
@@ -18,80 +18,81 @@
     <p:sldId id="314" r:id="rId9"/>
     <p:sldId id="306" r:id="rId10"/>
     <p:sldId id="316" r:id="rId11"/>
-    <p:sldId id="317" r:id="rId12"/>
-    <p:sldId id="326" r:id="rId13"/>
-    <p:sldId id="328" r:id="rId14"/>
-    <p:sldId id="327" r:id="rId15"/>
-    <p:sldId id="329" r:id="rId16"/>
-    <p:sldId id="330" r:id="rId17"/>
-    <p:sldId id="307" r:id="rId18"/>
-    <p:sldId id="318" r:id="rId19"/>
-    <p:sldId id="319" r:id="rId20"/>
-    <p:sldId id="320" r:id="rId21"/>
-    <p:sldId id="260" r:id="rId22"/>
-    <p:sldId id="321" r:id="rId23"/>
+    <p:sldId id="331" r:id="rId12"/>
+    <p:sldId id="317" r:id="rId13"/>
+    <p:sldId id="326" r:id="rId14"/>
+    <p:sldId id="328" r:id="rId15"/>
+    <p:sldId id="327" r:id="rId16"/>
+    <p:sldId id="329" r:id="rId17"/>
+    <p:sldId id="330" r:id="rId18"/>
+    <p:sldId id="307" r:id="rId19"/>
+    <p:sldId id="318" r:id="rId20"/>
+    <p:sldId id="319" r:id="rId21"/>
+    <p:sldId id="320" r:id="rId22"/>
+    <p:sldId id="260" r:id="rId23"/>
+    <p:sldId id="321" r:id="rId24"/>
   </p:sldIdLst>
   <p:sldSz cx="9144000" cy="5143500" type="screen16x9"/>
   <p:notesSz cx="6858000" cy="9144000"/>
   <p:embeddedFontLst>
     <p:embeddedFont>
       <p:font typeface="Arvo" panose="020B0604020202020204" charset="0"/>
-      <p:regular r:id="rId25"/>
-      <p:bold r:id="rId26"/>
-      <p:italic r:id="rId27"/>
-      <p:boldItalic r:id="rId28"/>
+      <p:regular r:id="rId26"/>
+      <p:bold r:id="rId27"/>
+      <p:italic r:id="rId28"/>
+      <p:boldItalic r:id="rId29"/>
     </p:embeddedFont>
     <p:embeddedFont>
       <p:font typeface="Cabin" panose="020B0604020202020204" charset="0"/>
-      <p:regular r:id="rId29"/>
-      <p:bold r:id="rId30"/>
-      <p:italic r:id="rId31"/>
-      <p:boldItalic r:id="rId32"/>
+      <p:regular r:id="rId30"/>
+      <p:bold r:id="rId31"/>
+      <p:italic r:id="rId32"/>
+      <p:boldItalic r:id="rId33"/>
     </p:embeddedFont>
     <p:embeddedFont>
       <p:font typeface="Cabin Regular" panose="020B0604020202020204" charset="0"/>
-      <p:regular r:id="rId33"/>
-      <p:bold r:id="rId34"/>
-      <p:italic r:id="rId35"/>
-      <p:boldItalic r:id="rId36"/>
+      <p:regular r:id="rId34"/>
+      <p:bold r:id="rId35"/>
+      <p:italic r:id="rId36"/>
+      <p:boldItalic r:id="rId37"/>
     </p:embeddedFont>
     <p:embeddedFont>
       <p:font typeface="Montserrat" panose="00000500000000000000" pitchFamily="50" charset="0"/>
-      <p:regular r:id="rId37"/>
-      <p:bold r:id="rId38"/>
-      <p:italic r:id="rId39"/>
-      <p:boldItalic r:id="rId40"/>
+      <p:regular r:id="rId38"/>
+      <p:bold r:id="rId39"/>
+      <p:italic r:id="rId40"/>
+      <p:boldItalic r:id="rId41"/>
     </p:embeddedFont>
     <p:embeddedFont>
       <p:font typeface="Montserrat Black" panose="00000A00000000000000" pitchFamily="50" charset="0"/>
-      <p:bold r:id="rId41"/>
-      <p:boldItalic r:id="rId42"/>
+      <p:bold r:id="rId42"/>
+      <p:boldItalic r:id="rId43"/>
     </p:embeddedFont>
     <p:embeddedFont>
       <p:font typeface="Montserrat ExtraBold" panose="00000900000000000000" pitchFamily="50" charset="0"/>
-      <p:bold r:id="rId43"/>
-      <p:boldItalic r:id="rId44"/>
+      <p:bold r:id="rId44"/>
+      <p:boldItalic r:id="rId45"/>
     </p:embeddedFont>
     <p:embeddedFont>
       <p:font typeface="Montserrat Medium" panose="00000600000000000000" pitchFamily="50" charset="0"/>
-      <p:regular r:id="rId45"/>
-      <p:bold r:id="rId46"/>
-      <p:italic r:id="rId47"/>
-      <p:boldItalic r:id="rId48"/>
+      <p:regular r:id="rId46"/>
+      <p:bold r:id="rId47"/>
+      <p:italic r:id="rId48"/>
+      <p:boldItalic r:id="rId49"/>
     </p:embeddedFont>
     <p:embeddedFont>
       <p:font typeface="Open Sans" panose="020B0606030504020204" pitchFamily="34" charset="0"/>
-      <p:regular r:id="rId49"/>
-      <p:bold r:id="rId50"/>
-      <p:italic r:id="rId51"/>
-      <p:boldItalic r:id="rId52"/>
+      <p:regular r:id="rId50"/>
+      <p:bold r:id="rId51"/>
+      <p:italic r:id="rId52"/>
+      <p:boldItalic r:id="rId53"/>
     </p:embeddedFont>
     <p:embeddedFont>
       <p:font typeface="PT Sans" panose="020B0604020202020204" charset="0"/>
-      <p:regular r:id="rId53"/>
-      <p:bold r:id="rId54"/>
-      <p:italic r:id="rId55"/>
-      <p:boldItalic r:id="rId56"/>
+      <p:regular r:id="rId54"/>
+      <p:bold r:id="rId55"/>
+      <p:italic r:id="rId56"/>
+      <p:boldItalic r:id="rId57"/>
     </p:embeddedFont>
   </p:embeddedFontLst>
   <p:defaultTextStyle>
@@ -876,7 +877,73 @@
 </p:notes>
 </file>
 
-<file path=ppt/notesSlides/notesSlide2.xml><?xml version="1.0" encoding="utf-8"?>
+<file path=ppt/notesSlides/notesSlide10.xml><?xml version="1.0" encoding="utf-8"?>
+<p:notes xmlns:a="http://schemas.openxmlformats.org/drawingml/2006/main" xmlns:r="http://schemas.openxmlformats.org/officeDocument/2006/relationships" xmlns:p="http://schemas.openxmlformats.org/presentationml/2006/main">
+  <p:cSld>
+    <p:spTree>
+      <p:nvGrpSpPr>
+        <p:cNvPr id="1" name=""/>
+        <p:cNvGrpSpPr/>
+        <p:nvPr/>
+      </p:nvGrpSpPr>
+      <p:grpSpPr>
+        <a:xfrm>
+          <a:off x="0" y="0"/>
+          <a:ext cx="0" cy="0"/>
+          <a:chOff x="0" y="0"/>
+          <a:chExt cx="0" cy="0"/>
+        </a:xfrm>
+      </p:grpSpPr>
+      <p:sp>
+        <p:nvSpPr>
+          <p:cNvPr id="2" name="Slide Image Placeholder 1"/>
+          <p:cNvSpPr>
+            <a:spLocks noGrp="1" noRot="1" noChangeAspect="1"/>
+          </p:cNvSpPr>
+          <p:nvPr>
+            <p:ph type="sldImg"/>
+          </p:nvPr>
+        </p:nvSpPr>
+        <p:spPr>
+          <a:xfrm>
+            <a:off x="381000" y="685800"/>
+            <a:ext cx="6096000" cy="3429000"/>
+          </a:xfrm>
+        </p:spPr>
+      </p:sp>
+      <p:sp>
+        <p:nvSpPr>
+          <p:cNvPr id="3" name="Notes Placeholder 2"/>
+          <p:cNvSpPr>
+            <a:spLocks noGrp="1"/>
+          </p:cNvSpPr>
+          <p:nvPr>
+            <p:ph type="body" idx="1"/>
+          </p:nvPr>
+        </p:nvSpPr>
+        <p:spPr/>
+        <p:txBody>
+          <a:bodyPr/>
+          <a:lstStyle/>
+          <a:p>
+            <a:endParaRPr lang="en-US" dirty="0"/>
+          </a:p>
+        </p:txBody>
+      </p:sp>
+    </p:spTree>
+    <p:extLst>
+      <p:ext uri="{BB962C8B-B14F-4D97-AF65-F5344CB8AC3E}">
+        <p14:creationId xmlns:p14="http://schemas.microsoft.com/office/powerpoint/2010/main" val="2326308300"/>
+      </p:ext>
+    </p:extLst>
+  </p:cSld>
+  <p:clrMapOvr>
+    <a:masterClrMapping/>
+  </p:clrMapOvr>
+</p:notes>
+</file>
+
+<file path=ppt/notesSlides/notesSlide11.xml><?xml version="1.0" encoding="utf-8"?>
 <p:notes xmlns:a="http://schemas.openxmlformats.org/drawingml/2006/main" xmlns:r="http://schemas.openxmlformats.org/officeDocument/2006/relationships" xmlns:p="http://schemas.openxmlformats.org/presentationml/2006/main">
   <p:cSld>
     <p:spTree>
@@ -927,7 +994,7 @@
           <a:p>
             <a:r>
               <a:rPr lang="en-US" dirty="0"/>
-              <a:t>Những đóng góp chính và quan trọng nhất của đề tài đó là kết nối gia sư và học viên lại với nhau,, giúp học viên tìm được gia sư theo đúng nhu cầu của mình và gia sư có thể có thêm thu nhập từ các khoá học</a:t>
+              <a:t>Tăng cường bảo mật cho upload file</a:t>
             </a:r>
           </a:p>
         </p:txBody>
@@ -935,7 +1002,7 @@
     </p:spTree>
     <p:extLst>
       <p:ext uri="{BB962C8B-B14F-4D97-AF65-F5344CB8AC3E}">
-        <p14:creationId xmlns:p14="http://schemas.microsoft.com/office/powerpoint/2010/main" val="4234745569"/>
+        <p14:creationId xmlns:p14="http://schemas.microsoft.com/office/powerpoint/2010/main" val="399392891"/>
       </p:ext>
     </p:extLst>
   </p:cSld>
@@ -945,76 +1012,7 @@
 </p:notes>
 </file>
 
-<file path=ppt/notesSlides/notesSlide3.xml><?xml version="1.0" encoding="utf-8"?>
-<p:notes xmlns:a="http://schemas.openxmlformats.org/drawingml/2006/main" xmlns:r="http://schemas.openxmlformats.org/officeDocument/2006/relationships" xmlns:p="http://schemas.openxmlformats.org/presentationml/2006/main">
-  <p:cSld>
-    <p:spTree>
-      <p:nvGrpSpPr>
-        <p:cNvPr id="1" name=""/>
-        <p:cNvGrpSpPr/>
-        <p:nvPr/>
-      </p:nvGrpSpPr>
-      <p:grpSpPr>
-        <a:xfrm>
-          <a:off x="0" y="0"/>
-          <a:ext cx="0" cy="0"/>
-          <a:chOff x="0" y="0"/>
-          <a:chExt cx="0" cy="0"/>
-        </a:xfrm>
-      </p:grpSpPr>
-      <p:sp>
-        <p:nvSpPr>
-          <p:cNvPr id="2" name="Slide Image Placeholder 1"/>
-          <p:cNvSpPr>
-            <a:spLocks noGrp="1" noRot="1" noChangeAspect="1"/>
-          </p:cNvSpPr>
-          <p:nvPr>
-            <p:ph type="sldImg"/>
-          </p:nvPr>
-        </p:nvSpPr>
-        <p:spPr>
-          <a:xfrm>
-            <a:off x="381000" y="685800"/>
-            <a:ext cx="6096000" cy="3429000"/>
-          </a:xfrm>
-        </p:spPr>
-      </p:sp>
-      <p:sp>
-        <p:nvSpPr>
-          <p:cNvPr id="3" name="Notes Placeholder 2"/>
-          <p:cNvSpPr>
-            <a:spLocks noGrp="1"/>
-          </p:cNvSpPr>
-          <p:nvPr>
-            <p:ph type="body" idx="1"/>
-          </p:nvPr>
-        </p:nvSpPr>
-        <p:spPr/>
-        <p:txBody>
-          <a:bodyPr/>
-          <a:lstStyle/>
-          <a:p>
-            <a:pPr marL="158750" indent="0">
-              <a:buNone/>
-            </a:pPr>
-            <a:endParaRPr lang="en-US" dirty="0"/>
-          </a:p>
-        </p:txBody>
-      </p:sp>
-    </p:spTree>
-    <p:extLst>
-      <p:ext uri="{BB962C8B-B14F-4D97-AF65-F5344CB8AC3E}">
-        <p14:creationId xmlns:p14="http://schemas.microsoft.com/office/powerpoint/2010/main" val="3257577114"/>
-      </p:ext>
-    </p:extLst>
-  </p:cSld>
-  <p:clrMapOvr>
-    <a:masterClrMapping/>
-  </p:clrMapOvr>
-</p:notes>
-</file>
-
-<file path=ppt/notesSlides/notesSlide4.xml><?xml version="1.0" encoding="utf-8"?>
+<file path=ppt/notesSlides/notesSlide12.xml><?xml version="1.0" encoding="utf-8"?>
 <p:notes xmlns:a="http://schemas.openxmlformats.org/drawingml/2006/main" xmlns:r="http://schemas.openxmlformats.org/officeDocument/2006/relationships" xmlns:p="http://schemas.openxmlformats.org/presentationml/2006/main" showMasterSp="0" showMasterPhAnim="0">
   <p:cSld>
     <p:spTree>
@@ -1118,7 +1116,7 @@
 </p:notes>
 </file>
 
-<file path=ppt/notesSlides/notesSlide5.xml><?xml version="1.0" encoding="utf-8"?>
+<file path=ppt/notesSlides/notesSlide13.xml><?xml version="1.0" encoding="utf-8"?>
 <p:notes xmlns:a="http://schemas.openxmlformats.org/drawingml/2006/main" xmlns:r="http://schemas.openxmlformats.org/officeDocument/2006/relationships" xmlns:p="http://schemas.openxmlformats.org/presentationml/2006/main" showMasterSp="0" showMasterPhAnim="0">
   <p:cSld>
     <p:spTree>
@@ -1218,6 +1216,899 @@
     <p:extLst>
       <p:ext uri="{BB962C8B-B14F-4D97-AF65-F5344CB8AC3E}">
         <p14:creationId xmlns:p14="http://schemas.microsoft.com/office/powerpoint/2010/main" val="3980717471"/>
+      </p:ext>
+    </p:extLst>
+  </p:cSld>
+  <p:clrMapOvr>
+    <a:masterClrMapping/>
+  </p:clrMapOvr>
+</p:notes>
+</file>
+
+<file path=ppt/notesSlides/notesSlide2.xml><?xml version="1.0" encoding="utf-8"?>
+<p:notes xmlns:a="http://schemas.openxmlformats.org/drawingml/2006/main" xmlns:r="http://schemas.openxmlformats.org/officeDocument/2006/relationships" xmlns:p="http://schemas.openxmlformats.org/presentationml/2006/main">
+  <p:cSld>
+    <p:spTree>
+      <p:nvGrpSpPr>
+        <p:cNvPr id="1" name=""/>
+        <p:cNvGrpSpPr/>
+        <p:nvPr/>
+      </p:nvGrpSpPr>
+      <p:grpSpPr>
+        <a:xfrm>
+          <a:off x="0" y="0"/>
+          <a:ext cx="0" cy="0"/>
+          <a:chOff x="0" y="0"/>
+          <a:chExt cx="0" cy="0"/>
+        </a:xfrm>
+      </p:grpSpPr>
+      <p:sp>
+        <p:nvSpPr>
+          <p:cNvPr id="2" name="Slide Image Placeholder 1"/>
+          <p:cNvSpPr>
+            <a:spLocks noGrp="1" noRot="1" noChangeAspect="1"/>
+          </p:cNvSpPr>
+          <p:nvPr>
+            <p:ph type="sldImg"/>
+          </p:nvPr>
+        </p:nvSpPr>
+        <p:spPr>
+          <a:xfrm>
+            <a:off x="381000" y="685800"/>
+            <a:ext cx="6096000" cy="3429000"/>
+          </a:xfrm>
+        </p:spPr>
+      </p:sp>
+      <p:sp>
+        <p:nvSpPr>
+          <p:cNvPr id="3" name="Notes Placeholder 2"/>
+          <p:cNvSpPr>
+            <a:spLocks noGrp="1"/>
+          </p:cNvSpPr>
+          <p:nvPr>
+            <p:ph type="body" idx="1"/>
+          </p:nvPr>
+        </p:nvSpPr>
+        <p:spPr/>
+        <p:txBody>
+          <a:bodyPr/>
+          <a:lstStyle/>
+          <a:p>
+            <a:r>
+              <a:rPr lang="en-US" dirty="0" err="1"/>
+              <a:t>Cntt</a:t>
+            </a:r>
+            <a:r>
+              <a:rPr lang="en-US" dirty="0"/>
+              <a:t> đã có sự phát triển rất vượt bậc đặc biệt là những năm gần đây càng được ứng dụng nhiều vào mọi mặt của cs, trong đó giáo dục là ngành không thể không nhắc đến</a:t>
+            </a:r>
+          </a:p>
+          <a:p>
+            <a:r>
+              <a:rPr lang="en-US" dirty="0"/>
+              <a:t>Cùng với sự phát triển đó, nhu cầu học tập của </a:t>
+            </a:r>
+            <a:r>
+              <a:rPr lang="en-US" dirty="0" err="1"/>
+              <a:t>mn</a:t>
+            </a:r>
+            <a:r>
+              <a:rPr lang="en-US" dirty="0"/>
+              <a:t> cũng tăng cao hơn, vì thế mà các bậc cha mẹ không muốn con mình thua thiệt bất kỳ ai nên luôn muốn tìm gia sư dạy kèm cho con mình, nhưng vấn đề tìm kiếm được gia sư giỏi và phù hợp lại là một vấn đề rất khó khăn</a:t>
+            </a:r>
+          </a:p>
+          <a:p>
+            <a:r>
+              <a:rPr lang="en-US" dirty="0"/>
+              <a:t>Trong năm 2020 này đã xảy ra vấn đề mà không ai muốn xảy đến đó chính là dịch bệnh </a:t>
+            </a:r>
+            <a:r>
+              <a:rPr lang="en-US" dirty="0" err="1"/>
+              <a:t>covid</a:t>
+            </a:r>
+            <a:r>
+              <a:rPr lang="en-US" dirty="0"/>
+              <a:t>, làm cho hơn 1,85 triệu nhiều người, và đến 81 triệu người mất việc trên thế giới nói chung và ở việt nam  là hơn 1,3 triệu. Con người phải giản cách xã hội, không thể đi làm, không thể đến lớp, vì vậy mà các nền tảng học online được phổ biến hơn bao giờ hết</a:t>
+            </a:r>
+          </a:p>
+          <a:p>
+            <a:r>
+              <a:rPr lang="en-US" dirty="0"/>
+              <a:t>Từ những bất cập đó em quyết định xây dựng đề tài “Nền tảng chia sẻ khoá học- học tập trực tuyến thông minh” để ….</a:t>
+            </a:r>
+          </a:p>
+        </p:txBody>
+      </p:sp>
+    </p:spTree>
+    <p:extLst>
+      <p:ext uri="{BB962C8B-B14F-4D97-AF65-F5344CB8AC3E}">
+        <p14:creationId xmlns:p14="http://schemas.microsoft.com/office/powerpoint/2010/main" val="1422257921"/>
+      </p:ext>
+    </p:extLst>
+  </p:cSld>
+  <p:clrMapOvr>
+    <a:masterClrMapping/>
+  </p:clrMapOvr>
+</p:notes>
+</file>
+
+<file path=ppt/notesSlides/notesSlide3.xml><?xml version="1.0" encoding="utf-8"?>
+<p:notes xmlns:a="http://schemas.openxmlformats.org/drawingml/2006/main" xmlns:r="http://schemas.openxmlformats.org/officeDocument/2006/relationships" xmlns:p="http://schemas.openxmlformats.org/presentationml/2006/main">
+  <p:cSld>
+    <p:spTree>
+      <p:nvGrpSpPr>
+        <p:cNvPr id="1" name=""/>
+        <p:cNvGrpSpPr/>
+        <p:nvPr/>
+      </p:nvGrpSpPr>
+      <p:grpSpPr>
+        <a:xfrm>
+          <a:off x="0" y="0"/>
+          <a:ext cx="0" cy="0"/>
+          <a:chOff x="0" y="0"/>
+          <a:chExt cx="0" cy="0"/>
+        </a:xfrm>
+      </p:grpSpPr>
+      <p:sp>
+        <p:nvSpPr>
+          <p:cNvPr id="2" name="Slide Image Placeholder 1"/>
+          <p:cNvSpPr>
+            <a:spLocks noGrp="1" noRot="1" noChangeAspect="1"/>
+          </p:cNvSpPr>
+          <p:nvPr>
+            <p:ph type="sldImg"/>
+          </p:nvPr>
+        </p:nvSpPr>
+        <p:spPr/>
+      </p:sp>
+      <p:sp>
+        <p:nvSpPr>
+          <p:cNvPr id="3" name="Notes Placeholder 2"/>
+          <p:cNvSpPr>
+            <a:spLocks noGrp="1"/>
+          </p:cNvSpPr>
+          <p:nvPr>
+            <p:ph type="body" idx="1"/>
+          </p:nvPr>
+        </p:nvSpPr>
+        <p:spPr/>
+        <p:txBody>
+          <a:bodyPr/>
+          <a:lstStyle/>
+          <a:p>
+            <a:endParaRPr lang="en-US" dirty="0"/>
+          </a:p>
+        </p:txBody>
+      </p:sp>
+    </p:spTree>
+    <p:extLst>
+      <p:ext uri="{BB962C8B-B14F-4D97-AF65-F5344CB8AC3E}">
+        <p14:creationId xmlns:p14="http://schemas.microsoft.com/office/powerpoint/2010/main" val="3311347351"/>
+      </p:ext>
+    </p:extLst>
+  </p:cSld>
+  <p:clrMapOvr>
+    <a:masterClrMapping/>
+  </p:clrMapOvr>
+</p:notes>
+</file>
+
+<file path=ppt/notesSlides/notesSlide4.xml><?xml version="1.0" encoding="utf-8"?>
+<p:notes xmlns:a="http://schemas.openxmlformats.org/drawingml/2006/main" xmlns:r="http://schemas.openxmlformats.org/officeDocument/2006/relationships" xmlns:p="http://schemas.openxmlformats.org/presentationml/2006/main">
+  <p:cSld>
+    <p:spTree>
+      <p:nvGrpSpPr>
+        <p:cNvPr id="1" name=""/>
+        <p:cNvGrpSpPr/>
+        <p:nvPr/>
+      </p:nvGrpSpPr>
+      <p:grpSpPr>
+        <a:xfrm>
+          <a:off x="0" y="0"/>
+          <a:ext cx="0" cy="0"/>
+          <a:chOff x="0" y="0"/>
+          <a:chExt cx="0" cy="0"/>
+        </a:xfrm>
+      </p:grpSpPr>
+      <p:sp>
+        <p:nvSpPr>
+          <p:cNvPr id="2" name="Slide Image Placeholder 1"/>
+          <p:cNvSpPr>
+            <a:spLocks noGrp="1" noRot="1" noChangeAspect="1"/>
+          </p:cNvSpPr>
+          <p:nvPr>
+            <p:ph type="sldImg"/>
+          </p:nvPr>
+        </p:nvSpPr>
+        <p:spPr>
+          <a:xfrm>
+            <a:off x="381000" y="685800"/>
+            <a:ext cx="6096000" cy="3429000"/>
+          </a:xfrm>
+        </p:spPr>
+      </p:sp>
+      <p:sp>
+        <p:nvSpPr>
+          <p:cNvPr id="3" name="Notes Placeholder 2"/>
+          <p:cNvSpPr>
+            <a:spLocks noGrp="1"/>
+          </p:cNvSpPr>
+          <p:nvPr>
+            <p:ph type="body" idx="1"/>
+          </p:nvPr>
+        </p:nvSpPr>
+        <p:spPr/>
+        <p:txBody>
+          <a:bodyPr/>
+          <a:lstStyle/>
+          <a:p>
+            <a:r>
+              <a:rPr lang="en-US" dirty="0"/>
+              <a:t>Tìm kiếm: giúp tìm được gia sư theo đúng nhu cầu, tin cậy, ở gần</a:t>
+            </a:r>
+          </a:p>
+          <a:p>
+            <a:r>
+              <a:rPr lang="en-US" dirty="0"/>
+              <a:t>Trò </a:t>
+            </a:r>
+            <a:r>
+              <a:rPr lang="en-US" dirty="0" err="1"/>
+              <a:t>chuyện:biết</a:t>
+            </a:r>
+            <a:r>
+              <a:rPr lang="en-US" dirty="0"/>
+              <a:t> rõ hơn về gia sư, thuận tiện trao đổi</a:t>
+            </a:r>
+          </a:p>
+          <a:p>
+            <a:r>
+              <a:rPr lang="en-US" dirty="0"/>
+              <a:t>Tài liệu: cung cấp công cụ quản lý tài liệu cá nhân cũng như tài liệu trong khoá học</a:t>
+            </a:r>
+          </a:p>
+          <a:p>
+            <a:r>
+              <a:rPr lang="en-US" dirty="0"/>
+              <a:t>Dạy trực tuyến:  hỗ trợ dạy trực tuyến, cho phép chia sẻ màn hình giữa mọi người trong phòng học</a:t>
+            </a:r>
+          </a:p>
+        </p:txBody>
+      </p:sp>
+    </p:spTree>
+    <p:extLst>
+      <p:ext uri="{BB962C8B-B14F-4D97-AF65-F5344CB8AC3E}">
+        <p14:creationId xmlns:p14="http://schemas.microsoft.com/office/powerpoint/2010/main" val="1737510127"/>
+      </p:ext>
+    </p:extLst>
+  </p:cSld>
+  <p:clrMapOvr>
+    <a:masterClrMapping/>
+  </p:clrMapOvr>
+</p:notes>
+</file>
+
+<file path=ppt/notesSlides/notesSlide5.xml><?xml version="1.0" encoding="utf-8"?>
+<p:notes xmlns:a="http://schemas.openxmlformats.org/drawingml/2006/main" xmlns:r="http://schemas.openxmlformats.org/officeDocument/2006/relationships" xmlns:p="http://schemas.openxmlformats.org/presentationml/2006/main">
+  <p:cSld>
+    <p:spTree>
+      <p:nvGrpSpPr>
+        <p:cNvPr id="1" name=""/>
+        <p:cNvGrpSpPr/>
+        <p:nvPr/>
+      </p:nvGrpSpPr>
+      <p:grpSpPr>
+        <a:xfrm>
+          <a:off x="0" y="0"/>
+          <a:ext cx="0" cy="0"/>
+          <a:chOff x="0" y="0"/>
+          <a:chExt cx="0" cy="0"/>
+        </a:xfrm>
+      </p:grpSpPr>
+      <p:sp>
+        <p:nvSpPr>
+          <p:cNvPr id="2" name="Slide Image Placeholder 1"/>
+          <p:cNvSpPr>
+            <a:spLocks noGrp="1" noRot="1" noChangeAspect="1"/>
+          </p:cNvSpPr>
+          <p:nvPr>
+            <p:ph type="sldImg"/>
+          </p:nvPr>
+        </p:nvSpPr>
+        <p:spPr>
+          <a:xfrm>
+            <a:off x="381000" y="685800"/>
+            <a:ext cx="6096000" cy="3429000"/>
+          </a:xfrm>
+        </p:spPr>
+      </p:sp>
+      <p:sp>
+        <p:nvSpPr>
+          <p:cNvPr id="3" name="Notes Placeholder 2"/>
+          <p:cNvSpPr>
+            <a:spLocks noGrp="1"/>
+          </p:cNvSpPr>
+          <p:nvPr>
+            <p:ph type="body" idx="1"/>
+          </p:nvPr>
+        </p:nvSpPr>
+        <p:spPr/>
+        <p:txBody>
+          <a:bodyPr/>
+          <a:lstStyle/>
+          <a:p>
+            <a:endParaRPr lang="en-US" dirty="0"/>
+          </a:p>
+        </p:txBody>
+      </p:sp>
+    </p:spTree>
+    <p:extLst>
+      <p:ext uri="{BB962C8B-B14F-4D97-AF65-F5344CB8AC3E}">
+        <p14:creationId xmlns:p14="http://schemas.microsoft.com/office/powerpoint/2010/main" val="584841990"/>
+      </p:ext>
+    </p:extLst>
+  </p:cSld>
+  <p:clrMapOvr>
+    <a:masterClrMapping/>
+  </p:clrMapOvr>
+</p:notes>
+</file>
+
+<file path=ppt/notesSlides/notesSlide6.xml><?xml version="1.0" encoding="utf-8"?>
+<p:notes xmlns:a="http://schemas.openxmlformats.org/drawingml/2006/main" xmlns:r="http://schemas.openxmlformats.org/officeDocument/2006/relationships" xmlns:p="http://schemas.openxmlformats.org/presentationml/2006/main">
+  <p:cSld>
+    <p:spTree>
+      <p:nvGrpSpPr>
+        <p:cNvPr id="1" name=""/>
+        <p:cNvGrpSpPr/>
+        <p:nvPr/>
+      </p:nvGrpSpPr>
+      <p:grpSpPr>
+        <a:xfrm>
+          <a:off x="0" y="0"/>
+          <a:ext cx="0" cy="0"/>
+          <a:chOff x="0" y="0"/>
+          <a:chExt cx="0" cy="0"/>
+        </a:xfrm>
+      </p:grpSpPr>
+      <p:sp>
+        <p:nvSpPr>
+          <p:cNvPr id="2" name="Slide Image Placeholder 1"/>
+          <p:cNvSpPr>
+            <a:spLocks noGrp="1" noRot="1" noChangeAspect="1"/>
+          </p:cNvSpPr>
+          <p:nvPr>
+            <p:ph type="sldImg"/>
+          </p:nvPr>
+        </p:nvSpPr>
+        <p:spPr>
+          <a:xfrm>
+            <a:off x="381000" y="685800"/>
+            <a:ext cx="6096000" cy="3429000"/>
+          </a:xfrm>
+        </p:spPr>
+      </p:sp>
+      <p:sp>
+        <p:nvSpPr>
+          <p:cNvPr id="3" name="Notes Placeholder 2"/>
+          <p:cNvSpPr>
+            <a:spLocks noGrp="1"/>
+          </p:cNvSpPr>
+          <p:nvPr>
+            <p:ph type="body" idx="1"/>
+          </p:nvPr>
+        </p:nvSpPr>
+        <p:spPr/>
+        <p:txBody>
+          <a:bodyPr/>
+          <a:lstStyle/>
+          <a:p>
+            <a:r>
+              <a:rPr lang="en-US" dirty="0"/>
+              <a:t>Những đóng góp chính và quan trọng nhất của đề tài đó là trở thành môi trường kết nối gia sư và học viên lại với nhau, giúp học viên tìm được gia sư theo đúng nhu cầu của mình và gia sư có thể có thêm thu nhập từ các khoá học, cung cấp công cụ giúp quản lý tài liệu, là nền tảng học tập trực tuyến cho mọi người</a:t>
+            </a:r>
+          </a:p>
+        </p:txBody>
+      </p:sp>
+    </p:spTree>
+    <p:extLst>
+      <p:ext uri="{BB962C8B-B14F-4D97-AF65-F5344CB8AC3E}">
+        <p14:creationId xmlns:p14="http://schemas.microsoft.com/office/powerpoint/2010/main" val="4234745569"/>
+      </p:ext>
+    </p:extLst>
+  </p:cSld>
+  <p:clrMapOvr>
+    <a:masterClrMapping/>
+  </p:clrMapOvr>
+</p:notes>
+</file>
+
+<file path=ppt/notesSlides/notesSlide7.xml><?xml version="1.0" encoding="utf-8"?>
+<p:notes xmlns:a="http://schemas.openxmlformats.org/drawingml/2006/main" xmlns:r="http://schemas.openxmlformats.org/officeDocument/2006/relationships" xmlns:p="http://schemas.openxmlformats.org/presentationml/2006/main">
+  <p:cSld>
+    <p:spTree>
+      <p:nvGrpSpPr>
+        <p:cNvPr id="1" name=""/>
+        <p:cNvGrpSpPr/>
+        <p:nvPr/>
+      </p:nvGrpSpPr>
+      <p:grpSpPr>
+        <a:xfrm>
+          <a:off x="0" y="0"/>
+          <a:ext cx="0" cy="0"/>
+          <a:chOff x="0" y="0"/>
+          <a:chExt cx="0" cy="0"/>
+        </a:xfrm>
+      </p:grpSpPr>
+      <p:sp>
+        <p:nvSpPr>
+          <p:cNvPr id="2" name="Slide Image Placeholder 1"/>
+          <p:cNvSpPr>
+            <a:spLocks noGrp="1" noRot="1" noChangeAspect="1"/>
+          </p:cNvSpPr>
+          <p:nvPr>
+            <p:ph type="sldImg"/>
+          </p:nvPr>
+        </p:nvSpPr>
+        <p:spPr/>
+      </p:sp>
+      <p:sp>
+        <p:nvSpPr>
+          <p:cNvPr id="3" name="Notes Placeholder 2"/>
+          <p:cNvSpPr>
+            <a:spLocks noGrp="1"/>
+          </p:cNvSpPr>
+          <p:nvPr>
+            <p:ph type="body" idx="1"/>
+          </p:nvPr>
+        </p:nvSpPr>
+        <p:spPr/>
+        <p:txBody>
+          <a:bodyPr/>
+          <a:lstStyle/>
+          <a:p>
+            <a:endParaRPr lang="en-US" dirty="0"/>
+          </a:p>
+        </p:txBody>
+      </p:sp>
+    </p:spTree>
+    <p:extLst>
+      <p:ext uri="{BB962C8B-B14F-4D97-AF65-F5344CB8AC3E}">
+        <p14:creationId xmlns:p14="http://schemas.microsoft.com/office/powerpoint/2010/main" val="2439798117"/>
+      </p:ext>
+    </p:extLst>
+  </p:cSld>
+  <p:clrMapOvr>
+    <a:masterClrMapping/>
+  </p:clrMapOvr>
+</p:notes>
+</file>
+
+<file path=ppt/notesSlides/notesSlide8.xml><?xml version="1.0" encoding="utf-8"?>
+<p:notes xmlns:a="http://schemas.openxmlformats.org/drawingml/2006/main" xmlns:r="http://schemas.openxmlformats.org/officeDocument/2006/relationships" xmlns:p="http://schemas.openxmlformats.org/presentationml/2006/main">
+  <p:cSld>
+    <p:spTree>
+      <p:nvGrpSpPr>
+        <p:cNvPr id="1" name=""/>
+        <p:cNvGrpSpPr/>
+        <p:nvPr/>
+      </p:nvGrpSpPr>
+      <p:grpSpPr>
+        <a:xfrm>
+          <a:off x="0" y="0"/>
+          <a:ext cx="0" cy="0"/>
+          <a:chOff x="0" y="0"/>
+          <a:chExt cx="0" cy="0"/>
+        </a:xfrm>
+      </p:grpSpPr>
+      <p:sp>
+        <p:nvSpPr>
+          <p:cNvPr id="2" name="Slide Image Placeholder 1"/>
+          <p:cNvSpPr>
+            <a:spLocks noGrp="1" noRot="1" noChangeAspect="1"/>
+          </p:cNvSpPr>
+          <p:nvPr>
+            <p:ph type="sldImg"/>
+          </p:nvPr>
+        </p:nvSpPr>
+        <p:spPr>
+          <a:xfrm>
+            <a:off x="381000" y="685800"/>
+            <a:ext cx="6096000" cy="3429000"/>
+          </a:xfrm>
+        </p:spPr>
+      </p:sp>
+      <p:sp>
+        <p:nvSpPr>
+          <p:cNvPr id="3" name="Notes Placeholder 2"/>
+          <p:cNvSpPr>
+            <a:spLocks noGrp="1"/>
+          </p:cNvSpPr>
+          <p:nvPr>
+            <p:ph type="body" idx="1"/>
+          </p:nvPr>
+        </p:nvSpPr>
+        <p:spPr/>
+        <p:txBody>
+          <a:bodyPr/>
+          <a:lstStyle/>
+          <a:p>
+            <a:pPr marL="457200" indent="-298450"/>
+            <a:r>
+              <a:rPr lang="en-US" b="0" i="0" dirty="0" err="1">
+                <a:solidFill>
+                  <a:srgbClr val="1B1B1B"/>
+                </a:solidFill>
+                <a:effectLst/>
+                <a:latin typeface="Open Sans" panose="020B0606030504020204" pitchFamily="34" charset="0"/>
+              </a:rPr>
+              <a:t>Stringee</a:t>
+            </a:r>
+            <a:r>
+              <a:rPr lang="en-US" b="0" i="0" dirty="0">
+                <a:solidFill>
+                  <a:srgbClr val="1B1B1B"/>
+                </a:solidFill>
+                <a:effectLst/>
+                <a:latin typeface="Open Sans" panose="020B0606030504020204" pitchFamily="34" charset="0"/>
+              </a:rPr>
+              <a:t> là nền tảng (SDK/API) cung cấp tính năng Nghe - Gọi - Chat - SMS, có thể tích hợp nhanh vào các ứng dụng web.</a:t>
+            </a:r>
+          </a:p>
+          <a:p>
+            <a:pPr marL="158750" indent="0">
+              <a:buNone/>
+            </a:pPr>
+            <a:r>
+              <a:rPr lang="en-US" b="0" i="0" dirty="0" err="1">
+                <a:solidFill>
+                  <a:srgbClr val="333333"/>
+                </a:solidFill>
+                <a:effectLst/>
+                <a:latin typeface="Roboto-Regular"/>
+              </a:rPr>
+              <a:t>Stringee</a:t>
+            </a:r>
+            <a:r>
+              <a:rPr lang="en-US" b="0" i="0" dirty="0">
+                <a:solidFill>
+                  <a:srgbClr val="333333"/>
+                </a:solidFill>
+                <a:effectLst/>
+                <a:latin typeface="Roboto-Regular"/>
+              </a:rPr>
+              <a:t> – một startup trong lĩnh vực lập trình giao tiếp (Communication APIs) của việt nam, sau khi gọi vốn được 2 triệu USD thì đã được các tập đoàn lớn yêu cầu tích hợp như </a:t>
+            </a:r>
+            <a:r>
+              <a:rPr lang="en-US" b="0" i="0" dirty="0">
+                <a:solidFill>
+                  <a:srgbClr val="535353"/>
+                </a:solidFill>
+                <a:effectLst/>
+                <a:latin typeface="Quicksand"/>
+              </a:rPr>
+              <a:t>Viettel, VOV, Misa, </a:t>
+            </a:r>
+            <a:r>
+              <a:rPr lang="en-US" b="0" i="0" dirty="0" err="1">
+                <a:solidFill>
+                  <a:srgbClr val="535353"/>
+                </a:solidFill>
+                <a:effectLst/>
+                <a:latin typeface="Quicksand"/>
+              </a:rPr>
+              <a:t>Mobifone</a:t>
+            </a:r>
+            <a:r>
+              <a:rPr lang="en-US" b="0" i="0" dirty="0">
+                <a:solidFill>
+                  <a:srgbClr val="535353"/>
+                </a:solidFill>
+                <a:effectLst/>
+                <a:latin typeface="Quicksand"/>
+              </a:rPr>
+              <a:t>, </a:t>
+            </a:r>
+            <a:r>
+              <a:rPr lang="en-US" b="0" i="0" dirty="0" err="1">
+                <a:solidFill>
+                  <a:srgbClr val="535353"/>
+                </a:solidFill>
+                <a:effectLst/>
+                <a:latin typeface="Quicksand"/>
+              </a:rPr>
+              <a:t>VnDirect</a:t>
+            </a:r>
+            <a:r>
+              <a:rPr lang="en-US" b="0" i="0" dirty="0">
+                <a:solidFill>
+                  <a:srgbClr val="535353"/>
+                </a:solidFill>
+                <a:effectLst/>
+                <a:latin typeface="Quicksand"/>
+              </a:rPr>
+              <a:t>, </a:t>
+            </a:r>
+            <a:r>
+              <a:rPr lang="en-US" b="0" i="0" dirty="0" err="1">
+                <a:solidFill>
+                  <a:srgbClr val="535353"/>
+                </a:solidFill>
+                <a:effectLst/>
+                <a:latin typeface="Quicksand"/>
+              </a:rPr>
+              <a:t>Mediamart</a:t>
+            </a:r>
+            <a:r>
+              <a:rPr lang="en-US" b="0" i="0" dirty="0">
+                <a:solidFill>
+                  <a:srgbClr val="535353"/>
+                </a:solidFill>
+                <a:effectLst/>
+                <a:latin typeface="Quicksand"/>
+              </a:rPr>
+              <a:t>,… </a:t>
+            </a:r>
+          </a:p>
+          <a:p>
+            <a:pPr marL="457200" indent="-298450"/>
+            <a:r>
+              <a:rPr lang="vi-VN" dirty="0" err="1"/>
+              <a:t>Firebase</a:t>
+            </a:r>
+            <a:r>
+              <a:rPr lang="vi-VN" dirty="0"/>
+              <a:t> là một nền tảng phát triển ứng dụng di động và </a:t>
+            </a:r>
+            <a:r>
+              <a:rPr lang="vi-VN" dirty="0" err="1"/>
+              <a:t>website</a:t>
+            </a:r>
+            <a:r>
+              <a:rPr lang="vi-VN" dirty="0"/>
+              <a:t>. </a:t>
+            </a:r>
+            <a:r>
+              <a:rPr lang="vi-VN" dirty="0" err="1"/>
+              <a:t>Firebase</a:t>
+            </a:r>
+            <a:r>
+              <a:rPr lang="vi-VN" dirty="0"/>
+              <a:t> cung cấp rất nhiều công cụ và dịch vụ để triển khai và phát triển cơ sở người dùng mà không cần quan tâm đến hạ tầng phần cứng</a:t>
+            </a:r>
+            <a:endParaRPr lang="en-US" b="0" i="0" dirty="0">
+              <a:solidFill>
+                <a:srgbClr val="535353"/>
+              </a:solidFill>
+              <a:effectLst/>
+              <a:latin typeface="Quicksand"/>
+            </a:endParaRPr>
+          </a:p>
+          <a:p>
+            <a:pPr marL="457200" indent="-298450"/>
+            <a:r>
+              <a:rPr lang="en-US" dirty="0"/>
+              <a:t>Glitch là 1 nền tảng mà giúp chúng ta có thể xây dựng ứng dụng Node.js trên cloud, public hoặc private .Tính năng:</a:t>
+            </a:r>
+          </a:p>
+          <a:p>
+            <a:pPr marL="158750" indent="0">
+              <a:buNone/>
+            </a:pPr>
+            <a:r>
+              <a:rPr lang="vi-VN" dirty="0"/>
+              <a:t>Hỗ trợ </a:t>
+            </a:r>
+            <a:r>
+              <a:rPr lang="vi-VN" dirty="0" err="1"/>
+              <a:t>version</a:t>
+            </a:r>
+            <a:r>
+              <a:rPr lang="vi-VN" dirty="0"/>
+              <a:t> </a:t>
+            </a:r>
+            <a:r>
+              <a:rPr lang="vi-VN" dirty="0" err="1"/>
+              <a:t>control</a:t>
+            </a:r>
+            <a:r>
+              <a:rPr lang="vi-VN" dirty="0"/>
+              <a:t> giống như </a:t>
+            </a:r>
+            <a:r>
+              <a:rPr lang="vi-VN" dirty="0" err="1"/>
+              <a:t>git</a:t>
+            </a:r>
+            <a:endParaRPr lang="en-US" dirty="0"/>
+          </a:p>
+          <a:p>
+            <a:pPr marL="158750" indent="0">
+              <a:buNone/>
+            </a:pPr>
+            <a:r>
+              <a:rPr lang="en-US" dirty="0"/>
+              <a:t>Cấu hình sẵn domain và hosting</a:t>
+            </a:r>
+          </a:p>
+          <a:p>
+            <a:pPr marL="158750" indent="0">
+              <a:buNone/>
+            </a:pPr>
+            <a:r>
+              <a:rPr lang="en-US" dirty="0"/>
+              <a:t>Cũng cấp nhiều template để sử dụng</a:t>
+            </a:r>
+          </a:p>
+        </p:txBody>
+      </p:sp>
+    </p:spTree>
+    <p:extLst>
+      <p:ext uri="{BB962C8B-B14F-4D97-AF65-F5344CB8AC3E}">
+        <p14:creationId xmlns:p14="http://schemas.microsoft.com/office/powerpoint/2010/main" val="3257577114"/>
+      </p:ext>
+    </p:extLst>
+  </p:cSld>
+  <p:clrMapOvr>
+    <a:masterClrMapping/>
+  </p:clrMapOvr>
+</p:notes>
+</file>
+
+<file path=ppt/notesSlides/notesSlide9.xml><?xml version="1.0" encoding="utf-8"?>
+<p:notes xmlns:a="http://schemas.openxmlformats.org/drawingml/2006/main" xmlns:r="http://schemas.openxmlformats.org/officeDocument/2006/relationships" xmlns:p="http://schemas.openxmlformats.org/presentationml/2006/main">
+  <p:cSld>
+    <p:spTree>
+      <p:nvGrpSpPr>
+        <p:cNvPr id="1" name=""/>
+        <p:cNvGrpSpPr/>
+        <p:nvPr/>
+      </p:nvGrpSpPr>
+      <p:grpSpPr>
+        <a:xfrm>
+          <a:off x="0" y="0"/>
+          <a:ext cx="0" cy="0"/>
+          <a:chOff x="0" y="0"/>
+          <a:chExt cx="0" cy="0"/>
+        </a:xfrm>
+      </p:grpSpPr>
+      <p:sp>
+        <p:nvSpPr>
+          <p:cNvPr id="2" name="Slide Image Placeholder 1"/>
+          <p:cNvSpPr>
+            <a:spLocks noGrp="1" noRot="1" noChangeAspect="1"/>
+          </p:cNvSpPr>
+          <p:nvPr>
+            <p:ph type="sldImg"/>
+          </p:nvPr>
+        </p:nvSpPr>
+        <p:spPr>
+          <a:xfrm>
+            <a:off x="381000" y="685800"/>
+            <a:ext cx="6096000" cy="3429000"/>
+          </a:xfrm>
+        </p:spPr>
+      </p:sp>
+      <p:sp>
+        <p:nvSpPr>
+          <p:cNvPr id="3" name="Notes Placeholder 2"/>
+          <p:cNvSpPr>
+            <a:spLocks noGrp="1"/>
+          </p:cNvSpPr>
+          <p:nvPr>
+            <p:ph type="body" idx="1"/>
+          </p:nvPr>
+        </p:nvSpPr>
+        <p:spPr/>
+        <p:txBody>
+          <a:bodyPr/>
+          <a:lstStyle/>
+          <a:p>
+            <a:pPr marL="158750" indent="0">
+              <a:buNone/>
+            </a:pPr>
+            <a:r>
+              <a:rPr lang="en-US" dirty="0"/>
+              <a:t>Có 3 khái niệm: </a:t>
+            </a:r>
+          </a:p>
+          <a:p>
+            <a:pPr marL="158750" indent="0">
+              <a:buNone/>
+            </a:pPr>
+            <a:r>
+              <a:rPr lang="en-US" dirty="0"/>
+              <a:t>User: người dùng trong cuộc họp</a:t>
+            </a:r>
+          </a:p>
+          <a:p>
+            <a:pPr marL="158750" indent="0">
+              <a:buNone/>
+            </a:pPr>
+            <a:r>
+              <a:rPr lang="en-US" dirty="0"/>
+              <a:t>Room: cuộc họp</a:t>
+            </a:r>
+          </a:p>
+          <a:p>
+            <a:pPr marL="158750" indent="0">
+              <a:buNone/>
+            </a:pPr>
+            <a:r>
+              <a:rPr lang="en-US" dirty="0"/>
+              <a:t>Track: webcam</a:t>
+            </a:r>
+          </a:p>
+          <a:p>
+            <a:pPr marL="158750" indent="0">
+              <a:buNone/>
+            </a:pPr>
+            <a:endParaRPr lang="en-US" dirty="0"/>
+          </a:p>
+          <a:p>
+            <a:pPr marL="158750" indent="0">
+              <a:buNone/>
+            </a:pPr>
+            <a:r>
+              <a:rPr lang="en-US" dirty="0"/>
+              <a:t>User gửi track đến </a:t>
+            </a:r>
+            <a:r>
+              <a:rPr lang="en-US" dirty="0" err="1"/>
+              <a:t>stringee</a:t>
+            </a:r>
+            <a:r>
+              <a:rPr lang="en-US" dirty="0"/>
+              <a:t>, </a:t>
+            </a:r>
+            <a:r>
+              <a:rPr lang="en-US" dirty="0" err="1"/>
+              <a:t>stringee</a:t>
+            </a:r>
+            <a:r>
+              <a:rPr lang="en-US" dirty="0"/>
+              <a:t> gửi track đến </a:t>
+            </a:r>
+            <a:r>
+              <a:rPr lang="en-US" dirty="0" err="1"/>
+              <a:t>mn</a:t>
+            </a:r>
+            <a:r>
+              <a:rPr lang="en-US" dirty="0"/>
+              <a:t> trong room</a:t>
+            </a:r>
+          </a:p>
+          <a:p>
+            <a:pPr marL="158750" indent="0">
+              <a:buNone/>
+            </a:pPr>
+            <a:r>
+              <a:rPr lang="en-US" dirty="0"/>
+              <a:t>Khi vào room thì sẽ tạo track, </a:t>
+            </a:r>
+            <a:r>
+              <a:rPr lang="en-US" dirty="0" err="1"/>
+              <a:t>publich</a:t>
+            </a:r>
+            <a:r>
+              <a:rPr lang="en-US" dirty="0"/>
+              <a:t> track ra</a:t>
+            </a:r>
+          </a:p>
+          <a:p>
+            <a:pPr marL="158750" indent="0">
+              <a:buNone/>
+            </a:pPr>
+            <a:r>
+              <a:rPr lang="en-US" dirty="0"/>
+              <a:t>Lắng nghe event để hiển thị track</a:t>
+            </a:r>
+          </a:p>
+        </p:txBody>
+      </p:sp>
+    </p:spTree>
+    <p:extLst>
+      <p:ext uri="{BB962C8B-B14F-4D97-AF65-F5344CB8AC3E}">
+        <p14:creationId xmlns:p14="http://schemas.microsoft.com/office/powerpoint/2010/main" val="1392530894"/>
       </p:ext>
     </p:extLst>
   </p:cSld>
@@ -11065,53 +11956,6 @@
           </p:pic>
           <p:pic>
             <p:nvPicPr>
-              <p:cNvPr id="63" name="Picture 4" descr="Kết quả hình ảnh cho xampp icon">
-                <a:extLst>
-                  <a:ext uri="{FF2B5EF4-FFF2-40B4-BE49-F238E27FC236}">
-                    <a16:creationId xmlns:a16="http://schemas.microsoft.com/office/drawing/2014/main" id="{1A553E2E-40EC-4481-8B7F-DDA6B474D0BE}"/>
-                  </a:ext>
-                </a:extLst>
-              </p:cNvPr>
-              <p:cNvPicPr>
-                <a:picLocks noChangeAspect="1" noChangeArrowheads="1"/>
-              </p:cNvPicPr>
-              <p:nvPr/>
-            </p:nvPicPr>
-            <p:blipFill>
-              <a:blip r:embed="rId14" cstate="print">
-                <a:extLst>
-                  <a:ext uri="{28A0092B-C50C-407E-A947-70E740481C1C}">
-                    <a14:useLocalDpi xmlns:a14="http://schemas.microsoft.com/office/drawing/2010/main" val="0"/>
-                  </a:ext>
-                </a:extLst>
-              </a:blip>
-              <a:srcRect/>
-              <a:stretch>
-                <a:fillRect/>
-              </a:stretch>
-            </p:blipFill>
-            <p:spPr bwMode="auto">
-              <a:xfrm>
-                <a:off x="4991080" y="2536447"/>
-                <a:ext cx="373232" cy="373232"/>
-              </a:xfrm>
-              <a:prstGeom prst="rect">
-                <a:avLst/>
-              </a:prstGeom>
-              <a:noFill/>
-              <a:extLst>
-                <a:ext uri="{909E8E84-426E-40DD-AFC4-6F175D3DCCD1}">
-                  <a14:hiddenFill xmlns:a14="http://schemas.microsoft.com/office/drawing/2010/main">
-                    <a:solidFill>
-                      <a:srgbClr val="FFFFFF"/>
-                    </a:solidFill>
-                  </a14:hiddenFill>
-                </a:ext>
-              </a:extLst>
-            </p:spPr>
-          </p:pic>
-          <p:pic>
-            <p:nvPicPr>
               <p:cNvPr id="65" name="Picture 64">
                 <a:extLst>
                   <a:ext uri="{FF2B5EF4-FFF2-40B4-BE49-F238E27FC236}">
@@ -11125,7 +11969,7 @@
               <p:nvPr/>
             </p:nvPicPr>
             <p:blipFill>
-              <a:blip r:embed="rId15" cstate="print">
+              <a:blip r:embed="rId14" cstate="print">
                 <a:extLst>
                   <a:ext uri="{28A0092B-C50C-407E-A947-70E740481C1C}">
                     <a14:useLocalDpi xmlns:a14="http://schemas.microsoft.com/office/drawing/2010/main" val="0"/>
@@ -11161,7 +12005,7 @@
               <p:nvPr/>
             </p:nvPicPr>
             <p:blipFill>
-              <a:blip r:embed="rId16">
+              <a:blip r:embed="rId15">
                 <a:extLst>
                   <a:ext uri="{28A0092B-C50C-407E-A947-70E740481C1C}">
                     <a14:useLocalDpi xmlns:a14="http://schemas.microsoft.com/office/drawing/2010/main" val="0"/>
@@ -11590,7 +12434,7 @@
                     <a:ea typeface="Tahoma" panose="020B0604030504040204" pitchFamily="34" charset="0"/>
                     <a:cs typeface="Tahoma" panose="020B0604030504040204" pitchFamily="34" charset="0"/>
                   </a:rPr>
-                  <a:t>Xampp</a:t>
+                  <a:t>Stringee</a:t>
                 </a:r>
                 <a:endParaRPr lang="en-US" dirty="0">
                   <a:ln w="0"/>
@@ -11892,7 +12736,7 @@
               <p:nvPr/>
             </p:nvPicPr>
             <p:blipFill>
-              <a:blip r:embed="rId17">
+              <a:blip r:embed="rId16">
                 <a:extLst>
                   <a:ext uri="{28A0092B-C50C-407E-A947-70E740481C1C}">
                     <a14:useLocalDpi xmlns:a14="http://schemas.microsoft.com/office/drawing/2010/main" val="0"/>
@@ -11990,7 +12834,7 @@
             <p:nvPr/>
           </p:nvPicPr>
           <p:blipFill>
-            <a:blip r:embed="rId18">
+            <a:blip r:embed="rId17">
               <a:extLst>
                 <a:ext uri="{28A0092B-C50C-407E-A947-70E740481C1C}">
                   <a14:useLocalDpi xmlns:a14="http://schemas.microsoft.com/office/drawing/2010/main" val="0"/>
@@ -12023,6 +12867,53 @@
           </p:spPr>
         </p:pic>
       </p:grpSp>
+      <p:pic>
+        <p:nvPicPr>
+          <p:cNvPr id="3" name="Picture 2" descr="Công ty CP Stringee - Startup VnExpress">
+            <a:extLst>
+              <a:ext uri="{FF2B5EF4-FFF2-40B4-BE49-F238E27FC236}">
+                <a16:creationId xmlns:a16="http://schemas.microsoft.com/office/drawing/2014/main" id="{DFBE563F-3948-4126-A2CC-A3667C550137}"/>
+              </a:ext>
+            </a:extLst>
+          </p:cNvPr>
+          <p:cNvPicPr>
+            <a:picLocks noChangeAspect="1" noChangeArrowheads="1"/>
+          </p:cNvPicPr>
+          <p:nvPr/>
+        </p:nvPicPr>
+        <p:blipFill>
+          <a:blip r:embed="rId18">
+            <a:extLst>
+              <a:ext uri="{28A0092B-C50C-407E-A947-70E740481C1C}">
+                <a14:useLocalDpi xmlns:a14="http://schemas.microsoft.com/office/drawing/2010/main" val="0"/>
+              </a:ext>
+            </a:extLst>
+          </a:blip>
+          <a:srcRect/>
+          <a:stretch>
+            <a:fillRect/>
+          </a:stretch>
+        </p:blipFill>
+        <p:spPr bwMode="auto">
+          <a:xfrm>
+            <a:off x="4705656" y="2592203"/>
+            <a:ext cx="831183" cy="487073"/>
+          </a:xfrm>
+          <a:prstGeom prst="rect">
+            <a:avLst/>
+          </a:prstGeom>
+          <a:noFill/>
+          <a:extLst>
+            <a:ext uri="{909E8E84-426E-40DD-AFC4-6F175D3DCCD1}">
+              <a14:hiddenFill xmlns:a14="http://schemas.microsoft.com/office/drawing/2010/main">
+                <a:solidFill>
+                  <a:srgbClr val="FFFFFF"/>
+                </a:solidFill>
+              </a14:hiddenFill>
+            </a:ext>
+          </a:extLst>
+        </p:spPr>
+      </p:pic>
     </p:spTree>
     <p:extLst>
       <p:ext uri="{BB962C8B-B14F-4D97-AF65-F5344CB8AC3E}">
@@ -12097,7 +12988,7 @@
         </p:nvSpPr>
         <p:spPr>
           <a:xfrm>
-            <a:off x="1258350" y="1103685"/>
+            <a:off x="1258350" y="1069411"/>
             <a:ext cx="6856950" cy="3347610"/>
           </a:xfrm>
           <a:prstGeom prst="rect">
@@ -12341,23 +13232,13 @@
                 <a:solidFill>
                   <a:srgbClr val="3E516C"/>
                 </a:solidFill>
-                <a:latin typeface="Montserrat "/>
+                <a:latin typeface="Montserrat" panose="00000500000000000000" pitchFamily="2" charset="0"/>
               </a:rPr>
-              <a:t>2. Sơ đồ use case</a:t>
+              <a:t>1. Cơ sở lý thuyết</a:t>
             </a:r>
           </a:p>
           <a:p>
-            <a:r>
-              <a:rPr lang="en-US" dirty="0">
-                <a:latin typeface="Montserrat "/>
-              </a:rPr>
-              <a:t>Sơ đồ use case</a:t>
-            </a:r>
-          </a:p>
-          <a:p>
-            <a:endParaRPr lang="en-US" dirty="0">
-              <a:latin typeface="Montserrat "/>
-            </a:endParaRPr>
+            <a:endParaRPr lang="en-US" dirty="0"/>
           </a:p>
         </p:txBody>
       </p:sp>
@@ -12366,7 +13247,7 @@
           <p:cNvPr id="2" name="Slide Number Placeholder 1">
             <a:extLst>
               <a:ext uri="{FF2B5EF4-FFF2-40B4-BE49-F238E27FC236}">
-                <a16:creationId xmlns:a16="http://schemas.microsoft.com/office/drawing/2014/main" id="{917892FE-64D4-4E41-8C1A-708B08D55C50}"/>
+                <a16:creationId xmlns:a16="http://schemas.microsoft.com/office/drawing/2014/main" id="{B9FF5875-7D57-4145-B317-6EEE844760BE}"/>
               </a:ext>
             </a:extLst>
           </p:cNvPr>
@@ -12377,7 +13258,12 @@
             <p:ph type="sldNum" idx="12"/>
           </p:nvPr>
         </p:nvSpPr>
-        <p:spPr/>
+        <p:spPr>
+          <a:xfrm>
+            <a:off x="8741702" y="4915553"/>
+            <a:ext cx="402300" cy="393600"/>
+          </a:xfrm>
+        </p:spPr>
         <p:txBody>
           <a:bodyPr/>
           <a:lstStyle/>
@@ -12399,7 +13285,7 @@
               </a:rPr>
               <a:t>11</a:t>
             </a:fld>
-            <a:endParaRPr lang="es" dirty="0">
+            <a:endParaRPr lang="es">
               <a:solidFill>
                 <a:schemeClr val="bg1"/>
               </a:solidFill>
@@ -12409,10 +13295,10 @@
       </p:sp>
       <p:pic>
         <p:nvPicPr>
-          <p:cNvPr id="7" name="Picture 6">
+          <p:cNvPr id="8" name="Picture 7">
             <a:extLst>
               <a:ext uri="{FF2B5EF4-FFF2-40B4-BE49-F238E27FC236}">
-                <a16:creationId xmlns:a16="http://schemas.microsoft.com/office/drawing/2014/main" id="{89F9E3C2-8082-4987-A205-B7A53F5C81C3}"/>
+                <a16:creationId xmlns:a16="http://schemas.microsoft.com/office/drawing/2014/main" id="{DC6B85DB-68F6-4A18-BF60-6C99D415B9D3}"/>
               </a:ext>
             </a:extLst>
           </p:cNvPr>
@@ -12422,296 +13308,25 @@
           <p:nvPr/>
         </p:nvPicPr>
         <p:blipFill>
-          <a:blip r:embed="rId2"/>
+          <a:blip r:embed="rId3"/>
           <a:stretch>
             <a:fillRect/>
           </a:stretch>
         </p:blipFill>
         <p:spPr>
           <a:xfrm>
-            <a:off x="2766254" y="1463040"/>
-            <a:ext cx="2910646" cy="3138731"/>
+            <a:off x="3091720" y="1604194"/>
+            <a:ext cx="2960559" cy="3063895"/>
           </a:xfrm>
           <a:prstGeom prst="rect">
             <a:avLst/>
           </a:prstGeom>
         </p:spPr>
       </p:pic>
-      <p:sp>
-        <p:nvSpPr>
-          <p:cNvPr id="8" name="Text Placeholder 3">
-            <a:extLst>
-              <a:ext uri="{FF2B5EF4-FFF2-40B4-BE49-F238E27FC236}">
-                <a16:creationId xmlns:a16="http://schemas.microsoft.com/office/drawing/2014/main" id="{1B6F0749-6199-47FF-9307-12A234F61EA9}"/>
-              </a:ext>
-            </a:extLst>
-          </p:cNvPr>
-          <p:cNvSpPr txBox="1">
-            <a:spLocks/>
-          </p:cNvSpPr>
-          <p:nvPr/>
-        </p:nvSpPr>
-        <p:spPr>
-          <a:xfrm>
-            <a:off x="2274515" y="4601771"/>
-            <a:ext cx="4824620" cy="458415"/>
-          </a:xfrm>
-          <a:prstGeom prst="rect">
-            <a:avLst/>
-          </a:prstGeom>
-        </p:spPr>
-        <p:txBody>
-          <a:bodyPr/>
-          <a:lstStyle>
-            <a:defPPr marR="0" lvl="0" algn="l" rtl="0">
-              <a:lnSpc>
-                <a:spcPct val="100000"/>
-              </a:lnSpc>
-              <a:spcBef>
-                <a:spcPts val="0"/>
-              </a:spcBef>
-              <a:spcAft>
-                <a:spcPts val="0"/>
-              </a:spcAft>
-            </a:defPPr>
-            <a:lvl1pPr marR="0" lvl="0" algn="l" rtl="0">
-              <a:lnSpc>
-                <a:spcPct val="100000"/>
-              </a:lnSpc>
-              <a:spcBef>
-                <a:spcPts val="0"/>
-              </a:spcBef>
-              <a:spcAft>
-                <a:spcPts val="0"/>
-              </a:spcAft>
-              <a:buClr>
-                <a:srgbClr val="000000"/>
-              </a:buClr>
-              <a:buFont typeface="Arial"/>
-              <a:defRPr sz="1400" b="0" i="0" u="none" strike="noStrike" cap="none">
-                <a:solidFill>
-                  <a:srgbClr val="000000"/>
-                </a:solidFill>
-                <a:latin typeface="Arial"/>
-                <a:ea typeface="Arial"/>
-                <a:cs typeface="Arial"/>
-                <a:sym typeface="Arial"/>
-              </a:defRPr>
-            </a:lvl1pPr>
-            <a:lvl2pPr marR="0" lvl="1" algn="l" rtl="0">
-              <a:lnSpc>
-                <a:spcPct val="100000"/>
-              </a:lnSpc>
-              <a:spcBef>
-                <a:spcPts val="0"/>
-              </a:spcBef>
-              <a:spcAft>
-                <a:spcPts val="0"/>
-              </a:spcAft>
-              <a:buClr>
-                <a:srgbClr val="000000"/>
-              </a:buClr>
-              <a:buFont typeface="Arial"/>
-              <a:defRPr sz="1400" b="0" i="0" u="none" strike="noStrike" cap="none">
-                <a:solidFill>
-                  <a:srgbClr val="000000"/>
-                </a:solidFill>
-                <a:latin typeface="Arial"/>
-                <a:ea typeface="Arial"/>
-                <a:cs typeface="Arial"/>
-                <a:sym typeface="Arial"/>
-              </a:defRPr>
-            </a:lvl2pPr>
-            <a:lvl3pPr marR="0" lvl="2" algn="l" rtl="0">
-              <a:lnSpc>
-                <a:spcPct val="100000"/>
-              </a:lnSpc>
-              <a:spcBef>
-                <a:spcPts val="0"/>
-              </a:spcBef>
-              <a:spcAft>
-                <a:spcPts val="0"/>
-              </a:spcAft>
-              <a:buClr>
-                <a:srgbClr val="000000"/>
-              </a:buClr>
-              <a:buFont typeface="Arial"/>
-              <a:defRPr sz="1400" b="0" i="0" u="none" strike="noStrike" cap="none">
-                <a:solidFill>
-                  <a:srgbClr val="000000"/>
-                </a:solidFill>
-                <a:latin typeface="Arial"/>
-                <a:ea typeface="Arial"/>
-                <a:cs typeface="Arial"/>
-                <a:sym typeface="Arial"/>
-              </a:defRPr>
-            </a:lvl3pPr>
-            <a:lvl4pPr marR="0" lvl="3" algn="l" rtl="0">
-              <a:lnSpc>
-                <a:spcPct val="100000"/>
-              </a:lnSpc>
-              <a:spcBef>
-                <a:spcPts val="0"/>
-              </a:spcBef>
-              <a:spcAft>
-                <a:spcPts val="0"/>
-              </a:spcAft>
-              <a:buClr>
-                <a:srgbClr val="000000"/>
-              </a:buClr>
-              <a:buFont typeface="Arial"/>
-              <a:defRPr sz="1400" b="0" i="0" u="none" strike="noStrike" cap="none">
-                <a:solidFill>
-                  <a:srgbClr val="000000"/>
-                </a:solidFill>
-                <a:latin typeface="Arial"/>
-                <a:ea typeface="Arial"/>
-                <a:cs typeface="Arial"/>
-                <a:sym typeface="Arial"/>
-              </a:defRPr>
-            </a:lvl4pPr>
-            <a:lvl5pPr marR="0" lvl="4" algn="l" rtl="0">
-              <a:lnSpc>
-                <a:spcPct val="100000"/>
-              </a:lnSpc>
-              <a:spcBef>
-                <a:spcPts val="0"/>
-              </a:spcBef>
-              <a:spcAft>
-                <a:spcPts val="0"/>
-              </a:spcAft>
-              <a:buClr>
-                <a:srgbClr val="000000"/>
-              </a:buClr>
-              <a:buFont typeface="Arial"/>
-              <a:defRPr sz="1400" b="0" i="0" u="none" strike="noStrike" cap="none">
-                <a:solidFill>
-                  <a:srgbClr val="000000"/>
-                </a:solidFill>
-                <a:latin typeface="Arial"/>
-                <a:ea typeface="Arial"/>
-                <a:cs typeface="Arial"/>
-                <a:sym typeface="Arial"/>
-              </a:defRPr>
-            </a:lvl5pPr>
-            <a:lvl6pPr marR="0" lvl="5" algn="l" rtl="0">
-              <a:lnSpc>
-                <a:spcPct val="100000"/>
-              </a:lnSpc>
-              <a:spcBef>
-                <a:spcPts val="0"/>
-              </a:spcBef>
-              <a:spcAft>
-                <a:spcPts val="0"/>
-              </a:spcAft>
-              <a:buClr>
-                <a:srgbClr val="000000"/>
-              </a:buClr>
-              <a:buFont typeface="Arial"/>
-              <a:defRPr sz="1400" b="0" i="0" u="none" strike="noStrike" cap="none">
-                <a:solidFill>
-                  <a:srgbClr val="000000"/>
-                </a:solidFill>
-                <a:latin typeface="Arial"/>
-                <a:ea typeface="Arial"/>
-                <a:cs typeface="Arial"/>
-                <a:sym typeface="Arial"/>
-              </a:defRPr>
-            </a:lvl6pPr>
-            <a:lvl7pPr marR="0" lvl="6" algn="l" rtl="0">
-              <a:lnSpc>
-                <a:spcPct val="100000"/>
-              </a:lnSpc>
-              <a:spcBef>
-                <a:spcPts val="0"/>
-              </a:spcBef>
-              <a:spcAft>
-                <a:spcPts val="0"/>
-              </a:spcAft>
-              <a:buClr>
-                <a:srgbClr val="000000"/>
-              </a:buClr>
-              <a:buFont typeface="Arial"/>
-              <a:defRPr sz="1400" b="0" i="0" u="none" strike="noStrike" cap="none">
-                <a:solidFill>
-                  <a:srgbClr val="000000"/>
-                </a:solidFill>
-                <a:latin typeface="Arial"/>
-                <a:ea typeface="Arial"/>
-                <a:cs typeface="Arial"/>
-                <a:sym typeface="Arial"/>
-              </a:defRPr>
-            </a:lvl7pPr>
-            <a:lvl8pPr marR="0" lvl="7" algn="l" rtl="0">
-              <a:lnSpc>
-                <a:spcPct val="100000"/>
-              </a:lnSpc>
-              <a:spcBef>
-                <a:spcPts val="0"/>
-              </a:spcBef>
-              <a:spcAft>
-                <a:spcPts val="0"/>
-              </a:spcAft>
-              <a:buClr>
-                <a:srgbClr val="000000"/>
-              </a:buClr>
-              <a:buFont typeface="Arial"/>
-              <a:defRPr sz="1400" b="0" i="0" u="none" strike="noStrike" cap="none">
-                <a:solidFill>
-                  <a:srgbClr val="000000"/>
-                </a:solidFill>
-                <a:latin typeface="Arial"/>
-                <a:ea typeface="Arial"/>
-                <a:cs typeface="Arial"/>
-                <a:sym typeface="Arial"/>
-              </a:defRPr>
-            </a:lvl8pPr>
-            <a:lvl9pPr marR="0" lvl="8" algn="l" rtl="0">
-              <a:lnSpc>
-                <a:spcPct val="100000"/>
-              </a:lnSpc>
-              <a:spcBef>
-                <a:spcPts val="0"/>
-              </a:spcBef>
-              <a:spcAft>
-                <a:spcPts val="0"/>
-              </a:spcAft>
-              <a:buClr>
-                <a:srgbClr val="000000"/>
-              </a:buClr>
-              <a:buFont typeface="Arial"/>
-              <a:defRPr sz="1400" b="0" i="0" u="none" strike="noStrike" cap="none">
-                <a:solidFill>
-                  <a:srgbClr val="000000"/>
-                </a:solidFill>
-                <a:latin typeface="Arial"/>
-                <a:ea typeface="Arial"/>
-                <a:cs typeface="Arial"/>
-                <a:sym typeface="Arial"/>
-              </a:defRPr>
-            </a:lvl9pPr>
-          </a:lstStyle>
-          <a:p>
-            <a:r>
-              <a:rPr lang="en-US" i="1" dirty="0">
-                <a:solidFill>
-                  <a:schemeClr val="tx1"/>
-                </a:solidFill>
-                <a:latin typeface="Montserrat "/>
-                <a:cs typeface="Times New Roman" panose="02020603050405020304" pitchFamily="18" charset="0"/>
-              </a:rPr>
-              <a:t>Sơ đồ hoạt vụ của người dùng không có tài khoản</a:t>
-            </a:r>
-            <a:endParaRPr lang="en-US" dirty="0">
-              <a:latin typeface="Montserrat "/>
-            </a:endParaRPr>
-          </a:p>
-        </p:txBody>
-      </p:sp>
     </p:spTree>
     <p:extLst>
       <p:ext uri="{BB962C8B-B14F-4D97-AF65-F5344CB8AC3E}">
-        <p14:creationId xmlns:p14="http://schemas.microsoft.com/office/powerpoint/2010/main" val="3071720949"/>
+        <p14:creationId xmlns:p14="http://schemas.microsoft.com/office/powerpoint/2010/main" val="4003135097"/>
       </p:ext>
     </p:extLst>
   </p:cSld>
@@ -13092,6 +13707,36 @@
           </a:p>
         </p:txBody>
       </p:sp>
+      <p:pic>
+        <p:nvPicPr>
+          <p:cNvPr id="7" name="Picture 6">
+            <a:extLst>
+              <a:ext uri="{FF2B5EF4-FFF2-40B4-BE49-F238E27FC236}">
+                <a16:creationId xmlns:a16="http://schemas.microsoft.com/office/drawing/2014/main" id="{89F9E3C2-8082-4987-A205-B7A53F5C81C3}"/>
+              </a:ext>
+            </a:extLst>
+          </p:cNvPr>
+          <p:cNvPicPr>
+            <a:picLocks noChangeAspect="1"/>
+          </p:cNvPicPr>
+          <p:nvPr/>
+        </p:nvPicPr>
+        <p:blipFill>
+          <a:blip r:embed="rId2"/>
+          <a:stretch>
+            <a:fillRect/>
+          </a:stretch>
+        </p:blipFill>
+        <p:spPr>
+          <a:xfrm>
+            <a:off x="2766254" y="1463040"/>
+            <a:ext cx="2910646" cy="3138731"/>
+          </a:xfrm>
+          <a:prstGeom prst="rect">
+            <a:avLst/>
+          </a:prstGeom>
+        </p:spPr>
+      </p:pic>
       <p:sp>
         <p:nvSpPr>
           <p:cNvPr id="8" name="Text Placeholder 3">
@@ -13108,8 +13753,8 @@
         </p:nvSpPr>
         <p:spPr>
           <a:xfrm>
-            <a:off x="3217421" y="4638225"/>
-            <a:ext cx="2709158" cy="458415"/>
+            <a:off x="2274515" y="4601771"/>
+            <a:ext cx="4824620" cy="458415"/>
           </a:xfrm>
           <a:prstGeom prst="rect">
             <a:avLst/>
@@ -13355,7 +14000,7 @@
                 <a:latin typeface="Montserrat "/>
                 <a:cs typeface="Times New Roman" panose="02020603050405020304" pitchFamily="18" charset="0"/>
               </a:rPr>
-              <a:t>Sơ đồ hoạt vụ của học viên</a:t>
+              <a:t>Sơ đồ hoạt vụ của người dùng không có tài khoản</a:t>
             </a:r>
             <a:endParaRPr lang="en-US" dirty="0">
               <a:latin typeface="Montserrat "/>
@@ -13363,40 +14008,10 @@
           </a:p>
         </p:txBody>
       </p:sp>
-      <p:pic>
-        <p:nvPicPr>
-          <p:cNvPr id="6" name="Picture 5">
-            <a:extLst>
-              <a:ext uri="{FF2B5EF4-FFF2-40B4-BE49-F238E27FC236}">
-                <a16:creationId xmlns:a16="http://schemas.microsoft.com/office/drawing/2014/main" id="{B5931ECC-BDD6-4D6B-B1A3-0062EB64C9CE}"/>
-              </a:ext>
-            </a:extLst>
-          </p:cNvPr>
-          <p:cNvPicPr>
-            <a:picLocks noChangeAspect="1"/>
-          </p:cNvPicPr>
-          <p:nvPr/>
-        </p:nvPicPr>
-        <p:blipFill>
-          <a:blip r:embed="rId2"/>
-          <a:stretch>
-            <a:fillRect/>
-          </a:stretch>
-        </p:blipFill>
-        <p:spPr>
-          <a:xfrm>
-            <a:off x="3710451" y="1531263"/>
-            <a:ext cx="1219689" cy="3070508"/>
-          </a:xfrm>
-          <a:prstGeom prst="rect">
-            <a:avLst/>
-          </a:prstGeom>
-        </p:spPr>
-      </p:pic>
     </p:spTree>
     <p:extLst>
       <p:ext uri="{BB962C8B-B14F-4D97-AF65-F5344CB8AC3E}">
-        <p14:creationId xmlns:p14="http://schemas.microsoft.com/office/powerpoint/2010/main" val="2803990864"/>
+        <p14:creationId xmlns:p14="http://schemas.microsoft.com/office/powerpoint/2010/main" val="3071720949"/>
       </p:ext>
     </p:extLst>
   </p:cSld>
@@ -13793,8 +14408,8 @@
         </p:nvSpPr>
         <p:spPr>
           <a:xfrm>
-            <a:off x="3213652" y="4628902"/>
-            <a:ext cx="2430863" cy="458415"/>
+            <a:off x="3217421" y="4638225"/>
+            <a:ext cx="2709158" cy="458415"/>
           </a:xfrm>
           <a:prstGeom prst="rect">
             <a:avLst/>
@@ -14040,7 +14655,7 @@
                 <a:latin typeface="Montserrat "/>
                 <a:cs typeface="Times New Roman" panose="02020603050405020304" pitchFamily="18" charset="0"/>
               </a:rPr>
-              <a:t>Sơ đồ hoạt vụ của gia sư</a:t>
+              <a:t>Sơ đồ hoạt vụ của học viên</a:t>
             </a:r>
             <a:endParaRPr lang="en-US" dirty="0">
               <a:latin typeface="Montserrat "/>
@@ -14050,10 +14665,10 @@
       </p:sp>
       <p:pic>
         <p:nvPicPr>
-          <p:cNvPr id="7" name="Picture 6">
+          <p:cNvPr id="6" name="Picture 5">
             <a:extLst>
               <a:ext uri="{FF2B5EF4-FFF2-40B4-BE49-F238E27FC236}">
-                <a16:creationId xmlns:a16="http://schemas.microsoft.com/office/drawing/2014/main" id="{6291808E-A4F7-43B4-9296-0164B9D91D36}"/>
+                <a16:creationId xmlns:a16="http://schemas.microsoft.com/office/drawing/2014/main" id="{B5931ECC-BDD6-4D6B-B1A3-0062EB64C9CE}"/>
               </a:ext>
             </a:extLst>
           </p:cNvPr>
@@ -14070,8 +14685,8 @@
         </p:blipFill>
         <p:spPr>
           <a:xfrm>
-            <a:off x="2765984" y="1459600"/>
-            <a:ext cx="3451936" cy="3025969"/>
+            <a:off x="3710451" y="1531263"/>
+            <a:ext cx="1219689" cy="3070508"/>
           </a:xfrm>
           <a:prstGeom prst="rect">
             <a:avLst/>
@@ -14081,7 +14696,7 @@
     </p:spTree>
     <p:extLst>
       <p:ext uri="{BB962C8B-B14F-4D97-AF65-F5344CB8AC3E}">
-        <p14:creationId xmlns:p14="http://schemas.microsoft.com/office/powerpoint/2010/main" val="4100631414"/>
+        <p14:creationId xmlns:p14="http://schemas.microsoft.com/office/powerpoint/2010/main" val="2803990864"/>
       </p:ext>
     </p:extLst>
   </p:cSld>
@@ -14478,8 +15093,8 @@
         </p:nvSpPr>
         <p:spPr>
           <a:xfrm>
-            <a:off x="2948610" y="4628902"/>
-            <a:ext cx="3055950" cy="458415"/>
+            <a:off x="3213652" y="4628902"/>
+            <a:ext cx="2430863" cy="458415"/>
           </a:xfrm>
           <a:prstGeom prst="rect">
             <a:avLst/>
@@ -14725,7 +15340,7 @@
                 <a:latin typeface="Montserrat "/>
                 <a:cs typeface="Times New Roman" panose="02020603050405020304" pitchFamily="18" charset="0"/>
               </a:rPr>
-              <a:t>Sơ đồ hoạt vụ của quản trị viên</a:t>
+              <a:t>Sơ đồ hoạt vụ của gia sư</a:t>
             </a:r>
             <a:endParaRPr lang="en-US" dirty="0">
               <a:latin typeface="Montserrat "/>
@@ -14738,7 +15353,7 @@
           <p:cNvPr id="7" name="Picture 6">
             <a:extLst>
               <a:ext uri="{FF2B5EF4-FFF2-40B4-BE49-F238E27FC236}">
-                <a16:creationId xmlns:a16="http://schemas.microsoft.com/office/drawing/2014/main" id="{B0A5E455-BEBB-4AB4-8CB8-ED1C8DC78B86}"/>
+                <a16:creationId xmlns:a16="http://schemas.microsoft.com/office/drawing/2014/main" id="{6291808E-A4F7-43B4-9296-0164B9D91D36}"/>
               </a:ext>
             </a:extLst>
           </p:cNvPr>
@@ -14755,8 +15370,8 @@
         </p:blipFill>
         <p:spPr>
           <a:xfrm>
-            <a:off x="2678746" y="1466227"/>
-            <a:ext cx="4404541" cy="3162675"/>
+            <a:off x="2765984" y="1459600"/>
+            <a:ext cx="3451936" cy="3025969"/>
           </a:xfrm>
           <a:prstGeom prst="rect">
             <a:avLst/>
@@ -14766,7 +15381,7 @@
     </p:spTree>
     <p:extLst>
       <p:ext uri="{BB962C8B-B14F-4D97-AF65-F5344CB8AC3E}">
-        <p14:creationId xmlns:p14="http://schemas.microsoft.com/office/powerpoint/2010/main" val="3288045863"/>
+        <p14:creationId xmlns:p14="http://schemas.microsoft.com/office/powerpoint/2010/main" val="4100631414"/>
       </p:ext>
     </p:extLst>
   </p:cSld>
@@ -15081,13 +15696,23 @@
                 <a:solidFill>
                   <a:srgbClr val="3E516C"/>
                 </a:solidFill>
-                <a:latin typeface="Montserrat" panose="00000500000000000000" pitchFamily="2" charset="0"/>
+                <a:latin typeface="Montserrat "/>
               </a:rPr>
-              <a:t>3. Thiết kế mô hình</a:t>
+              <a:t>2. Sơ đồ use case</a:t>
             </a:r>
           </a:p>
           <a:p>
-            <a:endParaRPr lang="en-US" dirty="0"/>
+            <a:r>
+              <a:rPr lang="en-US" dirty="0">
+                <a:latin typeface="Montserrat "/>
+              </a:rPr>
+              <a:t>Sơ đồ use case</a:t>
+            </a:r>
+          </a:p>
+          <a:p>
+            <a:endParaRPr lang="en-US" dirty="0">
+              <a:latin typeface="Montserrat "/>
+            </a:endParaRPr>
           </a:p>
         </p:txBody>
       </p:sp>
@@ -15153,8 +15778,8 @@
         </p:nvSpPr>
         <p:spPr>
           <a:xfrm>
-            <a:off x="2578740" y="4637913"/>
-            <a:ext cx="4644362" cy="458415"/>
+            <a:off x="2948610" y="4628902"/>
+            <a:ext cx="3055950" cy="458415"/>
           </a:xfrm>
           <a:prstGeom prst="rect">
             <a:avLst/>
@@ -15400,7 +16025,7 @@
                 <a:latin typeface="Montserrat "/>
                 <a:cs typeface="Times New Roman" panose="02020603050405020304" pitchFamily="18" charset="0"/>
               </a:rPr>
-              <a:t>Mô hình dữ liệu mức quan niệm (CDM) (trang 31)</a:t>
+              <a:t>Sơ đồ hoạt vụ của quản trị viên</a:t>
             </a:r>
             <a:endParaRPr lang="en-US" dirty="0">
               <a:latin typeface="Montserrat "/>
@@ -15410,10 +16035,10 @@
       </p:sp>
       <p:pic>
         <p:nvPicPr>
-          <p:cNvPr id="6" name="Picture 5">
+          <p:cNvPr id="7" name="Picture 6">
             <a:extLst>
               <a:ext uri="{FF2B5EF4-FFF2-40B4-BE49-F238E27FC236}">
-                <a16:creationId xmlns:a16="http://schemas.microsoft.com/office/drawing/2014/main" id="{6D698042-63AD-478E-A42E-029A1CE09E65}"/>
+                <a16:creationId xmlns:a16="http://schemas.microsoft.com/office/drawing/2014/main" id="{B0A5E455-BEBB-4AB4-8CB8-ED1C8DC78B86}"/>
               </a:ext>
             </a:extLst>
           </p:cNvPr>
@@ -15430,8 +16055,8 @@
         </p:blipFill>
         <p:spPr>
           <a:xfrm>
-            <a:off x="2875328" y="1499879"/>
-            <a:ext cx="3317855" cy="3040220"/>
+            <a:off x="2678746" y="1466227"/>
+            <a:ext cx="4404541" cy="3162675"/>
           </a:xfrm>
           <a:prstGeom prst="rect">
             <a:avLst/>
@@ -15441,7 +16066,7 @@
     </p:spTree>
     <p:extLst>
       <p:ext uri="{BB962C8B-B14F-4D97-AF65-F5344CB8AC3E}">
-        <p14:creationId xmlns:p14="http://schemas.microsoft.com/office/powerpoint/2010/main" val="1869140198"/>
+        <p14:creationId xmlns:p14="http://schemas.microsoft.com/office/powerpoint/2010/main" val="3288045863"/>
       </p:ext>
     </p:extLst>
   </p:cSld>
@@ -15828,6 +16453,681 @@
         </p:nvSpPr>
         <p:spPr>
           <a:xfrm>
+            <a:off x="2578740" y="4637913"/>
+            <a:ext cx="4644362" cy="458415"/>
+          </a:xfrm>
+          <a:prstGeom prst="rect">
+            <a:avLst/>
+          </a:prstGeom>
+        </p:spPr>
+        <p:txBody>
+          <a:bodyPr/>
+          <a:lstStyle>
+            <a:defPPr marR="0" lvl="0" algn="l" rtl="0">
+              <a:lnSpc>
+                <a:spcPct val="100000"/>
+              </a:lnSpc>
+              <a:spcBef>
+                <a:spcPts val="0"/>
+              </a:spcBef>
+              <a:spcAft>
+                <a:spcPts val="0"/>
+              </a:spcAft>
+            </a:defPPr>
+            <a:lvl1pPr marR="0" lvl="0" algn="l" rtl="0">
+              <a:lnSpc>
+                <a:spcPct val="100000"/>
+              </a:lnSpc>
+              <a:spcBef>
+                <a:spcPts val="0"/>
+              </a:spcBef>
+              <a:spcAft>
+                <a:spcPts val="0"/>
+              </a:spcAft>
+              <a:buClr>
+                <a:srgbClr val="000000"/>
+              </a:buClr>
+              <a:buFont typeface="Arial"/>
+              <a:defRPr sz="1400" b="0" i="0" u="none" strike="noStrike" cap="none">
+                <a:solidFill>
+                  <a:srgbClr val="000000"/>
+                </a:solidFill>
+                <a:latin typeface="Arial"/>
+                <a:ea typeface="Arial"/>
+                <a:cs typeface="Arial"/>
+                <a:sym typeface="Arial"/>
+              </a:defRPr>
+            </a:lvl1pPr>
+            <a:lvl2pPr marR="0" lvl="1" algn="l" rtl="0">
+              <a:lnSpc>
+                <a:spcPct val="100000"/>
+              </a:lnSpc>
+              <a:spcBef>
+                <a:spcPts val="0"/>
+              </a:spcBef>
+              <a:spcAft>
+                <a:spcPts val="0"/>
+              </a:spcAft>
+              <a:buClr>
+                <a:srgbClr val="000000"/>
+              </a:buClr>
+              <a:buFont typeface="Arial"/>
+              <a:defRPr sz="1400" b="0" i="0" u="none" strike="noStrike" cap="none">
+                <a:solidFill>
+                  <a:srgbClr val="000000"/>
+                </a:solidFill>
+                <a:latin typeface="Arial"/>
+                <a:ea typeface="Arial"/>
+                <a:cs typeface="Arial"/>
+                <a:sym typeface="Arial"/>
+              </a:defRPr>
+            </a:lvl2pPr>
+            <a:lvl3pPr marR="0" lvl="2" algn="l" rtl="0">
+              <a:lnSpc>
+                <a:spcPct val="100000"/>
+              </a:lnSpc>
+              <a:spcBef>
+                <a:spcPts val="0"/>
+              </a:spcBef>
+              <a:spcAft>
+                <a:spcPts val="0"/>
+              </a:spcAft>
+              <a:buClr>
+                <a:srgbClr val="000000"/>
+              </a:buClr>
+              <a:buFont typeface="Arial"/>
+              <a:defRPr sz="1400" b="0" i="0" u="none" strike="noStrike" cap="none">
+                <a:solidFill>
+                  <a:srgbClr val="000000"/>
+                </a:solidFill>
+                <a:latin typeface="Arial"/>
+                <a:ea typeface="Arial"/>
+                <a:cs typeface="Arial"/>
+                <a:sym typeface="Arial"/>
+              </a:defRPr>
+            </a:lvl3pPr>
+            <a:lvl4pPr marR="0" lvl="3" algn="l" rtl="0">
+              <a:lnSpc>
+                <a:spcPct val="100000"/>
+              </a:lnSpc>
+              <a:spcBef>
+                <a:spcPts val="0"/>
+              </a:spcBef>
+              <a:spcAft>
+                <a:spcPts val="0"/>
+              </a:spcAft>
+              <a:buClr>
+                <a:srgbClr val="000000"/>
+              </a:buClr>
+              <a:buFont typeface="Arial"/>
+              <a:defRPr sz="1400" b="0" i="0" u="none" strike="noStrike" cap="none">
+                <a:solidFill>
+                  <a:srgbClr val="000000"/>
+                </a:solidFill>
+                <a:latin typeface="Arial"/>
+                <a:ea typeface="Arial"/>
+                <a:cs typeface="Arial"/>
+                <a:sym typeface="Arial"/>
+              </a:defRPr>
+            </a:lvl4pPr>
+            <a:lvl5pPr marR="0" lvl="4" algn="l" rtl="0">
+              <a:lnSpc>
+                <a:spcPct val="100000"/>
+              </a:lnSpc>
+              <a:spcBef>
+                <a:spcPts val="0"/>
+              </a:spcBef>
+              <a:spcAft>
+                <a:spcPts val="0"/>
+              </a:spcAft>
+              <a:buClr>
+                <a:srgbClr val="000000"/>
+              </a:buClr>
+              <a:buFont typeface="Arial"/>
+              <a:defRPr sz="1400" b="0" i="0" u="none" strike="noStrike" cap="none">
+                <a:solidFill>
+                  <a:srgbClr val="000000"/>
+                </a:solidFill>
+                <a:latin typeface="Arial"/>
+                <a:ea typeface="Arial"/>
+                <a:cs typeface="Arial"/>
+                <a:sym typeface="Arial"/>
+              </a:defRPr>
+            </a:lvl5pPr>
+            <a:lvl6pPr marR="0" lvl="5" algn="l" rtl="0">
+              <a:lnSpc>
+                <a:spcPct val="100000"/>
+              </a:lnSpc>
+              <a:spcBef>
+                <a:spcPts val="0"/>
+              </a:spcBef>
+              <a:spcAft>
+                <a:spcPts val="0"/>
+              </a:spcAft>
+              <a:buClr>
+                <a:srgbClr val="000000"/>
+              </a:buClr>
+              <a:buFont typeface="Arial"/>
+              <a:defRPr sz="1400" b="0" i="0" u="none" strike="noStrike" cap="none">
+                <a:solidFill>
+                  <a:srgbClr val="000000"/>
+                </a:solidFill>
+                <a:latin typeface="Arial"/>
+                <a:ea typeface="Arial"/>
+                <a:cs typeface="Arial"/>
+                <a:sym typeface="Arial"/>
+              </a:defRPr>
+            </a:lvl6pPr>
+            <a:lvl7pPr marR="0" lvl="6" algn="l" rtl="0">
+              <a:lnSpc>
+                <a:spcPct val="100000"/>
+              </a:lnSpc>
+              <a:spcBef>
+                <a:spcPts val="0"/>
+              </a:spcBef>
+              <a:spcAft>
+                <a:spcPts val="0"/>
+              </a:spcAft>
+              <a:buClr>
+                <a:srgbClr val="000000"/>
+              </a:buClr>
+              <a:buFont typeface="Arial"/>
+              <a:defRPr sz="1400" b="0" i="0" u="none" strike="noStrike" cap="none">
+                <a:solidFill>
+                  <a:srgbClr val="000000"/>
+                </a:solidFill>
+                <a:latin typeface="Arial"/>
+                <a:ea typeface="Arial"/>
+                <a:cs typeface="Arial"/>
+                <a:sym typeface="Arial"/>
+              </a:defRPr>
+            </a:lvl7pPr>
+            <a:lvl8pPr marR="0" lvl="7" algn="l" rtl="0">
+              <a:lnSpc>
+                <a:spcPct val="100000"/>
+              </a:lnSpc>
+              <a:spcBef>
+                <a:spcPts val="0"/>
+              </a:spcBef>
+              <a:spcAft>
+                <a:spcPts val="0"/>
+              </a:spcAft>
+              <a:buClr>
+                <a:srgbClr val="000000"/>
+              </a:buClr>
+              <a:buFont typeface="Arial"/>
+              <a:defRPr sz="1400" b="0" i="0" u="none" strike="noStrike" cap="none">
+                <a:solidFill>
+                  <a:srgbClr val="000000"/>
+                </a:solidFill>
+                <a:latin typeface="Arial"/>
+                <a:ea typeface="Arial"/>
+                <a:cs typeface="Arial"/>
+                <a:sym typeface="Arial"/>
+              </a:defRPr>
+            </a:lvl8pPr>
+            <a:lvl9pPr marR="0" lvl="8" algn="l" rtl="0">
+              <a:lnSpc>
+                <a:spcPct val="100000"/>
+              </a:lnSpc>
+              <a:spcBef>
+                <a:spcPts val="0"/>
+              </a:spcBef>
+              <a:spcAft>
+                <a:spcPts val="0"/>
+              </a:spcAft>
+              <a:buClr>
+                <a:srgbClr val="000000"/>
+              </a:buClr>
+              <a:buFont typeface="Arial"/>
+              <a:defRPr sz="1400" b="0" i="0" u="none" strike="noStrike" cap="none">
+                <a:solidFill>
+                  <a:srgbClr val="000000"/>
+                </a:solidFill>
+                <a:latin typeface="Arial"/>
+                <a:ea typeface="Arial"/>
+                <a:cs typeface="Arial"/>
+                <a:sym typeface="Arial"/>
+              </a:defRPr>
+            </a:lvl9pPr>
+          </a:lstStyle>
+          <a:p>
+            <a:r>
+              <a:rPr lang="en-US" i="1" dirty="0">
+                <a:solidFill>
+                  <a:schemeClr val="tx1"/>
+                </a:solidFill>
+                <a:latin typeface="Montserrat "/>
+                <a:cs typeface="Times New Roman" panose="02020603050405020304" pitchFamily="18" charset="0"/>
+              </a:rPr>
+              <a:t>Mô hình dữ liệu mức quan niệm (CDM) (trang 31)</a:t>
+            </a:r>
+            <a:endParaRPr lang="en-US" dirty="0">
+              <a:latin typeface="Montserrat "/>
+            </a:endParaRPr>
+          </a:p>
+        </p:txBody>
+      </p:sp>
+      <p:pic>
+        <p:nvPicPr>
+          <p:cNvPr id="6" name="Picture 5">
+            <a:extLst>
+              <a:ext uri="{FF2B5EF4-FFF2-40B4-BE49-F238E27FC236}">
+                <a16:creationId xmlns:a16="http://schemas.microsoft.com/office/drawing/2014/main" id="{6D698042-63AD-478E-A42E-029A1CE09E65}"/>
+              </a:ext>
+            </a:extLst>
+          </p:cNvPr>
+          <p:cNvPicPr>
+            <a:picLocks noChangeAspect="1"/>
+          </p:cNvPicPr>
+          <p:nvPr/>
+        </p:nvPicPr>
+        <p:blipFill>
+          <a:blip r:embed="rId2"/>
+          <a:stretch>
+            <a:fillRect/>
+          </a:stretch>
+        </p:blipFill>
+        <p:spPr>
+          <a:xfrm>
+            <a:off x="2875328" y="1499879"/>
+            <a:ext cx="3317855" cy="3040220"/>
+          </a:xfrm>
+          <a:prstGeom prst="rect">
+            <a:avLst/>
+          </a:prstGeom>
+        </p:spPr>
+      </p:pic>
+    </p:spTree>
+    <p:extLst>
+      <p:ext uri="{BB962C8B-B14F-4D97-AF65-F5344CB8AC3E}">
+        <p14:creationId xmlns:p14="http://schemas.microsoft.com/office/powerpoint/2010/main" val="1869140198"/>
+      </p:ext>
+    </p:extLst>
+  </p:cSld>
+  <p:clrMapOvr>
+    <a:masterClrMapping/>
+  </p:clrMapOvr>
+</p:sld>
+</file>
+
+<file path=ppt/slides/slide17.xml><?xml version="1.0" encoding="utf-8"?>
+<p:sld xmlns:a="http://schemas.openxmlformats.org/drawingml/2006/main" xmlns:r="http://schemas.openxmlformats.org/officeDocument/2006/relationships" xmlns:p="http://schemas.openxmlformats.org/presentationml/2006/main">
+  <p:cSld>
+    <p:spTree>
+      <p:nvGrpSpPr>
+        <p:cNvPr id="1" name=""/>
+        <p:cNvGrpSpPr/>
+        <p:nvPr/>
+      </p:nvGrpSpPr>
+      <p:grpSpPr>
+        <a:xfrm>
+          <a:off x="0" y="0"/>
+          <a:ext cx="0" cy="0"/>
+          <a:chOff x="0" y="0"/>
+          <a:chExt cx="0" cy="0"/>
+        </a:xfrm>
+      </p:grpSpPr>
+      <p:sp>
+        <p:nvSpPr>
+          <p:cNvPr id="4" name="Title 3">
+            <a:extLst>
+              <a:ext uri="{FF2B5EF4-FFF2-40B4-BE49-F238E27FC236}">
+                <a16:creationId xmlns:a16="http://schemas.microsoft.com/office/drawing/2014/main" id="{72EF1456-7EBC-43D3-82FF-0972040834A4}"/>
+              </a:ext>
+            </a:extLst>
+          </p:cNvPr>
+          <p:cNvSpPr>
+            <a:spLocks noGrp="1"/>
+          </p:cNvSpPr>
+          <p:nvPr>
+            <p:ph type="ctrTitle"/>
+          </p:nvPr>
+        </p:nvSpPr>
+        <p:spPr/>
+        <p:txBody>
+          <a:bodyPr/>
+          <a:lstStyle/>
+          <a:p>
+            <a:r>
+              <a:rPr lang="en-US" b="1" dirty="0"/>
+              <a:t>2. Nội dung và kết quả</a:t>
+            </a:r>
+          </a:p>
+        </p:txBody>
+      </p:sp>
+      <p:sp>
+        <p:nvSpPr>
+          <p:cNvPr id="5" name="Text Placeholder 3">
+            <a:extLst>
+              <a:ext uri="{FF2B5EF4-FFF2-40B4-BE49-F238E27FC236}">
+                <a16:creationId xmlns:a16="http://schemas.microsoft.com/office/drawing/2014/main" id="{2A31BA36-AD2E-4CD3-A1D5-8CFF0DB3D1EA}"/>
+              </a:ext>
+            </a:extLst>
+          </p:cNvPr>
+          <p:cNvSpPr txBox="1">
+            <a:spLocks/>
+          </p:cNvSpPr>
+          <p:nvPr/>
+        </p:nvSpPr>
+        <p:spPr>
+          <a:xfrm>
+            <a:off x="1258350" y="1103685"/>
+            <a:ext cx="6856950" cy="3347610"/>
+          </a:xfrm>
+          <a:prstGeom prst="rect">
+            <a:avLst/>
+          </a:prstGeom>
+        </p:spPr>
+        <p:txBody>
+          <a:bodyPr/>
+          <a:lstStyle>
+            <a:defPPr marR="0" lvl="0" algn="l" rtl="0">
+              <a:lnSpc>
+                <a:spcPct val="100000"/>
+              </a:lnSpc>
+              <a:spcBef>
+                <a:spcPts val="0"/>
+              </a:spcBef>
+              <a:spcAft>
+                <a:spcPts val="0"/>
+              </a:spcAft>
+            </a:defPPr>
+            <a:lvl1pPr marR="0" lvl="0" algn="l" rtl="0">
+              <a:lnSpc>
+                <a:spcPct val="100000"/>
+              </a:lnSpc>
+              <a:spcBef>
+                <a:spcPts val="0"/>
+              </a:spcBef>
+              <a:spcAft>
+                <a:spcPts val="0"/>
+              </a:spcAft>
+              <a:buClr>
+                <a:srgbClr val="000000"/>
+              </a:buClr>
+              <a:buFont typeface="Arial"/>
+              <a:defRPr sz="1400" b="0" i="0" u="none" strike="noStrike" cap="none">
+                <a:solidFill>
+                  <a:srgbClr val="000000"/>
+                </a:solidFill>
+                <a:latin typeface="Arial"/>
+                <a:ea typeface="Arial"/>
+                <a:cs typeface="Arial"/>
+                <a:sym typeface="Arial"/>
+              </a:defRPr>
+            </a:lvl1pPr>
+            <a:lvl2pPr marR="0" lvl="1" algn="l" rtl="0">
+              <a:lnSpc>
+                <a:spcPct val="100000"/>
+              </a:lnSpc>
+              <a:spcBef>
+                <a:spcPts val="0"/>
+              </a:spcBef>
+              <a:spcAft>
+                <a:spcPts val="0"/>
+              </a:spcAft>
+              <a:buClr>
+                <a:srgbClr val="000000"/>
+              </a:buClr>
+              <a:buFont typeface="Arial"/>
+              <a:defRPr sz="1400" b="0" i="0" u="none" strike="noStrike" cap="none">
+                <a:solidFill>
+                  <a:srgbClr val="000000"/>
+                </a:solidFill>
+                <a:latin typeface="Arial"/>
+                <a:ea typeface="Arial"/>
+                <a:cs typeface="Arial"/>
+                <a:sym typeface="Arial"/>
+              </a:defRPr>
+            </a:lvl2pPr>
+            <a:lvl3pPr marR="0" lvl="2" algn="l" rtl="0">
+              <a:lnSpc>
+                <a:spcPct val="100000"/>
+              </a:lnSpc>
+              <a:spcBef>
+                <a:spcPts val="0"/>
+              </a:spcBef>
+              <a:spcAft>
+                <a:spcPts val="0"/>
+              </a:spcAft>
+              <a:buClr>
+                <a:srgbClr val="000000"/>
+              </a:buClr>
+              <a:buFont typeface="Arial"/>
+              <a:defRPr sz="1400" b="0" i="0" u="none" strike="noStrike" cap="none">
+                <a:solidFill>
+                  <a:srgbClr val="000000"/>
+                </a:solidFill>
+                <a:latin typeface="Arial"/>
+                <a:ea typeface="Arial"/>
+                <a:cs typeface="Arial"/>
+                <a:sym typeface="Arial"/>
+              </a:defRPr>
+            </a:lvl3pPr>
+            <a:lvl4pPr marR="0" lvl="3" algn="l" rtl="0">
+              <a:lnSpc>
+                <a:spcPct val="100000"/>
+              </a:lnSpc>
+              <a:spcBef>
+                <a:spcPts val="0"/>
+              </a:spcBef>
+              <a:spcAft>
+                <a:spcPts val="0"/>
+              </a:spcAft>
+              <a:buClr>
+                <a:srgbClr val="000000"/>
+              </a:buClr>
+              <a:buFont typeface="Arial"/>
+              <a:defRPr sz="1400" b="0" i="0" u="none" strike="noStrike" cap="none">
+                <a:solidFill>
+                  <a:srgbClr val="000000"/>
+                </a:solidFill>
+                <a:latin typeface="Arial"/>
+                <a:ea typeface="Arial"/>
+                <a:cs typeface="Arial"/>
+                <a:sym typeface="Arial"/>
+              </a:defRPr>
+            </a:lvl4pPr>
+            <a:lvl5pPr marR="0" lvl="4" algn="l" rtl="0">
+              <a:lnSpc>
+                <a:spcPct val="100000"/>
+              </a:lnSpc>
+              <a:spcBef>
+                <a:spcPts val="0"/>
+              </a:spcBef>
+              <a:spcAft>
+                <a:spcPts val="0"/>
+              </a:spcAft>
+              <a:buClr>
+                <a:srgbClr val="000000"/>
+              </a:buClr>
+              <a:buFont typeface="Arial"/>
+              <a:defRPr sz="1400" b="0" i="0" u="none" strike="noStrike" cap="none">
+                <a:solidFill>
+                  <a:srgbClr val="000000"/>
+                </a:solidFill>
+                <a:latin typeface="Arial"/>
+                <a:ea typeface="Arial"/>
+                <a:cs typeface="Arial"/>
+                <a:sym typeface="Arial"/>
+              </a:defRPr>
+            </a:lvl5pPr>
+            <a:lvl6pPr marR="0" lvl="5" algn="l" rtl="0">
+              <a:lnSpc>
+                <a:spcPct val="100000"/>
+              </a:lnSpc>
+              <a:spcBef>
+                <a:spcPts val="0"/>
+              </a:spcBef>
+              <a:spcAft>
+                <a:spcPts val="0"/>
+              </a:spcAft>
+              <a:buClr>
+                <a:srgbClr val="000000"/>
+              </a:buClr>
+              <a:buFont typeface="Arial"/>
+              <a:defRPr sz="1400" b="0" i="0" u="none" strike="noStrike" cap="none">
+                <a:solidFill>
+                  <a:srgbClr val="000000"/>
+                </a:solidFill>
+                <a:latin typeface="Arial"/>
+                <a:ea typeface="Arial"/>
+                <a:cs typeface="Arial"/>
+                <a:sym typeface="Arial"/>
+              </a:defRPr>
+            </a:lvl6pPr>
+            <a:lvl7pPr marR="0" lvl="6" algn="l" rtl="0">
+              <a:lnSpc>
+                <a:spcPct val="100000"/>
+              </a:lnSpc>
+              <a:spcBef>
+                <a:spcPts val="0"/>
+              </a:spcBef>
+              <a:spcAft>
+                <a:spcPts val="0"/>
+              </a:spcAft>
+              <a:buClr>
+                <a:srgbClr val="000000"/>
+              </a:buClr>
+              <a:buFont typeface="Arial"/>
+              <a:defRPr sz="1400" b="0" i="0" u="none" strike="noStrike" cap="none">
+                <a:solidFill>
+                  <a:srgbClr val="000000"/>
+                </a:solidFill>
+                <a:latin typeface="Arial"/>
+                <a:ea typeface="Arial"/>
+                <a:cs typeface="Arial"/>
+                <a:sym typeface="Arial"/>
+              </a:defRPr>
+            </a:lvl7pPr>
+            <a:lvl8pPr marR="0" lvl="7" algn="l" rtl="0">
+              <a:lnSpc>
+                <a:spcPct val="100000"/>
+              </a:lnSpc>
+              <a:spcBef>
+                <a:spcPts val="0"/>
+              </a:spcBef>
+              <a:spcAft>
+                <a:spcPts val="0"/>
+              </a:spcAft>
+              <a:buClr>
+                <a:srgbClr val="000000"/>
+              </a:buClr>
+              <a:buFont typeface="Arial"/>
+              <a:defRPr sz="1400" b="0" i="0" u="none" strike="noStrike" cap="none">
+                <a:solidFill>
+                  <a:srgbClr val="000000"/>
+                </a:solidFill>
+                <a:latin typeface="Arial"/>
+                <a:ea typeface="Arial"/>
+                <a:cs typeface="Arial"/>
+                <a:sym typeface="Arial"/>
+              </a:defRPr>
+            </a:lvl8pPr>
+            <a:lvl9pPr marR="0" lvl="8" algn="l" rtl="0">
+              <a:lnSpc>
+                <a:spcPct val="100000"/>
+              </a:lnSpc>
+              <a:spcBef>
+                <a:spcPts val="0"/>
+              </a:spcBef>
+              <a:spcAft>
+                <a:spcPts val="0"/>
+              </a:spcAft>
+              <a:buClr>
+                <a:srgbClr val="000000"/>
+              </a:buClr>
+              <a:buFont typeface="Arial"/>
+              <a:defRPr sz="1400" b="0" i="0" u="none" strike="noStrike" cap="none">
+                <a:solidFill>
+                  <a:srgbClr val="000000"/>
+                </a:solidFill>
+                <a:latin typeface="Arial"/>
+                <a:ea typeface="Arial"/>
+                <a:cs typeface="Arial"/>
+                <a:sym typeface="Arial"/>
+              </a:defRPr>
+            </a:lvl9pPr>
+          </a:lstStyle>
+          <a:p>
+            <a:r>
+              <a:rPr lang="en-US" sz="2000" b="1" dirty="0">
+                <a:solidFill>
+                  <a:srgbClr val="3E516C"/>
+                </a:solidFill>
+                <a:latin typeface="Montserrat" panose="00000500000000000000" pitchFamily="2" charset="0"/>
+              </a:rPr>
+              <a:t>3. Thiết kế mô hình</a:t>
+            </a:r>
+          </a:p>
+          <a:p>
+            <a:endParaRPr lang="en-US" dirty="0"/>
+          </a:p>
+        </p:txBody>
+      </p:sp>
+      <p:sp>
+        <p:nvSpPr>
+          <p:cNvPr id="2" name="Slide Number Placeholder 1">
+            <a:extLst>
+              <a:ext uri="{FF2B5EF4-FFF2-40B4-BE49-F238E27FC236}">
+                <a16:creationId xmlns:a16="http://schemas.microsoft.com/office/drawing/2014/main" id="{917892FE-64D4-4E41-8C1A-708B08D55C50}"/>
+              </a:ext>
+            </a:extLst>
+          </p:cNvPr>
+          <p:cNvSpPr>
+            <a:spLocks noGrp="1"/>
+          </p:cNvSpPr>
+          <p:nvPr>
+            <p:ph type="sldNum" idx="12"/>
+          </p:nvPr>
+        </p:nvSpPr>
+        <p:spPr/>
+        <p:txBody>
+          <a:bodyPr/>
+          <a:lstStyle/>
+          <a:p>
+            <a:pPr marL="0" lvl="0" indent="0" algn="l" rtl="0">
+              <a:spcBef>
+                <a:spcPts val="0"/>
+              </a:spcBef>
+              <a:spcAft>
+                <a:spcPts val="0"/>
+              </a:spcAft>
+              <a:buNone/>
+            </a:pPr>
+            <a:fld id="{00000000-1234-1234-1234-123412341234}" type="slidenum">
+              <a:rPr lang="es" smtClean="0">
+                <a:solidFill>
+                  <a:schemeClr val="bg1"/>
+                </a:solidFill>
+              </a:rPr>
+              <a:t>17</a:t>
+            </a:fld>
+            <a:endParaRPr lang="es" dirty="0">
+              <a:solidFill>
+                <a:schemeClr val="bg1"/>
+              </a:solidFill>
+            </a:endParaRPr>
+          </a:p>
+        </p:txBody>
+      </p:sp>
+      <p:sp>
+        <p:nvSpPr>
+          <p:cNvPr id="8" name="Text Placeholder 3">
+            <a:extLst>
+              <a:ext uri="{FF2B5EF4-FFF2-40B4-BE49-F238E27FC236}">
+                <a16:creationId xmlns:a16="http://schemas.microsoft.com/office/drawing/2014/main" id="{1B6F0749-6199-47FF-9307-12A234F61EA9}"/>
+              </a:ext>
+            </a:extLst>
+          </p:cNvPr>
+          <p:cNvSpPr txBox="1">
+            <a:spLocks/>
+          </p:cNvSpPr>
+          <p:nvPr/>
+        </p:nvSpPr>
+        <p:spPr>
+          <a:xfrm>
             <a:off x="2381387" y="4663913"/>
             <a:ext cx="4118089" cy="458415"/>
           </a:xfrm>
@@ -16126,7 +17426,7 @@
 </p:sld>
 </file>
 
-<file path=ppt/slides/slide17.xml><?xml version="1.0" encoding="utf-8"?>
+<file path=ppt/slides/slide18.xml><?xml version="1.0" encoding="utf-8"?>
 <p:sld xmlns:a="http://schemas.openxmlformats.org/drawingml/2006/main" xmlns:r="http://schemas.openxmlformats.org/officeDocument/2006/relationships" xmlns:p="http://schemas.openxmlformats.org/presentationml/2006/main">
   <p:cSld>
     <p:spTree>
@@ -16867,7 +18167,7 @@
               <a:rPr lang="es" smtClean="0">
                 <a:latin typeface="Montserrat "/>
               </a:rPr>
-              <a:t>17</a:t>
+              <a:t>18</a:t>
             </a:fld>
             <a:endParaRPr lang="es">
               <a:latin typeface="Montserrat "/>
@@ -16879,2295 +18179,6 @@
     <p:extLst>
       <p:ext uri="{BB962C8B-B14F-4D97-AF65-F5344CB8AC3E}">
         <p14:creationId xmlns:p14="http://schemas.microsoft.com/office/powerpoint/2010/main" val="676921729"/>
-      </p:ext>
-    </p:extLst>
-  </p:cSld>
-  <p:clrMapOvr>
-    <a:masterClrMapping/>
-  </p:clrMapOvr>
-</p:sld>
-</file>
-
-<file path=ppt/slides/slide18.xml><?xml version="1.0" encoding="utf-8"?>
-<p:sld xmlns:a="http://schemas.openxmlformats.org/drawingml/2006/main" xmlns:r="http://schemas.openxmlformats.org/officeDocument/2006/relationships" xmlns:p="http://schemas.openxmlformats.org/presentationml/2006/main">
-  <p:cSld>
-    <p:spTree>
-      <p:nvGrpSpPr>
-        <p:cNvPr id="1" name=""/>
-        <p:cNvGrpSpPr/>
-        <p:nvPr/>
-      </p:nvGrpSpPr>
-      <p:grpSpPr>
-        <a:xfrm>
-          <a:off x="0" y="0"/>
-          <a:ext cx="0" cy="0"/>
-          <a:chOff x="0" y="0"/>
-          <a:chExt cx="0" cy="0"/>
-        </a:xfrm>
-      </p:grpSpPr>
-      <p:sp>
-        <p:nvSpPr>
-          <p:cNvPr id="4" name="Title 3">
-            <a:extLst>
-              <a:ext uri="{FF2B5EF4-FFF2-40B4-BE49-F238E27FC236}">
-                <a16:creationId xmlns:a16="http://schemas.microsoft.com/office/drawing/2014/main" id="{72EF1456-7EBC-43D3-82FF-0972040834A4}"/>
-              </a:ext>
-            </a:extLst>
-          </p:cNvPr>
-          <p:cNvSpPr>
-            <a:spLocks noGrp="1"/>
-          </p:cNvSpPr>
-          <p:nvPr>
-            <p:ph type="ctrTitle"/>
-          </p:nvPr>
-        </p:nvSpPr>
-        <p:spPr/>
-        <p:txBody>
-          <a:bodyPr/>
-          <a:lstStyle/>
-          <a:p>
-            <a:r>
-              <a:rPr lang="en-US" b="1" dirty="0"/>
-              <a:t>3. Kết luận và hướng phát triển</a:t>
-            </a:r>
-          </a:p>
-        </p:txBody>
-      </p:sp>
-      <p:sp>
-        <p:nvSpPr>
-          <p:cNvPr id="5" name="Text Placeholder 3">
-            <a:extLst>
-              <a:ext uri="{FF2B5EF4-FFF2-40B4-BE49-F238E27FC236}">
-                <a16:creationId xmlns:a16="http://schemas.microsoft.com/office/drawing/2014/main" id="{2A31BA36-AD2E-4CD3-A1D5-8CFF0DB3D1EA}"/>
-              </a:ext>
-            </a:extLst>
-          </p:cNvPr>
-          <p:cNvSpPr txBox="1">
-            <a:spLocks/>
-          </p:cNvSpPr>
-          <p:nvPr/>
-        </p:nvSpPr>
-        <p:spPr>
-          <a:xfrm>
-            <a:off x="1258350" y="1069411"/>
-            <a:ext cx="6856950" cy="3347610"/>
-          </a:xfrm>
-          <a:prstGeom prst="rect">
-            <a:avLst/>
-          </a:prstGeom>
-        </p:spPr>
-        <p:txBody>
-          <a:bodyPr/>
-          <a:lstStyle>
-            <a:defPPr marR="0" lvl="0" algn="l" rtl="0">
-              <a:lnSpc>
-                <a:spcPct val="100000"/>
-              </a:lnSpc>
-              <a:spcBef>
-                <a:spcPts val="0"/>
-              </a:spcBef>
-              <a:spcAft>
-                <a:spcPts val="0"/>
-              </a:spcAft>
-            </a:defPPr>
-            <a:lvl1pPr marR="0" lvl="0" algn="l" rtl="0">
-              <a:lnSpc>
-                <a:spcPct val="100000"/>
-              </a:lnSpc>
-              <a:spcBef>
-                <a:spcPts val="0"/>
-              </a:spcBef>
-              <a:spcAft>
-                <a:spcPts val="0"/>
-              </a:spcAft>
-              <a:buClr>
-                <a:srgbClr val="000000"/>
-              </a:buClr>
-              <a:buFont typeface="Arial"/>
-              <a:defRPr sz="1400" b="0" i="0" u="none" strike="noStrike" cap="none">
-                <a:solidFill>
-                  <a:srgbClr val="000000"/>
-                </a:solidFill>
-                <a:latin typeface="Arial"/>
-                <a:ea typeface="Arial"/>
-                <a:cs typeface="Arial"/>
-                <a:sym typeface="Arial"/>
-              </a:defRPr>
-            </a:lvl1pPr>
-            <a:lvl2pPr marR="0" lvl="1" algn="l" rtl="0">
-              <a:lnSpc>
-                <a:spcPct val="100000"/>
-              </a:lnSpc>
-              <a:spcBef>
-                <a:spcPts val="0"/>
-              </a:spcBef>
-              <a:spcAft>
-                <a:spcPts val="0"/>
-              </a:spcAft>
-              <a:buClr>
-                <a:srgbClr val="000000"/>
-              </a:buClr>
-              <a:buFont typeface="Arial"/>
-              <a:defRPr sz="1400" b="0" i="0" u="none" strike="noStrike" cap="none">
-                <a:solidFill>
-                  <a:srgbClr val="000000"/>
-                </a:solidFill>
-                <a:latin typeface="Arial"/>
-                <a:ea typeface="Arial"/>
-                <a:cs typeface="Arial"/>
-                <a:sym typeface="Arial"/>
-              </a:defRPr>
-            </a:lvl2pPr>
-            <a:lvl3pPr marR="0" lvl="2" algn="l" rtl="0">
-              <a:lnSpc>
-                <a:spcPct val="100000"/>
-              </a:lnSpc>
-              <a:spcBef>
-                <a:spcPts val="0"/>
-              </a:spcBef>
-              <a:spcAft>
-                <a:spcPts val="0"/>
-              </a:spcAft>
-              <a:buClr>
-                <a:srgbClr val="000000"/>
-              </a:buClr>
-              <a:buFont typeface="Arial"/>
-              <a:defRPr sz="1400" b="0" i="0" u="none" strike="noStrike" cap="none">
-                <a:solidFill>
-                  <a:srgbClr val="000000"/>
-                </a:solidFill>
-                <a:latin typeface="Arial"/>
-                <a:ea typeface="Arial"/>
-                <a:cs typeface="Arial"/>
-                <a:sym typeface="Arial"/>
-              </a:defRPr>
-            </a:lvl3pPr>
-            <a:lvl4pPr marR="0" lvl="3" algn="l" rtl="0">
-              <a:lnSpc>
-                <a:spcPct val="100000"/>
-              </a:lnSpc>
-              <a:spcBef>
-                <a:spcPts val="0"/>
-              </a:spcBef>
-              <a:spcAft>
-                <a:spcPts val="0"/>
-              </a:spcAft>
-              <a:buClr>
-                <a:srgbClr val="000000"/>
-              </a:buClr>
-              <a:buFont typeface="Arial"/>
-              <a:defRPr sz="1400" b="0" i="0" u="none" strike="noStrike" cap="none">
-                <a:solidFill>
-                  <a:srgbClr val="000000"/>
-                </a:solidFill>
-                <a:latin typeface="Arial"/>
-                <a:ea typeface="Arial"/>
-                <a:cs typeface="Arial"/>
-                <a:sym typeface="Arial"/>
-              </a:defRPr>
-            </a:lvl4pPr>
-            <a:lvl5pPr marR="0" lvl="4" algn="l" rtl="0">
-              <a:lnSpc>
-                <a:spcPct val="100000"/>
-              </a:lnSpc>
-              <a:spcBef>
-                <a:spcPts val="0"/>
-              </a:spcBef>
-              <a:spcAft>
-                <a:spcPts val="0"/>
-              </a:spcAft>
-              <a:buClr>
-                <a:srgbClr val="000000"/>
-              </a:buClr>
-              <a:buFont typeface="Arial"/>
-              <a:defRPr sz="1400" b="0" i="0" u="none" strike="noStrike" cap="none">
-                <a:solidFill>
-                  <a:srgbClr val="000000"/>
-                </a:solidFill>
-                <a:latin typeface="Arial"/>
-                <a:ea typeface="Arial"/>
-                <a:cs typeface="Arial"/>
-                <a:sym typeface="Arial"/>
-              </a:defRPr>
-            </a:lvl5pPr>
-            <a:lvl6pPr marR="0" lvl="5" algn="l" rtl="0">
-              <a:lnSpc>
-                <a:spcPct val="100000"/>
-              </a:lnSpc>
-              <a:spcBef>
-                <a:spcPts val="0"/>
-              </a:spcBef>
-              <a:spcAft>
-                <a:spcPts val="0"/>
-              </a:spcAft>
-              <a:buClr>
-                <a:srgbClr val="000000"/>
-              </a:buClr>
-              <a:buFont typeface="Arial"/>
-              <a:defRPr sz="1400" b="0" i="0" u="none" strike="noStrike" cap="none">
-                <a:solidFill>
-                  <a:srgbClr val="000000"/>
-                </a:solidFill>
-                <a:latin typeface="Arial"/>
-                <a:ea typeface="Arial"/>
-                <a:cs typeface="Arial"/>
-                <a:sym typeface="Arial"/>
-              </a:defRPr>
-            </a:lvl6pPr>
-            <a:lvl7pPr marR="0" lvl="6" algn="l" rtl="0">
-              <a:lnSpc>
-                <a:spcPct val="100000"/>
-              </a:lnSpc>
-              <a:spcBef>
-                <a:spcPts val="0"/>
-              </a:spcBef>
-              <a:spcAft>
-                <a:spcPts val="0"/>
-              </a:spcAft>
-              <a:buClr>
-                <a:srgbClr val="000000"/>
-              </a:buClr>
-              <a:buFont typeface="Arial"/>
-              <a:defRPr sz="1400" b="0" i="0" u="none" strike="noStrike" cap="none">
-                <a:solidFill>
-                  <a:srgbClr val="000000"/>
-                </a:solidFill>
-                <a:latin typeface="Arial"/>
-                <a:ea typeface="Arial"/>
-                <a:cs typeface="Arial"/>
-                <a:sym typeface="Arial"/>
-              </a:defRPr>
-            </a:lvl7pPr>
-            <a:lvl8pPr marR="0" lvl="7" algn="l" rtl="0">
-              <a:lnSpc>
-                <a:spcPct val="100000"/>
-              </a:lnSpc>
-              <a:spcBef>
-                <a:spcPts val="0"/>
-              </a:spcBef>
-              <a:spcAft>
-                <a:spcPts val="0"/>
-              </a:spcAft>
-              <a:buClr>
-                <a:srgbClr val="000000"/>
-              </a:buClr>
-              <a:buFont typeface="Arial"/>
-              <a:defRPr sz="1400" b="0" i="0" u="none" strike="noStrike" cap="none">
-                <a:solidFill>
-                  <a:srgbClr val="000000"/>
-                </a:solidFill>
-                <a:latin typeface="Arial"/>
-                <a:ea typeface="Arial"/>
-                <a:cs typeface="Arial"/>
-                <a:sym typeface="Arial"/>
-              </a:defRPr>
-            </a:lvl8pPr>
-            <a:lvl9pPr marR="0" lvl="8" algn="l" rtl="0">
-              <a:lnSpc>
-                <a:spcPct val="100000"/>
-              </a:lnSpc>
-              <a:spcBef>
-                <a:spcPts val="0"/>
-              </a:spcBef>
-              <a:spcAft>
-                <a:spcPts val="0"/>
-              </a:spcAft>
-              <a:buClr>
-                <a:srgbClr val="000000"/>
-              </a:buClr>
-              <a:buFont typeface="Arial"/>
-              <a:defRPr sz="1400" b="0" i="0" u="none" strike="noStrike" cap="none">
-                <a:solidFill>
-                  <a:srgbClr val="000000"/>
-                </a:solidFill>
-                <a:latin typeface="Arial"/>
-                <a:ea typeface="Arial"/>
-                <a:cs typeface="Arial"/>
-                <a:sym typeface="Arial"/>
-              </a:defRPr>
-            </a:lvl9pPr>
-          </a:lstStyle>
-          <a:p>
-            <a:r>
-              <a:rPr lang="en-US" sz="2000" b="1" dirty="0">
-                <a:solidFill>
-                  <a:srgbClr val="3E516C"/>
-                </a:solidFill>
-                <a:latin typeface="Montserrat" panose="00000500000000000000" pitchFamily="2" charset="0"/>
-              </a:rPr>
-              <a:t>1. Kết quả đạt được</a:t>
-            </a:r>
-          </a:p>
-          <a:p>
-            <a:endParaRPr lang="en-US" dirty="0"/>
-          </a:p>
-        </p:txBody>
-      </p:sp>
-      <p:sp>
-        <p:nvSpPr>
-          <p:cNvPr id="2" name="Slide Number Placeholder 1">
-            <a:extLst>
-              <a:ext uri="{FF2B5EF4-FFF2-40B4-BE49-F238E27FC236}">
-                <a16:creationId xmlns:a16="http://schemas.microsoft.com/office/drawing/2014/main" id="{4EFEAFB6-0195-4267-9DF2-8EFA713D655D}"/>
-              </a:ext>
-            </a:extLst>
-          </p:cNvPr>
-          <p:cNvSpPr>
-            <a:spLocks noGrp="1"/>
-          </p:cNvSpPr>
-          <p:nvPr>
-            <p:ph type="sldNum" idx="12"/>
-          </p:nvPr>
-        </p:nvSpPr>
-        <p:spPr/>
-        <p:txBody>
-          <a:bodyPr/>
-          <a:lstStyle/>
-          <a:p>
-            <a:pPr marL="0" lvl="0" indent="0" algn="l" rtl="0">
-              <a:spcBef>
-                <a:spcPts val="0"/>
-              </a:spcBef>
-              <a:spcAft>
-                <a:spcPts val="0"/>
-              </a:spcAft>
-              <a:buNone/>
-            </a:pPr>
-            <a:fld id="{00000000-1234-1234-1234-123412341234}" type="slidenum">
-              <a:rPr lang="es" smtClean="0">
-                <a:solidFill>
-                  <a:schemeClr val="bg1"/>
-                </a:solidFill>
-              </a:rPr>
-              <a:t>18</a:t>
-            </a:fld>
-            <a:endParaRPr lang="es" dirty="0">
-              <a:solidFill>
-                <a:schemeClr val="bg1"/>
-              </a:solidFill>
-            </a:endParaRPr>
-          </a:p>
-        </p:txBody>
-      </p:sp>
-      <p:sp>
-        <p:nvSpPr>
-          <p:cNvPr id="7" name="Google Shape;1146;p50">
-            <a:extLst>
-              <a:ext uri="{FF2B5EF4-FFF2-40B4-BE49-F238E27FC236}">
-                <a16:creationId xmlns:a16="http://schemas.microsoft.com/office/drawing/2014/main" id="{4895A29D-C5AD-4F12-95F5-D6700CCCD04F}"/>
-              </a:ext>
-            </a:extLst>
-          </p:cNvPr>
-          <p:cNvSpPr txBox="1">
-            <a:spLocks/>
-          </p:cNvSpPr>
-          <p:nvPr/>
-        </p:nvSpPr>
-        <p:spPr>
-          <a:xfrm>
-            <a:off x="1048400" y="1828800"/>
-            <a:ext cx="2112000" cy="1136100"/>
-          </a:xfrm>
-          <a:prstGeom prst="rect">
-            <a:avLst/>
-          </a:prstGeom>
-          <a:noFill/>
-          <a:ln>
-            <a:noFill/>
-          </a:ln>
-        </p:spPr>
-        <p:txBody>
-          <a:bodyPr spcFirstLastPara="1" wrap="square" lIns="91425" tIns="91425" rIns="91425" bIns="91425" anchor="t" anchorCtr="0">
-            <a:noAutofit/>
-          </a:bodyPr>
-          <a:lstStyle>
-            <a:defPPr marR="0" lvl="0" algn="l" rtl="0">
-              <a:lnSpc>
-                <a:spcPct val="100000"/>
-              </a:lnSpc>
-              <a:spcBef>
-                <a:spcPts val="0"/>
-              </a:spcBef>
-              <a:spcAft>
-                <a:spcPts val="0"/>
-              </a:spcAft>
-            </a:defPPr>
-            <a:lvl1pPr marL="457200" marR="0" lvl="0" indent="-330200" algn="l" rtl="0">
-              <a:lnSpc>
-                <a:spcPct val="115000"/>
-              </a:lnSpc>
-              <a:spcBef>
-                <a:spcPts val="0"/>
-              </a:spcBef>
-              <a:spcAft>
-                <a:spcPts val="0"/>
-              </a:spcAft>
-              <a:buClr>
-                <a:srgbClr val="E9AA1B"/>
-              </a:buClr>
-              <a:buSzPts val="1600"/>
-              <a:buFont typeface="Cabin"/>
-              <a:buChar char="●"/>
-              <a:defRPr sz="1600" b="0" i="0" u="none" strike="noStrike" cap="none">
-                <a:solidFill>
-                  <a:srgbClr val="999999"/>
-                </a:solidFill>
-                <a:latin typeface="Cabin"/>
-                <a:ea typeface="Cabin"/>
-                <a:cs typeface="Cabin"/>
-                <a:sym typeface="Cabin"/>
-              </a:defRPr>
-            </a:lvl1pPr>
-            <a:lvl2pPr marL="914400" marR="0" lvl="1" indent="-330200" algn="l" rtl="0">
-              <a:lnSpc>
-                <a:spcPct val="115000"/>
-              </a:lnSpc>
-              <a:spcBef>
-                <a:spcPts val="0"/>
-              </a:spcBef>
-              <a:spcAft>
-                <a:spcPts val="0"/>
-              </a:spcAft>
-              <a:buClr>
-                <a:srgbClr val="E9AA1B"/>
-              </a:buClr>
-              <a:buSzPts val="1600"/>
-              <a:buFont typeface="Cabin"/>
-              <a:buChar char="○"/>
-              <a:defRPr sz="1600" b="0" i="0" u="none" strike="noStrike" cap="none">
-                <a:solidFill>
-                  <a:srgbClr val="999999"/>
-                </a:solidFill>
-                <a:latin typeface="Cabin"/>
-                <a:ea typeface="Cabin"/>
-                <a:cs typeface="Cabin"/>
-                <a:sym typeface="Cabin"/>
-              </a:defRPr>
-            </a:lvl2pPr>
-            <a:lvl3pPr marL="1371600" marR="0" lvl="2" indent="-323850" algn="l" rtl="0">
-              <a:lnSpc>
-                <a:spcPct val="115000"/>
-              </a:lnSpc>
-              <a:spcBef>
-                <a:spcPts val="0"/>
-              </a:spcBef>
-              <a:spcAft>
-                <a:spcPts val="0"/>
-              </a:spcAft>
-              <a:buClr>
-                <a:srgbClr val="E9AA1B"/>
-              </a:buClr>
-              <a:buSzPts val="1500"/>
-              <a:buFont typeface="Cabin"/>
-              <a:buChar char="■"/>
-              <a:defRPr sz="1500" b="0" i="0" u="none" strike="noStrike" cap="none">
-                <a:solidFill>
-                  <a:srgbClr val="999999"/>
-                </a:solidFill>
-                <a:latin typeface="Cabin"/>
-                <a:ea typeface="Cabin"/>
-                <a:cs typeface="Cabin"/>
-                <a:sym typeface="Cabin"/>
-              </a:defRPr>
-            </a:lvl3pPr>
-            <a:lvl4pPr marL="1828800" marR="0" lvl="3" indent="-323850" algn="l" rtl="0">
-              <a:lnSpc>
-                <a:spcPct val="115000"/>
-              </a:lnSpc>
-              <a:spcBef>
-                <a:spcPts val="0"/>
-              </a:spcBef>
-              <a:spcAft>
-                <a:spcPts val="0"/>
-              </a:spcAft>
-              <a:buClr>
-                <a:srgbClr val="E9AA1B"/>
-              </a:buClr>
-              <a:buSzPts val="1500"/>
-              <a:buFont typeface="Cabin"/>
-              <a:buChar char="●"/>
-              <a:defRPr sz="1500" b="0" i="0" u="none" strike="noStrike" cap="none">
-                <a:solidFill>
-                  <a:srgbClr val="999999"/>
-                </a:solidFill>
-                <a:latin typeface="Cabin"/>
-                <a:ea typeface="Cabin"/>
-                <a:cs typeface="Cabin"/>
-                <a:sym typeface="Cabin"/>
-              </a:defRPr>
-            </a:lvl4pPr>
-            <a:lvl5pPr marL="2286000" marR="0" lvl="4" indent="-317500" algn="l" rtl="0">
-              <a:lnSpc>
-                <a:spcPct val="115000"/>
-              </a:lnSpc>
-              <a:spcBef>
-                <a:spcPts val="0"/>
-              </a:spcBef>
-              <a:spcAft>
-                <a:spcPts val="0"/>
-              </a:spcAft>
-              <a:buClr>
-                <a:srgbClr val="E9AA1B"/>
-              </a:buClr>
-              <a:buSzPts val="1400"/>
-              <a:buFont typeface="Cabin"/>
-              <a:buChar char="○"/>
-              <a:defRPr sz="1400" b="0" i="0" u="none" strike="noStrike" cap="none">
-                <a:solidFill>
-                  <a:srgbClr val="999999"/>
-                </a:solidFill>
-                <a:latin typeface="Cabin"/>
-                <a:ea typeface="Cabin"/>
-                <a:cs typeface="Cabin"/>
-                <a:sym typeface="Cabin"/>
-              </a:defRPr>
-            </a:lvl5pPr>
-            <a:lvl6pPr marL="2743200" marR="0" lvl="5" indent="-317500" algn="l" rtl="0">
-              <a:lnSpc>
-                <a:spcPct val="115000"/>
-              </a:lnSpc>
-              <a:spcBef>
-                <a:spcPts val="0"/>
-              </a:spcBef>
-              <a:spcAft>
-                <a:spcPts val="0"/>
-              </a:spcAft>
-              <a:buClr>
-                <a:srgbClr val="E9AA1B"/>
-              </a:buClr>
-              <a:buSzPts val="1400"/>
-              <a:buFont typeface="Cabin"/>
-              <a:buChar char="■"/>
-              <a:defRPr sz="1400" b="0" i="0" u="none" strike="noStrike" cap="none">
-                <a:solidFill>
-                  <a:srgbClr val="999999"/>
-                </a:solidFill>
-                <a:latin typeface="Cabin"/>
-                <a:ea typeface="Cabin"/>
-                <a:cs typeface="Cabin"/>
-                <a:sym typeface="Cabin"/>
-              </a:defRPr>
-            </a:lvl6pPr>
-            <a:lvl7pPr marL="3200400" marR="0" lvl="6" indent="-311150" algn="l" rtl="0">
-              <a:lnSpc>
-                <a:spcPct val="115000"/>
-              </a:lnSpc>
-              <a:spcBef>
-                <a:spcPts val="0"/>
-              </a:spcBef>
-              <a:spcAft>
-                <a:spcPts val="0"/>
-              </a:spcAft>
-              <a:buClr>
-                <a:srgbClr val="999999"/>
-              </a:buClr>
-              <a:buSzPts val="1300"/>
-              <a:buFont typeface="Cabin"/>
-              <a:buChar char="●"/>
-              <a:defRPr sz="1300" b="0" i="0" u="none" strike="noStrike" cap="none">
-                <a:solidFill>
-                  <a:srgbClr val="999999"/>
-                </a:solidFill>
-                <a:latin typeface="Cabin"/>
-                <a:ea typeface="Cabin"/>
-                <a:cs typeface="Cabin"/>
-                <a:sym typeface="Cabin"/>
-              </a:defRPr>
-            </a:lvl7pPr>
-            <a:lvl8pPr marL="3657600" marR="0" lvl="7" indent="-311150" algn="l" rtl="0">
-              <a:lnSpc>
-                <a:spcPct val="115000"/>
-              </a:lnSpc>
-              <a:spcBef>
-                <a:spcPts val="0"/>
-              </a:spcBef>
-              <a:spcAft>
-                <a:spcPts val="0"/>
-              </a:spcAft>
-              <a:buClr>
-                <a:srgbClr val="999999"/>
-              </a:buClr>
-              <a:buSzPts val="1300"/>
-              <a:buFont typeface="Cabin"/>
-              <a:buChar char="○"/>
-              <a:defRPr sz="1300" b="0" i="0" u="none" strike="noStrike" cap="none">
-                <a:solidFill>
-                  <a:srgbClr val="999999"/>
-                </a:solidFill>
-                <a:latin typeface="Cabin"/>
-                <a:ea typeface="Cabin"/>
-                <a:cs typeface="Cabin"/>
-                <a:sym typeface="Cabin"/>
-              </a:defRPr>
-            </a:lvl8pPr>
-            <a:lvl9pPr marL="4114800" marR="0" lvl="8" indent="-304800" algn="l" rtl="0">
-              <a:lnSpc>
-                <a:spcPct val="115000"/>
-              </a:lnSpc>
-              <a:spcBef>
-                <a:spcPts val="0"/>
-              </a:spcBef>
-              <a:spcAft>
-                <a:spcPts val="0"/>
-              </a:spcAft>
-              <a:buClr>
-                <a:srgbClr val="999999"/>
-              </a:buClr>
-              <a:buSzPts val="1200"/>
-              <a:buFont typeface="Cabin"/>
-              <a:buChar char="■"/>
-              <a:defRPr sz="1200" b="0" i="0" u="none" strike="noStrike" cap="none">
-                <a:solidFill>
-                  <a:srgbClr val="999999"/>
-                </a:solidFill>
-                <a:latin typeface="Cabin"/>
-                <a:ea typeface="Cabin"/>
-                <a:cs typeface="Cabin"/>
-                <a:sym typeface="Cabin"/>
-              </a:defRPr>
-            </a:lvl9pPr>
-          </a:lstStyle>
-          <a:p>
-            <a:pPr marL="0" indent="0">
-              <a:spcAft>
-                <a:spcPts val="200"/>
-              </a:spcAft>
-              <a:buFont typeface="Cabin"/>
-              <a:buNone/>
-            </a:pPr>
-            <a:r>
-              <a:rPr lang="en-US" sz="1400" b="1" dirty="0">
-                <a:solidFill>
-                  <a:srgbClr val="F8BC28"/>
-                </a:solidFill>
-                <a:latin typeface="Montserrat"/>
-                <a:sym typeface="Montserrat"/>
-              </a:rPr>
-              <a:t>Tìm kiếm</a:t>
-            </a:r>
-            <a:br>
-              <a:rPr lang="en-US" dirty="0"/>
-            </a:br>
-            <a:r>
-              <a:rPr lang="en-US" sz="1200" dirty="0"/>
-              <a:t>Đáp ứng nhu cầu tìm kiếm gia sư cho người học</a:t>
-            </a:r>
-          </a:p>
-        </p:txBody>
-      </p:sp>
-      <p:sp>
-        <p:nvSpPr>
-          <p:cNvPr id="8" name="Google Shape;1147;p50">
-            <a:extLst>
-              <a:ext uri="{FF2B5EF4-FFF2-40B4-BE49-F238E27FC236}">
-                <a16:creationId xmlns:a16="http://schemas.microsoft.com/office/drawing/2014/main" id="{9DC65F95-306D-4341-B074-BEA97874A50E}"/>
-              </a:ext>
-            </a:extLst>
-          </p:cNvPr>
-          <p:cNvSpPr txBox="1">
-            <a:spLocks/>
-          </p:cNvSpPr>
-          <p:nvPr/>
-        </p:nvSpPr>
-        <p:spPr>
-          <a:xfrm>
-            <a:off x="3490300" y="1828800"/>
-            <a:ext cx="2166600" cy="1136100"/>
-          </a:xfrm>
-          <a:prstGeom prst="rect">
-            <a:avLst/>
-          </a:prstGeom>
-          <a:noFill/>
-          <a:ln>
-            <a:noFill/>
-          </a:ln>
-        </p:spPr>
-        <p:txBody>
-          <a:bodyPr spcFirstLastPara="1" wrap="square" lIns="91425" tIns="91425" rIns="91425" bIns="91425" anchor="t" anchorCtr="0">
-            <a:noAutofit/>
-          </a:bodyPr>
-          <a:lstStyle>
-            <a:defPPr marR="0" lvl="0" algn="l" rtl="0">
-              <a:lnSpc>
-                <a:spcPct val="100000"/>
-              </a:lnSpc>
-              <a:spcBef>
-                <a:spcPts val="0"/>
-              </a:spcBef>
-              <a:spcAft>
-                <a:spcPts val="0"/>
-              </a:spcAft>
-            </a:defPPr>
-            <a:lvl1pPr marL="457200" marR="0" lvl="0" indent="-330200" algn="l" rtl="0">
-              <a:lnSpc>
-                <a:spcPct val="115000"/>
-              </a:lnSpc>
-              <a:spcBef>
-                <a:spcPts val="0"/>
-              </a:spcBef>
-              <a:spcAft>
-                <a:spcPts val="0"/>
-              </a:spcAft>
-              <a:buClr>
-                <a:srgbClr val="E9AA1B"/>
-              </a:buClr>
-              <a:buSzPts val="1600"/>
-              <a:buFont typeface="Cabin"/>
-              <a:buChar char="●"/>
-              <a:defRPr sz="1600" b="0" i="0" u="none" strike="noStrike" cap="none">
-                <a:solidFill>
-                  <a:srgbClr val="999999"/>
-                </a:solidFill>
-                <a:latin typeface="Cabin"/>
-                <a:ea typeface="Cabin"/>
-                <a:cs typeface="Cabin"/>
-                <a:sym typeface="Cabin"/>
-              </a:defRPr>
-            </a:lvl1pPr>
-            <a:lvl2pPr marL="914400" marR="0" lvl="1" indent="-330200" algn="l" rtl="0">
-              <a:lnSpc>
-                <a:spcPct val="115000"/>
-              </a:lnSpc>
-              <a:spcBef>
-                <a:spcPts val="0"/>
-              </a:spcBef>
-              <a:spcAft>
-                <a:spcPts val="0"/>
-              </a:spcAft>
-              <a:buClr>
-                <a:srgbClr val="E9AA1B"/>
-              </a:buClr>
-              <a:buSzPts val="1600"/>
-              <a:buFont typeface="Cabin"/>
-              <a:buChar char="○"/>
-              <a:defRPr sz="1600" b="0" i="0" u="none" strike="noStrike" cap="none">
-                <a:solidFill>
-                  <a:srgbClr val="999999"/>
-                </a:solidFill>
-                <a:latin typeface="Cabin"/>
-                <a:ea typeface="Cabin"/>
-                <a:cs typeface="Cabin"/>
-                <a:sym typeface="Cabin"/>
-              </a:defRPr>
-            </a:lvl2pPr>
-            <a:lvl3pPr marL="1371600" marR="0" lvl="2" indent="-323850" algn="l" rtl="0">
-              <a:lnSpc>
-                <a:spcPct val="115000"/>
-              </a:lnSpc>
-              <a:spcBef>
-                <a:spcPts val="0"/>
-              </a:spcBef>
-              <a:spcAft>
-                <a:spcPts val="0"/>
-              </a:spcAft>
-              <a:buClr>
-                <a:srgbClr val="E9AA1B"/>
-              </a:buClr>
-              <a:buSzPts val="1500"/>
-              <a:buFont typeface="Cabin"/>
-              <a:buChar char="■"/>
-              <a:defRPr sz="1500" b="0" i="0" u="none" strike="noStrike" cap="none">
-                <a:solidFill>
-                  <a:srgbClr val="999999"/>
-                </a:solidFill>
-                <a:latin typeface="Cabin"/>
-                <a:ea typeface="Cabin"/>
-                <a:cs typeface="Cabin"/>
-                <a:sym typeface="Cabin"/>
-              </a:defRPr>
-            </a:lvl3pPr>
-            <a:lvl4pPr marL="1828800" marR="0" lvl="3" indent="-323850" algn="l" rtl="0">
-              <a:lnSpc>
-                <a:spcPct val="115000"/>
-              </a:lnSpc>
-              <a:spcBef>
-                <a:spcPts val="0"/>
-              </a:spcBef>
-              <a:spcAft>
-                <a:spcPts val="0"/>
-              </a:spcAft>
-              <a:buClr>
-                <a:srgbClr val="E9AA1B"/>
-              </a:buClr>
-              <a:buSzPts val="1500"/>
-              <a:buFont typeface="Cabin"/>
-              <a:buChar char="●"/>
-              <a:defRPr sz="1500" b="0" i="0" u="none" strike="noStrike" cap="none">
-                <a:solidFill>
-                  <a:srgbClr val="999999"/>
-                </a:solidFill>
-                <a:latin typeface="Cabin"/>
-                <a:ea typeface="Cabin"/>
-                <a:cs typeface="Cabin"/>
-                <a:sym typeface="Cabin"/>
-              </a:defRPr>
-            </a:lvl4pPr>
-            <a:lvl5pPr marL="2286000" marR="0" lvl="4" indent="-317500" algn="l" rtl="0">
-              <a:lnSpc>
-                <a:spcPct val="115000"/>
-              </a:lnSpc>
-              <a:spcBef>
-                <a:spcPts val="0"/>
-              </a:spcBef>
-              <a:spcAft>
-                <a:spcPts val="0"/>
-              </a:spcAft>
-              <a:buClr>
-                <a:srgbClr val="E9AA1B"/>
-              </a:buClr>
-              <a:buSzPts val="1400"/>
-              <a:buFont typeface="Cabin"/>
-              <a:buChar char="○"/>
-              <a:defRPr sz="1400" b="0" i="0" u="none" strike="noStrike" cap="none">
-                <a:solidFill>
-                  <a:srgbClr val="999999"/>
-                </a:solidFill>
-                <a:latin typeface="Cabin"/>
-                <a:ea typeface="Cabin"/>
-                <a:cs typeface="Cabin"/>
-                <a:sym typeface="Cabin"/>
-              </a:defRPr>
-            </a:lvl5pPr>
-            <a:lvl6pPr marL="2743200" marR="0" lvl="5" indent="-317500" algn="l" rtl="0">
-              <a:lnSpc>
-                <a:spcPct val="115000"/>
-              </a:lnSpc>
-              <a:spcBef>
-                <a:spcPts val="0"/>
-              </a:spcBef>
-              <a:spcAft>
-                <a:spcPts val="0"/>
-              </a:spcAft>
-              <a:buClr>
-                <a:srgbClr val="E9AA1B"/>
-              </a:buClr>
-              <a:buSzPts val="1400"/>
-              <a:buFont typeface="Cabin"/>
-              <a:buChar char="■"/>
-              <a:defRPr sz="1400" b="0" i="0" u="none" strike="noStrike" cap="none">
-                <a:solidFill>
-                  <a:srgbClr val="999999"/>
-                </a:solidFill>
-                <a:latin typeface="Cabin"/>
-                <a:ea typeface="Cabin"/>
-                <a:cs typeface="Cabin"/>
-                <a:sym typeface="Cabin"/>
-              </a:defRPr>
-            </a:lvl6pPr>
-            <a:lvl7pPr marL="3200400" marR="0" lvl="6" indent="-311150" algn="l" rtl="0">
-              <a:lnSpc>
-                <a:spcPct val="115000"/>
-              </a:lnSpc>
-              <a:spcBef>
-                <a:spcPts val="0"/>
-              </a:spcBef>
-              <a:spcAft>
-                <a:spcPts val="0"/>
-              </a:spcAft>
-              <a:buClr>
-                <a:srgbClr val="999999"/>
-              </a:buClr>
-              <a:buSzPts val="1300"/>
-              <a:buFont typeface="Cabin"/>
-              <a:buChar char="●"/>
-              <a:defRPr sz="1300" b="0" i="0" u="none" strike="noStrike" cap="none">
-                <a:solidFill>
-                  <a:srgbClr val="999999"/>
-                </a:solidFill>
-                <a:latin typeface="Cabin"/>
-                <a:ea typeface="Cabin"/>
-                <a:cs typeface="Cabin"/>
-                <a:sym typeface="Cabin"/>
-              </a:defRPr>
-            </a:lvl7pPr>
-            <a:lvl8pPr marL="3657600" marR="0" lvl="7" indent="-311150" algn="l" rtl="0">
-              <a:lnSpc>
-                <a:spcPct val="115000"/>
-              </a:lnSpc>
-              <a:spcBef>
-                <a:spcPts val="0"/>
-              </a:spcBef>
-              <a:spcAft>
-                <a:spcPts val="0"/>
-              </a:spcAft>
-              <a:buClr>
-                <a:srgbClr val="999999"/>
-              </a:buClr>
-              <a:buSzPts val="1300"/>
-              <a:buFont typeface="Cabin"/>
-              <a:buChar char="○"/>
-              <a:defRPr sz="1300" b="0" i="0" u="none" strike="noStrike" cap="none">
-                <a:solidFill>
-                  <a:srgbClr val="999999"/>
-                </a:solidFill>
-                <a:latin typeface="Cabin"/>
-                <a:ea typeface="Cabin"/>
-                <a:cs typeface="Cabin"/>
-                <a:sym typeface="Cabin"/>
-              </a:defRPr>
-            </a:lvl8pPr>
-            <a:lvl9pPr marL="4114800" marR="0" lvl="8" indent="-304800" algn="l" rtl="0">
-              <a:lnSpc>
-                <a:spcPct val="115000"/>
-              </a:lnSpc>
-              <a:spcBef>
-                <a:spcPts val="0"/>
-              </a:spcBef>
-              <a:spcAft>
-                <a:spcPts val="0"/>
-              </a:spcAft>
-              <a:buClr>
-                <a:srgbClr val="999999"/>
-              </a:buClr>
-              <a:buSzPts val="1200"/>
-              <a:buFont typeface="Cabin"/>
-              <a:buChar char="■"/>
-              <a:defRPr sz="1200" b="0" i="0" u="none" strike="noStrike" cap="none">
-                <a:solidFill>
-                  <a:srgbClr val="999999"/>
-                </a:solidFill>
-                <a:latin typeface="Cabin"/>
-                <a:ea typeface="Cabin"/>
-                <a:cs typeface="Cabin"/>
-                <a:sym typeface="Cabin"/>
-              </a:defRPr>
-            </a:lvl9pPr>
-          </a:lstStyle>
-          <a:p>
-            <a:pPr marL="0" indent="0">
-              <a:spcAft>
-                <a:spcPts val="200"/>
-              </a:spcAft>
-              <a:buFont typeface="Cabin"/>
-              <a:buNone/>
-            </a:pPr>
-            <a:r>
-              <a:rPr lang="en-US" sz="1400" b="1" dirty="0">
-                <a:solidFill>
-                  <a:srgbClr val="3E516C"/>
-                </a:solidFill>
-                <a:latin typeface="Montserrat"/>
-                <a:ea typeface="Montserrat"/>
-                <a:cs typeface="Montserrat"/>
-                <a:sym typeface="Montserrat"/>
-              </a:rPr>
-              <a:t>Trò chuyện</a:t>
-            </a:r>
-            <a:br>
-              <a:rPr lang="en-US" sz="1400" b="1" dirty="0">
-                <a:solidFill>
-                  <a:srgbClr val="F8BC28"/>
-                </a:solidFill>
-                <a:latin typeface="Montserrat"/>
-                <a:ea typeface="Montserrat"/>
-                <a:cs typeface="Montserrat"/>
-                <a:sym typeface="Montserrat"/>
-              </a:rPr>
-            </a:br>
-            <a:r>
-              <a:rPr lang="en-US" sz="1200" dirty="0"/>
-              <a:t>Hỗ trợ trò chuyện trực tuyến giữa gia sư – học viên và trò chuyện trong lớp học</a:t>
-            </a:r>
-            <a:endParaRPr lang="en-US" sz="1400" b="1" dirty="0">
-              <a:solidFill>
-                <a:srgbClr val="F8BC28"/>
-              </a:solidFill>
-              <a:latin typeface="Montserrat"/>
-              <a:ea typeface="Montserrat"/>
-              <a:cs typeface="Montserrat"/>
-              <a:sym typeface="Montserrat"/>
-            </a:endParaRPr>
-          </a:p>
-        </p:txBody>
-      </p:sp>
-      <p:sp>
-        <p:nvSpPr>
-          <p:cNvPr id="9" name="Google Shape;1148;p50">
-            <a:extLst>
-              <a:ext uri="{FF2B5EF4-FFF2-40B4-BE49-F238E27FC236}">
-                <a16:creationId xmlns:a16="http://schemas.microsoft.com/office/drawing/2014/main" id="{62AB7496-9484-4198-B1C2-AD91A86A23FF}"/>
-              </a:ext>
-            </a:extLst>
-          </p:cNvPr>
-          <p:cNvSpPr txBox="1">
-            <a:spLocks/>
-          </p:cNvSpPr>
-          <p:nvPr/>
-        </p:nvSpPr>
-        <p:spPr>
-          <a:xfrm>
-            <a:off x="5986800" y="1828800"/>
-            <a:ext cx="2166600" cy="1136100"/>
-          </a:xfrm>
-          <a:prstGeom prst="rect">
-            <a:avLst/>
-          </a:prstGeom>
-          <a:noFill/>
-          <a:ln>
-            <a:noFill/>
-          </a:ln>
-        </p:spPr>
-        <p:txBody>
-          <a:bodyPr spcFirstLastPara="1" wrap="square" lIns="91425" tIns="91425" rIns="91425" bIns="91425" anchor="t" anchorCtr="0">
-            <a:noAutofit/>
-          </a:bodyPr>
-          <a:lstStyle>
-            <a:defPPr marR="0" lvl="0" algn="l" rtl="0">
-              <a:lnSpc>
-                <a:spcPct val="100000"/>
-              </a:lnSpc>
-              <a:spcBef>
-                <a:spcPts val="0"/>
-              </a:spcBef>
-              <a:spcAft>
-                <a:spcPts val="0"/>
-              </a:spcAft>
-            </a:defPPr>
-            <a:lvl1pPr marL="457200" marR="0" lvl="0" indent="-330200" algn="l" rtl="0">
-              <a:lnSpc>
-                <a:spcPct val="115000"/>
-              </a:lnSpc>
-              <a:spcBef>
-                <a:spcPts val="0"/>
-              </a:spcBef>
-              <a:spcAft>
-                <a:spcPts val="0"/>
-              </a:spcAft>
-              <a:buClr>
-                <a:srgbClr val="E9AA1B"/>
-              </a:buClr>
-              <a:buSzPts val="1600"/>
-              <a:buFont typeface="Cabin"/>
-              <a:buChar char="●"/>
-              <a:defRPr sz="1600" b="0" i="0" u="none" strike="noStrike" cap="none">
-                <a:solidFill>
-                  <a:srgbClr val="999999"/>
-                </a:solidFill>
-                <a:latin typeface="Cabin"/>
-                <a:ea typeface="Cabin"/>
-                <a:cs typeface="Cabin"/>
-                <a:sym typeface="Cabin"/>
-              </a:defRPr>
-            </a:lvl1pPr>
-            <a:lvl2pPr marL="914400" marR="0" lvl="1" indent="-330200" algn="l" rtl="0">
-              <a:lnSpc>
-                <a:spcPct val="115000"/>
-              </a:lnSpc>
-              <a:spcBef>
-                <a:spcPts val="0"/>
-              </a:spcBef>
-              <a:spcAft>
-                <a:spcPts val="0"/>
-              </a:spcAft>
-              <a:buClr>
-                <a:srgbClr val="E9AA1B"/>
-              </a:buClr>
-              <a:buSzPts val="1600"/>
-              <a:buFont typeface="Cabin"/>
-              <a:buChar char="○"/>
-              <a:defRPr sz="1600" b="0" i="0" u="none" strike="noStrike" cap="none">
-                <a:solidFill>
-                  <a:srgbClr val="999999"/>
-                </a:solidFill>
-                <a:latin typeface="Cabin"/>
-                <a:ea typeface="Cabin"/>
-                <a:cs typeface="Cabin"/>
-                <a:sym typeface="Cabin"/>
-              </a:defRPr>
-            </a:lvl2pPr>
-            <a:lvl3pPr marL="1371600" marR="0" lvl="2" indent="-323850" algn="l" rtl="0">
-              <a:lnSpc>
-                <a:spcPct val="115000"/>
-              </a:lnSpc>
-              <a:spcBef>
-                <a:spcPts val="0"/>
-              </a:spcBef>
-              <a:spcAft>
-                <a:spcPts val="0"/>
-              </a:spcAft>
-              <a:buClr>
-                <a:srgbClr val="E9AA1B"/>
-              </a:buClr>
-              <a:buSzPts val="1500"/>
-              <a:buFont typeface="Cabin"/>
-              <a:buChar char="■"/>
-              <a:defRPr sz="1500" b="0" i="0" u="none" strike="noStrike" cap="none">
-                <a:solidFill>
-                  <a:srgbClr val="999999"/>
-                </a:solidFill>
-                <a:latin typeface="Cabin"/>
-                <a:ea typeface="Cabin"/>
-                <a:cs typeface="Cabin"/>
-                <a:sym typeface="Cabin"/>
-              </a:defRPr>
-            </a:lvl3pPr>
-            <a:lvl4pPr marL="1828800" marR="0" lvl="3" indent="-323850" algn="l" rtl="0">
-              <a:lnSpc>
-                <a:spcPct val="115000"/>
-              </a:lnSpc>
-              <a:spcBef>
-                <a:spcPts val="0"/>
-              </a:spcBef>
-              <a:spcAft>
-                <a:spcPts val="0"/>
-              </a:spcAft>
-              <a:buClr>
-                <a:srgbClr val="E9AA1B"/>
-              </a:buClr>
-              <a:buSzPts val="1500"/>
-              <a:buFont typeface="Cabin"/>
-              <a:buChar char="●"/>
-              <a:defRPr sz="1500" b="0" i="0" u="none" strike="noStrike" cap="none">
-                <a:solidFill>
-                  <a:srgbClr val="999999"/>
-                </a:solidFill>
-                <a:latin typeface="Cabin"/>
-                <a:ea typeface="Cabin"/>
-                <a:cs typeface="Cabin"/>
-                <a:sym typeface="Cabin"/>
-              </a:defRPr>
-            </a:lvl4pPr>
-            <a:lvl5pPr marL="2286000" marR="0" lvl="4" indent="-317500" algn="l" rtl="0">
-              <a:lnSpc>
-                <a:spcPct val="115000"/>
-              </a:lnSpc>
-              <a:spcBef>
-                <a:spcPts val="0"/>
-              </a:spcBef>
-              <a:spcAft>
-                <a:spcPts val="0"/>
-              </a:spcAft>
-              <a:buClr>
-                <a:srgbClr val="E9AA1B"/>
-              </a:buClr>
-              <a:buSzPts val="1400"/>
-              <a:buFont typeface="Cabin"/>
-              <a:buChar char="○"/>
-              <a:defRPr sz="1400" b="0" i="0" u="none" strike="noStrike" cap="none">
-                <a:solidFill>
-                  <a:srgbClr val="999999"/>
-                </a:solidFill>
-                <a:latin typeface="Cabin"/>
-                <a:ea typeface="Cabin"/>
-                <a:cs typeface="Cabin"/>
-                <a:sym typeface="Cabin"/>
-              </a:defRPr>
-            </a:lvl5pPr>
-            <a:lvl6pPr marL="2743200" marR="0" lvl="5" indent="-317500" algn="l" rtl="0">
-              <a:lnSpc>
-                <a:spcPct val="115000"/>
-              </a:lnSpc>
-              <a:spcBef>
-                <a:spcPts val="0"/>
-              </a:spcBef>
-              <a:spcAft>
-                <a:spcPts val="0"/>
-              </a:spcAft>
-              <a:buClr>
-                <a:srgbClr val="E9AA1B"/>
-              </a:buClr>
-              <a:buSzPts val="1400"/>
-              <a:buFont typeface="Cabin"/>
-              <a:buChar char="■"/>
-              <a:defRPr sz="1400" b="0" i="0" u="none" strike="noStrike" cap="none">
-                <a:solidFill>
-                  <a:srgbClr val="999999"/>
-                </a:solidFill>
-                <a:latin typeface="Cabin"/>
-                <a:ea typeface="Cabin"/>
-                <a:cs typeface="Cabin"/>
-                <a:sym typeface="Cabin"/>
-              </a:defRPr>
-            </a:lvl6pPr>
-            <a:lvl7pPr marL="3200400" marR="0" lvl="6" indent="-311150" algn="l" rtl="0">
-              <a:lnSpc>
-                <a:spcPct val="115000"/>
-              </a:lnSpc>
-              <a:spcBef>
-                <a:spcPts val="0"/>
-              </a:spcBef>
-              <a:spcAft>
-                <a:spcPts val="0"/>
-              </a:spcAft>
-              <a:buClr>
-                <a:srgbClr val="999999"/>
-              </a:buClr>
-              <a:buSzPts val="1300"/>
-              <a:buFont typeface="Cabin"/>
-              <a:buChar char="●"/>
-              <a:defRPr sz="1300" b="0" i="0" u="none" strike="noStrike" cap="none">
-                <a:solidFill>
-                  <a:srgbClr val="999999"/>
-                </a:solidFill>
-                <a:latin typeface="Cabin"/>
-                <a:ea typeface="Cabin"/>
-                <a:cs typeface="Cabin"/>
-                <a:sym typeface="Cabin"/>
-              </a:defRPr>
-            </a:lvl7pPr>
-            <a:lvl8pPr marL="3657600" marR="0" lvl="7" indent="-311150" algn="l" rtl="0">
-              <a:lnSpc>
-                <a:spcPct val="115000"/>
-              </a:lnSpc>
-              <a:spcBef>
-                <a:spcPts val="0"/>
-              </a:spcBef>
-              <a:spcAft>
-                <a:spcPts val="0"/>
-              </a:spcAft>
-              <a:buClr>
-                <a:srgbClr val="999999"/>
-              </a:buClr>
-              <a:buSzPts val="1300"/>
-              <a:buFont typeface="Cabin"/>
-              <a:buChar char="○"/>
-              <a:defRPr sz="1300" b="0" i="0" u="none" strike="noStrike" cap="none">
-                <a:solidFill>
-                  <a:srgbClr val="999999"/>
-                </a:solidFill>
-                <a:latin typeface="Cabin"/>
-                <a:ea typeface="Cabin"/>
-                <a:cs typeface="Cabin"/>
-                <a:sym typeface="Cabin"/>
-              </a:defRPr>
-            </a:lvl8pPr>
-            <a:lvl9pPr marL="4114800" marR="0" lvl="8" indent="-304800" algn="l" rtl="0">
-              <a:lnSpc>
-                <a:spcPct val="115000"/>
-              </a:lnSpc>
-              <a:spcBef>
-                <a:spcPts val="0"/>
-              </a:spcBef>
-              <a:spcAft>
-                <a:spcPts val="0"/>
-              </a:spcAft>
-              <a:buClr>
-                <a:srgbClr val="999999"/>
-              </a:buClr>
-              <a:buSzPts val="1200"/>
-              <a:buFont typeface="Cabin"/>
-              <a:buChar char="■"/>
-              <a:defRPr sz="1200" b="0" i="0" u="none" strike="noStrike" cap="none">
-                <a:solidFill>
-                  <a:srgbClr val="999999"/>
-                </a:solidFill>
-                <a:latin typeface="Cabin"/>
-                <a:ea typeface="Cabin"/>
-                <a:cs typeface="Cabin"/>
-                <a:sym typeface="Cabin"/>
-              </a:defRPr>
-            </a:lvl9pPr>
-          </a:lstStyle>
-          <a:p>
-            <a:pPr marL="0" indent="0">
-              <a:buFont typeface="Cabin"/>
-              <a:buNone/>
-            </a:pPr>
-            <a:r>
-              <a:rPr lang="en-US" sz="1400" b="1" dirty="0">
-                <a:solidFill>
-                  <a:srgbClr val="F8BC28"/>
-                </a:solidFill>
-                <a:latin typeface="Montserrat"/>
-                <a:ea typeface="Montserrat"/>
-                <a:cs typeface="Montserrat"/>
-                <a:sym typeface="Montserrat"/>
-              </a:rPr>
-              <a:t>Quản lý tài liệu</a:t>
-            </a:r>
-            <a:br>
-              <a:rPr lang="en-US" sz="1400" dirty="0"/>
-            </a:br>
-            <a:r>
-              <a:rPr lang="en-US" sz="1200" dirty="0"/>
-              <a:t>Hỗ trợ quản lý tài liệu cá nhân cũng như tài liệu khoá học</a:t>
-            </a:r>
-          </a:p>
-        </p:txBody>
-      </p:sp>
-      <p:sp>
-        <p:nvSpPr>
-          <p:cNvPr id="10" name="Google Shape;1149;p50">
-            <a:extLst>
-              <a:ext uri="{FF2B5EF4-FFF2-40B4-BE49-F238E27FC236}">
-                <a16:creationId xmlns:a16="http://schemas.microsoft.com/office/drawing/2014/main" id="{9A5D8D95-D0C3-440E-8072-1619BD3A2D06}"/>
-              </a:ext>
-            </a:extLst>
-          </p:cNvPr>
-          <p:cNvSpPr txBox="1">
-            <a:spLocks/>
-          </p:cNvSpPr>
-          <p:nvPr/>
-        </p:nvSpPr>
-        <p:spPr>
-          <a:xfrm>
-            <a:off x="1048400" y="3140625"/>
-            <a:ext cx="2112000" cy="1136100"/>
-          </a:xfrm>
-          <a:prstGeom prst="rect">
-            <a:avLst/>
-          </a:prstGeom>
-          <a:noFill/>
-          <a:ln>
-            <a:noFill/>
-          </a:ln>
-        </p:spPr>
-        <p:txBody>
-          <a:bodyPr spcFirstLastPara="1" wrap="square" lIns="91425" tIns="91425" rIns="91425" bIns="91425" anchor="t" anchorCtr="0">
-            <a:noAutofit/>
-          </a:bodyPr>
-          <a:lstStyle>
-            <a:defPPr marR="0" lvl="0" algn="l" rtl="0">
-              <a:lnSpc>
-                <a:spcPct val="100000"/>
-              </a:lnSpc>
-              <a:spcBef>
-                <a:spcPts val="0"/>
-              </a:spcBef>
-              <a:spcAft>
-                <a:spcPts val="0"/>
-              </a:spcAft>
-            </a:defPPr>
-            <a:lvl1pPr marL="457200" marR="0" lvl="0" indent="-330200" algn="l" rtl="0">
-              <a:lnSpc>
-                <a:spcPct val="115000"/>
-              </a:lnSpc>
-              <a:spcBef>
-                <a:spcPts val="0"/>
-              </a:spcBef>
-              <a:spcAft>
-                <a:spcPts val="0"/>
-              </a:spcAft>
-              <a:buClr>
-                <a:srgbClr val="E9AA1B"/>
-              </a:buClr>
-              <a:buSzPts val="1600"/>
-              <a:buFont typeface="Cabin"/>
-              <a:buChar char="●"/>
-              <a:defRPr sz="1600" b="0" i="0" u="none" strike="noStrike" cap="none">
-                <a:solidFill>
-                  <a:srgbClr val="999999"/>
-                </a:solidFill>
-                <a:latin typeface="Cabin"/>
-                <a:ea typeface="Cabin"/>
-                <a:cs typeface="Cabin"/>
-                <a:sym typeface="Cabin"/>
-              </a:defRPr>
-            </a:lvl1pPr>
-            <a:lvl2pPr marL="914400" marR="0" lvl="1" indent="-330200" algn="l" rtl="0">
-              <a:lnSpc>
-                <a:spcPct val="115000"/>
-              </a:lnSpc>
-              <a:spcBef>
-                <a:spcPts val="0"/>
-              </a:spcBef>
-              <a:spcAft>
-                <a:spcPts val="0"/>
-              </a:spcAft>
-              <a:buClr>
-                <a:srgbClr val="E9AA1B"/>
-              </a:buClr>
-              <a:buSzPts val="1600"/>
-              <a:buFont typeface="Cabin"/>
-              <a:buChar char="○"/>
-              <a:defRPr sz="1600" b="0" i="0" u="none" strike="noStrike" cap="none">
-                <a:solidFill>
-                  <a:srgbClr val="999999"/>
-                </a:solidFill>
-                <a:latin typeface="Cabin"/>
-                <a:ea typeface="Cabin"/>
-                <a:cs typeface="Cabin"/>
-                <a:sym typeface="Cabin"/>
-              </a:defRPr>
-            </a:lvl2pPr>
-            <a:lvl3pPr marL="1371600" marR="0" lvl="2" indent="-323850" algn="l" rtl="0">
-              <a:lnSpc>
-                <a:spcPct val="115000"/>
-              </a:lnSpc>
-              <a:spcBef>
-                <a:spcPts val="0"/>
-              </a:spcBef>
-              <a:spcAft>
-                <a:spcPts val="0"/>
-              </a:spcAft>
-              <a:buClr>
-                <a:srgbClr val="E9AA1B"/>
-              </a:buClr>
-              <a:buSzPts val="1500"/>
-              <a:buFont typeface="Cabin"/>
-              <a:buChar char="■"/>
-              <a:defRPr sz="1500" b="0" i="0" u="none" strike="noStrike" cap="none">
-                <a:solidFill>
-                  <a:srgbClr val="999999"/>
-                </a:solidFill>
-                <a:latin typeface="Cabin"/>
-                <a:ea typeface="Cabin"/>
-                <a:cs typeface="Cabin"/>
-                <a:sym typeface="Cabin"/>
-              </a:defRPr>
-            </a:lvl3pPr>
-            <a:lvl4pPr marL="1828800" marR="0" lvl="3" indent="-323850" algn="l" rtl="0">
-              <a:lnSpc>
-                <a:spcPct val="115000"/>
-              </a:lnSpc>
-              <a:spcBef>
-                <a:spcPts val="0"/>
-              </a:spcBef>
-              <a:spcAft>
-                <a:spcPts val="0"/>
-              </a:spcAft>
-              <a:buClr>
-                <a:srgbClr val="E9AA1B"/>
-              </a:buClr>
-              <a:buSzPts val="1500"/>
-              <a:buFont typeface="Cabin"/>
-              <a:buChar char="●"/>
-              <a:defRPr sz="1500" b="0" i="0" u="none" strike="noStrike" cap="none">
-                <a:solidFill>
-                  <a:srgbClr val="999999"/>
-                </a:solidFill>
-                <a:latin typeface="Cabin"/>
-                <a:ea typeface="Cabin"/>
-                <a:cs typeface="Cabin"/>
-                <a:sym typeface="Cabin"/>
-              </a:defRPr>
-            </a:lvl4pPr>
-            <a:lvl5pPr marL="2286000" marR="0" lvl="4" indent="-317500" algn="l" rtl="0">
-              <a:lnSpc>
-                <a:spcPct val="115000"/>
-              </a:lnSpc>
-              <a:spcBef>
-                <a:spcPts val="0"/>
-              </a:spcBef>
-              <a:spcAft>
-                <a:spcPts val="0"/>
-              </a:spcAft>
-              <a:buClr>
-                <a:srgbClr val="E9AA1B"/>
-              </a:buClr>
-              <a:buSzPts val="1400"/>
-              <a:buFont typeface="Cabin"/>
-              <a:buChar char="○"/>
-              <a:defRPr sz="1400" b="0" i="0" u="none" strike="noStrike" cap="none">
-                <a:solidFill>
-                  <a:srgbClr val="999999"/>
-                </a:solidFill>
-                <a:latin typeface="Cabin"/>
-                <a:ea typeface="Cabin"/>
-                <a:cs typeface="Cabin"/>
-                <a:sym typeface="Cabin"/>
-              </a:defRPr>
-            </a:lvl5pPr>
-            <a:lvl6pPr marL="2743200" marR="0" lvl="5" indent="-317500" algn="l" rtl="0">
-              <a:lnSpc>
-                <a:spcPct val="115000"/>
-              </a:lnSpc>
-              <a:spcBef>
-                <a:spcPts val="0"/>
-              </a:spcBef>
-              <a:spcAft>
-                <a:spcPts val="0"/>
-              </a:spcAft>
-              <a:buClr>
-                <a:srgbClr val="E9AA1B"/>
-              </a:buClr>
-              <a:buSzPts val="1400"/>
-              <a:buFont typeface="Cabin"/>
-              <a:buChar char="■"/>
-              <a:defRPr sz="1400" b="0" i="0" u="none" strike="noStrike" cap="none">
-                <a:solidFill>
-                  <a:srgbClr val="999999"/>
-                </a:solidFill>
-                <a:latin typeface="Cabin"/>
-                <a:ea typeface="Cabin"/>
-                <a:cs typeface="Cabin"/>
-                <a:sym typeface="Cabin"/>
-              </a:defRPr>
-            </a:lvl6pPr>
-            <a:lvl7pPr marL="3200400" marR="0" lvl="6" indent="-311150" algn="l" rtl="0">
-              <a:lnSpc>
-                <a:spcPct val="115000"/>
-              </a:lnSpc>
-              <a:spcBef>
-                <a:spcPts val="0"/>
-              </a:spcBef>
-              <a:spcAft>
-                <a:spcPts val="0"/>
-              </a:spcAft>
-              <a:buClr>
-                <a:srgbClr val="999999"/>
-              </a:buClr>
-              <a:buSzPts val="1300"/>
-              <a:buFont typeface="Cabin"/>
-              <a:buChar char="●"/>
-              <a:defRPr sz="1300" b="0" i="0" u="none" strike="noStrike" cap="none">
-                <a:solidFill>
-                  <a:srgbClr val="999999"/>
-                </a:solidFill>
-                <a:latin typeface="Cabin"/>
-                <a:ea typeface="Cabin"/>
-                <a:cs typeface="Cabin"/>
-                <a:sym typeface="Cabin"/>
-              </a:defRPr>
-            </a:lvl7pPr>
-            <a:lvl8pPr marL="3657600" marR="0" lvl="7" indent="-311150" algn="l" rtl="0">
-              <a:lnSpc>
-                <a:spcPct val="115000"/>
-              </a:lnSpc>
-              <a:spcBef>
-                <a:spcPts val="0"/>
-              </a:spcBef>
-              <a:spcAft>
-                <a:spcPts val="0"/>
-              </a:spcAft>
-              <a:buClr>
-                <a:srgbClr val="999999"/>
-              </a:buClr>
-              <a:buSzPts val="1300"/>
-              <a:buFont typeface="Cabin"/>
-              <a:buChar char="○"/>
-              <a:defRPr sz="1300" b="0" i="0" u="none" strike="noStrike" cap="none">
-                <a:solidFill>
-                  <a:srgbClr val="999999"/>
-                </a:solidFill>
-                <a:latin typeface="Cabin"/>
-                <a:ea typeface="Cabin"/>
-                <a:cs typeface="Cabin"/>
-                <a:sym typeface="Cabin"/>
-              </a:defRPr>
-            </a:lvl8pPr>
-            <a:lvl9pPr marL="4114800" marR="0" lvl="8" indent="-304800" algn="l" rtl="0">
-              <a:lnSpc>
-                <a:spcPct val="115000"/>
-              </a:lnSpc>
-              <a:spcBef>
-                <a:spcPts val="0"/>
-              </a:spcBef>
-              <a:spcAft>
-                <a:spcPts val="0"/>
-              </a:spcAft>
-              <a:buClr>
-                <a:srgbClr val="999999"/>
-              </a:buClr>
-              <a:buSzPts val="1200"/>
-              <a:buFont typeface="Cabin"/>
-              <a:buChar char="■"/>
-              <a:defRPr sz="1200" b="0" i="0" u="none" strike="noStrike" cap="none">
-                <a:solidFill>
-                  <a:srgbClr val="999999"/>
-                </a:solidFill>
-                <a:latin typeface="Cabin"/>
-                <a:ea typeface="Cabin"/>
-                <a:cs typeface="Cabin"/>
-                <a:sym typeface="Cabin"/>
-              </a:defRPr>
-            </a:lvl9pPr>
-          </a:lstStyle>
-          <a:p>
-            <a:pPr marL="0" indent="0">
-              <a:buFont typeface="Cabin"/>
-              <a:buNone/>
-            </a:pPr>
-            <a:r>
-              <a:rPr lang="en-US" sz="1400" b="1" dirty="0">
-                <a:solidFill>
-                  <a:srgbClr val="3E516C"/>
-                </a:solidFill>
-                <a:latin typeface="Montserrat"/>
-                <a:sym typeface="Montserrat"/>
-              </a:rPr>
-              <a:t>Bản đồ</a:t>
-            </a:r>
-            <a:br>
-              <a:rPr lang="en-US" sz="1400" dirty="0"/>
-            </a:br>
-            <a:r>
-              <a:rPr lang="en-US" sz="1200" dirty="0"/>
-              <a:t>Hiển thị được bản đồ gia sư cũng như vị trí và đường đi đến gia sư đó</a:t>
-            </a:r>
-          </a:p>
-        </p:txBody>
-      </p:sp>
-      <p:sp>
-        <p:nvSpPr>
-          <p:cNvPr id="11" name="Google Shape;1150;p50">
-            <a:extLst>
-              <a:ext uri="{FF2B5EF4-FFF2-40B4-BE49-F238E27FC236}">
-                <a16:creationId xmlns:a16="http://schemas.microsoft.com/office/drawing/2014/main" id="{B321CF8D-3BCF-46E0-B615-F1660CE97FD4}"/>
-              </a:ext>
-            </a:extLst>
-          </p:cNvPr>
-          <p:cNvSpPr txBox="1">
-            <a:spLocks/>
-          </p:cNvSpPr>
-          <p:nvPr/>
-        </p:nvSpPr>
-        <p:spPr>
-          <a:xfrm>
-            <a:off x="3490300" y="3140625"/>
-            <a:ext cx="2166600" cy="1136100"/>
-          </a:xfrm>
-          <a:prstGeom prst="rect">
-            <a:avLst/>
-          </a:prstGeom>
-          <a:noFill/>
-          <a:ln>
-            <a:noFill/>
-          </a:ln>
-        </p:spPr>
-        <p:txBody>
-          <a:bodyPr spcFirstLastPara="1" wrap="square" lIns="91425" tIns="91425" rIns="91425" bIns="91425" anchor="t" anchorCtr="0">
-            <a:noAutofit/>
-          </a:bodyPr>
-          <a:lstStyle>
-            <a:defPPr marR="0" lvl="0" algn="l" rtl="0">
-              <a:lnSpc>
-                <a:spcPct val="100000"/>
-              </a:lnSpc>
-              <a:spcBef>
-                <a:spcPts val="0"/>
-              </a:spcBef>
-              <a:spcAft>
-                <a:spcPts val="0"/>
-              </a:spcAft>
-            </a:defPPr>
-            <a:lvl1pPr marL="457200" marR="0" lvl="0" indent="-330200" algn="l" rtl="0">
-              <a:lnSpc>
-                <a:spcPct val="115000"/>
-              </a:lnSpc>
-              <a:spcBef>
-                <a:spcPts val="0"/>
-              </a:spcBef>
-              <a:spcAft>
-                <a:spcPts val="0"/>
-              </a:spcAft>
-              <a:buClr>
-                <a:srgbClr val="E9AA1B"/>
-              </a:buClr>
-              <a:buSzPts val="1600"/>
-              <a:buFont typeface="Cabin"/>
-              <a:buChar char="●"/>
-              <a:defRPr sz="1600" b="0" i="0" u="none" strike="noStrike" cap="none">
-                <a:solidFill>
-                  <a:srgbClr val="999999"/>
-                </a:solidFill>
-                <a:latin typeface="Cabin"/>
-                <a:ea typeface="Cabin"/>
-                <a:cs typeface="Cabin"/>
-                <a:sym typeface="Cabin"/>
-              </a:defRPr>
-            </a:lvl1pPr>
-            <a:lvl2pPr marL="914400" marR="0" lvl="1" indent="-330200" algn="l" rtl="0">
-              <a:lnSpc>
-                <a:spcPct val="115000"/>
-              </a:lnSpc>
-              <a:spcBef>
-                <a:spcPts val="0"/>
-              </a:spcBef>
-              <a:spcAft>
-                <a:spcPts val="0"/>
-              </a:spcAft>
-              <a:buClr>
-                <a:srgbClr val="E9AA1B"/>
-              </a:buClr>
-              <a:buSzPts val="1600"/>
-              <a:buFont typeface="Cabin"/>
-              <a:buChar char="○"/>
-              <a:defRPr sz="1600" b="0" i="0" u="none" strike="noStrike" cap="none">
-                <a:solidFill>
-                  <a:srgbClr val="999999"/>
-                </a:solidFill>
-                <a:latin typeface="Cabin"/>
-                <a:ea typeface="Cabin"/>
-                <a:cs typeface="Cabin"/>
-                <a:sym typeface="Cabin"/>
-              </a:defRPr>
-            </a:lvl2pPr>
-            <a:lvl3pPr marL="1371600" marR="0" lvl="2" indent="-323850" algn="l" rtl="0">
-              <a:lnSpc>
-                <a:spcPct val="115000"/>
-              </a:lnSpc>
-              <a:spcBef>
-                <a:spcPts val="0"/>
-              </a:spcBef>
-              <a:spcAft>
-                <a:spcPts val="0"/>
-              </a:spcAft>
-              <a:buClr>
-                <a:srgbClr val="E9AA1B"/>
-              </a:buClr>
-              <a:buSzPts val="1500"/>
-              <a:buFont typeface="Cabin"/>
-              <a:buChar char="■"/>
-              <a:defRPr sz="1500" b="0" i="0" u="none" strike="noStrike" cap="none">
-                <a:solidFill>
-                  <a:srgbClr val="999999"/>
-                </a:solidFill>
-                <a:latin typeface="Cabin"/>
-                <a:ea typeface="Cabin"/>
-                <a:cs typeface="Cabin"/>
-                <a:sym typeface="Cabin"/>
-              </a:defRPr>
-            </a:lvl3pPr>
-            <a:lvl4pPr marL="1828800" marR="0" lvl="3" indent="-323850" algn="l" rtl="0">
-              <a:lnSpc>
-                <a:spcPct val="115000"/>
-              </a:lnSpc>
-              <a:spcBef>
-                <a:spcPts val="0"/>
-              </a:spcBef>
-              <a:spcAft>
-                <a:spcPts val="0"/>
-              </a:spcAft>
-              <a:buClr>
-                <a:srgbClr val="E9AA1B"/>
-              </a:buClr>
-              <a:buSzPts val="1500"/>
-              <a:buFont typeface="Cabin"/>
-              <a:buChar char="●"/>
-              <a:defRPr sz="1500" b="0" i="0" u="none" strike="noStrike" cap="none">
-                <a:solidFill>
-                  <a:srgbClr val="999999"/>
-                </a:solidFill>
-                <a:latin typeface="Cabin"/>
-                <a:ea typeface="Cabin"/>
-                <a:cs typeface="Cabin"/>
-                <a:sym typeface="Cabin"/>
-              </a:defRPr>
-            </a:lvl4pPr>
-            <a:lvl5pPr marL="2286000" marR="0" lvl="4" indent="-317500" algn="l" rtl="0">
-              <a:lnSpc>
-                <a:spcPct val="115000"/>
-              </a:lnSpc>
-              <a:spcBef>
-                <a:spcPts val="0"/>
-              </a:spcBef>
-              <a:spcAft>
-                <a:spcPts val="0"/>
-              </a:spcAft>
-              <a:buClr>
-                <a:srgbClr val="E9AA1B"/>
-              </a:buClr>
-              <a:buSzPts val="1400"/>
-              <a:buFont typeface="Cabin"/>
-              <a:buChar char="○"/>
-              <a:defRPr sz="1400" b="0" i="0" u="none" strike="noStrike" cap="none">
-                <a:solidFill>
-                  <a:srgbClr val="999999"/>
-                </a:solidFill>
-                <a:latin typeface="Cabin"/>
-                <a:ea typeface="Cabin"/>
-                <a:cs typeface="Cabin"/>
-                <a:sym typeface="Cabin"/>
-              </a:defRPr>
-            </a:lvl5pPr>
-            <a:lvl6pPr marL="2743200" marR="0" lvl="5" indent="-317500" algn="l" rtl="0">
-              <a:lnSpc>
-                <a:spcPct val="115000"/>
-              </a:lnSpc>
-              <a:spcBef>
-                <a:spcPts val="0"/>
-              </a:spcBef>
-              <a:spcAft>
-                <a:spcPts val="0"/>
-              </a:spcAft>
-              <a:buClr>
-                <a:srgbClr val="E9AA1B"/>
-              </a:buClr>
-              <a:buSzPts val="1400"/>
-              <a:buFont typeface="Cabin"/>
-              <a:buChar char="■"/>
-              <a:defRPr sz="1400" b="0" i="0" u="none" strike="noStrike" cap="none">
-                <a:solidFill>
-                  <a:srgbClr val="999999"/>
-                </a:solidFill>
-                <a:latin typeface="Cabin"/>
-                <a:ea typeface="Cabin"/>
-                <a:cs typeface="Cabin"/>
-                <a:sym typeface="Cabin"/>
-              </a:defRPr>
-            </a:lvl6pPr>
-            <a:lvl7pPr marL="3200400" marR="0" lvl="6" indent="-311150" algn="l" rtl="0">
-              <a:lnSpc>
-                <a:spcPct val="115000"/>
-              </a:lnSpc>
-              <a:spcBef>
-                <a:spcPts val="0"/>
-              </a:spcBef>
-              <a:spcAft>
-                <a:spcPts val="0"/>
-              </a:spcAft>
-              <a:buClr>
-                <a:srgbClr val="999999"/>
-              </a:buClr>
-              <a:buSzPts val="1300"/>
-              <a:buFont typeface="Cabin"/>
-              <a:buChar char="●"/>
-              <a:defRPr sz="1300" b="0" i="0" u="none" strike="noStrike" cap="none">
-                <a:solidFill>
-                  <a:srgbClr val="999999"/>
-                </a:solidFill>
-                <a:latin typeface="Cabin"/>
-                <a:ea typeface="Cabin"/>
-                <a:cs typeface="Cabin"/>
-                <a:sym typeface="Cabin"/>
-              </a:defRPr>
-            </a:lvl7pPr>
-            <a:lvl8pPr marL="3657600" marR="0" lvl="7" indent="-311150" algn="l" rtl="0">
-              <a:lnSpc>
-                <a:spcPct val="115000"/>
-              </a:lnSpc>
-              <a:spcBef>
-                <a:spcPts val="0"/>
-              </a:spcBef>
-              <a:spcAft>
-                <a:spcPts val="0"/>
-              </a:spcAft>
-              <a:buClr>
-                <a:srgbClr val="999999"/>
-              </a:buClr>
-              <a:buSzPts val="1300"/>
-              <a:buFont typeface="Cabin"/>
-              <a:buChar char="○"/>
-              <a:defRPr sz="1300" b="0" i="0" u="none" strike="noStrike" cap="none">
-                <a:solidFill>
-                  <a:srgbClr val="999999"/>
-                </a:solidFill>
-                <a:latin typeface="Cabin"/>
-                <a:ea typeface="Cabin"/>
-                <a:cs typeface="Cabin"/>
-                <a:sym typeface="Cabin"/>
-              </a:defRPr>
-            </a:lvl8pPr>
-            <a:lvl9pPr marL="4114800" marR="0" lvl="8" indent="-304800" algn="l" rtl="0">
-              <a:lnSpc>
-                <a:spcPct val="115000"/>
-              </a:lnSpc>
-              <a:spcBef>
-                <a:spcPts val="0"/>
-              </a:spcBef>
-              <a:spcAft>
-                <a:spcPts val="0"/>
-              </a:spcAft>
-              <a:buClr>
-                <a:srgbClr val="999999"/>
-              </a:buClr>
-              <a:buSzPts val="1200"/>
-              <a:buFont typeface="Cabin"/>
-              <a:buChar char="■"/>
-              <a:defRPr sz="1200" b="0" i="0" u="none" strike="noStrike" cap="none">
-                <a:solidFill>
-                  <a:srgbClr val="999999"/>
-                </a:solidFill>
-                <a:latin typeface="Cabin"/>
-                <a:ea typeface="Cabin"/>
-                <a:cs typeface="Cabin"/>
-                <a:sym typeface="Cabin"/>
-              </a:defRPr>
-            </a:lvl9pPr>
-          </a:lstStyle>
-          <a:p>
-            <a:pPr marL="0" indent="0">
-              <a:buFont typeface="Cabin"/>
-              <a:buNone/>
-            </a:pPr>
-            <a:r>
-              <a:rPr lang="en-US" sz="1400" b="1" dirty="0">
-                <a:solidFill>
-                  <a:srgbClr val="F8BC28"/>
-                </a:solidFill>
-                <a:latin typeface="Montserrat"/>
-                <a:ea typeface="Montserrat"/>
-                <a:cs typeface="Montserrat"/>
-                <a:sym typeface="Montserrat"/>
-              </a:rPr>
-              <a:t>Học trực tuyến</a:t>
-            </a:r>
-            <a:br>
-              <a:rPr lang="en-US" sz="1400" dirty="0"/>
-            </a:br>
-            <a:r>
-              <a:rPr lang="en-US" sz="1400" dirty="0"/>
-              <a:t>Cung cấp công cụ học tập trực tuyến cho người dùng</a:t>
-            </a:r>
-            <a:endParaRPr lang="en-US" sz="1200" dirty="0"/>
-          </a:p>
-        </p:txBody>
-      </p:sp>
-      <p:sp>
-        <p:nvSpPr>
-          <p:cNvPr id="12" name="Google Shape;1151;p50">
-            <a:extLst>
-              <a:ext uri="{FF2B5EF4-FFF2-40B4-BE49-F238E27FC236}">
-                <a16:creationId xmlns:a16="http://schemas.microsoft.com/office/drawing/2014/main" id="{14FF9136-D95A-4D56-90ED-D23A4CA82C6E}"/>
-              </a:ext>
-            </a:extLst>
-          </p:cNvPr>
-          <p:cNvSpPr txBox="1">
-            <a:spLocks/>
-          </p:cNvSpPr>
-          <p:nvPr/>
-        </p:nvSpPr>
-        <p:spPr>
-          <a:xfrm>
-            <a:off x="5986800" y="3140617"/>
-            <a:ext cx="2166600" cy="1136100"/>
-          </a:xfrm>
-          <a:prstGeom prst="rect">
-            <a:avLst/>
-          </a:prstGeom>
-          <a:noFill/>
-          <a:ln>
-            <a:noFill/>
-          </a:ln>
-        </p:spPr>
-        <p:txBody>
-          <a:bodyPr spcFirstLastPara="1" wrap="square" lIns="91425" tIns="91425" rIns="91425" bIns="91425" anchor="t" anchorCtr="0">
-            <a:noAutofit/>
-          </a:bodyPr>
-          <a:lstStyle>
-            <a:defPPr marR="0" lvl="0" algn="l" rtl="0">
-              <a:lnSpc>
-                <a:spcPct val="100000"/>
-              </a:lnSpc>
-              <a:spcBef>
-                <a:spcPts val="0"/>
-              </a:spcBef>
-              <a:spcAft>
-                <a:spcPts val="0"/>
-              </a:spcAft>
-            </a:defPPr>
-            <a:lvl1pPr marL="457200" marR="0" lvl="0" indent="-330200" algn="l" rtl="0">
-              <a:lnSpc>
-                <a:spcPct val="115000"/>
-              </a:lnSpc>
-              <a:spcBef>
-                <a:spcPts val="0"/>
-              </a:spcBef>
-              <a:spcAft>
-                <a:spcPts val="0"/>
-              </a:spcAft>
-              <a:buClr>
-                <a:srgbClr val="E9AA1B"/>
-              </a:buClr>
-              <a:buSzPts val="1600"/>
-              <a:buFont typeface="Cabin"/>
-              <a:buChar char="●"/>
-              <a:defRPr sz="1600" b="0" i="0" u="none" strike="noStrike" cap="none">
-                <a:solidFill>
-                  <a:srgbClr val="999999"/>
-                </a:solidFill>
-                <a:latin typeface="Cabin"/>
-                <a:ea typeface="Cabin"/>
-                <a:cs typeface="Cabin"/>
-                <a:sym typeface="Cabin"/>
-              </a:defRPr>
-            </a:lvl1pPr>
-            <a:lvl2pPr marL="914400" marR="0" lvl="1" indent="-330200" algn="l" rtl="0">
-              <a:lnSpc>
-                <a:spcPct val="115000"/>
-              </a:lnSpc>
-              <a:spcBef>
-                <a:spcPts val="0"/>
-              </a:spcBef>
-              <a:spcAft>
-                <a:spcPts val="0"/>
-              </a:spcAft>
-              <a:buClr>
-                <a:srgbClr val="E9AA1B"/>
-              </a:buClr>
-              <a:buSzPts val="1600"/>
-              <a:buFont typeface="Cabin"/>
-              <a:buChar char="○"/>
-              <a:defRPr sz="1600" b="0" i="0" u="none" strike="noStrike" cap="none">
-                <a:solidFill>
-                  <a:srgbClr val="999999"/>
-                </a:solidFill>
-                <a:latin typeface="Cabin"/>
-                <a:ea typeface="Cabin"/>
-                <a:cs typeface="Cabin"/>
-                <a:sym typeface="Cabin"/>
-              </a:defRPr>
-            </a:lvl2pPr>
-            <a:lvl3pPr marL="1371600" marR="0" lvl="2" indent="-323850" algn="l" rtl="0">
-              <a:lnSpc>
-                <a:spcPct val="115000"/>
-              </a:lnSpc>
-              <a:spcBef>
-                <a:spcPts val="0"/>
-              </a:spcBef>
-              <a:spcAft>
-                <a:spcPts val="0"/>
-              </a:spcAft>
-              <a:buClr>
-                <a:srgbClr val="E9AA1B"/>
-              </a:buClr>
-              <a:buSzPts val="1500"/>
-              <a:buFont typeface="Cabin"/>
-              <a:buChar char="■"/>
-              <a:defRPr sz="1500" b="0" i="0" u="none" strike="noStrike" cap="none">
-                <a:solidFill>
-                  <a:srgbClr val="999999"/>
-                </a:solidFill>
-                <a:latin typeface="Cabin"/>
-                <a:ea typeface="Cabin"/>
-                <a:cs typeface="Cabin"/>
-                <a:sym typeface="Cabin"/>
-              </a:defRPr>
-            </a:lvl3pPr>
-            <a:lvl4pPr marL="1828800" marR="0" lvl="3" indent="-323850" algn="l" rtl="0">
-              <a:lnSpc>
-                <a:spcPct val="115000"/>
-              </a:lnSpc>
-              <a:spcBef>
-                <a:spcPts val="0"/>
-              </a:spcBef>
-              <a:spcAft>
-                <a:spcPts val="0"/>
-              </a:spcAft>
-              <a:buClr>
-                <a:srgbClr val="E9AA1B"/>
-              </a:buClr>
-              <a:buSzPts val="1500"/>
-              <a:buFont typeface="Cabin"/>
-              <a:buChar char="●"/>
-              <a:defRPr sz="1500" b="0" i="0" u="none" strike="noStrike" cap="none">
-                <a:solidFill>
-                  <a:srgbClr val="999999"/>
-                </a:solidFill>
-                <a:latin typeface="Cabin"/>
-                <a:ea typeface="Cabin"/>
-                <a:cs typeface="Cabin"/>
-                <a:sym typeface="Cabin"/>
-              </a:defRPr>
-            </a:lvl4pPr>
-            <a:lvl5pPr marL="2286000" marR="0" lvl="4" indent="-317500" algn="l" rtl="0">
-              <a:lnSpc>
-                <a:spcPct val="115000"/>
-              </a:lnSpc>
-              <a:spcBef>
-                <a:spcPts val="0"/>
-              </a:spcBef>
-              <a:spcAft>
-                <a:spcPts val="0"/>
-              </a:spcAft>
-              <a:buClr>
-                <a:srgbClr val="E9AA1B"/>
-              </a:buClr>
-              <a:buSzPts val="1400"/>
-              <a:buFont typeface="Cabin"/>
-              <a:buChar char="○"/>
-              <a:defRPr sz="1400" b="0" i="0" u="none" strike="noStrike" cap="none">
-                <a:solidFill>
-                  <a:srgbClr val="999999"/>
-                </a:solidFill>
-                <a:latin typeface="Cabin"/>
-                <a:ea typeface="Cabin"/>
-                <a:cs typeface="Cabin"/>
-                <a:sym typeface="Cabin"/>
-              </a:defRPr>
-            </a:lvl5pPr>
-            <a:lvl6pPr marL="2743200" marR="0" lvl="5" indent="-317500" algn="l" rtl="0">
-              <a:lnSpc>
-                <a:spcPct val="115000"/>
-              </a:lnSpc>
-              <a:spcBef>
-                <a:spcPts val="0"/>
-              </a:spcBef>
-              <a:spcAft>
-                <a:spcPts val="0"/>
-              </a:spcAft>
-              <a:buClr>
-                <a:srgbClr val="E9AA1B"/>
-              </a:buClr>
-              <a:buSzPts val="1400"/>
-              <a:buFont typeface="Cabin"/>
-              <a:buChar char="■"/>
-              <a:defRPr sz="1400" b="0" i="0" u="none" strike="noStrike" cap="none">
-                <a:solidFill>
-                  <a:srgbClr val="999999"/>
-                </a:solidFill>
-                <a:latin typeface="Cabin"/>
-                <a:ea typeface="Cabin"/>
-                <a:cs typeface="Cabin"/>
-                <a:sym typeface="Cabin"/>
-              </a:defRPr>
-            </a:lvl6pPr>
-            <a:lvl7pPr marL="3200400" marR="0" lvl="6" indent="-311150" algn="l" rtl="0">
-              <a:lnSpc>
-                <a:spcPct val="115000"/>
-              </a:lnSpc>
-              <a:spcBef>
-                <a:spcPts val="0"/>
-              </a:spcBef>
-              <a:spcAft>
-                <a:spcPts val="0"/>
-              </a:spcAft>
-              <a:buClr>
-                <a:srgbClr val="999999"/>
-              </a:buClr>
-              <a:buSzPts val="1300"/>
-              <a:buFont typeface="Cabin"/>
-              <a:buChar char="●"/>
-              <a:defRPr sz="1300" b="0" i="0" u="none" strike="noStrike" cap="none">
-                <a:solidFill>
-                  <a:srgbClr val="999999"/>
-                </a:solidFill>
-                <a:latin typeface="Cabin"/>
-                <a:ea typeface="Cabin"/>
-                <a:cs typeface="Cabin"/>
-                <a:sym typeface="Cabin"/>
-              </a:defRPr>
-            </a:lvl7pPr>
-            <a:lvl8pPr marL="3657600" marR="0" lvl="7" indent="-311150" algn="l" rtl="0">
-              <a:lnSpc>
-                <a:spcPct val="115000"/>
-              </a:lnSpc>
-              <a:spcBef>
-                <a:spcPts val="0"/>
-              </a:spcBef>
-              <a:spcAft>
-                <a:spcPts val="0"/>
-              </a:spcAft>
-              <a:buClr>
-                <a:srgbClr val="999999"/>
-              </a:buClr>
-              <a:buSzPts val="1300"/>
-              <a:buFont typeface="Cabin"/>
-              <a:buChar char="○"/>
-              <a:defRPr sz="1300" b="0" i="0" u="none" strike="noStrike" cap="none">
-                <a:solidFill>
-                  <a:srgbClr val="999999"/>
-                </a:solidFill>
-                <a:latin typeface="Cabin"/>
-                <a:ea typeface="Cabin"/>
-                <a:cs typeface="Cabin"/>
-                <a:sym typeface="Cabin"/>
-              </a:defRPr>
-            </a:lvl8pPr>
-            <a:lvl9pPr marL="4114800" marR="0" lvl="8" indent="-304800" algn="l" rtl="0">
-              <a:lnSpc>
-                <a:spcPct val="115000"/>
-              </a:lnSpc>
-              <a:spcBef>
-                <a:spcPts val="0"/>
-              </a:spcBef>
-              <a:spcAft>
-                <a:spcPts val="0"/>
-              </a:spcAft>
-              <a:buClr>
-                <a:srgbClr val="999999"/>
-              </a:buClr>
-              <a:buSzPts val="1200"/>
-              <a:buFont typeface="Cabin"/>
-              <a:buChar char="■"/>
-              <a:defRPr sz="1200" b="0" i="0" u="none" strike="noStrike" cap="none">
-                <a:solidFill>
-                  <a:srgbClr val="999999"/>
-                </a:solidFill>
-                <a:latin typeface="Cabin"/>
-                <a:ea typeface="Cabin"/>
-                <a:cs typeface="Cabin"/>
-                <a:sym typeface="Cabin"/>
-              </a:defRPr>
-            </a:lvl9pPr>
-          </a:lstStyle>
-          <a:p>
-            <a:pPr marL="0" indent="0">
-              <a:buFont typeface="Cabin"/>
-              <a:buNone/>
-            </a:pPr>
-            <a:r>
-              <a:rPr lang="en-US" sz="1400" b="1" dirty="0">
-                <a:solidFill>
-                  <a:srgbClr val="3E516C"/>
-                </a:solidFill>
-                <a:latin typeface="Montserrat"/>
-                <a:ea typeface="Montserrat"/>
-                <a:cs typeface="Montserrat"/>
-                <a:sym typeface="Montserrat"/>
-              </a:rPr>
-              <a:t>Quản lý</a:t>
-            </a:r>
-            <a:br>
-              <a:rPr lang="en-US" sz="1400" dirty="0"/>
-            </a:br>
-            <a:r>
-              <a:rPr lang="en-US" sz="1200" dirty="0"/>
-              <a:t>Quản lý được người dùng trên hệ thống</a:t>
-            </a:r>
-            <a:endParaRPr lang="en-US" sz="1400" dirty="0"/>
-          </a:p>
-        </p:txBody>
-      </p:sp>
-      <p:cxnSp>
-        <p:nvCxnSpPr>
-          <p:cNvPr id="13" name="Google Shape;1152;p50">
-            <a:extLst>
-              <a:ext uri="{FF2B5EF4-FFF2-40B4-BE49-F238E27FC236}">
-                <a16:creationId xmlns:a16="http://schemas.microsoft.com/office/drawing/2014/main" id="{11FA1C65-DDF7-4684-89A7-C82E46EC9400}"/>
-              </a:ext>
-            </a:extLst>
-          </p:cNvPr>
-          <p:cNvCxnSpPr/>
-          <p:nvPr/>
-        </p:nvCxnSpPr>
-        <p:spPr>
-          <a:xfrm>
-            <a:off x="3325350" y="1828800"/>
-            <a:ext cx="0" cy="2459700"/>
-          </a:xfrm>
-          <a:prstGeom prst="straightConnector1">
-            <a:avLst/>
-          </a:prstGeom>
-          <a:noFill/>
-          <a:ln w="9525" cap="flat" cmpd="sng">
-            <a:solidFill>
-              <a:srgbClr val="F8BC28"/>
-            </a:solidFill>
-            <a:prstDash val="dash"/>
-            <a:round/>
-            <a:headEnd type="none" w="med" len="med"/>
-            <a:tailEnd type="none" w="med" len="med"/>
-          </a:ln>
-        </p:spPr>
-      </p:cxnSp>
-      <p:cxnSp>
-        <p:nvCxnSpPr>
-          <p:cNvPr id="14" name="Google Shape;1153;p50">
-            <a:extLst>
-              <a:ext uri="{FF2B5EF4-FFF2-40B4-BE49-F238E27FC236}">
-                <a16:creationId xmlns:a16="http://schemas.microsoft.com/office/drawing/2014/main" id="{B82224E9-FDCD-4F85-BC3F-41F94C5872C8}"/>
-              </a:ext>
-            </a:extLst>
-          </p:cNvPr>
-          <p:cNvCxnSpPr/>
-          <p:nvPr/>
-        </p:nvCxnSpPr>
-        <p:spPr>
-          <a:xfrm>
-            <a:off x="5821850" y="1828800"/>
-            <a:ext cx="0" cy="2459700"/>
-          </a:xfrm>
-          <a:prstGeom prst="straightConnector1">
-            <a:avLst/>
-          </a:prstGeom>
-          <a:noFill/>
-          <a:ln w="9525" cap="flat" cmpd="sng">
-            <a:solidFill>
-              <a:srgbClr val="F8BC28"/>
-            </a:solidFill>
-            <a:prstDash val="dash"/>
-            <a:round/>
-            <a:headEnd type="none" w="med" len="med"/>
-            <a:tailEnd type="none" w="med" len="med"/>
-          </a:ln>
-        </p:spPr>
-      </p:cxnSp>
-    </p:spTree>
-    <p:extLst>
-      <p:ext uri="{BB962C8B-B14F-4D97-AF65-F5344CB8AC3E}">
-        <p14:creationId xmlns:p14="http://schemas.microsoft.com/office/powerpoint/2010/main" val="608833449"/>
       </p:ext>
     </p:extLst>
   </p:cSld>
@@ -19484,7 +18495,7 @@
                 </a:solidFill>
                 <a:latin typeface="Montserrat" panose="00000500000000000000" pitchFamily="2" charset="0"/>
               </a:rPr>
-              <a:t>2. Hạn chế và khó khăn</a:t>
+              <a:t>1. Kết quả đạt được</a:t>
             </a:r>
           </a:p>
           <a:p>
@@ -19497,7 +18508,7 @@
           <p:cNvPr id="2" name="Slide Number Placeholder 1">
             <a:extLst>
               <a:ext uri="{FF2B5EF4-FFF2-40B4-BE49-F238E27FC236}">
-                <a16:creationId xmlns:a16="http://schemas.microsoft.com/office/drawing/2014/main" id="{8E9BB517-42FC-440E-B038-392C89359550}"/>
+                <a16:creationId xmlns:a16="http://schemas.microsoft.com/office/drawing/2014/main" id="{4EFEAFB6-0195-4267-9DF2-8EFA713D655D}"/>
               </a:ext>
             </a:extLst>
           </p:cNvPr>
@@ -19543,7 +18554,7 @@
           <p:cNvPr id="7" name="Google Shape;1146;p50">
             <a:extLst>
               <a:ext uri="{FF2B5EF4-FFF2-40B4-BE49-F238E27FC236}">
-                <a16:creationId xmlns:a16="http://schemas.microsoft.com/office/drawing/2014/main" id="{F1FE9C58-B7BB-4139-80EF-62624AE39090}"/>
+                <a16:creationId xmlns:a16="http://schemas.microsoft.com/office/drawing/2014/main" id="{4895A29D-C5AD-4F12-95F5-D6700CCCD04F}"/>
               </a:ext>
             </a:extLst>
           </p:cNvPr>
@@ -19554,8 +18565,8 @@
         </p:nvSpPr>
         <p:spPr>
           <a:xfrm>
-            <a:off x="1459518" y="1828800"/>
-            <a:ext cx="2542135" cy="1136100"/>
+            <a:off x="1048400" y="1828800"/>
+            <a:ext cx="2112000" cy="1136100"/>
           </a:xfrm>
           <a:prstGeom prst="rect">
             <a:avLst/>
@@ -19830,28 +18841,26 @@
                   <a:srgbClr val="F8BC28"/>
                 </a:solidFill>
                 <a:latin typeface="Montserrat"/>
-                <a:ea typeface="Montserrat"/>
-                <a:cs typeface="Montserrat"/>
                 <a:sym typeface="Montserrat"/>
               </a:rPr>
-              <a:t>Giao diện</a:t>
+              <a:t>Tìm kiếm</a:t>
             </a:r>
             <a:br>
               <a:rPr lang="en-US" dirty="0"/>
             </a:br>
             <a:r>
               <a:rPr lang="en-US" sz="1200" dirty="0"/>
-              <a:t>Giao diện chưa sinh động và bắt mắt</a:t>
+              <a:t>Đáp ứng nhu cầu tìm kiếm gia sư cho người học</a:t>
             </a:r>
           </a:p>
         </p:txBody>
       </p:sp>
       <p:sp>
         <p:nvSpPr>
-          <p:cNvPr id="9" name="Google Shape;1148;p50">
+          <p:cNvPr id="8" name="Google Shape;1147;p50">
             <a:extLst>
               <a:ext uri="{FF2B5EF4-FFF2-40B4-BE49-F238E27FC236}">
-                <a16:creationId xmlns:a16="http://schemas.microsoft.com/office/drawing/2014/main" id="{C70B67BF-593E-4D89-88C0-867A474E8B91}"/>
+                <a16:creationId xmlns:a16="http://schemas.microsoft.com/office/drawing/2014/main" id="{9DC65F95-306D-4341-B074-BEA97874A50E}"/>
               </a:ext>
             </a:extLst>
           </p:cNvPr>
@@ -19862,8 +18871,8 @@
         </p:nvSpPr>
         <p:spPr>
           <a:xfrm>
-            <a:off x="5035300" y="1828800"/>
-            <a:ext cx="3118100" cy="1136100"/>
+            <a:off x="3490300" y="1828800"/>
+            <a:ext cx="2166600" cy="1136100"/>
           </a:xfrm>
           <a:prstGeom prst="rect">
             <a:avLst/>
@@ -20126,6 +19135,9 @@
           </a:lstStyle>
           <a:p>
             <a:pPr marL="0" indent="0">
+              <a:spcAft>
+                <a:spcPts val="200"/>
+              </a:spcAft>
               <a:buFont typeface="Cabin"/>
               <a:buNone/>
             </a:pPr>
@@ -20139,34 +19151,41 @@
                 <a:cs typeface="Montserrat"/>
                 <a:sym typeface="Montserrat"/>
               </a:rPr>
-              <a:t>Thanh toán</a:t>
+              <a:t>Trò chuyện</a:t>
             </a:r>
             <a:br>
-              <a:rPr lang="en-US" sz="1400" dirty="0"/>
+              <a:rPr lang="en-US" sz="1400" b="1" dirty="0">
+                <a:solidFill>
+                  <a:srgbClr val="F8BC28"/>
+                </a:solidFill>
+                <a:latin typeface="Montserrat"/>
+                <a:ea typeface="Montserrat"/>
+                <a:cs typeface="Montserrat"/>
+                <a:sym typeface="Montserrat"/>
+              </a:rPr>
             </a:br>
             <a:r>
               <a:rPr lang="en-US" sz="1200" dirty="0"/>
-              <a:t>Chưa quản lý thu nhập của lớp học</a:t>
+              <a:t>Hỗ trợ trò chuyện trực tuyến giữa gia sư – học viên và trò chuyện trong lớp học</a:t>
             </a:r>
-          </a:p>
-          <a:p>
-            <a:pPr marL="0" indent="0">
-              <a:buFont typeface="Cabin"/>
-              <a:buNone/>
-            </a:pPr>
-            <a:r>
-              <a:rPr lang="en-US" sz="1200" dirty="0"/>
-              <a:t>Gia sư chưa thể rút tiền về tài khoản</a:t>
-            </a:r>
+            <a:endParaRPr lang="en-US" sz="1400" b="1" dirty="0">
+              <a:solidFill>
+                <a:srgbClr val="F8BC28"/>
+              </a:solidFill>
+              <a:latin typeface="Montserrat"/>
+              <a:ea typeface="Montserrat"/>
+              <a:cs typeface="Montserrat"/>
+              <a:sym typeface="Montserrat"/>
+            </a:endParaRPr>
           </a:p>
         </p:txBody>
       </p:sp>
       <p:sp>
         <p:nvSpPr>
-          <p:cNvPr id="10" name="Google Shape;1149;p50">
+          <p:cNvPr id="9" name="Google Shape;1148;p50">
             <a:extLst>
               <a:ext uri="{FF2B5EF4-FFF2-40B4-BE49-F238E27FC236}">
-                <a16:creationId xmlns:a16="http://schemas.microsoft.com/office/drawing/2014/main" id="{339085DB-A400-43FF-BB71-FE1C1F3E6264}"/>
+                <a16:creationId xmlns:a16="http://schemas.microsoft.com/office/drawing/2014/main" id="{62AB7496-9484-4198-B1C2-AD91A86A23FF}"/>
               </a:ext>
             </a:extLst>
           </p:cNvPr>
@@ -20177,8 +19196,8 @@
         </p:nvSpPr>
         <p:spPr>
           <a:xfrm>
-            <a:off x="1459518" y="3140625"/>
-            <a:ext cx="2542135" cy="1136100"/>
+            <a:off x="5986800" y="1828800"/>
+            <a:ext cx="2166600" cy="1136100"/>
           </a:xfrm>
           <a:prstGeom prst="rect">
             <a:avLst/>
@@ -20447,31 +19466,31 @@
             <a:r>
               <a:rPr lang="en-US" sz="1400" b="1" dirty="0">
                 <a:solidFill>
-                  <a:srgbClr val="3E516C"/>
+                  <a:srgbClr val="F8BC28"/>
                 </a:solidFill>
                 <a:latin typeface="Montserrat"/>
                 <a:ea typeface="Montserrat"/>
                 <a:cs typeface="Montserrat"/>
                 <a:sym typeface="Montserrat"/>
               </a:rPr>
-              <a:t>Thông tin cá nhân</a:t>
+              <a:t>Quản lý tài liệu</a:t>
             </a:r>
             <a:br>
               <a:rPr lang="en-US" sz="1400" dirty="0"/>
             </a:br>
             <a:r>
               <a:rPr lang="en-US" sz="1200" dirty="0"/>
-              <a:t>Chưa cập nhật được ảnh đại diện</a:t>
+              <a:t>Hỗ trợ quản lý tài liệu cá nhân cũng như tài liệu của khoá học</a:t>
             </a:r>
           </a:p>
         </p:txBody>
       </p:sp>
       <p:sp>
         <p:nvSpPr>
-          <p:cNvPr id="12" name="Google Shape;1151;p50">
+          <p:cNvPr id="10" name="Google Shape;1149;p50">
             <a:extLst>
               <a:ext uri="{FF2B5EF4-FFF2-40B4-BE49-F238E27FC236}">
-                <a16:creationId xmlns:a16="http://schemas.microsoft.com/office/drawing/2014/main" id="{58B65F7D-3763-435D-81F4-6DA7A4783BBF}"/>
+                <a16:creationId xmlns:a16="http://schemas.microsoft.com/office/drawing/2014/main" id="{9A5D8D95-D0C3-440E-8072-1619BD3A2D06}"/>
               </a:ext>
             </a:extLst>
           </p:cNvPr>
@@ -20482,8 +19501,8 @@
         </p:nvSpPr>
         <p:spPr>
           <a:xfrm>
-            <a:off x="5035299" y="3140617"/>
-            <a:ext cx="3270149" cy="1136100"/>
+            <a:off x="1048400" y="3140625"/>
+            <a:ext cx="2112000" cy="1136100"/>
           </a:xfrm>
           <a:prstGeom prst="rect">
             <a:avLst/>
@@ -20752,7 +19771,615 @@
             <a:r>
               <a:rPr lang="en-US" sz="1400" b="1" dirty="0">
                 <a:solidFill>
-                  <a:srgbClr val="E8A81A"/>
+                  <a:srgbClr val="3E516C"/>
+                </a:solidFill>
+                <a:latin typeface="Montserrat"/>
+                <a:sym typeface="Montserrat"/>
+              </a:rPr>
+              <a:t>Bản đồ</a:t>
+            </a:r>
+            <a:br>
+              <a:rPr lang="en-US" sz="1400" dirty="0"/>
+            </a:br>
+            <a:r>
+              <a:rPr lang="en-US" sz="1200" dirty="0"/>
+              <a:t>Hiển thị được bản đồ gia sư cũng như vị trí và đường đi và khoảng cách đến gia sư đó</a:t>
+            </a:r>
+          </a:p>
+        </p:txBody>
+      </p:sp>
+      <p:sp>
+        <p:nvSpPr>
+          <p:cNvPr id="11" name="Google Shape;1150;p50">
+            <a:extLst>
+              <a:ext uri="{FF2B5EF4-FFF2-40B4-BE49-F238E27FC236}">
+                <a16:creationId xmlns:a16="http://schemas.microsoft.com/office/drawing/2014/main" id="{B321CF8D-3BCF-46E0-B615-F1660CE97FD4}"/>
+              </a:ext>
+            </a:extLst>
+          </p:cNvPr>
+          <p:cNvSpPr txBox="1">
+            <a:spLocks/>
+          </p:cNvSpPr>
+          <p:nvPr/>
+        </p:nvSpPr>
+        <p:spPr>
+          <a:xfrm>
+            <a:off x="3490299" y="3140625"/>
+            <a:ext cx="2224695" cy="1136100"/>
+          </a:xfrm>
+          <a:prstGeom prst="rect">
+            <a:avLst/>
+          </a:prstGeom>
+          <a:noFill/>
+          <a:ln>
+            <a:noFill/>
+          </a:ln>
+        </p:spPr>
+        <p:txBody>
+          <a:bodyPr spcFirstLastPara="1" wrap="square" lIns="91425" tIns="91425" rIns="91425" bIns="91425" anchor="t" anchorCtr="0">
+            <a:noAutofit/>
+          </a:bodyPr>
+          <a:lstStyle>
+            <a:defPPr marR="0" lvl="0" algn="l" rtl="0">
+              <a:lnSpc>
+                <a:spcPct val="100000"/>
+              </a:lnSpc>
+              <a:spcBef>
+                <a:spcPts val="0"/>
+              </a:spcBef>
+              <a:spcAft>
+                <a:spcPts val="0"/>
+              </a:spcAft>
+            </a:defPPr>
+            <a:lvl1pPr marL="457200" marR="0" lvl="0" indent="-330200" algn="l" rtl="0">
+              <a:lnSpc>
+                <a:spcPct val="115000"/>
+              </a:lnSpc>
+              <a:spcBef>
+                <a:spcPts val="0"/>
+              </a:spcBef>
+              <a:spcAft>
+                <a:spcPts val="0"/>
+              </a:spcAft>
+              <a:buClr>
+                <a:srgbClr val="E9AA1B"/>
+              </a:buClr>
+              <a:buSzPts val="1600"/>
+              <a:buFont typeface="Cabin"/>
+              <a:buChar char="●"/>
+              <a:defRPr sz="1600" b="0" i="0" u="none" strike="noStrike" cap="none">
+                <a:solidFill>
+                  <a:srgbClr val="999999"/>
+                </a:solidFill>
+                <a:latin typeface="Cabin"/>
+                <a:ea typeface="Cabin"/>
+                <a:cs typeface="Cabin"/>
+                <a:sym typeface="Cabin"/>
+              </a:defRPr>
+            </a:lvl1pPr>
+            <a:lvl2pPr marL="914400" marR="0" lvl="1" indent="-330200" algn="l" rtl="0">
+              <a:lnSpc>
+                <a:spcPct val="115000"/>
+              </a:lnSpc>
+              <a:spcBef>
+                <a:spcPts val="0"/>
+              </a:spcBef>
+              <a:spcAft>
+                <a:spcPts val="0"/>
+              </a:spcAft>
+              <a:buClr>
+                <a:srgbClr val="E9AA1B"/>
+              </a:buClr>
+              <a:buSzPts val="1600"/>
+              <a:buFont typeface="Cabin"/>
+              <a:buChar char="○"/>
+              <a:defRPr sz="1600" b="0" i="0" u="none" strike="noStrike" cap="none">
+                <a:solidFill>
+                  <a:srgbClr val="999999"/>
+                </a:solidFill>
+                <a:latin typeface="Cabin"/>
+                <a:ea typeface="Cabin"/>
+                <a:cs typeface="Cabin"/>
+                <a:sym typeface="Cabin"/>
+              </a:defRPr>
+            </a:lvl2pPr>
+            <a:lvl3pPr marL="1371600" marR="0" lvl="2" indent="-323850" algn="l" rtl="0">
+              <a:lnSpc>
+                <a:spcPct val="115000"/>
+              </a:lnSpc>
+              <a:spcBef>
+                <a:spcPts val="0"/>
+              </a:spcBef>
+              <a:spcAft>
+                <a:spcPts val="0"/>
+              </a:spcAft>
+              <a:buClr>
+                <a:srgbClr val="E9AA1B"/>
+              </a:buClr>
+              <a:buSzPts val="1500"/>
+              <a:buFont typeface="Cabin"/>
+              <a:buChar char="■"/>
+              <a:defRPr sz="1500" b="0" i="0" u="none" strike="noStrike" cap="none">
+                <a:solidFill>
+                  <a:srgbClr val="999999"/>
+                </a:solidFill>
+                <a:latin typeface="Cabin"/>
+                <a:ea typeface="Cabin"/>
+                <a:cs typeface="Cabin"/>
+                <a:sym typeface="Cabin"/>
+              </a:defRPr>
+            </a:lvl3pPr>
+            <a:lvl4pPr marL="1828800" marR="0" lvl="3" indent="-323850" algn="l" rtl="0">
+              <a:lnSpc>
+                <a:spcPct val="115000"/>
+              </a:lnSpc>
+              <a:spcBef>
+                <a:spcPts val="0"/>
+              </a:spcBef>
+              <a:spcAft>
+                <a:spcPts val="0"/>
+              </a:spcAft>
+              <a:buClr>
+                <a:srgbClr val="E9AA1B"/>
+              </a:buClr>
+              <a:buSzPts val="1500"/>
+              <a:buFont typeface="Cabin"/>
+              <a:buChar char="●"/>
+              <a:defRPr sz="1500" b="0" i="0" u="none" strike="noStrike" cap="none">
+                <a:solidFill>
+                  <a:srgbClr val="999999"/>
+                </a:solidFill>
+                <a:latin typeface="Cabin"/>
+                <a:ea typeface="Cabin"/>
+                <a:cs typeface="Cabin"/>
+                <a:sym typeface="Cabin"/>
+              </a:defRPr>
+            </a:lvl4pPr>
+            <a:lvl5pPr marL="2286000" marR="0" lvl="4" indent="-317500" algn="l" rtl="0">
+              <a:lnSpc>
+                <a:spcPct val="115000"/>
+              </a:lnSpc>
+              <a:spcBef>
+                <a:spcPts val="0"/>
+              </a:spcBef>
+              <a:spcAft>
+                <a:spcPts val="0"/>
+              </a:spcAft>
+              <a:buClr>
+                <a:srgbClr val="E9AA1B"/>
+              </a:buClr>
+              <a:buSzPts val="1400"/>
+              <a:buFont typeface="Cabin"/>
+              <a:buChar char="○"/>
+              <a:defRPr sz="1400" b="0" i="0" u="none" strike="noStrike" cap="none">
+                <a:solidFill>
+                  <a:srgbClr val="999999"/>
+                </a:solidFill>
+                <a:latin typeface="Cabin"/>
+                <a:ea typeface="Cabin"/>
+                <a:cs typeface="Cabin"/>
+                <a:sym typeface="Cabin"/>
+              </a:defRPr>
+            </a:lvl5pPr>
+            <a:lvl6pPr marL="2743200" marR="0" lvl="5" indent="-317500" algn="l" rtl="0">
+              <a:lnSpc>
+                <a:spcPct val="115000"/>
+              </a:lnSpc>
+              <a:spcBef>
+                <a:spcPts val="0"/>
+              </a:spcBef>
+              <a:spcAft>
+                <a:spcPts val="0"/>
+              </a:spcAft>
+              <a:buClr>
+                <a:srgbClr val="E9AA1B"/>
+              </a:buClr>
+              <a:buSzPts val="1400"/>
+              <a:buFont typeface="Cabin"/>
+              <a:buChar char="■"/>
+              <a:defRPr sz="1400" b="0" i="0" u="none" strike="noStrike" cap="none">
+                <a:solidFill>
+                  <a:srgbClr val="999999"/>
+                </a:solidFill>
+                <a:latin typeface="Cabin"/>
+                <a:ea typeface="Cabin"/>
+                <a:cs typeface="Cabin"/>
+                <a:sym typeface="Cabin"/>
+              </a:defRPr>
+            </a:lvl6pPr>
+            <a:lvl7pPr marL="3200400" marR="0" lvl="6" indent="-311150" algn="l" rtl="0">
+              <a:lnSpc>
+                <a:spcPct val="115000"/>
+              </a:lnSpc>
+              <a:spcBef>
+                <a:spcPts val="0"/>
+              </a:spcBef>
+              <a:spcAft>
+                <a:spcPts val="0"/>
+              </a:spcAft>
+              <a:buClr>
+                <a:srgbClr val="999999"/>
+              </a:buClr>
+              <a:buSzPts val="1300"/>
+              <a:buFont typeface="Cabin"/>
+              <a:buChar char="●"/>
+              <a:defRPr sz="1300" b="0" i="0" u="none" strike="noStrike" cap="none">
+                <a:solidFill>
+                  <a:srgbClr val="999999"/>
+                </a:solidFill>
+                <a:latin typeface="Cabin"/>
+                <a:ea typeface="Cabin"/>
+                <a:cs typeface="Cabin"/>
+                <a:sym typeface="Cabin"/>
+              </a:defRPr>
+            </a:lvl7pPr>
+            <a:lvl8pPr marL="3657600" marR="0" lvl="7" indent="-311150" algn="l" rtl="0">
+              <a:lnSpc>
+                <a:spcPct val="115000"/>
+              </a:lnSpc>
+              <a:spcBef>
+                <a:spcPts val="0"/>
+              </a:spcBef>
+              <a:spcAft>
+                <a:spcPts val="0"/>
+              </a:spcAft>
+              <a:buClr>
+                <a:srgbClr val="999999"/>
+              </a:buClr>
+              <a:buSzPts val="1300"/>
+              <a:buFont typeface="Cabin"/>
+              <a:buChar char="○"/>
+              <a:defRPr sz="1300" b="0" i="0" u="none" strike="noStrike" cap="none">
+                <a:solidFill>
+                  <a:srgbClr val="999999"/>
+                </a:solidFill>
+                <a:latin typeface="Cabin"/>
+                <a:ea typeface="Cabin"/>
+                <a:cs typeface="Cabin"/>
+                <a:sym typeface="Cabin"/>
+              </a:defRPr>
+            </a:lvl8pPr>
+            <a:lvl9pPr marL="4114800" marR="0" lvl="8" indent="-304800" algn="l" rtl="0">
+              <a:lnSpc>
+                <a:spcPct val="115000"/>
+              </a:lnSpc>
+              <a:spcBef>
+                <a:spcPts val="0"/>
+              </a:spcBef>
+              <a:spcAft>
+                <a:spcPts val="0"/>
+              </a:spcAft>
+              <a:buClr>
+                <a:srgbClr val="999999"/>
+              </a:buClr>
+              <a:buSzPts val="1200"/>
+              <a:buFont typeface="Cabin"/>
+              <a:buChar char="■"/>
+              <a:defRPr sz="1200" b="0" i="0" u="none" strike="noStrike" cap="none">
+                <a:solidFill>
+                  <a:srgbClr val="999999"/>
+                </a:solidFill>
+                <a:latin typeface="Cabin"/>
+                <a:ea typeface="Cabin"/>
+                <a:cs typeface="Cabin"/>
+                <a:sym typeface="Cabin"/>
+              </a:defRPr>
+            </a:lvl9pPr>
+          </a:lstStyle>
+          <a:p>
+            <a:pPr marL="0" indent="0">
+              <a:buFont typeface="Cabin"/>
+              <a:buNone/>
+            </a:pPr>
+            <a:r>
+              <a:rPr lang="en-US" sz="1400" b="1" dirty="0">
+                <a:solidFill>
+                  <a:srgbClr val="F8BC28"/>
+                </a:solidFill>
+                <a:latin typeface="Montserrat"/>
+                <a:ea typeface="Montserrat"/>
+                <a:cs typeface="Montserrat"/>
+                <a:sym typeface="Montserrat"/>
+              </a:rPr>
+              <a:t>Học trực tuyến</a:t>
+            </a:r>
+            <a:br>
+              <a:rPr lang="en-US" sz="1400" dirty="0"/>
+            </a:br>
+            <a:r>
+              <a:rPr lang="en-US" sz="1200" dirty="0"/>
+              <a:t>Cung cấp nền tảng học tập trực tuyến cho người dùng</a:t>
+            </a:r>
+          </a:p>
+        </p:txBody>
+      </p:sp>
+      <p:sp>
+        <p:nvSpPr>
+          <p:cNvPr id="12" name="Google Shape;1151;p50">
+            <a:extLst>
+              <a:ext uri="{FF2B5EF4-FFF2-40B4-BE49-F238E27FC236}">
+                <a16:creationId xmlns:a16="http://schemas.microsoft.com/office/drawing/2014/main" id="{14FF9136-D95A-4D56-90ED-D23A4CA82C6E}"/>
+              </a:ext>
+            </a:extLst>
+          </p:cNvPr>
+          <p:cNvSpPr txBox="1">
+            <a:spLocks/>
+          </p:cNvSpPr>
+          <p:nvPr/>
+        </p:nvSpPr>
+        <p:spPr>
+          <a:xfrm>
+            <a:off x="5986799" y="3140617"/>
+            <a:ext cx="2338443" cy="1136100"/>
+          </a:xfrm>
+          <a:prstGeom prst="rect">
+            <a:avLst/>
+          </a:prstGeom>
+          <a:noFill/>
+          <a:ln>
+            <a:noFill/>
+          </a:ln>
+        </p:spPr>
+        <p:txBody>
+          <a:bodyPr spcFirstLastPara="1" wrap="square" lIns="91425" tIns="91425" rIns="91425" bIns="91425" anchor="t" anchorCtr="0">
+            <a:noAutofit/>
+          </a:bodyPr>
+          <a:lstStyle>
+            <a:defPPr marR="0" lvl="0" algn="l" rtl="0">
+              <a:lnSpc>
+                <a:spcPct val="100000"/>
+              </a:lnSpc>
+              <a:spcBef>
+                <a:spcPts val="0"/>
+              </a:spcBef>
+              <a:spcAft>
+                <a:spcPts val="0"/>
+              </a:spcAft>
+            </a:defPPr>
+            <a:lvl1pPr marL="457200" marR="0" lvl="0" indent="-330200" algn="l" rtl="0">
+              <a:lnSpc>
+                <a:spcPct val="115000"/>
+              </a:lnSpc>
+              <a:spcBef>
+                <a:spcPts val="0"/>
+              </a:spcBef>
+              <a:spcAft>
+                <a:spcPts val="0"/>
+              </a:spcAft>
+              <a:buClr>
+                <a:srgbClr val="E9AA1B"/>
+              </a:buClr>
+              <a:buSzPts val="1600"/>
+              <a:buFont typeface="Cabin"/>
+              <a:buChar char="●"/>
+              <a:defRPr sz="1600" b="0" i="0" u="none" strike="noStrike" cap="none">
+                <a:solidFill>
+                  <a:srgbClr val="999999"/>
+                </a:solidFill>
+                <a:latin typeface="Cabin"/>
+                <a:ea typeface="Cabin"/>
+                <a:cs typeface="Cabin"/>
+                <a:sym typeface="Cabin"/>
+              </a:defRPr>
+            </a:lvl1pPr>
+            <a:lvl2pPr marL="914400" marR="0" lvl="1" indent="-330200" algn="l" rtl="0">
+              <a:lnSpc>
+                <a:spcPct val="115000"/>
+              </a:lnSpc>
+              <a:spcBef>
+                <a:spcPts val="0"/>
+              </a:spcBef>
+              <a:spcAft>
+                <a:spcPts val="0"/>
+              </a:spcAft>
+              <a:buClr>
+                <a:srgbClr val="E9AA1B"/>
+              </a:buClr>
+              <a:buSzPts val="1600"/>
+              <a:buFont typeface="Cabin"/>
+              <a:buChar char="○"/>
+              <a:defRPr sz="1600" b="0" i="0" u="none" strike="noStrike" cap="none">
+                <a:solidFill>
+                  <a:srgbClr val="999999"/>
+                </a:solidFill>
+                <a:latin typeface="Cabin"/>
+                <a:ea typeface="Cabin"/>
+                <a:cs typeface="Cabin"/>
+                <a:sym typeface="Cabin"/>
+              </a:defRPr>
+            </a:lvl2pPr>
+            <a:lvl3pPr marL="1371600" marR="0" lvl="2" indent="-323850" algn="l" rtl="0">
+              <a:lnSpc>
+                <a:spcPct val="115000"/>
+              </a:lnSpc>
+              <a:spcBef>
+                <a:spcPts val="0"/>
+              </a:spcBef>
+              <a:spcAft>
+                <a:spcPts val="0"/>
+              </a:spcAft>
+              <a:buClr>
+                <a:srgbClr val="E9AA1B"/>
+              </a:buClr>
+              <a:buSzPts val="1500"/>
+              <a:buFont typeface="Cabin"/>
+              <a:buChar char="■"/>
+              <a:defRPr sz="1500" b="0" i="0" u="none" strike="noStrike" cap="none">
+                <a:solidFill>
+                  <a:srgbClr val="999999"/>
+                </a:solidFill>
+                <a:latin typeface="Cabin"/>
+                <a:ea typeface="Cabin"/>
+                <a:cs typeface="Cabin"/>
+                <a:sym typeface="Cabin"/>
+              </a:defRPr>
+            </a:lvl3pPr>
+            <a:lvl4pPr marL="1828800" marR="0" lvl="3" indent="-323850" algn="l" rtl="0">
+              <a:lnSpc>
+                <a:spcPct val="115000"/>
+              </a:lnSpc>
+              <a:spcBef>
+                <a:spcPts val="0"/>
+              </a:spcBef>
+              <a:spcAft>
+                <a:spcPts val="0"/>
+              </a:spcAft>
+              <a:buClr>
+                <a:srgbClr val="E9AA1B"/>
+              </a:buClr>
+              <a:buSzPts val="1500"/>
+              <a:buFont typeface="Cabin"/>
+              <a:buChar char="●"/>
+              <a:defRPr sz="1500" b="0" i="0" u="none" strike="noStrike" cap="none">
+                <a:solidFill>
+                  <a:srgbClr val="999999"/>
+                </a:solidFill>
+                <a:latin typeface="Cabin"/>
+                <a:ea typeface="Cabin"/>
+                <a:cs typeface="Cabin"/>
+                <a:sym typeface="Cabin"/>
+              </a:defRPr>
+            </a:lvl4pPr>
+            <a:lvl5pPr marL="2286000" marR="0" lvl="4" indent="-317500" algn="l" rtl="0">
+              <a:lnSpc>
+                <a:spcPct val="115000"/>
+              </a:lnSpc>
+              <a:spcBef>
+                <a:spcPts val="0"/>
+              </a:spcBef>
+              <a:spcAft>
+                <a:spcPts val="0"/>
+              </a:spcAft>
+              <a:buClr>
+                <a:srgbClr val="E9AA1B"/>
+              </a:buClr>
+              <a:buSzPts val="1400"/>
+              <a:buFont typeface="Cabin"/>
+              <a:buChar char="○"/>
+              <a:defRPr sz="1400" b="0" i="0" u="none" strike="noStrike" cap="none">
+                <a:solidFill>
+                  <a:srgbClr val="999999"/>
+                </a:solidFill>
+                <a:latin typeface="Cabin"/>
+                <a:ea typeface="Cabin"/>
+                <a:cs typeface="Cabin"/>
+                <a:sym typeface="Cabin"/>
+              </a:defRPr>
+            </a:lvl5pPr>
+            <a:lvl6pPr marL="2743200" marR="0" lvl="5" indent="-317500" algn="l" rtl="0">
+              <a:lnSpc>
+                <a:spcPct val="115000"/>
+              </a:lnSpc>
+              <a:spcBef>
+                <a:spcPts val="0"/>
+              </a:spcBef>
+              <a:spcAft>
+                <a:spcPts val="0"/>
+              </a:spcAft>
+              <a:buClr>
+                <a:srgbClr val="E9AA1B"/>
+              </a:buClr>
+              <a:buSzPts val="1400"/>
+              <a:buFont typeface="Cabin"/>
+              <a:buChar char="■"/>
+              <a:defRPr sz="1400" b="0" i="0" u="none" strike="noStrike" cap="none">
+                <a:solidFill>
+                  <a:srgbClr val="999999"/>
+                </a:solidFill>
+                <a:latin typeface="Cabin"/>
+                <a:ea typeface="Cabin"/>
+                <a:cs typeface="Cabin"/>
+                <a:sym typeface="Cabin"/>
+              </a:defRPr>
+            </a:lvl6pPr>
+            <a:lvl7pPr marL="3200400" marR="0" lvl="6" indent="-311150" algn="l" rtl="0">
+              <a:lnSpc>
+                <a:spcPct val="115000"/>
+              </a:lnSpc>
+              <a:spcBef>
+                <a:spcPts val="0"/>
+              </a:spcBef>
+              <a:spcAft>
+                <a:spcPts val="0"/>
+              </a:spcAft>
+              <a:buClr>
+                <a:srgbClr val="999999"/>
+              </a:buClr>
+              <a:buSzPts val="1300"/>
+              <a:buFont typeface="Cabin"/>
+              <a:buChar char="●"/>
+              <a:defRPr sz="1300" b="0" i="0" u="none" strike="noStrike" cap="none">
+                <a:solidFill>
+                  <a:srgbClr val="999999"/>
+                </a:solidFill>
+                <a:latin typeface="Cabin"/>
+                <a:ea typeface="Cabin"/>
+                <a:cs typeface="Cabin"/>
+                <a:sym typeface="Cabin"/>
+              </a:defRPr>
+            </a:lvl7pPr>
+            <a:lvl8pPr marL="3657600" marR="0" lvl="7" indent="-311150" algn="l" rtl="0">
+              <a:lnSpc>
+                <a:spcPct val="115000"/>
+              </a:lnSpc>
+              <a:spcBef>
+                <a:spcPts val="0"/>
+              </a:spcBef>
+              <a:spcAft>
+                <a:spcPts val="0"/>
+              </a:spcAft>
+              <a:buClr>
+                <a:srgbClr val="999999"/>
+              </a:buClr>
+              <a:buSzPts val="1300"/>
+              <a:buFont typeface="Cabin"/>
+              <a:buChar char="○"/>
+              <a:defRPr sz="1300" b="0" i="0" u="none" strike="noStrike" cap="none">
+                <a:solidFill>
+                  <a:srgbClr val="999999"/>
+                </a:solidFill>
+                <a:latin typeface="Cabin"/>
+                <a:ea typeface="Cabin"/>
+                <a:cs typeface="Cabin"/>
+                <a:sym typeface="Cabin"/>
+              </a:defRPr>
+            </a:lvl8pPr>
+            <a:lvl9pPr marL="4114800" marR="0" lvl="8" indent="-304800" algn="l" rtl="0">
+              <a:lnSpc>
+                <a:spcPct val="115000"/>
+              </a:lnSpc>
+              <a:spcBef>
+                <a:spcPts val="0"/>
+              </a:spcBef>
+              <a:spcAft>
+                <a:spcPts val="0"/>
+              </a:spcAft>
+              <a:buClr>
+                <a:srgbClr val="999999"/>
+              </a:buClr>
+              <a:buSzPts val="1200"/>
+              <a:buFont typeface="Cabin"/>
+              <a:buChar char="■"/>
+              <a:defRPr sz="1200" b="0" i="0" u="none" strike="noStrike" cap="none">
+                <a:solidFill>
+                  <a:srgbClr val="999999"/>
+                </a:solidFill>
+                <a:latin typeface="Cabin"/>
+                <a:ea typeface="Cabin"/>
+                <a:cs typeface="Cabin"/>
+                <a:sym typeface="Cabin"/>
+              </a:defRPr>
+            </a:lvl9pPr>
+          </a:lstStyle>
+          <a:p>
+            <a:pPr marL="0" indent="0">
+              <a:buFont typeface="Cabin"/>
+              <a:buNone/>
+            </a:pPr>
+            <a:r>
+              <a:rPr lang="en-US" sz="1400" b="1" dirty="0">
+                <a:solidFill>
+                  <a:srgbClr val="3E516C"/>
                 </a:solidFill>
                 <a:latin typeface="Montserrat"/>
                 <a:ea typeface="Montserrat"/>
@@ -20766,7 +20393,7 @@
             </a:br>
             <a:r>
               <a:rPr lang="en-US" sz="1200" dirty="0"/>
-              <a:t>Chưa tối ưu công cụ quản lý</a:t>
+              <a:t>Quản lý được người dùng trên hệ thống</a:t>
             </a:r>
           </a:p>
           <a:p>
@@ -20774,6 +20401,10 @@
               <a:buFont typeface="Cabin"/>
               <a:buNone/>
             </a:pPr>
+            <a:r>
+              <a:rPr lang="en-US" sz="1200" dirty="0"/>
+              <a:t>Thống kê được dữ liệu người dùng</a:t>
+            </a:r>
             <a:endParaRPr lang="en-US" sz="1400" dirty="0"/>
           </a:p>
         </p:txBody>
@@ -20783,7 +20414,7 @@
           <p:cNvPr id="13" name="Google Shape;1152;p50">
             <a:extLst>
               <a:ext uri="{FF2B5EF4-FFF2-40B4-BE49-F238E27FC236}">
-                <a16:creationId xmlns:a16="http://schemas.microsoft.com/office/drawing/2014/main" id="{52DFB10E-64B5-4C8A-8AC6-00BF82118471}"/>
+                <a16:creationId xmlns:a16="http://schemas.microsoft.com/office/drawing/2014/main" id="{11FA1C65-DDF7-4684-89A7-C82E46EC9400}"/>
               </a:ext>
             </a:extLst>
           </p:cNvPr>
@@ -20792,7 +20423,39 @@
         </p:nvCxnSpPr>
         <p:spPr>
           <a:xfrm>
-            <a:off x="4587222" y="1828800"/>
+            <a:off x="3325350" y="1828800"/>
+            <a:ext cx="0" cy="2459700"/>
+          </a:xfrm>
+          <a:prstGeom prst="straightConnector1">
+            <a:avLst/>
+          </a:prstGeom>
+          <a:noFill/>
+          <a:ln w="9525" cap="flat" cmpd="sng">
+            <a:solidFill>
+              <a:srgbClr val="F8BC28"/>
+            </a:solidFill>
+            <a:prstDash val="dash"/>
+            <a:round/>
+            <a:headEnd type="none" w="med" len="med"/>
+            <a:tailEnd type="none" w="med" len="med"/>
+          </a:ln>
+        </p:spPr>
+      </p:cxnSp>
+      <p:cxnSp>
+        <p:nvCxnSpPr>
+          <p:cNvPr id="14" name="Google Shape;1153;p50">
+            <a:extLst>
+              <a:ext uri="{FF2B5EF4-FFF2-40B4-BE49-F238E27FC236}">
+                <a16:creationId xmlns:a16="http://schemas.microsoft.com/office/drawing/2014/main" id="{B82224E9-FDCD-4F85-BC3F-41F94C5872C8}"/>
+              </a:ext>
+            </a:extLst>
+          </p:cNvPr>
+          <p:cNvCxnSpPr/>
+          <p:nvPr/>
+        </p:nvCxnSpPr>
+        <p:spPr>
+          <a:xfrm>
+            <a:off x="5821850" y="1828800"/>
             <a:ext cx="0" cy="2459700"/>
           </a:xfrm>
           <a:prstGeom prst="straightConnector1">
@@ -20813,7 +20476,7 @@
     </p:spTree>
     <p:extLst>
       <p:ext uri="{BB962C8B-B14F-4D97-AF65-F5344CB8AC3E}">
-        <p14:creationId xmlns:p14="http://schemas.microsoft.com/office/powerpoint/2010/main" val="447988280"/>
+        <p14:creationId xmlns:p14="http://schemas.microsoft.com/office/powerpoint/2010/main" val="608833449"/>
       </p:ext>
     </p:extLst>
   </p:cSld>
@@ -22486,6 +22149,1652 @@
                 </a:solidFill>
                 <a:latin typeface="Montserrat" panose="00000500000000000000" pitchFamily="2" charset="0"/>
               </a:rPr>
+              <a:t>2. Hạn chế và khó khăn</a:t>
+            </a:r>
+          </a:p>
+          <a:p>
+            <a:endParaRPr lang="en-US" dirty="0"/>
+          </a:p>
+        </p:txBody>
+      </p:sp>
+      <p:sp>
+        <p:nvSpPr>
+          <p:cNvPr id="2" name="Slide Number Placeholder 1">
+            <a:extLst>
+              <a:ext uri="{FF2B5EF4-FFF2-40B4-BE49-F238E27FC236}">
+                <a16:creationId xmlns:a16="http://schemas.microsoft.com/office/drawing/2014/main" id="{8E9BB517-42FC-440E-B038-392C89359550}"/>
+              </a:ext>
+            </a:extLst>
+          </p:cNvPr>
+          <p:cNvSpPr>
+            <a:spLocks noGrp="1"/>
+          </p:cNvSpPr>
+          <p:nvPr>
+            <p:ph type="sldNum" idx="12"/>
+          </p:nvPr>
+        </p:nvSpPr>
+        <p:spPr/>
+        <p:txBody>
+          <a:bodyPr/>
+          <a:lstStyle/>
+          <a:p>
+            <a:pPr marL="0" lvl="0" indent="0" algn="l" rtl="0">
+              <a:spcBef>
+                <a:spcPts val="0"/>
+              </a:spcBef>
+              <a:spcAft>
+                <a:spcPts val="0"/>
+              </a:spcAft>
+              <a:buNone/>
+            </a:pPr>
+            <a:fld id="{00000000-1234-1234-1234-123412341234}" type="slidenum">
+              <a:rPr lang="es" smtClean="0">
+                <a:solidFill>
+                  <a:schemeClr val="bg1"/>
+                </a:solidFill>
+              </a:rPr>
+              <a:t>20</a:t>
+            </a:fld>
+            <a:endParaRPr lang="es" dirty="0">
+              <a:solidFill>
+                <a:schemeClr val="bg1"/>
+              </a:solidFill>
+            </a:endParaRPr>
+          </a:p>
+        </p:txBody>
+      </p:sp>
+      <p:sp>
+        <p:nvSpPr>
+          <p:cNvPr id="7" name="Google Shape;1146;p50">
+            <a:extLst>
+              <a:ext uri="{FF2B5EF4-FFF2-40B4-BE49-F238E27FC236}">
+                <a16:creationId xmlns:a16="http://schemas.microsoft.com/office/drawing/2014/main" id="{F1FE9C58-B7BB-4139-80EF-62624AE39090}"/>
+              </a:ext>
+            </a:extLst>
+          </p:cNvPr>
+          <p:cNvSpPr txBox="1">
+            <a:spLocks/>
+          </p:cNvSpPr>
+          <p:nvPr/>
+        </p:nvSpPr>
+        <p:spPr>
+          <a:xfrm>
+            <a:off x="1459518" y="1828800"/>
+            <a:ext cx="2542135" cy="1136100"/>
+          </a:xfrm>
+          <a:prstGeom prst="rect">
+            <a:avLst/>
+          </a:prstGeom>
+          <a:noFill/>
+          <a:ln>
+            <a:noFill/>
+          </a:ln>
+        </p:spPr>
+        <p:txBody>
+          <a:bodyPr spcFirstLastPara="1" wrap="square" lIns="91425" tIns="91425" rIns="91425" bIns="91425" anchor="t" anchorCtr="0">
+            <a:noAutofit/>
+          </a:bodyPr>
+          <a:lstStyle>
+            <a:defPPr marR="0" lvl="0" algn="l" rtl="0">
+              <a:lnSpc>
+                <a:spcPct val="100000"/>
+              </a:lnSpc>
+              <a:spcBef>
+                <a:spcPts val="0"/>
+              </a:spcBef>
+              <a:spcAft>
+                <a:spcPts val="0"/>
+              </a:spcAft>
+            </a:defPPr>
+            <a:lvl1pPr marL="457200" marR="0" lvl="0" indent="-330200" algn="l" rtl="0">
+              <a:lnSpc>
+                <a:spcPct val="115000"/>
+              </a:lnSpc>
+              <a:spcBef>
+                <a:spcPts val="0"/>
+              </a:spcBef>
+              <a:spcAft>
+                <a:spcPts val="0"/>
+              </a:spcAft>
+              <a:buClr>
+                <a:srgbClr val="E9AA1B"/>
+              </a:buClr>
+              <a:buSzPts val="1600"/>
+              <a:buFont typeface="Cabin"/>
+              <a:buChar char="●"/>
+              <a:defRPr sz="1600" b="0" i="0" u="none" strike="noStrike" cap="none">
+                <a:solidFill>
+                  <a:srgbClr val="999999"/>
+                </a:solidFill>
+                <a:latin typeface="Cabin"/>
+                <a:ea typeface="Cabin"/>
+                <a:cs typeface="Cabin"/>
+                <a:sym typeface="Cabin"/>
+              </a:defRPr>
+            </a:lvl1pPr>
+            <a:lvl2pPr marL="914400" marR="0" lvl="1" indent="-330200" algn="l" rtl="0">
+              <a:lnSpc>
+                <a:spcPct val="115000"/>
+              </a:lnSpc>
+              <a:spcBef>
+                <a:spcPts val="0"/>
+              </a:spcBef>
+              <a:spcAft>
+                <a:spcPts val="0"/>
+              </a:spcAft>
+              <a:buClr>
+                <a:srgbClr val="E9AA1B"/>
+              </a:buClr>
+              <a:buSzPts val="1600"/>
+              <a:buFont typeface="Cabin"/>
+              <a:buChar char="○"/>
+              <a:defRPr sz="1600" b="0" i="0" u="none" strike="noStrike" cap="none">
+                <a:solidFill>
+                  <a:srgbClr val="999999"/>
+                </a:solidFill>
+                <a:latin typeface="Cabin"/>
+                <a:ea typeface="Cabin"/>
+                <a:cs typeface="Cabin"/>
+                <a:sym typeface="Cabin"/>
+              </a:defRPr>
+            </a:lvl2pPr>
+            <a:lvl3pPr marL="1371600" marR="0" lvl="2" indent="-323850" algn="l" rtl="0">
+              <a:lnSpc>
+                <a:spcPct val="115000"/>
+              </a:lnSpc>
+              <a:spcBef>
+                <a:spcPts val="0"/>
+              </a:spcBef>
+              <a:spcAft>
+                <a:spcPts val="0"/>
+              </a:spcAft>
+              <a:buClr>
+                <a:srgbClr val="E9AA1B"/>
+              </a:buClr>
+              <a:buSzPts val="1500"/>
+              <a:buFont typeface="Cabin"/>
+              <a:buChar char="■"/>
+              <a:defRPr sz="1500" b="0" i="0" u="none" strike="noStrike" cap="none">
+                <a:solidFill>
+                  <a:srgbClr val="999999"/>
+                </a:solidFill>
+                <a:latin typeface="Cabin"/>
+                <a:ea typeface="Cabin"/>
+                <a:cs typeface="Cabin"/>
+                <a:sym typeface="Cabin"/>
+              </a:defRPr>
+            </a:lvl3pPr>
+            <a:lvl4pPr marL="1828800" marR="0" lvl="3" indent="-323850" algn="l" rtl="0">
+              <a:lnSpc>
+                <a:spcPct val="115000"/>
+              </a:lnSpc>
+              <a:spcBef>
+                <a:spcPts val="0"/>
+              </a:spcBef>
+              <a:spcAft>
+                <a:spcPts val="0"/>
+              </a:spcAft>
+              <a:buClr>
+                <a:srgbClr val="E9AA1B"/>
+              </a:buClr>
+              <a:buSzPts val="1500"/>
+              <a:buFont typeface="Cabin"/>
+              <a:buChar char="●"/>
+              <a:defRPr sz="1500" b="0" i="0" u="none" strike="noStrike" cap="none">
+                <a:solidFill>
+                  <a:srgbClr val="999999"/>
+                </a:solidFill>
+                <a:latin typeface="Cabin"/>
+                <a:ea typeface="Cabin"/>
+                <a:cs typeface="Cabin"/>
+                <a:sym typeface="Cabin"/>
+              </a:defRPr>
+            </a:lvl4pPr>
+            <a:lvl5pPr marL="2286000" marR="0" lvl="4" indent="-317500" algn="l" rtl="0">
+              <a:lnSpc>
+                <a:spcPct val="115000"/>
+              </a:lnSpc>
+              <a:spcBef>
+                <a:spcPts val="0"/>
+              </a:spcBef>
+              <a:spcAft>
+                <a:spcPts val="0"/>
+              </a:spcAft>
+              <a:buClr>
+                <a:srgbClr val="E9AA1B"/>
+              </a:buClr>
+              <a:buSzPts val="1400"/>
+              <a:buFont typeface="Cabin"/>
+              <a:buChar char="○"/>
+              <a:defRPr sz="1400" b="0" i="0" u="none" strike="noStrike" cap="none">
+                <a:solidFill>
+                  <a:srgbClr val="999999"/>
+                </a:solidFill>
+                <a:latin typeface="Cabin"/>
+                <a:ea typeface="Cabin"/>
+                <a:cs typeface="Cabin"/>
+                <a:sym typeface="Cabin"/>
+              </a:defRPr>
+            </a:lvl5pPr>
+            <a:lvl6pPr marL="2743200" marR="0" lvl="5" indent="-317500" algn="l" rtl="0">
+              <a:lnSpc>
+                <a:spcPct val="115000"/>
+              </a:lnSpc>
+              <a:spcBef>
+                <a:spcPts val="0"/>
+              </a:spcBef>
+              <a:spcAft>
+                <a:spcPts val="0"/>
+              </a:spcAft>
+              <a:buClr>
+                <a:srgbClr val="E9AA1B"/>
+              </a:buClr>
+              <a:buSzPts val="1400"/>
+              <a:buFont typeface="Cabin"/>
+              <a:buChar char="■"/>
+              <a:defRPr sz="1400" b="0" i="0" u="none" strike="noStrike" cap="none">
+                <a:solidFill>
+                  <a:srgbClr val="999999"/>
+                </a:solidFill>
+                <a:latin typeface="Cabin"/>
+                <a:ea typeface="Cabin"/>
+                <a:cs typeface="Cabin"/>
+                <a:sym typeface="Cabin"/>
+              </a:defRPr>
+            </a:lvl6pPr>
+            <a:lvl7pPr marL="3200400" marR="0" lvl="6" indent="-311150" algn="l" rtl="0">
+              <a:lnSpc>
+                <a:spcPct val="115000"/>
+              </a:lnSpc>
+              <a:spcBef>
+                <a:spcPts val="0"/>
+              </a:spcBef>
+              <a:spcAft>
+                <a:spcPts val="0"/>
+              </a:spcAft>
+              <a:buClr>
+                <a:srgbClr val="999999"/>
+              </a:buClr>
+              <a:buSzPts val="1300"/>
+              <a:buFont typeface="Cabin"/>
+              <a:buChar char="●"/>
+              <a:defRPr sz="1300" b="0" i="0" u="none" strike="noStrike" cap="none">
+                <a:solidFill>
+                  <a:srgbClr val="999999"/>
+                </a:solidFill>
+                <a:latin typeface="Cabin"/>
+                <a:ea typeface="Cabin"/>
+                <a:cs typeface="Cabin"/>
+                <a:sym typeface="Cabin"/>
+              </a:defRPr>
+            </a:lvl7pPr>
+            <a:lvl8pPr marL="3657600" marR="0" lvl="7" indent="-311150" algn="l" rtl="0">
+              <a:lnSpc>
+                <a:spcPct val="115000"/>
+              </a:lnSpc>
+              <a:spcBef>
+                <a:spcPts val="0"/>
+              </a:spcBef>
+              <a:spcAft>
+                <a:spcPts val="0"/>
+              </a:spcAft>
+              <a:buClr>
+                <a:srgbClr val="999999"/>
+              </a:buClr>
+              <a:buSzPts val="1300"/>
+              <a:buFont typeface="Cabin"/>
+              <a:buChar char="○"/>
+              <a:defRPr sz="1300" b="0" i="0" u="none" strike="noStrike" cap="none">
+                <a:solidFill>
+                  <a:srgbClr val="999999"/>
+                </a:solidFill>
+                <a:latin typeface="Cabin"/>
+                <a:ea typeface="Cabin"/>
+                <a:cs typeface="Cabin"/>
+                <a:sym typeface="Cabin"/>
+              </a:defRPr>
+            </a:lvl8pPr>
+            <a:lvl9pPr marL="4114800" marR="0" lvl="8" indent="-304800" algn="l" rtl="0">
+              <a:lnSpc>
+                <a:spcPct val="115000"/>
+              </a:lnSpc>
+              <a:spcBef>
+                <a:spcPts val="0"/>
+              </a:spcBef>
+              <a:spcAft>
+                <a:spcPts val="0"/>
+              </a:spcAft>
+              <a:buClr>
+                <a:srgbClr val="999999"/>
+              </a:buClr>
+              <a:buSzPts val="1200"/>
+              <a:buFont typeface="Cabin"/>
+              <a:buChar char="■"/>
+              <a:defRPr sz="1200" b="0" i="0" u="none" strike="noStrike" cap="none">
+                <a:solidFill>
+                  <a:srgbClr val="999999"/>
+                </a:solidFill>
+                <a:latin typeface="Cabin"/>
+                <a:ea typeface="Cabin"/>
+                <a:cs typeface="Cabin"/>
+                <a:sym typeface="Cabin"/>
+              </a:defRPr>
+            </a:lvl9pPr>
+          </a:lstStyle>
+          <a:p>
+            <a:pPr marL="0" indent="0">
+              <a:spcAft>
+                <a:spcPts val="200"/>
+              </a:spcAft>
+              <a:buFont typeface="Cabin"/>
+              <a:buNone/>
+            </a:pPr>
+            <a:r>
+              <a:rPr lang="en-US" sz="1400" b="1" dirty="0">
+                <a:solidFill>
+                  <a:srgbClr val="F8BC28"/>
+                </a:solidFill>
+                <a:latin typeface="Montserrat"/>
+                <a:ea typeface="Montserrat"/>
+                <a:cs typeface="Montserrat"/>
+                <a:sym typeface="Montserrat"/>
+              </a:rPr>
+              <a:t>Giao diện</a:t>
+            </a:r>
+            <a:br>
+              <a:rPr lang="en-US" dirty="0"/>
+            </a:br>
+            <a:r>
+              <a:rPr lang="en-US" sz="1200" dirty="0"/>
+              <a:t>Giao diện chưa sinh động và bắt mắt</a:t>
+            </a:r>
+          </a:p>
+        </p:txBody>
+      </p:sp>
+      <p:sp>
+        <p:nvSpPr>
+          <p:cNvPr id="9" name="Google Shape;1148;p50">
+            <a:extLst>
+              <a:ext uri="{FF2B5EF4-FFF2-40B4-BE49-F238E27FC236}">
+                <a16:creationId xmlns:a16="http://schemas.microsoft.com/office/drawing/2014/main" id="{C70B67BF-593E-4D89-88C0-867A474E8B91}"/>
+              </a:ext>
+            </a:extLst>
+          </p:cNvPr>
+          <p:cNvSpPr txBox="1">
+            <a:spLocks/>
+          </p:cNvSpPr>
+          <p:nvPr/>
+        </p:nvSpPr>
+        <p:spPr>
+          <a:xfrm>
+            <a:off x="5035300" y="1828800"/>
+            <a:ext cx="3118100" cy="1136100"/>
+          </a:xfrm>
+          <a:prstGeom prst="rect">
+            <a:avLst/>
+          </a:prstGeom>
+          <a:noFill/>
+          <a:ln>
+            <a:noFill/>
+          </a:ln>
+        </p:spPr>
+        <p:txBody>
+          <a:bodyPr spcFirstLastPara="1" wrap="square" lIns="91425" tIns="91425" rIns="91425" bIns="91425" anchor="t" anchorCtr="0">
+            <a:noAutofit/>
+          </a:bodyPr>
+          <a:lstStyle>
+            <a:defPPr marR="0" lvl="0" algn="l" rtl="0">
+              <a:lnSpc>
+                <a:spcPct val="100000"/>
+              </a:lnSpc>
+              <a:spcBef>
+                <a:spcPts val="0"/>
+              </a:spcBef>
+              <a:spcAft>
+                <a:spcPts val="0"/>
+              </a:spcAft>
+            </a:defPPr>
+            <a:lvl1pPr marL="457200" marR="0" lvl="0" indent="-330200" algn="l" rtl="0">
+              <a:lnSpc>
+                <a:spcPct val="115000"/>
+              </a:lnSpc>
+              <a:spcBef>
+                <a:spcPts val="0"/>
+              </a:spcBef>
+              <a:spcAft>
+                <a:spcPts val="0"/>
+              </a:spcAft>
+              <a:buClr>
+                <a:srgbClr val="E9AA1B"/>
+              </a:buClr>
+              <a:buSzPts val="1600"/>
+              <a:buFont typeface="Cabin"/>
+              <a:buChar char="●"/>
+              <a:defRPr sz="1600" b="0" i="0" u="none" strike="noStrike" cap="none">
+                <a:solidFill>
+                  <a:srgbClr val="999999"/>
+                </a:solidFill>
+                <a:latin typeface="Cabin"/>
+                <a:ea typeface="Cabin"/>
+                <a:cs typeface="Cabin"/>
+                <a:sym typeface="Cabin"/>
+              </a:defRPr>
+            </a:lvl1pPr>
+            <a:lvl2pPr marL="914400" marR="0" lvl="1" indent="-330200" algn="l" rtl="0">
+              <a:lnSpc>
+                <a:spcPct val="115000"/>
+              </a:lnSpc>
+              <a:spcBef>
+                <a:spcPts val="0"/>
+              </a:spcBef>
+              <a:spcAft>
+                <a:spcPts val="0"/>
+              </a:spcAft>
+              <a:buClr>
+                <a:srgbClr val="E9AA1B"/>
+              </a:buClr>
+              <a:buSzPts val="1600"/>
+              <a:buFont typeface="Cabin"/>
+              <a:buChar char="○"/>
+              <a:defRPr sz="1600" b="0" i="0" u="none" strike="noStrike" cap="none">
+                <a:solidFill>
+                  <a:srgbClr val="999999"/>
+                </a:solidFill>
+                <a:latin typeface="Cabin"/>
+                <a:ea typeface="Cabin"/>
+                <a:cs typeface="Cabin"/>
+                <a:sym typeface="Cabin"/>
+              </a:defRPr>
+            </a:lvl2pPr>
+            <a:lvl3pPr marL="1371600" marR="0" lvl="2" indent="-323850" algn="l" rtl="0">
+              <a:lnSpc>
+                <a:spcPct val="115000"/>
+              </a:lnSpc>
+              <a:spcBef>
+                <a:spcPts val="0"/>
+              </a:spcBef>
+              <a:spcAft>
+                <a:spcPts val="0"/>
+              </a:spcAft>
+              <a:buClr>
+                <a:srgbClr val="E9AA1B"/>
+              </a:buClr>
+              <a:buSzPts val="1500"/>
+              <a:buFont typeface="Cabin"/>
+              <a:buChar char="■"/>
+              <a:defRPr sz="1500" b="0" i="0" u="none" strike="noStrike" cap="none">
+                <a:solidFill>
+                  <a:srgbClr val="999999"/>
+                </a:solidFill>
+                <a:latin typeface="Cabin"/>
+                <a:ea typeface="Cabin"/>
+                <a:cs typeface="Cabin"/>
+                <a:sym typeface="Cabin"/>
+              </a:defRPr>
+            </a:lvl3pPr>
+            <a:lvl4pPr marL="1828800" marR="0" lvl="3" indent="-323850" algn="l" rtl="0">
+              <a:lnSpc>
+                <a:spcPct val="115000"/>
+              </a:lnSpc>
+              <a:spcBef>
+                <a:spcPts val="0"/>
+              </a:spcBef>
+              <a:spcAft>
+                <a:spcPts val="0"/>
+              </a:spcAft>
+              <a:buClr>
+                <a:srgbClr val="E9AA1B"/>
+              </a:buClr>
+              <a:buSzPts val="1500"/>
+              <a:buFont typeface="Cabin"/>
+              <a:buChar char="●"/>
+              <a:defRPr sz="1500" b="0" i="0" u="none" strike="noStrike" cap="none">
+                <a:solidFill>
+                  <a:srgbClr val="999999"/>
+                </a:solidFill>
+                <a:latin typeface="Cabin"/>
+                <a:ea typeface="Cabin"/>
+                <a:cs typeface="Cabin"/>
+                <a:sym typeface="Cabin"/>
+              </a:defRPr>
+            </a:lvl4pPr>
+            <a:lvl5pPr marL="2286000" marR="0" lvl="4" indent="-317500" algn="l" rtl="0">
+              <a:lnSpc>
+                <a:spcPct val="115000"/>
+              </a:lnSpc>
+              <a:spcBef>
+                <a:spcPts val="0"/>
+              </a:spcBef>
+              <a:spcAft>
+                <a:spcPts val="0"/>
+              </a:spcAft>
+              <a:buClr>
+                <a:srgbClr val="E9AA1B"/>
+              </a:buClr>
+              <a:buSzPts val="1400"/>
+              <a:buFont typeface="Cabin"/>
+              <a:buChar char="○"/>
+              <a:defRPr sz="1400" b="0" i="0" u="none" strike="noStrike" cap="none">
+                <a:solidFill>
+                  <a:srgbClr val="999999"/>
+                </a:solidFill>
+                <a:latin typeface="Cabin"/>
+                <a:ea typeface="Cabin"/>
+                <a:cs typeface="Cabin"/>
+                <a:sym typeface="Cabin"/>
+              </a:defRPr>
+            </a:lvl5pPr>
+            <a:lvl6pPr marL="2743200" marR="0" lvl="5" indent="-317500" algn="l" rtl="0">
+              <a:lnSpc>
+                <a:spcPct val="115000"/>
+              </a:lnSpc>
+              <a:spcBef>
+                <a:spcPts val="0"/>
+              </a:spcBef>
+              <a:spcAft>
+                <a:spcPts val="0"/>
+              </a:spcAft>
+              <a:buClr>
+                <a:srgbClr val="E9AA1B"/>
+              </a:buClr>
+              <a:buSzPts val="1400"/>
+              <a:buFont typeface="Cabin"/>
+              <a:buChar char="■"/>
+              <a:defRPr sz="1400" b="0" i="0" u="none" strike="noStrike" cap="none">
+                <a:solidFill>
+                  <a:srgbClr val="999999"/>
+                </a:solidFill>
+                <a:latin typeface="Cabin"/>
+                <a:ea typeface="Cabin"/>
+                <a:cs typeface="Cabin"/>
+                <a:sym typeface="Cabin"/>
+              </a:defRPr>
+            </a:lvl6pPr>
+            <a:lvl7pPr marL="3200400" marR="0" lvl="6" indent="-311150" algn="l" rtl="0">
+              <a:lnSpc>
+                <a:spcPct val="115000"/>
+              </a:lnSpc>
+              <a:spcBef>
+                <a:spcPts val="0"/>
+              </a:spcBef>
+              <a:spcAft>
+                <a:spcPts val="0"/>
+              </a:spcAft>
+              <a:buClr>
+                <a:srgbClr val="999999"/>
+              </a:buClr>
+              <a:buSzPts val="1300"/>
+              <a:buFont typeface="Cabin"/>
+              <a:buChar char="●"/>
+              <a:defRPr sz="1300" b="0" i="0" u="none" strike="noStrike" cap="none">
+                <a:solidFill>
+                  <a:srgbClr val="999999"/>
+                </a:solidFill>
+                <a:latin typeface="Cabin"/>
+                <a:ea typeface="Cabin"/>
+                <a:cs typeface="Cabin"/>
+                <a:sym typeface="Cabin"/>
+              </a:defRPr>
+            </a:lvl7pPr>
+            <a:lvl8pPr marL="3657600" marR="0" lvl="7" indent="-311150" algn="l" rtl="0">
+              <a:lnSpc>
+                <a:spcPct val="115000"/>
+              </a:lnSpc>
+              <a:spcBef>
+                <a:spcPts val="0"/>
+              </a:spcBef>
+              <a:spcAft>
+                <a:spcPts val="0"/>
+              </a:spcAft>
+              <a:buClr>
+                <a:srgbClr val="999999"/>
+              </a:buClr>
+              <a:buSzPts val="1300"/>
+              <a:buFont typeface="Cabin"/>
+              <a:buChar char="○"/>
+              <a:defRPr sz="1300" b="0" i="0" u="none" strike="noStrike" cap="none">
+                <a:solidFill>
+                  <a:srgbClr val="999999"/>
+                </a:solidFill>
+                <a:latin typeface="Cabin"/>
+                <a:ea typeface="Cabin"/>
+                <a:cs typeface="Cabin"/>
+                <a:sym typeface="Cabin"/>
+              </a:defRPr>
+            </a:lvl8pPr>
+            <a:lvl9pPr marL="4114800" marR="0" lvl="8" indent="-304800" algn="l" rtl="0">
+              <a:lnSpc>
+                <a:spcPct val="115000"/>
+              </a:lnSpc>
+              <a:spcBef>
+                <a:spcPts val="0"/>
+              </a:spcBef>
+              <a:spcAft>
+                <a:spcPts val="0"/>
+              </a:spcAft>
+              <a:buClr>
+                <a:srgbClr val="999999"/>
+              </a:buClr>
+              <a:buSzPts val="1200"/>
+              <a:buFont typeface="Cabin"/>
+              <a:buChar char="■"/>
+              <a:defRPr sz="1200" b="0" i="0" u="none" strike="noStrike" cap="none">
+                <a:solidFill>
+                  <a:srgbClr val="999999"/>
+                </a:solidFill>
+                <a:latin typeface="Cabin"/>
+                <a:ea typeface="Cabin"/>
+                <a:cs typeface="Cabin"/>
+                <a:sym typeface="Cabin"/>
+              </a:defRPr>
+            </a:lvl9pPr>
+          </a:lstStyle>
+          <a:p>
+            <a:pPr marL="0" indent="0">
+              <a:buFont typeface="Cabin"/>
+              <a:buNone/>
+            </a:pPr>
+            <a:r>
+              <a:rPr lang="en-US" sz="1400" b="1" dirty="0">
+                <a:solidFill>
+                  <a:srgbClr val="3E516C"/>
+                </a:solidFill>
+                <a:latin typeface="Montserrat"/>
+                <a:ea typeface="Montserrat"/>
+                <a:cs typeface="Montserrat"/>
+                <a:sym typeface="Montserrat"/>
+              </a:rPr>
+              <a:t>Thanh toán</a:t>
+            </a:r>
+            <a:br>
+              <a:rPr lang="en-US" sz="1400" dirty="0"/>
+            </a:br>
+            <a:r>
+              <a:rPr lang="en-US" sz="1200" dirty="0"/>
+              <a:t>Chưa quản lý thu nhập của lớp học</a:t>
+            </a:r>
+          </a:p>
+          <a:p>
+            <a:pPr marL="0" indent="0">
+              <a:buFont typeface="Cabin"/>
+              <a:buNone/>
+            </a:pPr>
+            <a:r>
+              <a:rPr lang="en-US" sz="1200" dirty="0"/>
+              <a:t>Gia sư chưa thể rút tiền về tài khoản</a:t>
+            </a:r>
+          </a:p>
+        </p:txBody>
+      </p:sp>
+      <p:sp>
+        <p:nvSpPr>
+          <p:cNvPr id="10" name="Google Shape;1149;p50">
+            <a:extLst>
+              <a:ext uri="{FF2B5EF4-FFF2-40B4-BE49-F238E27FC236}">
+                <a16:creationId xmlns:a16="http://schemas.microsoft.com/office/drawing/2014/main" id="{339085DB-A400-43FF-BB71-FE1C1F3E6264}"/>
+              </a:ext>
+            </a:extLst>
+          </p:cNvPr>
+          <p:cNvSpPr txBox="1">
+            <a:spLocks/>
+          </p:cNvSpPr>
+          <p:nvPr/>
+        </p:nvSpPr>
+        <p:spPr>
+          <a:xfrm>
+            <a:off x="1459518" y="3140625"/>
+            <a:ext cx="2542135" cy="1136100"/>
+          </a:xfrm>
+          <a:prstGeom prst="rect">
+            <a:avLst/>
+          </a:prstGeom>
+          <a:noFill/>
+          <a:ln>
+            <a:noFill/>
+          </a:ln>
+        </p:spPr>
+        <p:txBody>
+          <a:bodyPr spcFirstLastPara="1" wrap="square" lIns="91425" tIns="91425" rIns="91425" bIns="91425" anchor="t" anchorCtr="0">
+            <a:noAutofit/>
+          </a:bodyPr>
+          <a:lstStyle>
+            <a:defPPr marR="0" lvl="0" algn="l" rtl="0">
+              <a:lnSpc>
+                <a:spcPct val="100000"/>
+              </a:lnSpc>
+              <a:spcBef>
+                <a:spcPts val="0"/>
+              </a:spcBef>
+              <a:spcAft>
+                <a:spcPts val="0"/>
+              </a:spcAft>
+            </a:defPPr>
+            <a:lvl1pPr marL="457200" marR="0" lvl="0" indent="-330200" algn="l" rtl="0">
+              <a:lnSpc>
+                <a:spcPct val="115000"/>
+              </a:lnSpc>
+              <a:spcBef>
+                <a:spcPts val="0"/>
+              </a:spcBef>
+              <a:spcAft>
+                <a:spcPts val="0"/>
+              </a:spcAft>
+              <a:buClr>
+                <a:srgbClr val="E9AA1B"/>
+              </a:buClr>
+              <a:buSzPts val="1600"/>
+              <a:buFont typeface="Cabin"/>
+              <a:buChar char="●"/>
+              <a:defRPr sz="1600" b="0" i="0" u="none" strike="noStrike" cap="none">
+                <a:solidFill>
+                  <a:srgbClr val="999999"/>
+                </a:solidFill>
+                <a:latin typeface="Cabin"/>
+                <a:ea typeface="Cabin"/>
+                <a:cs typeface="Cabin"/>
+                <a:sym typeface="Cabin"/>
+              </a:defRPr>
+            </a:lvl1pPr>
+            <a:lvl2pPr marL="914400" marR="0" lvl="1" indent="-330200" algn="l" rtl="0">
+              <a:lnSpc>
+                <a:spcPct val="115000"/>
+              </a:lnSpc>
+              <a:spcBef>
+                <a:spcPts val="0"/>
+              </a:spcBef>
+              <a:spcAft>
+                <a:spcPts val="0"/>
+              </a:spcAft>
+              <a:buClr>
+                <a:srgbClr val="E9AA1B"/>
+              </a:buClr>
+              <a:buSzPts val="1600"/>
+              <a:buFont typeface="Cabin"/>
+              <a:buChar char="○"/>
+              <a:defRPr sz="1600" b="0" i="0" u="none" strike="noStrike" cap="none">
+                <a:solidFill>
+                  <a:srgbClr val="999999"/>
+                </a:solidFill>
+                <a:latin typeface="Cabin"/>
+                <a:ea typeface="Cabin"/>
+                <a:cs typeface="Cabin"/>
+                <a:sym typeface="Cabin"/>
+              </a:defRPr>
+            </a:lvl2pPr>
+            <a:lvl3pPr marL="1371600" marR="0" lvl="2" indent="-323850" algn="l" rtl="0">
+              <a:lnSpc>
+                <a:spcPct val="115000"/>
+              </a:lnSpc>
+              <a:spcBef>
+                <a:spcPts val="0"/>
+              </a:spcBef>
+              <a:spcAft>
+                <a:spcPts val="0"/>
+              </a:spcAft>
+              <a:buClr>
+                <a:srgbClr val="E9AA1B"/>
+              </a:buClr>
+              <a:buSzPts val="1500"/>
+              <a:buFont typeface="Cabin"/>
+              <a:buChar char="■"/>
+              <a:defRPr sz="1500" b="0" i="0" u="none" strike="noStrike" cap="none">
+                <a:solidFill>
+                  <a:srgbClr val="999999"/>
+                </a:solidFill>
+                <a:latin typeface="Cabin"/>
+                <a:ea typeface="Cabin"/>
+                <a:cs typeface="Cabin"/>
+                <a:sym typeface="Cabin"/>
+              </a:defRPr>
+            </a:lvl3pPr>
+            <a:lvl4pPr marL="1828800" marR="0" lvl="3" indent="-323850" algn="l" rtl="0">
+              <a:lnSpc>
+                <a:spcPct val="115000"/>
+              </a:lnSpc>
+              <a:spcBef>
+                <a:spcPts val="0"/>
+              </a:spcBef>
+              <a:spcAft>
+                <a:spcPts val="0"/>
+              </a:spcAft>
+              <a:buClr>
+                <a:srgbClr val="E9AA1B"/>
+              </a:buClr>
+              <a:buSzPts val="1500"/>
+              <a:buFont typeface="Cabin"/>
+              <a:buChar char="●"/>
+              <a:defRPr sz="1500" b="0" i="0" u="none" strike="noStrike" cap="none">
+                <a:solidFill>
+                  <a:srgbClr val="999999"/>
+                </a:solidFill>
+                <a:latin typeface="Cabin"/>
+                <a:ea typeface="Cabin"/>
+                <a:cs typeface="Cabin"/>
+                <a:sym typeface="Cabin"/>
+              </a:defRPr>
+            </a:lvl4pPr>
+            <a:lvl5pPr marL="2286000" marR="0" lvl="4" indent="-317500" algn="l" rtl="0">
+              <a:lnSpc>
+                <a:spcPct val="115000"/>
+              </a:lnSpc>
+              <a:spcBef>
+                <a:spcPts val="0"/>
+              </a:spcBef>
+              <a:spcAft>
+                <a:spcPts val="0"/>
+              </a:spcAft>
+              <a:buClr>
+                <a:srgbClr val="E9AA1B"/>
+              </a:buClr>
+              <a:buSzPts val="1400"/>
+              <a:buFont typeface="Cabin"/>
+              <a:buChar char="○"/>
+              <a:defRPr sz="1400" b="0" i="0" u="none" strike="noStrike" cap="none">
+                <a:solidFill>
+                  <a:srgbClr val="999999"/>
+                </a:solidFill>
+                <a:latin typeface="Cabin"/>
+                <a:ea typeface="Cabin"/>
+                <a:cs typeface="Cabin"/>
+                <a:sym typeface="Cabin"/>
+              </a:defRPr>
+            </a:lvl5pPr>
+            <a:lvl6pPr marL="2743200" marR="0" lvl="5" indent="-317500" algn="l" rtl="0">
+              <a:lnSpc>
+                <a:spcPct val="115000"/>
+              </a:lnSpc>
+              <a:spcBef>
+                <a:spcPts val="0"/>
+              </a:spcBef>
+              <a:spcAft>
+                <a:spcPts val="0"/>
+              </a:spcAft>
+              <a:buClr>
+                <a:srgbClr val="E9AA1B"/>
+              </a:buClr>
+              <a:buSzPts val="1400"/>
+              <a:buFont typeface="Cabin"/>
+              <a:buChar char="■"/>
+              <a:defRPr sz="1400" b="0" i="0" u="none" strike="noStrike" cap="none">
+                <a:solidFill>
+                  <a:srgbClr val="999999"/>
+                </a:solidFill>
+                <a:latin typeface="Cabin"/>
+                <a:ea typeface="Cabin"/>
+                <a:cs typeface="Cabin"/>
+                <a:sym typeface="Cabin"/>
+              </a:defRPr>
+            </a:lvl6pPr>
+            <a:lvl7pPr marL="3200400" marR="0" lvl="6" indent="-311150" algn="l" rtl="0">
+              <a:lnSpc>
+                <a:spcPct val="115000"/>
+              </a:lnSpc>
+              <a:spcBef>
+                <a:spcPts val="0"/>
+              </a:spcBef>
+              <a:spcAft>
+                <a:spcPts val="0"/>
+              </a:spcAft>
+              <a:buClr>
+                <a:srgbClr val="999999"/>
+              </a:buClr>
+              <a:buSzPts val="1300"/>
+              <a:buFont typeface="Cabin"/>
+              <a:buChar char="●"/>
+              <a:defRPr sz="1300" b="0" i="0" u="none" strike="noStrike" cap="none">
+                <a:solidFill>
+                  <a:srgbClr val="999999"/>
+                </a:solidFill>
+                <a:latin typeface="Cabin"/>
+                <a:ea typeface="Cabin"/>
+                <a:cs typeface="Cabin"/>
+                <a:sym typeface="Cabin"/>
+              </a:defRPr>
+            </a:lvl7pPr>
+            <a:lvl8pPr marL="3657600" marR="0" lvl="7" indent="-311150" algn="l" rtl="0">
+              <a:lnSpc>
+                <a:spcPct val="115000"/>
+              </a:lnSpc>
+              <a:spcBef>
+                <a:spcPts val="0"/>
+              </a:spcBef>
+              <a:spcAft>
+                <a:spcPts val="0"/>
+              </a:spcAft>
+              <a:buClr>
+                <a:srgbClr val="999999"/>
+              </a:buClr>
+              <a:buSzPts val="1300"/>
+              <a:buFont typeface="Cabin"/>
+              <a:buChar char="○"/>
+              <a:defRPr sz="1300" b="0" i="0" u="none" strike="noStrike" cap="none">
+                <a:solidFill>
+                  <a:srgbClr val="999999"/>
+                </a:solidFill>
+                <a:latin typeface="Cabin"/>
+                <a:ea typeface="Cabin"/>
+                <a:cs typeface="Cabin"/>
+                <a:sym typeface="Cabin"/>
+              </a:defRPr>
+            </a:lvl8pPr>
+            <a:lvl9pPr marL="4114800" marR="0" lvl="8" indent="-304800" algn="l" rtl="0">
+              <a:lnSpc>
+                <a:spcPct val="115000"/>
+              </a:lnSpc>
+              <a:spcBef>
+                <a:spcPts val="0"/>
+              </a:spcBef>
+              <a:spcAft>
+                <a:spcPts val="0"/>
+              </a:spcAft>
+              <a:buClr>
+                <a:srgbClr val="999999"/>
+              </a:buClr>
+              <a:buSzPts val="1200"/>
+              <a:buFont typeface="Cabin"/>
+              <a:buChar char="■"/>
+              <a:defRPr sz="1200" b="0" i="0" u="none" strike="noStrike" cap="none">
+                <a:solidFill>
+                  <a:srgbClr val="999999"/>
+                </a:solidFill>
+                <a:latin typeface="Cabin"/>
+                <a:ea typeface="Cabin"/>
+                <a:cs typeface="Cabin"/>
+                <a:sym typeface="Cabin"/>
+              </a:defRPr>
+            </a:lvl9pPr>
+          </a:lstStyle>
+          <a:p>
+            <a:pPr marL="0" indent="0">
+              <a:buFont typeface="Cabin"/>
+              <a:buNone/>
+            </a:pPr>
+            <a:r>
+              <a:rPr lang="en-US" sz="1400" b="1" dirty="0">
+                <a:solidFill>
+                  <a:srgbClr val="3E516C"/>
+                </a:solidFill>
+                <a:latin typeface="Montserrat"/>
+                <a:ea typeface="Montserrat"/>
+                <a:cs typeface="Montserrat"/>
+                <a:sym typeface="Montserrat"/>
+              </a:rPr>
+              <a:t>Thông tin cá nhân</a:t>
+            </a:r>
+            <a:br>
+              <a:rPr lang="en-US" sz="1400" dirty="0"/>
+            </a:br>
+            <a:r>
+              <a:rPr lang="en-US" sz="1200" dirty="0"/>
+              <a:t>Chưa cập nhật được ảnh đại diện</a:t>
+            </a:r>
+          </a:p>
+        </p:txBody>
+      </p:sp>
+      <p:sp>
+        <p:nvSpPr>
+          <p:cNvPr id="12" name="Google Shape;1151;p50">
+            <a:extLst>
+              <a:ext uri="{FF2B5EF4-FFF2-40B4-BE49-F238E27FC236}">
+                <a16:creationId xmlns:a16="http://schemas.microsoft.com/office/drawing/2014/main" id="{58B65F7D-3763-435D-81F4-6DA7A4783BBF}"/>
+              </a:ext>
+            </a:extLst>
+          </p:cNvPr>
+          <p:cNvSpPr txBox="1">
+            <a:spLocks/>
+          </p:cNvSpPr>
+          <p:nvPr/>
+        </p:nvSpPr>
+        <p:spPr>
+          <a:xfrm>
+            <a:off x="5035299" y="3140617"/>
+            <a:ext cx="3270149" cy="1136100"/>
+          </a:xfrm>
+          <a:prstGeom prst="rect">
+            <a:avLst/>
+          </a:prstGeom>
+          <a:noFill/>
+          <a:ln>
+            <a:noFill/>
+          </a:ln>
+        </p:spPr>
+        <p:txBody>
+          <a:bodyPr spcFirstLastPara="1" wrap="square" lIns="91425" tIns="91425" rIns="91425" bIns="91425" anchor="t" anchorCtr="0">
+            <a:noAutofit/>
+          </a:bodyPr>
+          <a:lstStyle>
+            <a:defPPr marR="0" lvl="0" algn="l" rtl="0">
+              <a:lnSpc>
+                <a:spcPct val="100000"/>
+              </a:lnSpc>
+              <a:spcBef>
+                <a:spcPts val="0"/>
+              </a:spcBef>
+              <a:spcAft>
+                <a:spcPts val="0"/>
+              </a:spcAft>
+            </a:defPPr>
+            <a:lvl1pPr marL="457200" marR="0" lvl="0" indent="-330200" algn="l" rtl="0">
+              <a:lnSpc>
+                <a:spcPct val="115000"/>
+              </a:lnSpc>
+              <a:spcBef>
+                <a:spcPts val="0"/>
+              </a:spcBef>
+              <a:spcAft>
+                <a:spcPts val="0"/>
+              </a:spcAft>
+              <a:buClr>
+                <a:srgbClr val="E9AA1B"/>
+              </a:buClr>
+              <a:buSzPts val="1600"/>
+              <a:buFont typeface="Cabin"/>
+              <a:buChar char="●"/>
+              <a:defRPr sz="1600" b="0" i="0" u="none" strike="noStrike" cap="none">
+                <a:solidFill>
+                  <a:srgbClr val="999999"/>
+                </a:solidFill>
+                <a:latin typeface="Cabin"/>
+                <a:ea typeface="Cabin"/>
+                <a:cs typeface="Cabin"/>
+                <a:sym typeface="Cabin"/>
+              </a:defRPr>
+            </a:lvl1pPr>
+            <a:lvl2pPr marL="914400" marR="0" lvl="1" indent="-330200" algn="l" rtl="0">
+              <a:lnSpc>
+                <a:spcPct val="115000"/>
+              </a:lnSpc>
+              <a:spcBef>
+                <a:spcPts val="0"/>
+              </a:spcBef>
+              <a:spcAft>
+                <a:spcPts val="0"/>
+              </a:spcAft>
+              <a:buClr>
+                <a:srgbClr val="E9AA1B"/>
+              </a:buClr>
+              <a:buSzPts val="1600"/>
+              <a:buFont typeface="Cabin"/>
+              <a:buChar char="○"/>
+              <a:defRPr sz="1600" b="0" i="0" u="none" strike="noStrike" cap="none">
+                <a:solidFill>
+                  <a:srgbClr val="999999"/>
+                </a:solidFill>
+                <a:latin typeface="Cabin"/>
+                <a:ea typeface="Cabin"/>
+                <a:cs typeface="Cabin"/>
+                <a:sym typeface="Cabin"/>
+              </a:defRPr>
+            </a:lvl2pPr>
+            <a:lvl3pPr marL="1371600" marR="0" lvl="2" indent="-323850" algn="l" rtl="0">
+              <a:lnSpc>
+                <a:spcPct val="115000"/>
+              </a:lnSpc>
+              <a:spcBef>
+                <a:spcPts val="0"/>
+              </a:spcBef>
+              <a:spcAft>
+                <a:spcPts val="0"/>
+              </a:spcAft>
+              <a:buClr>
+                <a:srgbClr val="E9AA1B"/>
+              </a:buClr>
+              <a:buSzPts val="1500"/>
+              <a:buFont typeface="Cabin"/>
+              <a:buChar char="■"/>
+              <a:defRPr sz="1500" b="0" i="0" u="none" strike="noStrike" cap="none">
+                <a:solidFill>
+                  <a:srgbClr val="999999"/>
+                </a:solidFill>
+                <a:latin typeface="Cabin"/>
+                <a:ea typeface="Cabin"/>
+                <a:cs typeface="Cabin"/>
+                <a:sym typeface="Cabin"/>
+              </a:defRPr>
+            </a:lvl3pPr>
+            <a:lvl4pPr marL="1828800" marR="0" lvl="3" indent="-323850" algn="l" rtl="0">
+              <a:lnSpc>
+                <a:spcPct val="115000"/>
+              </a:lnSpc>
+              <a:spcBef>
+                <a:spcPts val="0"/>
+              </a:spcBef>
+              <a:spcAft>
+                <a:spcPts val="0"/>
+              </a:spcAft>
+              <a:buClr>
+                <a:srgbClr val="E9AA1B"/>
+              </a:buClr>
+              <a:buSzPts val="1500"/>
+              <a:buFont typeface="Cabin"/>
+              <a:buChar char="●"/>
+              <a:defRPr sz="1500" b="0" i="0" u="none" strike="noStrike" cap="none">
+                <a:solidFill>
+                  <a:srgbClr val="999999"/>
+                </a:solidFill>
+                <a:latin typeface="Cabin"/>
+                <a:ea typeface="Cabin"/>
+                <a:cs typeface="Cabin"/>
+                <a:sym typeface="Cabin"/>
+              </a:defRPr>
+            </a:lvl4pPr>
+            <a:lvl5pPr marL="2286000" marR="0" lvl="4" indent="-317500" algn="l" rtl="0">
+              <a:lnSpc>
+                <a:spcPct val="115000"/>
+              </a:lnSpc>
+              <a:spcBef>
+                <a:spcPts val="0"/>
+              </a:spcBef>
+              <a:spcAft>
+                <a:spcPts val="0"/>
+              </a:spcAft>
+              <a:buClr>
+                <a:srgbClr val="E9AA1B"/>
+              </a:buClr>
+              <a:buSzPts val="1400"/>
+              <a:buFont typeface="Cabin"/>
+              <a:buChar char="○"/>
+              <a:defRPr sz="1400" b="0" i="0" u="none" strike="noStrike" cap="none">
+                <a:solidFill>
+                  <a:srgbClr val="999999"/>
+                </a:solidFill>
+                <a:latin typeface="Cabin"/>
+                <a:ea typeface="Cabin"/>
+                <a:cs typeface="Cabin"/>
+                <a:sym typeface="Cabin"/>
+              </a:defRPr>
+            </a:lvl5pPr>
+            <a:lvl6pPr marL="2743200" marR="0" lvl="5" indent="-317500" algn="l" rtl="0">
+              <a:lnSpc>
+                <a:spcPct val="115000"/>
+              </a:lnSpc>
+              <a:spcBef>
+                <a:spcPts val="0"/>
+              </a:spcBef>
+              <a:spcAft>
+                <a:spcPts val="0"/>
+              </a:spcAft>
+              <a:buClr>
+                <a:srgbClr val="E9AA1B"/>
+              </a:buClr>
+              <a:buSzPts val="1400"/>
+              <a:buFont typeface="Cabin"/>
+              <a:buChar char="■"/>
+              <a:defRPr sz="1400" b="0" i="0" u="none" strike="noStrike" cap="none">
+                <a:solidFill>
+                  <a:srgbClr val="999999"/>
+                </a:solidFill>
+                <a:latin typeface="Cabin"/>
+                <a:ea typeface="Cabin"/>
+                <a:cs typeface="Cabin"/>
+                <a:sym typeface="Cabin"/>
+              </a:defRPr>
+            </a:lvl6pPr>
+            <a:lvl7pPr marL="3200400" marR="0" lvl="6" indent="-311150" algn="l" rtl="0">
+              <a:lnSpc>
+                <a:spcPct val="115000"/>
+              </a:lnSpc>
+              <a:spcBef>
+                <a:spcPts val="0"/>
+              </a:spcBef>
+              <a:spcAft>
+                <a:spcPts val="0"/>
+              </a:spcAft>
+              <a:buClr>
+                <a:srgbClr val="999999"/>
+              </a:buClr>
+              <a:buSzPts val="1300"/>
+              <a:buFont typeface="Cabin"/>
+              <a:buChar char="●"/>
+              <a:defRPr sz="1300" b="0" i="0" u="none" strike="noStrike" cap="none">
+                <a:solidFill>
+                  <a:srgbClr val="999999"/>
+                </a:solidFill>
+                <a:latin typeface="Cabin"/>
+                <a:ea typeface="Cabin"/>
+                <a:cs typeface="Cabin"/>
+                <a:sym typeface="Cabin"/>
+              </a:defRPr>
+            </a:lvl7pPr>
+            <a:lvl8pPr marL="3657600" marR="0" lvl="7" indent="-311150" algn="l" rtl="0">
+              <a:lnSpc>
+                <a:spcPct val="115000"/>
+              </a:lnSpc>
+              <a:spcBef>
+                <a:spcPts val="0"/>
+              </a:spcBef>
+              <a:spcAft>
+                <a:spcPts val="0"/>
+              </a:spcAft>
+              <a:buClr>
+                <a:srgbClr val="999999"/>
+              </a:buClr>
+              <a:buSzPts val="1300"/>
+              <a:buFont typeface="Cabin"/>
+              <a:buChar char="○"/>
+              <a:defRPr sz="1300" b="0" i="0" u="none" strike="noStrike" cap="none">
+                <a:solidFill>
+                  <a:srgbClr val="999999"/>
+                </a:solidFill>
+                <a:latin typeface="Cabin"/>
+                <a:ea typeface="Cabin"/>
+                <a:cs typeface="Cabin"/>
+                <a:sym typeface="Cabin"/>
+              </a:defRPr>
+            </a:lvl8pPr>
+            <a:lvl9pPr marL="4114800" marR="0" lvl="8" indent="-304800" algn="l" rtl="0">
+              <a:lnSpc>
+                <a:spcPct val="115000"/>
+              </a:lnSpc>
+              <a:spcBef>
+                <a:spcPts val="0"/>
+              </a:spcBef>
+              <a:spcAft>
+                <a:spcPts val="0"/>
+              </a:spcAft>
+              <a:buClr>
+                <a:srgbClr val="999999"/>
+              </a:buClr>
+              <a:buSzPts val="1200"/>
+              <a:buFont typeface="Cabin"/>
+              <a:buChar char="■"/>
+              <a:defRPr sz="1200" b="0" i="0" u="none" strike="noStrike" cap="none">
+                <a:solidFill>
+                  <a:srgbClr val="999999"/>
+                </a:solidFill>
+                <a:latin typeface="Cabin"/>
+                <a:ea typeface="Cabin"/>
+                <a:cs typeface="Cabin"/>
+                <a:sym typeface="Cabin"/>
+              </a:defRPr>
+            </a:lvl9pPr>
+          </a:lstStyle>
+          <a:p>
+            <a:pPr marL="0" indent="0">
+              <a:buFont typeface="Cabin"/>
+              <a:buNone/>
+            </a:pPr>
+            <a:r>
+              <a:rPr lang="en-US" sz="1400" b="1" dirty="0">
+                <a:solidFill>
+                  <a:srgbClr val="E8A81A"/>
+                </a:solidFill>
+                <a:latin typeface="Montserrat"/>
+                <a:ea typeface="Montserrat"/>
+                <a:cs typeface="Montserrat"/>
+                <a:sym typeface="Montserrat"/>
+              </a:rPr>
+              <a:t>Quản lý</a:t>
+            </a:r>
+            <a:br>
+              <a:rPr lang="en-US" sz="1400" dirty="0"/>
+            </a:br>
+            <a:r>
+              <a:rPr lang="en-US" sz="1200" dirty="0"/>
+              <a:t>Chưa tối ưu công cụ quản lý</a:t>
+            </a:r>
+          </a:p>
+          <a:p>
+            <a:pPr marL="0" indent="0">
+              <a:buFont typeface="Cabin"/>
+              <a:buNone/>
+            </a:pPr>
+            <a:endParaRPr lang="en-US" sz="1400" dirty="0"/>
+          </a:p>
+        </p:txBody>
+      </p:sp>
+      <p:cxnSp>
+        <p:nvCxnSpPr>
+          <p:cNvPr id="13" name="Google Shape;1152;p50">
+            <a:extLst>
+              <a:ext uri="{FF2B5EF4-FFF2-40B4-BE49-F238E27FC236}">
+                <a16:creationId xmlns:a16="http://schemas.microsoft.com/office/drawing/2014/main" id="{52DFB10E-64B5-4C8A-8AC6-00BF82118471}"/>
+              </a:ext>
+            </a:extLst>
+          </p:cNvPr>
+          <p:cNvCxnSpPr/>
+          <p:nvPr/>
+        </p:nvCxnSpPr>
+        <p:spPr>
+          <a:xfrm>
+            <a:off x="4587222" y="1828800"/>
+            <a:ext cx="0" cy="2459700"/>
+          </a:xfrm>
+          <a:prstGeom prst="straightConnector1">
+            <a:avLst/>
+          </a:prstGeom>
+          <a:noFill/>
+          <a:ln w="9525" cap="flat" cmpd="sng">
+            <a:solidFill>
+              <a:srgbClr val="F8BC28"/>
+            </a:solidFill>
+            <a:prstDash val="dash"/>
+            <a:round/>
+            <a:headEnd type="none" w="med" len="med"/>
+            <a:tailEnd type="none" w="med" len="med"/>
+          </a:ln>
+        </p:spPr>
+      </p:cxnSp>
+    </p:spTree>
+    <p:extLst>
+      <p:ext uri="{BB962C8B-B14F-4D97-AF65-F5344CB8AC3E}">
+        <p14:creationId xmlns:p14="http://schemas.microsoft.com/office/powerpoint/2010/main" val="447988280"/>
+      </p:ext>
+    </p:extLst>
+  </p:cSld>
+  <p:clrMapOvr>
+    <a:masterClrMapping/>
+  </p:clrMapOvr>
+</p:sld>
+</file>
+
+<file path=ppt/slides/slide21.xml><?xml version="1.0" encoding="utf-8"?>
+<p:sld xmlns:a="http://schemas.openxmlformats.org/drawingml/2006/main" xmlns:r="http://schemas.openxmlformats.org/officeDocument/2006/relationships" xmlns:p="http://schemas.openxmlformats.org/presentationml/2006/main">
+  <p:cSld>
+    <p:spTree>
+      <p:nvGrpSpPr>
+        <p:cNvPr id="1" name=""/>
+        <p:cNvGrpSpPr/>
+        <p:nvPr/>
+      </p:nvGrpSpPr>
+      <p:grpSpPr>
+        <a:xfrm>
+          <a:off x="0" y="0"/>
+          <a:ext cx="0" cy="0"/>
+          <a:chOff x="0" y="0"/>
+          <a:chExt cx="0" cy="0"/>
+        </a:xfrm>
+      </p:grpSpPr>
+      <p:sp>
+        <p:nvSpPr>
+          <p:cNvPr id="4" name="Title 3">
+            <a:extLst>
+              <a:ext uri="{FF2B5EF4-FFF2-40B4-BE49-F238E27FC236}">
+                <a16:creationId xmlns:a16="http://schemas.microsoft.com/office/drawing/2014/main" id="{72EF1456-7EBC-43D3-82FF-0972040834A4}"/>
+              </a:ext>
+            </a:extLst>
+          </p:cNvPr>
+          <p:cNvSpPr>
+            <a:spLocks noGrp="1"/>
+          </p:cNvSpPr>
+          <p:nvPr>
+            <p:ph type="ctrTitle"/>
+          </p:nvPr>
+        </p:nvSpPr>
+        <p:spPr/>
+        <p:txBody>
+          <a:bodyPr/>
+          <a:lstStyle/>
+          <a:p>
+            <a:r>
+              <a:rPr lang="en-US" b="1" dirty="0"/>
+              <a:t>3. Kết luận và hướng phát triển</a:t>
+            </a:r>
+          </a:p>
+        </p:txBody>
+      </p:sp>
+      <p:sp>
+        <p:nvSpPr>
+          <p:cNvPr id="5" name="Text Placeholder 3">
+            <a:extLst>
+              <a:ext uri="{FF2B5EF4-FFF2-40B4-BE49-F238E27FC236}">
+                <a16:creationId xmlns:a16="http://schemas.microsoft.com/office/drawing/2014/main" id="{2A31BA36-AD2E-4CD3-A1D5-8CFF0DB3D1EA}"/>
+              </a:ext>
+            </a:extLst>
+          </p:cNvPr>
+          <p:cNvSpPr txBox="1">
+            <a:spLocks/>
+          </p:cNvSpPr>
+          <p:nvPr/>
+        </p:nvSpPr>
+        <p:spPr>
+          <a:xfrm>
+            <a:off x="1258350" y="1069411"/>
+            <a:ext cx="6856950" cy="3347610"/>
+          </a:xfrm>
+          <a:prstGeom prst="rect">
+            <a:avLst/>
+          </a:prstGeom>
+        </p:spPr>
+        <p:txBody>
+          <a:bodyPr/>
+          <a:lstStyle>
+            <a:defPPr marR="0" lvl="0" algn="l" rtl="0">
+              <a:lnSpc>
+                <a:spcPct val="100000"/>
+              </a:lnSpc>
+              <a:spcBef>
+                <a:spcPts val="0"/>
+              </a:spcBef>
+              <a:spcAft>
+                <a:spcPts val="0"/>
+              </a:spcAft>
+            </a:defPPr>
+            <a:lvl1pPr marR="0" lvl="0" algn="l" rtl="0">
+              <a:lnSpc>
+                <a:spcPct val="100000"/>
+              </a:lnSpc>
+              <a:spcBef>
+                <a:spcPts val="0"/>
+              </a:spcBef>
+              <a:spcAft>
+                <a:spcPts val="0"/>
+              </a:spcAft>
+              <a:buClr>
+                <a:srgbClr val="000000"/>
+              </a:buClr>
+              <a:buFont typeface="Arial"/>
+              <a:defRPr sz="1400" b="0" i="0" u="none" strike="noStrike" cap="none">
+                <a:solidFill>
+                  <a:srgbClr val="000000"/>
+                </a:solidFill>
+                <a:latin typeface="Arial"/>
+                <a:ea typeface="Arial"/>
+                <a:cs typeface="Arial"/>
+                <a:sym typeface="Arial"/>
+              </a:defRPr>
+            </a:lvl1pPr>
+            <a:lvl2pPr marR="0" lvl="1" algn="l" rtl="0">
+              <a:lnSpc>
+                <a:spcPct val="100000"/>
+              </a:lnSpc>
+              <a:spcBef>
+                <a:spcPts val="0"/>
+              </a:spcBef>
+              <a:spcAft>
+                <a:spcPts val="0"/>
+              </a:spcAft>
+              <a:buClr>
+                <a:srgbClr val="000000"/>
+              </a:buClr>
+              <a:buFont typeface="Arial"/>
+              <a:defRPr sz="1400" b="0" i="0" u="none" strike="noStrike" cap="none">
+                <a:solidFill>
+                  <a:srgbClr val="000000"/>
+                </a:solidFill>
+                <a:latin typeface="Arial"/>
+                <a:ea typeface="Arial"/>
+                <a:cs typeface="Arial"/>
+                <a:sym typeface="Arial"/>
+              </a:defRPr>
+            </a:lvl2pPr>
+            <a:lvl3pPr marR="0" lvl="2" algn="l" rtl="0">
+              <a:lnSpc>
+                <a:spcPct val="100000"/>
+              </a:lnSpc>
+              <a:spcBef>
+                <a:spcPts val="0"/>
+              </a:spcBef>
+              <a:spcAft>
+                <a:spcPts val="0"/>
+              </a:spcAft>
+              <a:buClr>
+                <a:srgbClr val="000000"/>
+              </a:buClr>
+              <a:buFont typeface="Arial"/>
+              <a:defRPr sz="1400" b="0" i="0" u="none" strike="noStrike" cap="none">
+                <a:solidFill>
+                  <a:srgbClr val="000000"/>
+                </a:solidFill>
+                <a:latin typeface="Arial"/>
+                <a:ea typeface="Arial"/>
+                <a:cs typeface="Arial"/>
+                <a:sym typeface="Arial"/>
+              </a:defRPr>
+            </a:lvl3pPr>
+            <a:lvl4pPr marR="0" lvl="3" algn="l" rtl="0">
+              <a:lnSpc>
+                <a:spcPct val="100000"/>
+              </a:lnSpc>
+              <a:spcBef>
+                <a:spcPts val="0"/>
+              </a:spcBef>
+              <a:spcAft>
+                <a:spcPts val="0"/>
+              </a:spcAft>
+              <a:buClr>
+                <a:srgbClr val="000000"/>
+              </a:buClr>
+              <a:buFont typeface="Arial"/>
+              <a:defRPr sz="1400" b="0" i="0" u="none" strike="noStrike" cap="none">
+                <a:solidFill>
+                  <a:srgbClr val="000000"/>
+                </a:solidFill>
+                <a:latin typeface="Arial"/>
+                <a:ea typeface="Arial"/>
+                <a:cs typeface="Arial"/>
+                <a:sym typeface="Arial"/>
+              </a:defRPr>
+            </a:lvl4pPr>
+            <a:lvl5pPr marR="0" lvl="4" algn="l" rtl="0">
+              <a:lnSpc>
+                <a:spcPct val="100000"/>
+              </a:lnSpc>
+              <a:spcBef>
+                <a:spcPts val="0"/>
+              </a:spcBef>
+              <a:spcAft>
+                <a:spcPts val="0"/>
+              </a:spcAft>
+              <a:buClr>
+                <a:srgbClr val="000000"/>
+              </a:buClr>
+              <a:buFont typeface="Arial"/>
+              <a:defRPr sz="1400" b="0" i="0" u="none" strike="noStrike" cap="none">
+                <a:solidFill>
+                  <a:srgbClr val="000000"/>
+                </a:solidFill>
+                <a:latin typeface="Arial"/>
+                <a:ea typeface="Arial"/>
+                <a:cs typeface="Arial"/>
+                <a:sym typeface="Arial"/>
+              </a:defRPr>
+            </a:lvl5pPr>
+            <a:lvl6pPr marR="0" lvl="5" algn="l" rtl="0">
+              <a:lnSpc>
+                <a:spcPct val="100000"/>
+              </a:lnSpc>
+              <a:spcBef>
+                <a:spcPts val="0"/>
+              </a:spcBef>
+              <a:spcAft>
+                <a:spcPts val="0"/>
+              </a:spcAft>
+              <a:buClr>
+                <a:srgbClr val="000000"/>
+              </a:buClr>
+              <a:buFont typeface="Arial"/>
+              <a:defRPr sz="1400" b="0" i="0" u="none" strike="noStrike" cap="none">
+                <a:solidFill>
+                  <a:srgbClr val="000000"/>
+                </a:solidFill>
+                <a:latin typeface="Arial"/>
+                <a:ea typeface="Arial"/>
+                <a:cs typeface="Arial"/>
+                <a:sym typeface="Arial"/>
+              </a:defRPr>
+            </a:lvl6pPr>
+            <a:lvl7pPr marR="0" lvl="6" algn="l" rtl="0">
+              <a:lnSpc>
+                <a:spcPct val="100000"/>
+              </a:lnSpc>
+              <a:spcBef>
+                <a:spcPts val="0"/>
+              </a:spcBef>
+              <a:spcAft>
+                <a:spcPts val="0"/>
+              </a:spcAft>
+              <a:buClr>
+                <a:srgbClr val="000000"/>
+              </a:buClr>
+              <a:buFont typeface="Arial"/>
+              <a:defRPr sz="1400" b="0" i="0" u="none" strike="noStrike" cap="none">
+                <a:solidFill>
+                  <a:srgbClr val="000000"/>
+                </a:solidFill>
+                <a:latin typeface="Arial"/>
+                <a:ea typeface="Arial"/>
+                <a:cs typeface="Arial"/>
+                <a:sym typeface="Arial"/>
+              </a:defRPr>
+            </a:lvl7pPr>
+            <a:lvl8pPr marR="0" lvl="7" algn="l" rtl="0">
+              <a:lnSpc>
+                <a:spcPct val="100000"/>
+              </a:lnSpc>
+              <a:spcBef>
+                <a:spcPts val="0"/>
+              </a:spcBef>
+              <a:spcAft>
+                <a:spcPts val="0"/>
+              </a:spcAft>
+              <a:buClr>
+                <a:srgbClr val="000000"/>
+              </a:buClr>
+              <a:buFont typeface="Arial"/>
+              <a:defRPr sz="1400" b="0" i="0" u="none" strike="noStrike" cap="none">
+                <a:solidFill>
+                  <a:srgbClr val="000000"/>
+                </a:solidFill>
+                <a:latin typeface="Arial"/>
+                <a:ea typeface="Arial"/>
+                <a:cs typeface="Arial"/>
+                <a:sym typeface="Arial"/>
+              </a:defRPr>
+            </a:lvl8pPr>
+            <a:lvl9pPr marR="0" lvl="8" algn="l" rtl="0">
+              <a:lnSpc>
+                <a:spcPct val="100000"/>
+              </a:lnSpc>
+              <a:spcBef>
+                <a:spcPts val="0"/>
+              </a:spcBef>
+              <a:spcAft>
+                <a:spcPts val="0"/>
+              </a:spcAft>
+              <a:buClr>
+                <a:srgbClr val="000000"/>
+              </a:buClr>
+              <a:buFont typeface="Arial"/>
+              <a:defRPr sz="1400" b="0" i="0" u="none" strike="noStrike" cap="none">
+                <a:solidFill>
+                  <a:srgbClr val="000000"/>
+                </a:solidFill>
+                <a:latin typeface="Arial"/>
+                <a:ea typeface="Arial"/>
+                <a:cs typeface="Arial"/>
+                <a:sym typeface="Arial"/>
+              </a:defRPr>
+            </a:lvl9pPr>
+          </a:lstStyle>
+          <a:p>
+            <a:r>
+              <a:rPr lang="en-US" sz="2000" b="1" dirty="0">
+                <a:solidFill>
+                  <a:srgbClr val="3E516C"/>
+                </a:solidFill>
+                <a:latin typeface="Montserrat" panose="00000500000000000000" pitchFamily="2" charset="0"/>
+              </a:rPr>
               <a:t>3. Hướng phát triển</a:t>
             </a:r>
           </a:p>
@@ -22530,7 +23839,7 @@
                   <a:schemeClr val="bg1"/>
                 </a:solidFill>
               </a:rPr>
-              <a:t>20</a:t>
+              <a:t>21</a:t>
             </a:fld>
             <a:endParaRPr lang="es" dirty="0">
               <a:solidFill>
@@ -22598,7 +23907,7 @@
                 <a:cs typeface="Cabin Regular"/>
                 <a:sym typeface="Cabin Regular"/>
               </a:rPr>
-              <a:t>Phân loại khoá học</a:t>
+              <a:t>Tăng cường bảo mật</a:t>
             </a:r>
             <a:endParaRPr dirty="0">
               <a:solidFill>
@@ -22635,7 +23944,7 @@
                 <a:cs typeface="Cabin"/>
                 <a:sym typeface="Cabin"/>
               </a:rPr>
-              <a:t>Phân loại mua bán khoá học và dạy trực tuyến</a:t>
+              <a:t>Tăng cường bảo mật cho quản lý tài liệu và thanh toán khoá học</a:t>
             </a:r>
             <a:endParaRPr sz="1100" dirty="0">
               <a:solidFill>
@@ -25860,243 +27169,6 @@
           </p:txBody>
         </p:sp>
       </p:grpSp>
-      <p:sp>
-        <p:nvSpPr>
-          <p:cNvPr id="54" name="Google Shape;6718;p67">
-            <a:extLst>
-              <a:ext uri="{FF2B5EF4-FFF2-40B4-BE49-F238E27FC236}">
-                <a16:creationId xmlns:a16="http://schemas.microsoft.com/office/drawing/2014/main" id="{87B1513B-3075-4712-9E58-B45A861CB064}"/>
-              </a:ext>
-            </a:extLst>
-          </p:cNvPr>
-          <p:cNvSpPr/>
-          <p:nvPr/>
-        </p:nvSpPr>
-        <p:spPr>
-          <a:xfrm>
-            <a:off x="5014188" y="1994693"/>
-            <a:ext cx="297281" cy="262920"/>
-          </a:xfrm>
-          <a:custGeom>
-            <a:avLst/>
-            <a:gdLst/>
-            <a:ahLst/>
-            <a:cxnLst/>
-            <a:rect l="l" t="t" r="r" b="b"/>
-            <a:pathLst>
-              <a:path w="13012" h="11508" extrusionOk="0">
-                <a:moveTo>
-                  <a:pt x="9306" y="836"/>
-                </a:moveTo>
-                <a:cubicBezTo>
-                  <a:pt x="9412" y="836"/>
-                  <a:pt x="9515" y="875"/>
-                  <a:pt x="9578" y="954"/>
-                </a:cubicBezTo>
-                <a:lnTo>
-                  <a:pt x="11909" y="3285"/>
-                </a:lnTo>
-                <a:cubicBezTo>
-                  <a:pt x="12067" y="3443"/>
-                  <a:pt x="12067" y="3695"/>
-                  <a:pt x="11909" y="3884"/>
-                </a:cubicBezTo>
-                <a:lnTo>
-                  <a:pt x="6900" y="8861"/>
-                </a:lnTo>
-                <a:lnTo>
-                  <a:pt x="4001" y="5963"/>
-                </a:lnTo>
-                <a:lnTo>
-                  <a:pt x="9011" y="954"/>
-                </a:lnTo>
-                <a:cubicBezTo>
-                  <a:pt x="9089" y="875"/>
-                  <a:pt x="9200" y="836"/>
-                  <a:pt x="9306" y="836"/>
-                </a:cubicBezTo>
-                <a:close/>
-                <a:moveTo>
-                  <a:pt x="3466" y="6499"/>
-                </a:moveTo>
-                <a:lnTo>
-                  <a:pt x="6364" y="9428"/>
-                </a:lnTo>
-                <a:lnTo>
-                  <a:pt x="6049" y="9744"/>
-                </a:lnTo>
-                <a:cubicBezTo>
-                  <a:pt x="5986" y="9807"/>
-                  <a:pt x="5892" y="9870"/>
-                  <a:pt x="5766" y="9870"/>
-                </a:cubicBezTo>
-                <a:cubicBezTo>
-                  <a:pt x="5640" y="9870"/>
-                  <a:pt x="5577" y="9807"/>
-                  <a:pt x="5514" y="9744"/>
-                </a:cubicBezTo>
-                <a:cubicBezTo>
-                  <a:pt x="5255" y="9506"/>
-                  <a:pt x="4936" y="9372"/>
-                  <a:pt x="4610" y="9372"/>
-                </a:cubicBezTo>
-                <a:cubicBezTo>
-                  <a:pt x="4460" y="9372"/>
-                  <a:pt x="4308" y="9400"/>
-                  <a:pt x="4159" y="9460"/>
-                </a:cubicBezTo>
-                <a:cubicBezTo>
-                  <a:pt x="3938" y="9555"/>
-                  <a:pt x="3812" y="9712"/>
-                  <a:pt x="3686" y="9807"/>
-                </a:cubicBezTo>
-                <a:lnTo>
-                  <a:pt x="3088" y="9239"/>
-                </a:lnTo>
-                <a:lnTo>
-                  <a:pt x="3182" y="9145"/>
-                </a:lnTo>
-                <a:cubicBezTo>
-                  <a:pt x="3655" y="8672"/>
-                  <a:pt x="3686" y="7853"/>
-                  <a:pt x="3151" y="7381"/>
-                </a:cubicBezTo>
-                <a:cubicBezTo>
-                  <a:pt x="2993" y="7223"/>
-                  <a:pt x="3025" y="6940"/>
-                  <a:pt x="3182" y="6782"/>
-                </a:cubicBezTo>
-                <a:lnTo>
-                  <a:pt x="3466" y="6499"/>
-                </a:lnTo>
-                <a:close/>
-                <a:moveTo>
-                  <a:pt x="2426" y="9807"/>
-                </a:moveTo>
-                <a:lnTo>
-                  <a:pt x="3025" y="10405"/>
-                </a:lnTo>
-                <a:lnTo>
-                  <a:pt x="2773" y="10657"/>
-                </a:lnTo>
-                <a:lnTo>
-                  <a:pt x="1544" y="10657"/>
-                </a:lnTo>
-                <a:lnTo>
-                  <a:pt x="2426" y="9807"/>
-                </a:lnTo>
-                <a:close/>
-                <a:moveTo>
-                  <a:pt x="9310" y="1"/>
-                </a:moveTo>
-                <a:cubicBezTo>
-                  <a:pt x="8995" y="1"/>
-                  <a:pt x="8680" y="119"/>
-                  <a:pt x="8443" y="355"/>
-                </a:cubicBezTo>
-                <a:lnTo>
-                  <a:pt x="2584" y="6247"/>
-                </a:lnTo>
-                <a:cubicBezTo>
-                  <a:pt x="2111" y="6719"/>
-                  <a:pt x="2079" y="7538"/>
-                  <a:pt x="2552" y="8011"/>
-                </a:cubicBezTo>
-                <a:cubicBezTo>
-                  <a:pt x="2710" y="8137"/>
-                  <a:pt x="2710" y="8357"/>
-                  <a:pt x="2615" y="8483"/>
-                </a:cubicBezTo>
-                <a:cubicBezTo>
-                  <a:pt x="2584" y="8546"/>
-                  <a:pt x="2584" y="8546"/>
-                  <a:pt x="2552" y="8609"/>
-                </a:cubicBezTo>
-                <a:lnTo>
-                  <a:pt x="252" y="10815"/>
-                </a:lnTo>
-                <a:cubicBezTo>
-                  <a:pt x="0" y="11067"/>
-                  <a:pt x="189" y="11508"/>
-                  <a:pt x="536" y="11508"/>
-                </a:cubicBezTo>
-                <a:lnTo>
-                  <a:pt x="2930" y="11508"/>
-                </a:lnTo>
-                <a:cubicBezTo>
-                  <a:pt x="3056" y="11508"/>
-                  <a:pt x="3182" y="11476"/>
-                  <a:pt x="3245" y="11382"/>
-                </a:cubicBezTo>
-                <a:lnTo>
-                  <a:pt x="4285" y="10374"/>
-                </a:lnTo>
-                <a:cubicBezTo>
-                  <a:pt x="4364" y="10295"/>
-                  <a:pt x="4474" y="10255"/>
-                  <a:pt x="4584" y="10255"/>
-                </a:cubicBezTo>
-                <a:cubicBezTo>
-                  <a:pt x="4694" y="10255"/>
-                  <a:pt x="4805" y="10295"/>
-                  <a:pt x="4883" y="10374"/>
-                </a:cubicBezTo>
-                <a:cubicBezTo>
-                  <a:pt x="5092" y="10614"/>
-                  <a:pt x="5413" y="10740"/>
-                  <a:pt x="5742" y="10740"/>
-                </a:cubicBezTo>
-                <a:cubicBezTo>
-                  <a:pt x="6060" y="10740"/>
-                  <a:pt x="6384" y="10622"/>
-                  <a:pt x="6616" y="10374"/>
-                </a:cubicBezTo>
-                <a:lnTo>
-                  <a:pt x="12476" y="4482"/>
-                </a:lnTo>
-                <a:cubicBezTo>
-                  <a:pt x="12980" y="3978"/>
-                  <a:pt x="13012" y="3191"/>
-                  <a:pt x="12508" y="2686"/>
-                </a:cubicBezTo>
-                <a:lnTo>
-                  <a:pt x="10176" y="355"/>
-                </a:lnTo>
-                <a:cubicBezTo>
-                  <a:pt x="9940" y="119"/>
-                  <a:pt x="9625" y="1"/>
-                  <a:pt x="9310" y="1"/>
-                </a:cubicBezTo>
-                <a:close/>
-              </a:path>
-            </a:pathLst>
-          </a:custGeom>
-          <a:solidFill>
-            <a:schemeClr val="bg1"/>
-          </a:solidFill>
-          <a:ln>
-            <a:noFill/>
-          </a:ln>
-        </p:spPr>
-        <p:txBody>
-          <a:bodyPr spcFirstLastPara="1" wrap="square" lIns="91425" tIns="91425" rIns="91425" bIns="91425" anchor="ctr" anchorCtr="0">
-            <a:noAutofit/>
-          </a:bodyPr>
-          <a:lstStyle/>
-          <a:p>
-            <a:pPr marL="0" lvl="0" indent="0" algn="l" rtl="0">
-              <a:spcBef>
-                <a:spcPts val="0"/>
-              </a:spcBef>
-              <a:spcAft>
-                <a:spcPts val="0"/>
-              </a:spcAft>
-              <a:buNone/>
-            </a:pPr>
-            <a:endParaRPr/>
-          </a:p>
-        </p:txBody>
-      </p:sp>
       <p:grpSp>
         <p:nvGrpSpPr>
           <p:cNvPr id="55" name="Google Shape;8823;p72">
@@ -26797,6 +27869,182 @@
           </p:txBody>
         </p:sp>
       </p:grpSp>
+      <p:sp>
+        <p:nvSpPr>
+          <p:cNvPr id="50" name="Google Shape;5272;p64">
+            <a:extLst>
+              <a:ext uri="{FF2B5EF4-FFF2-40B4-BE49-F238E27FC236}">
+                <a16:creationId xmlns:a16="http://schemas.microsoft.com/office/drawing/2014/main" id="{F4E0C9A9-964B-4525-8A86-0978DA18C2EC}"/>
+              </a:ext>
+            </a:extLst>
+          </p:cNvPr>
+          <p:cNvSpPr/>
+          <p:nvPr/>
+        </p:nvSpPr>
+        <p:spPr>
+          <a:xfrm>
+            <a:off x="5061777" y="2008317"/>
+            <a:ext cx="246888" cy="274320"/>
+          </a:xfrm>
+          <a:custGeom>
+            <a:avLst/>
+            <a:gdLst/>
+            <a:ahLst/>
+            <a:cxnLst/>
+            <a:rect l="l" t="t" r="r" b="b"/>
+            <a:pathLst>
+              <a:path w="11027" h="12673" extrusionOk="0">
+                <a:moveTo>
+                  <a:pt x="5514" y="1047"/>
+                </a:moveTo>
+                <a:cubicBezTo>
+                  <a:pt x="6238" y="1519"/>
+                  <a:pt x="7215" y="1834"/>
+                  <a:pt x="8003" y="1834"/>
+                </a:cubicBezTo>
+                <a:cubicBezTo>
+                  <a:pt x="8538" y="1834"/>
+                  <a:pt x="9294" y="1708"/>
+                  <a:pt x="10208" y="1204"/>
+                </a:cubicBezTo>
+                <a:lnTo>
+                  <a:pt x="10208" y="5237"/>
+                </a:lnTo>
+                <a:cubicBezTo>
+                  <a:pt x="10177" y="8198"/>
+                  <a:pt x="8349" y="10845"/>
+                  <a:pt x="5514" y="11821"/>
+                </a:cubicBezTo>
+                <a:cubicBezTo>
+                  <a:pt x="2710" y="10845"/>
+                  <a:pt x="820" y="8198"/>
+                  <a:pt x="820" y="5237"/>
+                </a:cubicBezTo>
+                <a:lnTo>
+                  <a:pt x="820" y="1204"/>
+                </a:lnTo>
+                <a:cubicBezTo>
+                  <a:pt x="1513" y="1582"/>
+                  <a:pt x="2269" y="1834"/>
+                  <a:pt x="3025" y="1834"/>
+                </a:cubicBezTo>
+                <a:cubicBezTo>
+                  <a:pt x="3844" y="1834"/>
+                  <a:pt x="4758" y="1551"/>
+                  <a:pt x="5514" y="1047"/>
+                </a:cubicBezTo>
+                <a:close/>
+                <a:moveTo>
+                  <a:pt x="10654" y="1"/>
+                </a:moveTo>
+                <a:cubicBezTo>
+                  <a:pt x="10567" y="1"/>
+                  <a:pt x="10476" y="33"/>
+                  <a:pt x="10397" y="102"/>
+                </a:cubicBezTo>
+                <a:cubicBezTo>
+                  <a:pt x="9389" y="826"/>
+                  <a:pt x="8538" y="952"/>
+                  <a:pt x="8034" y="952"/>
+                </a:cubicBezTo>
+                <a:cubicBezTo>
+                  <a:pt x="7310" y="952"/>
+                  <a:pt x="6396" y="637"/>
+                  <a:pt x="5766" y="165"/>
+                </a:cubicBezTo>
+                <a:cubicBezTo>
+                  <a:pt x="5703" y="102"/>
+                  <a:pt x="5616" y="70"/>
+                  <a:pt x="5526" y="70"/>
+                </a:cubicBezTo>
+                <a:cubicBezTo>
+                  <a:pt x="5435" y="70"/>
+                  <a:pt x="5341" y="102"/>
+                  <a:pt x="5262" y="165"/>
+                </a:cubicBezTo>
+                <a:cubicBezTo>
+                  <a:pt x="4632" y="637"/>
+                  <a:pt x="3781" y="952"/>
+                  <a:pt x="3025" y="952"/>
+                </a:cubicBezTo>
+                <a:cubicBezTo>
+                  <a:pt x="2237" y="952"/>
+                  <a:pt x="1450" y="637"/>
+                  <a:pt x="662" y="102"/>
+                </a:cubicBezTo>
+                <a:cubicBezTo>
+                  <a:pt x="582" y="40"/>
+                  <a:pt x="495" y="13"/>
+                  <a:pt x="411" y="13"/>
+                </a:cubicBezTo>
+                <a:cubicBezTo>
+                  <a:pt x="196" y="13"/>
+                  <a:pt x="0" y="190"/>
+                  <a:pt x="0" y="417"/>
+                </a:cubicBezTo>
+                <a:lnTo>
+                  <a:pt x="0" y="5237"/>
+                </a:lnTo>
+                <a:cubicBezTo>
+                  <a:pt x="0" y="8608"/>
+                  <a:pt x="2080" y="11601"/>
+                  <a:pt x="5388" y="12641"/>
+                </a:cubicBezTo>
+                <a:cubicBezTo>
+                  <a:pt x="5419" y="12641"/>
+                  <a:pt x="5451" y="12672"/>
+                  <a:pt x="5514" y="12672"/>
+                </a:cubicBezTo>
+                <a:cubicBezTo>
+                  <a:pt x="5545" y="12672"/>
+                  <a:pt x="5577" y="12672"/>
+                  <a:pt x="5640" y="12641"/>
+                </a:cubicBezTo>
+                <a:cubicBezTo>
+                  <a:pt x="8979" y="11538"/>
+                  <a:pt x="11027" y="8513"/>
+                  <a:pt x="11027" y="5237"/>
+                </a:cubicBezTo>
+                <a:lnTo>
+                  <a:pt x="11027" y="417"/>
+                </a:lnTo>
+                <a:cubicBezTo>
+                  <a:pt x="11027" y="157"/>
+                  <a:pt x="10848" y="1"/>
+                  <a:pt x="10654" y="1"/>
+                </a:cubicBezTo>
+                <a:close/>
+              </a:path>
+            </a:pathLst>
+          </a:custGeom>
+          <a:solidFill>
+            <a:schemeClr val="bg1"/>
+          </a:solidFill>
+          <a:ln>
+            <a:solidFill>
+              <a:schemeClr val="bg1"/>
+            </a:solidFill>
+          </a:ln>
+        </p:spPr>
+        <p:txBody>
+          <a:bodyPr spcFirstLastPara="1" wrap="square" lIns="91425" tIns="91425" rIns="91425" bIns="91425" anchor="ctr" anchorCtr="0">
+            <a:noAutofit/>
+          </a:bodyPr>
+          <a:lstStyle/>
+          <a:p>
+            <a:pPr marL="0" lvl="0" indent="0" algn="l" rtl="0">
+              <a:spcBef>
+                <a:spcPts val="0"/>
+              </a:spcBef>
+              <a:spcAft>
+                <a:spcPts val="0"/>
+              </a:spcAft>
+              <a:buNone/>
+            </a:pPr>
+            <a:endParaRPr dirty="0"/>
+          </a:p>
+        </p:txBody>
+      </p:sp>
     </p:spTree>
     <p:extLst>
       <p:ext uri="{BB962C8B-B14F-4D97-AF65-F5344CB8AC3E}">
@@ -26810,7 +28058,7 @@
 </p:sld>
 </file>
 
-<file path=ppt/slides/slide21.xml><?xml version="1.0" encoding="utf-8"?>
+<file path=ppt/slides/slide22.xml><?xml version="1.0" encoding="utf-8"?>
 <p:sld xmlns:a="http://schemas.openxmlformats.org/drawingml/2006/main" xmlns:r="http://schemas.openxmlformats.org/officeDocument/2006/relationships" xmlns:p="http://schemas.openxmlformats.org/presentationml/2006/main">
   <p:cSld>
     <p:spTree>
@@ -27253,7 +28501,7 @@
             </a:pPr>
             <a:fld id="{00000000-1234-1234-1234-123412341234}" type="slidenum">
               <a:rPr lang="es" smtClean="0"/>
-              <a:t>21</a:t>
+              <a:t>22</a:t>
             </a:fld>
             <a:endParaRPr lang="es"/>
           </a:p>
@@ -27267,7 +28515,7 @@
 </p:sld>
 </file>
 
-<file path=ppt/slides/slide22.xml><?xml version="1.0" encoding="utf-8"?>
+<file path=ppt/slides/slide23.xml><?xml version="1.0" encoding="utf-8"?>
 <p:sld xmlns:a="http://schemas.openxmlformats.org/drawingml/2006/main" xmlns:r="http://schemas.openxmlformats.org/officeDocument/2006/relationships" xmlns:p="http://schemas.openxmlformats.org/presentationml/2006/main">
   <p:cSld>
     <p:spTree>
@@ -27319,7 +28567,7 @@
               <a:buNone/>
             </a:pPr>
             <a:r>
-              <a:rPr lang="es" sz="6000" b="0" dirty="0">
+              <a:rPr lang="es" b="0" dirty="0">
                 <a:solidFill>
                   <a:schemeClr val="lt1"/>
                 </a:solidFill>
@@ -27366,7 +28614,7 @@
             </a:pPr>
             <a:fld id="{00000000-1234-1234-1234-123412341234}" type="slidenum">
               <a:rPr lang="es" smtClean="0"/>
-              <a:t>22</a:t>
+              <a:t>23</a:t>
             </a:fld>
             <a:endParaRPr lang="es"/>
           </a:p>
@@ -28929,17 +30177,32 @@
                 <a:latin typeface="Cabin" panose="020B0604020202020204" charset="0"/>
                 <a:cs typeface="Times New Roman" panose="02020603050405020304" pitchFamily="18" charset="0"/>
               </a:rPr>
-              <a:t>       Việc xây dựng “Cộng đồng gia sư” là cần thiết vì:</a:t>
+              <a:t>       Việc xây dựng “</a:t>
+            </a:r>
+            <a:r>
+              <a:rPr lang="es-ES" dirty="0">
+                <a:solidFill>
+                  <a:srgbClr val="404040"/>
+                </a:solidFill>
+                <a:effectLst/>
+                <a:latin typeface="Cabin" panose="020B0604020202020204" charset="0"/>
+                <a:ea typeface="Times New Roman" panose="02020603050405020304" pitchFamily="18" charset="0"/>
+              </a:rPr>
+              <a:t>Nền tảng chia sẻ khoá học – học tập trực tuyến thông minh</a:t>
+            </a:r>
+            <a:r>
+              <a:rPr lang="en-US" dirty="0">
+                <a:solidFill>
+                  <a:srgbClr val="404040"/>
+                </a:solidFill>
+                <a:latin typeface="Cabin" panose="020B0604020202020204" charset="0"/>
+                <a:cs typeface="Times New Roman" panose="02020603050405020304" pitchFamily="18" charset="0"/>
+              </a:rPr>
+              <a:t>” là cần thiết vì:</a:t>
             </a:r>
           </a:p>
           <a:p>
             <a:pPr marL="742950" lvl="1" indent="-285750">
-              <a:lnSpc>
-                <a:spcPct val="100000"/>
-              </a:lnSpc>
-              <a:spcBef>
-                <a:spcPts val="0"/>
-              </a:spcBef>
               <a:spcAft>
                 <a:spcPts val="500"/>
               </a:spcAft>
@@ -28954,7 +30217,7 @@
                 <a:latin typeface="Cabin" panose="020B0604020202020204" charset="0"/>
                 <a:cs typeface="Times New Roman" panose="02020603050405020304" pitchFamily="18" charset="0"/>
               </a:rPr>
-              <a:t>Dễ dàng lựa chọn gia sư phù hợp </a:t>
+              <a:t>Cung cấp nền tảng học tập trực tuyến</a:t>
             </a:r>
           </a:p>
           <a:p>
@@ -28992,7 +30255,7 @@
                 <a:latin typeface="Cabin" panose="020B0604020202020204" charset="0"/>
                 <a:cs typeface="Times New Roman" panose="02020603050405020304" pitchFamily="18" charset="0"/>
               </a:rPr>
-              <a:t>Cung cấp nền tảng học tập trực tuyến</a:t>
+              <a:t>Dễ dàng lựa chọn gia sư phù hợp </a:t>
             </a:r>
           </a:p>
           <a:p>
@@ -30776,8 +32039,8 @@
         </p:nvSpPr>
         <p:spPr>
           <a:xfrm>
-            <a:off x="888100" y="2802699"/>
-            <a:ext cx="1413135" cy="1482439"/>
+            <a:off x="888101" y="2802699"/>
+            <a:ext cx="1358826" cy="1482439"/>
           </a:xfrm>
           <a:prstGeom prst="rect">
             <a:avLst/>
@@ -31097,7 +32360,7 @@
                 </a:spcAft>
                 <a:buNone/>
               </a:pPr>
-              <a:endParaRPr/>
+              <a:endParaRPr dirty="0"/>
             </a:p>
           </p:txBody>
         </p:sp>
@@ -31285,7 +32548,7 @@
                 </a:pathLst>
               </a:custGeom>
               <a:solidFill>
-                <a:srgbClr val="5F7D95"/>
+                <a:schemeClr val="bg1"/>
               </a:solidFill>
               <a:ln>
                 <a:noFill/>
@@ -31306,7 +32569,7 @@
                   </a:spcAft>
                   <a:buNone/>
                 </a:pPr>
-                <a:endParaRPr/>
+                <a:endParaRPr dirty="0"/>
               </a:p>
             </p:txBody>
           </p:sp>
@@ -31439,7 +32702,7 @@
                 </a:pathLst>
               </a:custGeom>
               <a:solidFill>
-                <a:srgbClr val="5F7D95"/>
+                <a:schemeClr val="bg1"/>
               </a:solidFill>
               <a:ln>
                 <a:noFill/>
@@ -31460,7 +32723,7 @@
                   </a:spcAft>
                   <a:buNone/>
                 </a:pPr>
-                <a:endParaRPr/>
+                <a:endParaRPr dirty="0"/>
               </a:p>
             </p:txBody>
           </p:sp>
@@ -31786,8 +33049,8 @@
         </p:nvSpPr>
         <p:spPr>
           <a:xfrm>
-            <a:off x="2813307" y="2802699"/>
-            <a:ext cx="1413135" cy="1482439"/>
+            <a:off x="2813308" y="2802699"/>
+            <a:ext cx="1290586" cy="1482439"/>
           </a:xfrm>
           <a:prstGeom prst="rect">
             <a:avLst/>
@@ -32357,7 +33620,7 @@
         <p:spPr>
           <a:xfrm>
             <a:off x="4743387" y="2784436"/>
-            <a:ext cx="1413135" cy="1482439"/>
+            <a:ext cx="1550730" cy="1482439"/>
           </a:xfrm>
           <a:prstGeom prst="rect">
             <a:avLst/>
@@ -32873,7 +34136,7 @@
                 <a:cs typeface="Montserrat ExtraBold"/>
                 <a:sym typeface="Montserrat ExtraBold"/>
               </a:rPr>
-              <a:t>Trực tuyến</a:t>
+              <a:t>Học trực tuyến</a:t>
             </a:r>
           </a:p>
         </p:txBody>
@@ -32895,7 +34158,7 @@
         <p:spPr>
           <a:xfrm>
             <a:off x="6668594" y="2784436"/>
-            <a:ext cx="1413135" cy="1482439"/>
+            <a:ext cx="1446706" cy="1482439"/>
           </a:xfrm>
           <a:prstGeom prst="rect">
             <a:avLst/>
@@ -33461,7 +34724,7 @@
                 </a:pathLst>
               </a:custGeom>
               <a:solidFill>
-                <a:srgbClr val="5F7D95"/>
+                <a:schemeClr val="bg1"/>
               </a:solidFill>
               <a:ln>
                 <a:noFill/>
@@ -33482,7 +34745,7 @@
                   </a:spcAft>
                   <a:buNone/>
                 </a:pPr>
-                <a:endParaRPr/>
+                <a:endParaRPr dirty="0"/>
               </a:p>
             </p:txBody>
           </p:sp>
@@ -33539,7 +34802,7 @@
                 </a:pathLst>
               </a:custGeom>
               <a:solidFill>
-                <a:srgbClr val="5F7D95"/>
+                <a:schemeClr val="bg1"/>
               </a:solidFill>
               <a:ln>
                 <a:noFill/>
@@ -33617,7 +34880,7 @@
                 </a:pathLst>
               </a:custGeom>
               <a:solidFill>
-                <a:srgbClr val="5F7D95"/>
+                <a:schemeClr val="bg1"/>
               </a:solidFill>
               <a:ln>
                 <a:noFill/>
@@ -33638,7 +34901,7 @@
                   </a:spcAft>
                   <a:buNone/>
                 </a:pPr>
-                <a:endParaRPr/>
+                <a:endParaRPr dirty="0"/>
               </a:p>
             </p:txBody>
           </p:sp>
@@ -33695,7 +34958,7 @@
                 </a:pathLst>
               </a:custGeom>
               <a:solidFill>
-                <a:srgbClr val="5F7D95"/>
+                <a:schemeClr val="bg1"/>
               </a:solidFill>
               <a:ln>
                 <a:noFill/>
@@ -33716,7 +34979,7 @@
                   </a:spcAft>
                   <a:buNone/>
                 </a:pPr>
-                <a:endParaRPr/>
+                <a:endParaRPr dirty="0"/>
               </a:p>
             </p:txBody>
           </p:sp>
@@ -34026,7 +35289,7 @@
               </a:pathLst>
             </a:custGeom>
             <a:solidFill>
-              <a:srgbClr val="5F7D95"/>
+              <a:schemeClr val="bg1"/>
             </a:solidFill>
             <a:ln>
               <a:noFill/>
@@ -34047,7 +35310,7 @@
                 </a:spcAft>
                 <a:buNone/>
               </a:pPr>
-              <a:endParaRPr/>
+              <a:endParaRPr dirty="0"/>
             </a:p>
           </p:txBody>
         </p:sp>
@@ -34123,7 +35386,7 @@
                 </a:spcAft>
                 <a:buNone/>
               </a:pPr>
-              <a:endParaRPr/>
+              <a:endParaRPr dirty="0"/>
             </a:p>
           </p:txBody>
         </p:sp>
@@ -34447,7 +35710,7 @@
                 </a:pathLst>
               </a:custGeom>
               <a:solidFill>
-                <a:srgbClr val="5F7D95"/>
+                <a:schemeClr val="bg1"/>
               </a:solidFill>
               <a:ln>
                 <a:noFill/>
@@ -34468,7 +35731,7 @@
                   </a:spcAft>
                   <a:buNone/>
                 </a:pPr>
-                <a:endParaRPr/>
+                <a:endParaRPr dirty="0"/>
               </a:p>
             </p:txBody>
           </p:sp>
@@ -34525,7 +35788,7 @@
                 </a:pathLst>
               </a:custGeom>
               <a:solidFill>
-                <a:srgbClr val="5F7D95"/>
+                <a:schemeClr val="bg1"/>
               </a:solidFill>
               <a:ln>
                 <a:noFill/>
@@ -34546,7 +35809,7 @@
                   </a:spcAft>
                   <a:buNone/>
                 </a:pPr>
-                <a:endParaRPr/>
+                <a:endParaRPr dirty="0"/>
               </a:p>
             </p:txBody>
           </p:sp>
@@ -34609,7 +35872,7 @@
                 </a:pathLst>
               </a:custGeom>
               <a:solidFill>
-                <a:srgbClr val="5F7D95"/>
+                <a:schemeClr val="bg1"/>
               </a:solidFill>
               <a:ln>
                 <a:noFill/>
@@ -34630,7 +35893,7 @@
                   </a:spcAft>
                   <a:buNone/>
                 </a:pPr>
-                <a:endParaRPr/>
+                <a:endParaRPr dirty="0"/>
               </a:p>
             </p:txBody>
           </p:sp>
@@ -35032,8 +36295,8 @@
         </p:nvSpPr>
         <p:spPr>
           <a:xfrm>
-            <a:off x="4967214" y="2179319"/>
-            <a:ext cx="3401076" cy="1608754"/>
+            <a:off x="4964509" y="1814143"/>
+            <a:ext cx="3401076" cy="2464315"/>
           </a:xfrm>
           <a:prstGeom prst="rect">
             <a:avLst/>
@@ -35077,8 +36340,8 @@
         </p:nvSpPr>
         <p:spPr>
           <a:xfrm>
-            <a:off x="1165586" y="2179320"/>
-            <a:ext cx="3401076" cy="1608754"/>
+            <a:off x="1165586" y="1814144"/>
+            <a:ext cx="3401076" cy="2464315"/>
           </a:xfrm>
           <a:prstGeom prst="rect">
             <a:avLst/>
@@ -35127,7 +36390,7 @@
         </p:nvSpPr>
         <p:spPr>
           <a:xfrm>
-            <a:off x="1461450" y="2368250"/>
+            <a:off x="1461450" y="1926290"/>
             <a:ext cx="2871000" cy="326700"/>
           </a:xfrm>
           <a:prstGeom prst="rect">
@@ -35399,7 +36662,7 @@
         </p:nvSpPr>
         <p:spPr>
           <a:xfrm>
-            <a:off x="5404526" y="2368250"/>
+            <a:off x="5404526" y="1926290"/>
             <a:ext cx="2871000" cy="326700"/>
           </a:xfrm>
           <a:prstGeom prst="rect">
@@ -35669,7 +36932,7 @@
         </p:nvGrpSpPr>
         <p:grpSpPr>
           <a:xfrm>
-            <a:off x="891236" y="2746096"/>
+            <a:off x="891236" y="2842140"/>
             <a:ext cx="548700" cy="475200"/>
             <a:chOff x="891236" y="3059036"/>
             <a:chExt cx="548700" cy="475200"/>
@@ -36365,7 +37628,7 @@
         </p:nvGrpSpPr>
         <p:grpSpPr>
           <a:xfrm>
-            <a:off x="4692864" y="2732861"/>
+            <a:off x="4692864" y="2828905"/>
             <a:ext cx="548700" cy="475200"/>
             <a:chOff x="4692864" y="3073420"/>
             <a:chExt cx="548700" cy="475200"/>
@@ -37047,8 +38310,8 @@
         </p:nvSpPr>
         <p:spPr>
           <a:xfrm>
-            <a:off x="1460416" y="2618522"/>
-            <a:ext cx="2928730" cy="1169551"/>
+            <a:off x="1460416" y="2444004"/>
+            <a:ext cx="2928730" cy="1384995"/>
           </a:xfrm>
           <a:prstGeom prst="rect">
             <a:avLst/>
@@ -37068,10 +38331,20 @@
                 <a:ea typeface="Tahoma" panose="020B0604030504040204" pitchFamily="34" charset="0"/>
                 <a:cs typeface="Tahoma" panose="020B0604030504040204" pitchFamily="34" charset="0"/>
               </a:rPr>
-              <a:t>Nghiên cứu lập trình ứng dụng web hướng đến mọi người dùng có nhu cầu dạy và học, là cầu nối giữa gia sư và học viên</a:t>
+              <a:t>Nghiên cứu lập trình ứng dụng web hướng đến mọi người dùng có nhu cầu </a:t>
             </a:r>
-          </a:p>
-          <a:p>
+            <a:r>
+              <a:rPr lang="vi-VN" dirty="0"/>
+              <a:t>tìm kiếm gia sư, tìm kiếm khoá học </a:t>
+            </a:r>
+            <a:r>
+              <a:rPr lang="vi-VN" dirty="0" err="1"/>
+              <a:t>online</a:t>
+            </a:r>
+            <a:r>
+              <a:rPr lang="vi-VN" dirty="0"/>
+              <a:t>, muốn có một công cụ giúp quản lý tài liệu trực tuyến và những gia sư có nhu cầu dạy học</a:t>
+            </a:r>
             <a:endParaRPr lang="en-US" dirty="0"/>
           </a:p>
         </p:txBody>
@@ -37090,8 +38363,8 @@
         </p:nvSpPr>
         <p:spPr>
           <a:xfrm>
-            <a:off x="5404526" y="2689094"/>
-            <a:ext cx="2985124" cy="954107"/>
+            <a:off x="5282287" y="2444004"/>
+            <a:ext cx="3110068" cy="1600438"/>
           </a:xfrm>
           <a:prstGeom prst="rect">
             <a:avLst/>
@@ -37104,15 +38377,96 @@
           </a:bodyPr>
           <a:lstStyle/>
           <a:p>
+            <a:r>
+              <a:rPr lang="vi-VN" dirty="0"/>
+              <a:t>Đề tài tập trung nghiên cứu</a:t>
+            </a:r>
+            <a:r>
+              <a:rPr lang="en-US" dirty="0"/>
+              <a:t>:</a:t>
+            </a:r>
+            <a:r>
+              <a:rPr lang="vi-VN" dirty="0"/>
+              <a:t> </a:t>
+            </a:r>
+            <a:endParaRPr lang="en-US" dirty="0"/>
+          </a:p>
+          <a:p>
             <a:pPr marL="285750" indent="-285750">
               <a:buFont typeface="Arial" panose="020B0604020202020204" pitchFamily="34" charset="0"/>
               <a:buChar char="•"/>
             </a:pPr>
             <a:r>
-              <a:rPr lang="en-US" dirty="0">
-                <a:latin typeface="Cabin" panose="020B0604020202020204" charset="0"/>
-              </a:rPr>
-              <a:t>Người dùng không có tài khoản</a:t>
+              <a:rPr lang="en-US" dirty="0"/>
+              <a:t>Q</a:t>
+            </a:r>
+            <a:r>
+              <a:rPr lang="vi-VN" dirty="0" err="1"/>
+              <a:t>uản</a:t>
+            </a:r>
+            <a:r>
+              <a:rPr lang="vi-VN" dirty="0"/>
+              <a:t> lý khoá học</a:t>
+            </a:r>
+            <a:endParaRPr lang="en-US" dirty="0"/>
+          </a:p>
+          <a:p>
+            <a:pPr marL="285750" indent="-285750">
+              <a:buFont typeface="Arial" panose="020B0604020202020204" pitchFamily="34" charset="0"/>
+              <a:buChar char="•"/>
+            </a:pPr>
+            <a:r>
+              <a:rPr lang="en-US" dirty="0"/>
+              <a:t>Q</a:t>
+            </a:r>
+            <a:r>
+              <a:rPr lang="vi-VN" dirty="0" err="1"/>
+              <a:t>uản</a:t>
+            </a:r>
+            <a:r>
+              <a:rPr lang="vi-VN" dirty="0"/>
+              <a:t> lý trò chuyện</a:t>
+            </a:r>
+            <a:endParaRPr lang="en-US" dirty="0"/>
+          </a:p>
+          <a:p>
+            <a:pPr marL="285750" indent="-285750">
+              <a:buFont typeface="Arial" panose="020B0604020202020204" pitchFamily="34" charset="0"/>
+              <a:buChar char="•"/>
+            </a:pPr>
+            <a:r>
+              <a:rPr lang="en-US" dirty="0"/>
+              <a:t>Quản lý </a:t>
+            </a:r>
+            <a:r>
+              <a:rPr lang="vi-VN" dirty="0"/>
+              <a:t>tài liệu liên quan</a:t>
+            </a:r>
+            <a:endParaRPr lang="en-US" dirty="0"/>
+          </a:p>
+          <a:p>
+            <a:pPr marL="285750" indent="-285750">
+              <a:buFont typeface="Arial" panose="020B0604020202020204" pitchFamily="34" charset="0"/>
+              <a:buChar char="•"/>
+            </a:pPr>
+            <a:r>
+              <a:rPr lang="en-US" dirty="0"/>
+              <a:t>Nhu </a:t>
+            </a:r>
+            <a:r>
+              <a:rPr lang="vi-VN" dirty="0"/>
+              <a:t>cầu tìm kiếm khoá học</a:t>
+            </a:r>
+            <a:endParaRPr lang="en-US" dirty="0"/>
+          </a:p>
+          <a:p>
+            <a:pPr marL="285750" indent="-285750">
+              <a:buFont typeface="Arial" panose="020B0604020202020204" pitchFamily="34" charset="0"/>
+              <a:buChar char="•"/>
+            </a:pPr>
+            <a:r>
+              <a:rPr lang="en-US" dirty="0"/>
+              <a:t>Nhu cầu tim kiếm gia sư</a:t>
             </a:r>
           </a:p>
           <a:p>
@@ -37121,35 +38475,16 @@
               <a:buChar char="•"/>
             </a:pPr>
             <a:r>
-              <a:rPr lang="en-US" dirty="0">
-                <a:latin typeface="Cabin" panose="020B0604020202020204" charset="0"/>
-              </a:rPr>
-              <a:t>Gia sư</a:t>
+              <a:rPr lang="en-US" dirty="0"/>
+              <a:t>N</a:t>
             </a:r>
-          </a:p>
-          <a:p>
-            <a:pPr marL="285750" indent="-285750">
-              <a:buFont typeface="Arial" panose="020B0604020202020204" pitchFamily="34" charset="0"/>
-              <a:buChar char="•"/>
-            </a:pPr>
             <a:r>
-              <a:rPr lang="en-US" dirty="0">
-                <a:latin typeface="Cabin" panose="020B0604020202020204" charset="0"/>
-              </a:rPr>
-              <a:t>Học viên</a:t>
+              <a:rPr lang="vi-VN" dirty="0"/>
+              <a:t>hu cầu học tập trực tuyến</a:t>
             </a:r>
-          </a:p>
-          <a:p>
-            <a:pPr marL="285750" indent="-285750">
-              <a:buFont typeface="Arial" panose="020B0604020202020204" pitchFamily="34" charset="0"/>
-              <a:buChar char="•"/>
-            </a:pPr>
-            <a:r>
-              <a:rPr lang="en-US" dirty="0">
-                <a:latin typeface="Cabin" panose="020B0604020202020204" charset="0"/>
-              </a:rPr>
-              <a:t>Quản trị viên</a:t>
-            </a:r>
+            <a:endParaRPr lang="en-US" dirty="0">
+              <a:latin typeface="Cabin" panose="020B0604020202020204" charset="0"/>
+            </a:endParaRPr>
           </a:p>
         </p:txBody>
       </p:sp>

--- a/docs/thuyetTrinh_LeMinhNghia_B1605229.pptx
+++ b/docs/thuyetTrinh_LeMinhNghia_B1605229.pptx
@@ -5,7 +5,7 @@
     <p:sldMasterId id="2147483673" r:id="rId1"/>
   </p:sldMasterIdLst>
   <p:notesMasterIdLst>
-    <p:notesMasterId r:id="rId30"/>
+    <p:notesMasterId r:id="rId29"/>
   </p:notesMasterIdLst>
   <p:sldIdLst>
     <p:sldId id="258" r:id="rId2"/>
@@ -31,73 +31,72 @@
     <p:sldId id="330" r:id="rId22"/>
     <p:sldId id="307" r:id="rId23"/>
     <p:sldId id="318" r:id="rId24"/>
-    <p:sldId id="336" r:id="rId25"/>
-    <p:sldId id="319" r:id="rId26"/>
-    <p:sldId id="320" r:id="rId27"/>
-    <p:sldId id="260" r:id="rId28"/>
-    <p:sldId id="321" r:id="rId29"/>
+    <p:sldId id="319" r:id="rId25"/>
+    <p:sldId id="320" r:id="rId26"/>
+    <p:sldId id="260" r:id="rId27"/>
+    <p:sldId id="321" r:id="rId28"/>
   </p:sldIdLst>
   <p:sldSz cx="9144000" cy="5143500" type="screen16x9"/>
   <p:notesSz cx="6858000" cy="9144000"/>
   <p:embeddedFontLst>
     <p:embeddedFont>
       <p:font typeface="Arvo" panose="020B0604020202020204" charset="0"/>
-      <p:regular r:id="rId31"/>
-      <p:bold r:id="rId32"/>
-      <p:italic r:id="rId33"/>
-      <p:boldItalic r:id="rId34"/>
+      <p:regular r:id="rId30"/>
+      <p:bold r:id="rId31"/>
+      <p:italic r:id="rId32"/>
+      <p:boldItalic r:id="rId33"/>
     </p:embeddedFont>
     <p:embeddedFont>
       <p:font typeface="Cabin" panose="020B0604020202020204" charset="0"/>
-      <p:regular r:id="rId35"/>
-      <p:bold r:id="rId36"/>
-      <p:italic r:id="rId37"/>
-      <p:boldItalic r:id="rId38"/>
+      <p:regular r:id="rId34"/>
+      <p:bold r:id="rId35"/>
+      <p:italic r:id="rId36"/>
+      <p:boldItalic r:id="rId37"/>
     </p:embeddedFont>
     <p:embeddedFont>
       <p:font typeface="Cabin Regular" panose="020B0604020202020204" charset="0"/>
-      <p:regular r:id="rId39"/>
-      <p:bold r:id="rId40"/>
-      <p:italic r:id="rId41"/>
-      <p:boldItalic r:id="rId42"/>
+      <p:regular r:id="rId38"/>
+      <p:bold r:id="rId39"/>
+      <p:italic r:id="rId40"/>
+      <p:boldItalic r:id="rId41"/>
     </p:embeddedFont>
     <p:embeddedFont>
       <p:font typeface="Montserrat" panose="00000500000000000000" pitchFamily="50" charset="0"/>
-      <p:regular r:id="rId43"/>
-      <p:bold r:id="rId44"/>
-      <p:italic r:id="rId45"/>
-      <p:boldItalic r:id="rId46"/>
+      <p:regular r:id="rId42"/>
+      <p:bold r:id="rId43"/>
+      <p:italic r:id="rId44"/>
+      <p:boldItalic r:id="rId45"/>
     </p:embeddedFont>
     <p:embeddedFont>
       <p:font typeface="Montserrat Black" panose="00000A00000000000000" pitchFamily="50" charset="0"/>
-      <p:bold r:id="rId47"/>
-      <p:boldItalic r:id="rId48"/>
+      <p:bold r:id="rId46"/>
+      <p:boldItalic r:id="rId47"/>
     </p:embeddedFont>
     <p:embeddedFont>
       <p:font typeface="Montserrat ExtraBold" panose="00000900000000000000" pitchFamily="50" charset="0"/>
-      <p:bold r:id="rId49"/>
-      <p:boldItalic r:id="rId50"/>
+      <p:bold r:id="rId48"/>
+      <p:boldItalic r:id="rId49"/>
     </p:embeddedFont>
     <p:embeddedFont>
       <p:font typeface="Montserrat Medium" panose="00000600000000000000" pitchFamily="50" charset="0"/>
-      <p:regular r:id="rId51"/>
-      <p:bold r:id="rId52"/>
-      <p:italic r:id="rId53"/>
-      <p:boldItalic r:id="rId54"/>
+      <p:regular r:id="rId50"/>
+      <p:bold r:id="rId51"/>
+      <p:italic r:id="rId52"/>
+      <p:boldItalic r:id="rId53"/>
     </p:embeddedFont>
     <p:embeddedFont>
       <p:font typeface="Open Sans" panose="020B0606030504020204" pitchFamily="34" charset="0"/>
-      <p:regular r:id="rId55"/>
-      <p:bold r:id="rId56"/>
-      <p:italic r:id="rId57"/>
-      <p:boldItalic r:id="rId58"/>
+      <p:regular r:id="rId54"/>
+      <p:bold r:id="rId55"/>
+      <p:italic r:id="rId56"/>
+      <p:boldItalic r:id="rId57"/>
     </p:embeddedFont>
     <p:embeddedFont>
       <p:font typeface="PT Sans" panose="020B0604020202020204" charset="0"/>
-      <p:regular r:id="rId59"/>
-      <p:bold r:id="rId60"/>
-      <p:italic r:id="rId61"/>
-      <p:boldItalic r:id="rId62"/>
+      <p:regular r:id="rId58"/>
+      <p:bold r:id="rId59"/>
+      <p:italic r:id="rId60"/>
+      <p:boldItalic r:id="rId61"/>
     </p:embeddedFont>
   </p:embeddedFontLst>
   <p:defaultTextStyle>
@@ -1004,7 +1003,7 @@
     </p:spTree>
     <p:extLst>
       <p:ext uri="{BB962C8B-B14F-4D97-AF65-F5344CB8AC3E}">
-        <p14:creationId xmlns:p14="http://schemas.microsoft.com/office/powerpoint/2010/main" val="1034893593"/>
+        <p14:creationId xmlns:p14="http://schemas.microsoft.com/office/powerpoint/2010/main" val="3022006459"/>
       </p:ext>
     </p:extLst>
   </p:cSld>
@@ -1015,72 +1014,6 @@
 </file>
 
 <file path=ppt/notesSlides/notesSlide12.xml><?xml version="1.0" encoding="utf-8"?>
-<p:notes xmlns:a="http://schemas.openxmlformats.org/drawingml/2006/main" xmlns:r="http://schemas.openxmlformats.org/officeDocument/2006/relationships" xmlns:p="http://schemas.openxmlformats.org/presentationml/2006/main">
-  <p:cSld>
-    <p:spTree>
-      <p:nvGrpSpPr>
-        <p:cNvPr id="1" name=""/>
-        <p:cNvGrpSpPr/>
-        <p:nvPr/>
-      </p:nvGrpSpPr>
-      <p:grpSpPr>
-        <a:xfrm>
-          <a:off x="0" y="0"/>
-          <a:ext cx="0" cy="0"/>
-          <a:chOff x="0" y="0"/>
-          <a:chExt cx="0" cy="0"/>
-        </a:xfrm>
-      </p:grpSpPr>
-      <p:sp>
-        <p:nvSpPr>
-          <p:cNvPr id="2" name="Slide Image Placeholder 1"/>
-          <p:cNvSpPr>
-            <a:spLocks noGrp="1" noRot="1" noChangeAspect="1"/>
-          </p:cNvSpPr>
-          <p:nvPr>
-            <p:ph type="sldImg"/>
-          </p:nvPr>
-        </p:nvSpPr>
-        <p:spPr>
-          <a:xfrm>
-            <a:off x="381000" y="685800"/>
-            <a:ext cx="6096000" cy="3429000"/>
-          </a:xfrm>
-        </p:spPr>
-      </p:sp>
-      <p:sp>
-        <p:nvSpPr>
-          <p:cNvPr id="3" name="Notes Placeholder 2"/>
-          <p:cNvSpPr>
-            <a:spLocks noGrp="1"/>
-          </p:cNvSpPr>
-          <p:nvPr>
-            <p:ph type="body" idx="1"/>
-          </p:nvPr>
-        </p:nvSpPr>
-        <p:spPr/>
-        <p:txBody>
-          <a:bodyPr/>
-          <a:lstStyle/>
-          <a:p>
-            <a:endParaRPr lang="en-US" dirty="0"/>
-          </a:p>
-        </p:txBody>
-      </p:sp>
-    </p:spTree>
-    <p:extLst>
-      <p:ext uri="{BB962C8B-B14F-4D97-AF65-F5344CB8AC3E}">
-        <p14:creationId xmlns:p14="http://schemas.microsoft.com/office/powerpoint/2010/main" val="3022006459"/>
-      </p:ext>
-    </p:extLst>
-  </p:cSld>
-  <p:clrMapOvr>
-    <a:masterClrMapping/>
-  </p:clrMapOvr>
-</p:notes>
-</file>
-
-<file path=ppt/notesSlides/notesSlide13.xml><?xml version="1.0" encoding="utf-8"?>
 <p:notes xmlns:a="http://schemas.openxmlformats.org/drawingml/2006/main" xmlns:r="http://schemas.openxmlformats.org/officeDocument/2006/relationships" xmlns:p="http://schemas.openxmlformats.org/presentationml/2006/main">
   <p:cSld>
     <p:spTree>
@@ -1155,7 +1088,7 @@
 </p:notes>
 </file>
 
-<file path=ppt/notesSlides/notesSlide14.xml><?xml version="1.0" encoding="utf-8"?>
+<file path=ppt/notesSlides/notesSlide13.xml><?xml version="1.0" encoding="utf-8"?>
 <p:notes xmlns:a="http://schemas.openxmlformats.org/drawingml/2006/main" xmlns:r="http://schemas.openxmlformats.org/officeDocument/2006/relationships" xmlns:p="http://schemas.openxmlformats.org/presentationml/2006/main" showMasterSp="0" showMasterPhAnim="0">
   <p:cSld>
     <p:spTree>
@@ -1259,7 +1192,7 @@
 </p:notes>
 </file>
 
-<file path=ppt/notesSlides/notesSlide15.xml><?xml version="1.0" encoding="utf-8"?>
+<file path=ppt/notesSlides/notesSlide14.xml><?xml version="1.0" encoding="utf-8"?>
 <p:notes xmlns:a="http://schemas.openxmlformats.org/drawingml/2006/main" xmlns:r="http://schemas.openxmlformats.org/officeDocument/2006/relationships" xmlns:p="http://schemas.openxmlformats.org/presentationml/2006/main" showMasterSp="0" showMasterPhAnim="0">
   <p:cSld>
     <p:spTree>
@@ -10611,7 +10544,7 @@
         </p:nvSpPr>
         <p:spPr>
           <a:xfrm>
-            <a:off x="6159990" y="3308358"/>
+            <a:off x="6159990" y="3335858"/>
             <a:ext cx="2164009" cy="1030747"/>
           </a:xfrm>
           <a:prstGeom prst="rect">
@@ -10888,7 +10821,7 @@
               <a:buNone/>
             </a:pPr>
             <a:r>
-              <a:rPr lang="en-US" sz="1200" i="1" dirty="0">
+              <a:rPr lang="en-US" sz="1400" i="1" dirty="0">
                 <a:solidFill>
                   <a:srgbClr val="4C0000"/>
                 </a:solidFill>
@@ -10913,7 +10846,7 @@
               <a:buNone/>
             </a:pPr>
             <a:r>
-              <a:rPr lang="en-US" b="1" dirty="0">
+              <a:rPr lang="en-US" sz="1400" b="1" dirty="0">
                 <a:solidFill>
                   <a:srgbClr val="3E516C"/>
                 </a:solidFill>
@@ -10938,7 +10871,7 @@
               <a:buNone/>
             </a:pPr>
             <a:r>
-              <a:rPr lang="en-US" b="1" dirty="0">
+              <a:rPr lang="en-US" sz="1400" b="1" dirty="0">
                 <a:solidFill>
                   <a:srgbClr val="3E516C"/>
                 </a:solidFill>
@@ -10947,7 +10880,7 @@
               </a:rPr>
               <a:t>B1605229</a:t>
             </a:r>
-            <a:endParaRPr lang="vi-VN" b="1" dirty="0">
+            <a:endParaRPr lang="vi-VN" sz="1400" b="1" dirty="0">
               <a:solidFill>
                 <a:srgbClr val="3E516C"/>
               </a:solidFill>
@@ -10973,8 +10906,8 @@
         </p:nvSpPr>
         <p:spPr>
           <a:xfrm>
-            <a:off x="820001" y="3308357"/>
-            <a:ext cx="2369596" cy="1030747"/>
+            <a:off x="820000" y="3308357"/>
+            <a:ext cx="2638219" cy="1030747"/>
           </a:xfrm>
           <a:prstGeom prst="rect">
             <a:avLst/>
@@ -11250,7 +11183,7 @@
               <a:buNone/>
             </a:pPr>
             <a:r>
-              <a:rPr lang="en-US" sz="1200" i="1" dirty="0">
+              <a:rPr lang="en-US" sz="1400" i="1" dirty="0">
                 <a:solidFill>
                   <a:srgbClr val="4C0000"/>
                 </a:solidFill>
@@ -11275,7 +11208,7 @@
               <a:buNone/>
             </a:pPr>
             <a:r>
-              <a:rPr lang="en-US" b="1" dirty="0">
+              <a:rPr lang="en-US" sz="1400" b="1" dirty="0">
                 <a:solidFill>
                   <a:srgbClr val="3E516C"/>
                 </a:solidFill>
@@ -11300,7 +11233,7 @@
               <a:buNone/>
             </a:pPr>
             <a:r>
-              <a:rPr lang="en-US" b="1" dirty="0">
+              <a:rPr lang="en-US" sz="1400" b="1" dirty="0">
                 <a:solidFill>
                   <a:srgbClr val="3E516C"/>
                 </a:solidFill>
@@ -11366,7 +11299,7 @@
         </p:nvSpPr>
         <p:spPr>
           <a:xfrm>
-            <a:off x="3387201" y="3411757"/>
+            <a:off x="3469701" y="3356757"/>
             <a:ext cx="2369596" cy="622088"/>
           </a:xfrm>
           <a:prstGeom prst="rect">
@@ -11643,7 +11576,7 @@
               <a:buNone/>
             </a:pPr>
             <a:r>
-              <a:rPr lang="en-US" sz="1200" i="1" dirty="0">
+              <a:rPr lang="en-US" sz="1400" i="1" dirty="0">
                 <a:solidFill>
                   <a:srgbClr val="4C0000"/>
                 </a:solidFill>
@@ -11668,7 +11601,7 @@
               <a:buNone/>
             </a:pPr>
             <a:r>
-              <a:rPr lang="en-US" b="1" dirty="0">
+              <a:rPr lang="en-US" sz="1400" b="1" dirty="0">
                 <a:solidFill>
                   <a:srgbClr val="3E516C"/>
                 </a:solidFill>
@@ -11677,7 +11610,7 @@
               </a:rPr>
               <a:t>PHẠM NGỌC QUYỀN</a:t>
             </a:r>
-            <a:endParaRPr lang="vi-VN" b="1" dirty="0">
+            <a:endParaRPr lang="vi-VN" sz="1400" b="1" dirty="0">
               <a:solidFill>
                 <a:srgbClr val="3E516C"/>
               </a:solidFill>
@@ -23623,7 +23556,7 @@
               </a:br>
               <a:r>
                 <a:rPr lang="en-US" sz="1400" dirty="0"/>
-                <a:t>Hiển thị được bản đồ gia sư cũng như vị trí và đường đi và khoảng cách đến gia sư đó</a:t>
+                <a:t>Hiển thị được bản đồ gia sư cũng như vị trí, đường đi và khoảng cách đến gia sư đó</a:t>
               </a:r>
               <a:endParaRPr lang="en-US" sz="1200" dirty="0"/>
             </a:p>
@@ -24329,2319 +24262,6 @@
 </file>
 
 <file path=ppt/slides/slide24.xml><?xml version="1.0" encoding="utf-8"?>
-<p:sld xmlns:a="http://schemas.openxmlformats.org/drawingml/2006/main" xmlns:r="http://schemas.openxmlformats.org/officeDocument/2006/relationships" xmlns:p="http://schemas.openxmlformats.org/presentationml/2006/main">
-  <p:cSld>
-    <p:spTree>
-      <p:nvGrpSpPr>
-        <p:cNvPr id="1" name=""/>
-        <p:cNvGrpSpPr/>
-        <p:nvPr/>
-      </p:nvGrpSpPr>
-      <p:grpSpPr>
-        <a:xfrm>
-          <a:off x="0" y="0"/>
-          <a:ext cx="0" cy="0"/>
-          <a:chOff x="0" y="0"/>
-          <a:chExt cx="0" cy="0"/>
-        </a:xfrm>
-      </p:grpSpPr>
-      <p:sp>
-        <p:nvSpPr>
-          <p:cNvPr id="4" name="Title 3">
-            <a:extLst>
-              <a:ext uri="{FF2B5EF4-FFF2-40B4-BE49-F238E27FC236}">
-                <a16:creationId xmlns:a16="http://schemas.microsoft.com/office/drawing/2014/main" id="{72EF1456-7EBC-43D3-82FF-0972040834A4}"/>
-              </a:ext>
-            </a:extLst>
-          </p:cNvPr>
-          <p:cNvSpPr>
-            <a:spLocks noGrp="1"/>
-          </p:cNvSpPr>
-          <p:nvPr>
-            <p:ph type="ctrTitle"/>
-          </p:nvPr>
-        </p:nvSpPr>
-        <p:spPr/>
-        <p:txBody>
-          <a:bodyPr/>
-          <a:lstStyle/>
-          <a:p>
-            <a:r>
-              <a:rPr lang="en-US" b="1" dirty="0"/>
-              <a:t>3. Kết luận và hướng phát triển</a:t>
-            </a:r>
-          </a:p>
-        </p:txBody>
-      </p:sp>
-      <p:sp>
-        <p:nvSpPr>
-          <p:cNvPr id="5" name="Text Placeholder 3">
-            <a:extLst>
-              <a:ext uri="{FF2B5EF4-FFF2-40B4-BE49-F238E27FC236}">
-                <a16:creationId xmlns:a16="http://schemas.microsoft.com/office/drawing/2014/main" id="{2A31BA36-AD2E-4CD3-A1D5-8CFF0DB3D1EA}"/>
-              </a:ext>
-            </a:extLst>
-          </p:cNvPr>
-          <p:cNvSpPr txBox="1">
-            <a:spLocks/>
-          </p:cNvSpPr>
-          <p:nvPr/>
-        </p:nvSpPr>
-        <p:spPr>
-          <a:xfrm>
-            <a:off x="1048400" y="1069411"/>
-            <a:ext cx="7066900" cy="3347610"/>
-          </a:xfrm>
-          <a:prstGeom prst="rect">
-            <a:avLst/>
-          </a:prstGeom>
-        </p:spPr>
-        <p:txBody>
-          <a:bodyPr/>
-          <a:lstStyle>
-            <a:defPPr marR="0" lvl="0" algn="l" rtl="0">
-              <a:lnSpc>
-                <a:spcPct val="100000"/>
-              </a:lnSpc>
-              <a:spcBef>
-                <a:spcPts val="0"/>
-              </a:spcBef>
-              <a:spcAft>
-                <a:spcPts val="0"/>
-              </a:spcAft>
-            </a:defPPr>
-            <a:lvl1pPr marR="0" lvl="0" algn="l" rtl="0">
-              <a:lnSpc>
-                <a:spcPct val="100000"/>
-              </a:lnSpc>
-              <a:spcBef>
-                <a:spcPts val="0"/>
-              </a:spcBef>
-              <a:spcAft>
-                <a:spcPts val="0"/>
-              </a:spcAft>
-              <a:buClr>
-                <a:srgbClr val="000000"/>
-              </a:buClr>
-              <a:buFont typeface="Arial"/>
-              <a:defRPr sz="1400" b="0" i="0" u="none" strike="noStrike" cap="none">
-                <a:solidFill>
-                  <a:srgbClr val="000000"/>
-                </a:solidFill>
-                <a:latin typeface="Arial"/>
-                <a:ea typeface="Arial"/>
-                <a:cs typeface="Arial"/>
-                <a:sym typeface="Arial"/>
-              </a:defRPr>
-            </a:lvl1pPr>
-            <a:lvl2pPr marR="0" lvl="1" algn="l" rtl="0">
-              <a:lnSpc>
-                <a:spcPct val="100000"/>
-              </a:lnSpc>
-              <a:spcBef>
-                <a:spcPts val="0"/>
-              </a:spcBef>
-              <a:spcAft>
-                <a:spcPts val="0"/>
-              </a:spcAft>
-              <a:buClr>
-                <a:srgbClr val="000000"/>
-              </a:buClr>
-              <a:buFont typeface="Arial"/>
-              <a:defRPr sz="1400" b="0" i="0" u="none" strike="noStrike" cap="none">
-                <a:solidFill>
-                  <a:srgbClr val="000000"/>
-                </a:solidFill>
-                <a:latin typeface="Arial"/>
-                <a:ea typeface="Arial"/>
-                <a:cs typeface="Arial"/>
-                <a:sym typeface="Arial"/>
-              </a:defRPr>
-            </a:lvl2pPr>
-            <a:lvl3pPr marR="0" lvl="2" algn="l" rtl="0">
-              <a:lnSpc>
-                <a:spcPct val="100000"/>
-              </a:lnSpc>
-              <a:spcBef>
-                <a:spcPts val="0"/>
-              </a:spcBef>
-              <a:spcAft>
-                <a:spcPts val="0"/>
-              </a:spcAft>
-              <a:buClr>
-                <a:srgbClr val="000000"/>
-              </a:buClr>
-              <a:buFont typeface="Arial"/>
-              <a:defRPr sz="1400" b="0" i="0" u="none" strike="noStrike" cap="none">
-                <a:solidFill>
-                  <a:srgbClr val="000000"/>
-                </a:solidFill>
-                <a:latin typeface="Arial"/>
-                <a:ea typeface="Arial"/>
-                <a:cs typeface="Arial"/>
-                <a:sym typeface="Arial"/>
-              </a:defRPr>
-            </a:lvl3pPr>
-            <a:lvl4pPr marR="0" lvl="3" algn="l" rtl="0">
-              <a:lnSpc>
-                <a:spcPct val="100000"/>
-              </a:lnSpc>
-              <a:spcBef>
-                <a:spcPts val="0"/>
-              </a:spcBef>
-              <a:spcAft>
-                <a:spcPts val="0"/>
-              </a:spcAft>
-              <a:buClr>
-                <a:srgbClr val="000000"/>
-              </a:buClr>
-              <a:buFont typeface="Arial"/>
-              <a:defRPr sz="1400" b="0" i="0" u="none" strike="noStrike" cap="none">
-                <a:solidFill>
-                  <a:srgbClr val="000000"/>
-                </a:solidFill>
-                <a:latin typeface="Arial"/>
-                <a:ea typeface="Arial"/>
-                <a:cs typeface="Arial"/>
-                <a:sym typeface="Arial"/>
-              </a:defRPr>
-            </a:lvl4pPr>
-            <a:lvl5pPr marR="0" lvl="4" algn="l" rtl="0">
-              <a:lnSpc>
-                <a:spcPct val="100000"/>
-              </a:lnSpc>
-              <a:spcBef>
-                <a:spcPts val="0"/>
-              </a:spcBef>
-              <a:spcAft>
-                <a:spcPts val="0"/>
-              </a:spcAft>
-              <a:buClr>
-                <a:srgbClr val="000000"/>
-              </a:buClr>
-              <a:buFont typeface="Arial"/>
-              <a:defRPr sz="1400" b="0" i="0" u="none" strike="noStrike" cap="none">
-                <a:solidFill>
-                  <a:srgbClr val="000000"/>
-                </a:solidFill>
-                <a:latin typeface="Arial"/>
-                <a:ea typeface="Arial"/>
-                <a:cs typeface="Arial"/>
-                <a:sym typeface="Arial"/>
-              </a:defRPr>
-            </a:lvl5pPr>
-            <a:lvl6pPr marR="0" lvl="5" algn="l" rtl="0">
-              <a:lnSpc>
-                <a:spcPct val="100000"/>
-              </a:lnSpc>
-              <a:spcBef>
-                <a:spcPts val="0"/>
-              </a:spcBef>
-              <a:spcAft>
-                <a:spcPts val="0"/>
-              </a:spcAft>
-              <a:buClr>
-                <a:srgbClr val="000000"/>
-              </a:buClr>
-              <a:buFont typeface="Arial"/>
-              <a:defRPr sz="1400" b="0" i="0" u="none" strike="noStrike" cap="none">
-                <a:solidFill>
-                  <a:srgbClr val="000000"/>
-                </a:solidFill>
-                <a:latin typeface="Arial"/>
-                <a:ea typeface="Arial"/>
-                <a:cs typeface="Arial"/>
-                <a:sym typeface="Arial"/>
-              </a:defRPr>
-            </a:lvl6pPr>
-            <a:lvl7pPr marR="0" lvl="6" algn="l" rtl="0">
-              <a:lnSpc>
-                <a:spcPct val="100000"/>
-              </a:lnSpc>
-              <a:spcBef>
-                <a:spcPts val="0"/>
-              </a:spcBef>
-              <a:spcAft>
-                <a:spcPts val="0"/>
-              </a:spcAft>
-              <a:buClr>
-                <a:srgbClr val="000000"/>
-              </a:buClr>
-              <a:buFont typeface="Arial"/>
-              <a:defRPr sz="1400" b="0" i="0" u="none" strike="noStrike" cap="none">
-                <a:solidFill>
-                  <a:srgbClr val="000000"/>
-                </a:solidFill>
-                <a:latin typeface="Arial"/>
-                <a:ea typeface="Arial"/>
-                <a:cs typeface="Arial"/>
-                <a:sym typeface="Arial"/>
-              </a:defRPr>
-            </a:lvl7pPr>
-            <a:lvl8pPr marR="0" lvl="7" algn="l" rtl="0">
-              <a:lnSpc>
-                <a:spcPct val="100000"/>
-              </a:lnSpc>
-              <a:spcBef>
-                <a:spcPts val="0"/>
-              </a:spcBef>
-              <a:spcAft>
-                <a:spcPts val="0"/>
-              </a:spcAft>
-              <a:buClr>
-                <a:srgbClr val="000000"/>
-              </a:buClr>
-              <a:buFont typeface="Arial"/>
-              <a:defRPr sz="1400" b="0" i="0" u="none" strike="noStrike" cap="none">
-                <a:solidFill>
-                  <a:srgbClr val="000000"/>
-                </a:solidFill>
-                <a:latin typeface="Arial"/>
-                <a:ea typeface="Arial"/>
-                <a:cs typeface="Arial"/>
-                <a:sym typeface="Arial"/>
-              </a:defRPr>
-            </a:lvl8pPr>
-            <a:lvl9pPr marR="0" lvl="8" algn="l" rtl="0">
-              <a:lnSpc>
-                <a:spcPct val="100000"/>
-              </a:lnSpc>
-              <a:spcBef>
-                <a:spcPts val="0"/>
-              </a:spcBef>
-              <a:spcAft>
-                <a:spcPts val="0"/>
-              </a:spcAft>
-              <a:buClr>
-                <a:srgbClr val="000000"/>
-              </a:buClr>
-              <a:buFont typeface="Arial"/>
-              <a:defRPr sz="1400" b="0" i="0" u="none" strike="noStrike" cap="none">
-                <a:solidFill>
-                  <a:srgbClr val="000000"/>
-                </a:solidFill>
-                <a:latin typeface="Arial"/>
-                <a:ea typeface="Arial"/>
-                <a:cs typeface="Arial"/>
-                <a:sym typeface="Arial"/>
-              </a:defRPr>
-            </a:lvl9pPr>
-          </a:lstStyle>
-          <a:p>
-            <a:r>
-              <a:rPr lang="en-US" sz="2000" b="1" dirty="0">
-                <a:solidFill>
-                  <a:srgbClr val="3E516C"/>
-                </a:solidFill>
-                <a:latin typeface="Montserrat" panose="00000500000000000000" pitchFamily="2" charset="0"/>
-              </a:rPr>
-              <a:t>1. Kết quả đạt được</a:t>
-            </a:r>
-          </a:p>
-          <a:p>
-            <a:endParaRPr lang="en-US" dirty="0"/>
-          </a:p>
-        </p:txBody>
-      </p:sp>
-      <p:sp>
-        <p:nvSpPr>
-          <p:cNvPr id="2" name="Slide Number Placeholder 1">
-            <a:extLst>
-              <a:ext uri="{FF2B5EF4-FFF2-40B4-BE49-F238E27FC236}">
-                <a16:creationId xmlns:a16="http://schemas.microsoft.com/office/drawing/2014/main" id="{4EFEAFB6-0195-4267-9DF2-8EFA713D655D}"/>
-              </a:ext>
-            </a:extLst>
-          </p:cNvPr>
-          <p:cNvSpPr>
-            <a:spLocks noGrp="1"/>
-          </p:cNvSpPr>
-          <p:nvPr>
-            <p:ph type="sldNum" idx="12"/>
-          </p:nvPr>
-        </p:nvSpPr>
-        <p:spPr/>
-        <p:txBody>
-          <a:bodyPr/>
-          <a:lstStyle/>
-          <a:p>
-            <a:pPr marL="0" lvl="0" indent="0" algn="l" rtl="0">
-              <a:spcBef>
-                <a:spcPts val="0"/>
-              </a:spcBef>
-              <a:spcAft>
-                <a:spcPts val="0"/>
-              </a:spcAft>
-              <a:buNone/>
-            </a:pPr>
-            <a:fld id="{00000000-1234-1234-1234-123412341234}" type="slidenum">
-              <a:rPr lang="es" smtClean="0">
-                <a:solidFill>
-                  <a:schemeClr val="bg1"/>
-                </a:solidFill>
-              </a:rPr>
-              <a:t>24</a:t>
-            </a:fld>
-            <a:endParaRPr lang="es" dirty="0">
-              <a:solidFill>
-                <a:schemeClr val="bg1"/>
-              </a:solidFill>
-            </a:endParaRPr>
-          </a:p>
-        </p:txBody>
-      </p:sp>
-      <p:grpSp>
-        <p:nvGrpSpPr>
-          <p:cNvPr id="3" name="Group 2">
-            <a:extLst>
-              <a:ext uri="{FF2B5EF4-FFF2-40B4-BE49-F238E27FC236}">
-                <a16:creationId xmlns:a16="http://schemas.microsoft.com/office/drawing/2014/main" id="{548D2A92-5CB3-4327-BCCE-09F7B8194B1D}"/>
-              </a:ext>
-            </a:extLst>
-          </p:cNvPr>
-          <p:cNvGrpSpPr/>
-          <p:nvPr/>
-        </p:nvGrpSpPr>
-        <p:grpSpPr>
-          <a:xfrm>
-            <a:off x="1048400" y="1828799"/>
-            <a:ext cx="7163089" cy="2588221"/>
-            <a:chOff x="1048400" y="1828800"/>
-            <a:chExt cx="7163089" cy="2459700"/>
-          </a:xfrm>
-        </p:grpSpPr>
-        <p:sp>
-          <p:nvSpPr>
-            <p:cNvPr id="7" name="Google Shape;1146;p50">
-              <a:extLst>
-                <a:ext uri="{FF2B5EF4-FFF2-40B4-BE49-F238E27FC236}">
-                  <a16:creationId xmlns:a16="http://schemas.microsoft.com/office/drawing/2014/main" id="{4895A29D-C5AD-4F12-95F5-D6700CCCD04F}"/>
-                </a:ext>
-              </a:extLst>
-            </p:cNvPr>
-            <p:cNvSpPr txBox="1">
-              <a:spLocks/>
-            </p:cNvSpPr>
-            <p:nvPr/>
-          </p:nvSpPr>
-          <p:spPr>
-            <a:xfrm>
-              <a:off x="1048400" y="1828800"/>
-              <a:ext cx="2111998" cy="1136100"/>
-            </a:xfrm>
-            <a:prstGeom prst="rect">
-              <a:avLst/>
-            </a:prstGeom>
-            <a:noFill/>
-            <a:ln>
-              <a:noFill/>
-            </a:ln>
-          </p:spPr>
-          <p:txBody>
-            <a:bodyPr spcFirstLastPara="1" wrap="square" lIns="91425" tIns="91425" rIns="91425" bIns="91425" anchor="t" anchorCtr="0">
-              <a:noAutofit/>
-            </a:bodyPr>
-            <a:lstStyle>
-              <a:defPPr marR="0" lvl="0" algn="l" rtl="0">
-                <a:lnSpc>
-                  <a:spcPct val="100000"/>
-                </a:lnSpc>
-                <a:spcBef>
-                  <a:spcPts val="0"/>
-                </a:spcBef>
-                <a:spcAft>
-                  <a:spcPts val="0"/>
-                </a:spcAft>
-              </a:defPPr>
-              <a:lvl1pPr marL="457200" marR="0" lvl="0" indent="-330200" algn="l" rtl="0">
-                <a:lnSpc>
-                  <a:spcPct val="115000"/>
-                </a:lnSpc>
-                <a:spcBef>
-                  <a:spcPts val="0"/>
-                </a:spcBef>
-                <a:spcAft>
-                  <a:spcPts val="0"/>
-                </a:spcAft>
-                <a:buClr>
-                  <a:srgbClr val="E9AA1B"/>
-                </a:buClr>
-                <a:buSzPts val="1600"/>
-                <a:buFont typeface="Cabin"/>
-                <a:buChar char="●"/>
-                <a:defRPr sz="1600" b="0" i="0" u="none" strike="noStrike" cap="none">
-                  <a:solidFill>
-                    <a:srgbClr val="999999"/>
-                  </a:solidFill>
-                  <a:latin typeface="Cabin"/>
-                  <a:ea typeface="Cabin"/>
-                  <a:cs typeface="Cabin"/>
-                  <a:sym typeface="Cabin"/>
-                </a:defRPr>
-              </a:lvl1pPr>
-              <a:lvl2pPr marL="914400" marR="0" lvl="1" indent="-330200" algn="l" rtl="0">
-                <a:lnSpc>
-                  <a:spcPct val="115000"/>
-                </a:lnSpc>
-                <a:spcBef>
-                  <a:spcPts val="0"/>
-                </a:spcBef>
-                <a:spcAft>
-                  <a:spcPts val="0"/>
-                </a:spcAft>
-                <a:buClr>
-                  <a:srgbClr val="E9AA1B"/>
-                </a:buClr>
-                <a:buSzPts val="1600"/>
-                <a:buFont typeface="Cabin"/>
-                <a:buChar char="○"/>
-                <a:defRPr sz="1600" b="0" i="0" u="none" strike="noStrike" cap="none">
-                  <a:solidFill>
-                    <a:srgbClr val="999999"/>
-                  </a:solidFill>
-                  <a:latin typeface="Cabin"/>
-                  <a:ea typeface="Cabin"/>
-                  <a:cs typeface="Cabin"/>
-                  <a:sym typeface="Cabin"/>
-                </a:defRPr>
-              </a:lvl2pPr>
-              <a:lvl3pPr marL="1371600" marR="0" lvl="2" indent="-323850" algn="l" rtl="0">
-                <a:lnSpc>
-                  <a:spcPct val="115000"/>
-                </a:lnSpc>
-                <a:spcBef>
-                  <a:spcPts val="0"/>
-                </a:spcBef>
-                <a:spcAft>
-                  <a:spcPts val="0"/>
-                </a:spcAft>
-                <a:buClr>
-                  <a:srgbClr val="E9AA1B"/>
-                </a:buClr>
-                <a:buSzPts val="1500"/>
-                <a:buFont typeface="Cabin"/>
-                <a:buChar char="■"/>
-                <a:defRPr sz="1500" b="0" i="0" u="none" strike="noStrike" cap="none">
-                  <a:solidFill>
-                    <a:srgbClr val="999999"/>
-                  </a:solidFill>
-                  <a:latin typeface="Cabin"/>
-                  <a:ea typeface="Cabin"/>
-                  <a:cs typeface="Cabin"/>
-                  <a:sym typeface="Cabin"/>
-                </a:defRPr>
-              </a:lvl3pPr>
-              <a:lvl4pPr marL="1828800" marR="0" lvl="3" indent="-323850" algn="l" rtl="0">
-                <a:lnSpc>
-                  <a:spcPct val="115000"/>
-                </a:lnSpc>
-                <a:spcBef>
-                  <a:spcPts val="0"/>
-                </a:spcBef>
-                <a:spcAft>
-                  <a:spcPts val="0"/>
-                </a:spcAft>
-                <a:buClr>
-                  <a:srgbClr val="E9AA1B"/>
-                </a:buClr>
-                <a:buSzPts val="1500"/>
-                <a:buFont typeface="Cabin"/>
-                <a:buChar char="●"/>
-                <a:defRPr sz="1500" b="0" i="0" u="none" strike="noStrike" cap="none">
-                  <a:solidFill>
-                    <a:srgbClr val="999999"/>
-                  </a:solidFill>
-                  <a:latin typeface="Cabin"/>
-                  <a:ea typeface="Cabin"/>
-                  <a:cs typeface="Cabin"/>
-                  <a:sym typeface="Cabin"/>
-                </a:defRPr>
-              </a:lvl4pPr>
-              <a:lvl5pPr marL="2286000" marR="0" lvl="4" indent="-317500" algn="l" rtl="0">
-                <a:lnSpc>
-                  <a:spcPct val="115000"/>
-                </a:lnSpc>
-                <a:spcBef>
-                  <a:spcPts val="0"/>
-                </a:spcBef>
-                <a:spcAft>
-                  <a:spcPts val="0"/>
-                </a:spcAft>
-                <a:buClr>
-                  <a:srgbClr val="E9AA1B"/>
-                </a:buClr>
-                <a:buSzPts val="1400"/>
-                <a:buFont typeface="Cabin"/>
-                <a:buChar char="○"/>
-                <a:defRPr sz="1400" b="0" i="0" u="none" strike="noStrike" cap="none">
-                  <a:solidFill>
-                    <a:srgbClr val="999999"/>
-                  </a:solidFill>
-                  <a:latin typeface="Cabin"/>
-                  <a:ea typeface="Cabin"/>
-                  <a:cs typeface="Cabin"/>
-                  <a:sym typeface="Cabin"/>
-                </a:defRPr>
-              </a:lvl5pPr>
-              <a:lvl6pPr marL="2743200" marR="0" lvl="5" indent="-317500" algn="l" rtl="0">
-                <a:lnSpc>
-                  <a:spcPct val="115000"/>
-                </a:lnSpc>
-                <a:spcBef>
-                  <a:spcPts val="0"/>
-                </a:spcBef>
-                <a:spcAft>
-                  <a:spcPts val="0"/>
-                </a:spcAft>
-                <a:buClr>
-                  <a:srgbClr val="E9AA1B"/>
-                </a:buClr>
-                <a:buSzPts val="1400"/>
-                <a:buFont typeface="Cabin"/>
-                <a:buChar char="■"/>
-                <a:defRPr sz="1400" b="0" i="0" u="none" strike="noStrike" cap="none">
-                  <a:solidFill>
-                    <a:srgbClr val="999999"/>
-                  </a:solidFill>
-                  <a:latin typeface="Cabin"/>
-                  <a:ea typeface="Cabin"/>
-                  <a:cs typeface="Cabin"/>
-                  <a:sym typeface="Cabin"/>
-                </a:defRPr>
-              </a:lvl6pPr>
-              <a:lvl7pPr marL="3200400" marR="0" lvl="6" indent="-311150" algn="l" rtl="0">
-                <a:lnSpc>
-                  <a:spcPct val="115000"/>
-                </a:lnSpc>
-                <a:spcBef>
-                  <a:spcPts val="0"/>
-                </a:spcBef>
-                <a:spcAft>
-                  <a:spcPts val="0"/>
-                </a:spcAft>
-                <a:buClr>
-                  <a:srgbClr val="999999"/>
-                </a:buClr>
-                <a:buSzPts val="1300"/>
-                <a:buFont typeface="Cabin"/>
-                <a:buChar char="●"/>
-                <a:defRPr sz="1300" b="0" i="0" u="none" strike="noStrike" cap="none">
-                  <a:solidFill>
-                    <a:srgbClr val="999999"/>
-                  </a:solidFill>
-                  <a:latin typeface="Cabin"/>
-                  <a:ea typeface="Cabin"/>
-                  <a:cs typeface="Cabin"/>
-                  <a:sym typeface="Cabin"/>
-                </a:defRPr>
-              </a:lvl7pPr>
-              <a:lvl8pPr marL="3657600" marR="0" lvl="7" indent="-311150" algn="l" rtl="0">
-                <a:lnSpc>
-                  <a:spcPct val="115000"/>
-                </a:lnSpc>
-                <a:spcBef>
-                  <a:spcPts val="0"/>
-                </a:spcBef>
-                <a:spcAft>
-                  <a:spcPts val="0"/>
-                </a:spcAft>
-                <a:buClr>
-                  <a:srgbClr val="999999"/>
-                </a:buClr>
-                <a:buSzPts val="1300"/>
-                <a:buFont typeface="Cabin"/>
-                <a:buChar char="○"/>
-                <a:defRPr sz="1300" b="0" i="0" u="none" strike="noStrike" cap="none">
-                  <a:solidFill>
-                    <a:srgbClr val="999999"/>
-                  </a:solidFill>
-                  <a:latin typeface="Cabin"/>
-                  <a:ea typeface="Cabin"/>
-                  <a:cs typeface="Cabin"/>
-                  <a:sym typeface="Cabin"/>
-                </a:defRPr>
-              </a:lvl8pPr>
-              <a:lvl9pPr marL="4114800" marR="0" lvl="8" indent="-304800" algn="l" rtl="0">
-                <a:lnSpc>
-                  <a:spcPct val="115000"/>
-                </a:lnSpc>
-                <a:spcBef>
-                  <a:spcPts val="0"/>
-                </a:spcBef>
-                <a:spcAft>
-                  <a:spcPts val="0"/>
-                </a:spcAft>
-                <a:buClr>
-                  <a:srgbClr val="999999"/>
-                </a:buClr>
-                <a:buSzPts val="1200"/>
-                <a:buFont typeface="Cabin"/>
-                <a:buChar char="■"/>
-                <a:defRPr sz="1200" b="0" i="0" u="none" strike="noStrike" cap="none">
-                  <a:solidFill>
-                    <a:srgbClr val="999999"/>
-                  </a:solidFill>
-                  <a:latin typeface="Cabin"/>
-                  <a:ea typeface="Cabin"/>
-                  <a:cs typeface="Cabin"/>
-                  <a:sym typeface="Cabin"/>
-                </a:defRPr>
-              </a:lvl9pPr>
-            </a:lstStyle>
-            <a:p>
-              <a:pPr marL="0" indent="0">
-                <a:spcAft>
-                  <a:spcPts val="200"/>
-                </a:spcAft>
-                <a:buFont typeface="Cabin"/>
-                <a:buNone/>
-              </a:pPr>
-              <a:r>
-                <a:rPr lang="en-US" b="1" dirty="0">
-                  <a:solidFill>
-                    <a:srgbClr val="F8BC28"/>
-                  </a:solidFill>
-                  <a:latin typeface="Montserrat"/>
-                  <a:sym typeface="Montserrat"/>
-                </a:rPr>
-                <a:t>Tìm kiếm</a:t>
-              </a:r>
-              <a:br>
-                <a:rPr lang="en-US" dirty="0"/>
-              </a:br>
-              <a:r>
-                <a:rPr lang="en-US" sz="1400" dirty="0"/>
-                <a:t>Đáp ứng nhu cầu tìm kiếm gia sư cho người học</a:t>
-              </a:r>
-              <a:endParaRPr lang="en-US" sz="1200" dirty="0"/>
-            </a:p>
-          </p:txBody>
-        </p:sp>
-        <p:sp>
-          <p:nvSpPr>
-            <p:cNvPr id="8" name="Google Shape;1147;p50">
-              <a:extLst>
-                <a:ext uri="{FF2B5EF4-FFF2-40B4-BE49-F238E27FC236}">
-                  <a16:creationId xmlns:a16="http://schemas.microsoft.com/office/drawing/2014/main" id="{9DC65F95-306D-4341-B074-BEA97874A50E}"/>
-                </a:ext>
-              </a:extLst>
-            </p:cNvPr>
-            <p:cNvSpPr txBox="1">
-              <a:spLocks/>
-            </p:cNvSpPr>
-            <p:nvPr/>
-          </p:nvSpPr>
-          <p:spPr>
-            <a:xfrm>
-              <a:off x="3490300" y="1828800"/>
-              <a:ext cx="2166600" cy="1136100"/>
-            </a:xfrm>
-            <a:prstGeom prst="rect">
-              <a:avLst/>
-            </a:prstGeom>
-            <a:noFill/>
-            <a:ln>
-              <a:noFill/>
-            </a:ln>
-          </p:spPr>
-          <p:txBody>
-            <a:bodyPr spcFirstLastPara="1" wrap="square" lIns="91425" tIns="91425" rIns="91425" bIns="91425" anchor="t" anchorCtr="0">
-              <a:noAutofit/>
-            </a:bodyPr>
-            <a:lstStyle>
-              <a:defPPr marR="0" lvl="0" algn="l" rtl="0">
-                <a:lnSpc>
-                  <a:spcPct val="100000"/>
-                </a:lnSpc>
-                <a:spcBef>
-                  <a:spcPts val="0"/>
-                </a:spcBef>
-                <a:spcAft>
-                  <a:spcPts val="0"/>
-                </a:spcAft>
-              </a:defPPr>
-              <a:lvl1pPr marL="457200" marR="0" lvl="0" indent="-330200" algn="l" rtl="0">
-                <a:lnSpc>
-                  <a:spcPct val="115000"/>
-                </a:lnSpc>
-                <a:spcBef>
-                  <a:spcPts val="0"/>
-                </a:spcBef>
-                <a:spcAft>
-                  <a:spcPts val="0"/>
-                </a:spcAft>
-                <a:buClr>
-                  <a:srgbClr val="E9AA1B"/>
-                </a:buClr>
-                <a:buSzPts val="1600"/>
-                <a:buFont typeface="Cabin"/>
-                <a:buChar char="●"/>
-                <a:defRPr sz="1600" b="0" i="0" u="none" strike="noStrike" cap="none">
-                  <a:solidFill>
-                    <a:srgbClr val="999999"/>
-                  </a:solidFill>
-                  <a:latin typeface="Cabin"/>
-                  <a:ea typeface="Cabin"/>
-                  <a:cs typeface="Cabin"/>
-                  <a:sym typeface="Cabin"/>
-                </a:defRPr>
-              </a:lvl1pPr>
-              <a:lvl2pPr marL="914400" marR="0" lvl="1" indent="-330200" algn="l" rtl="0">
-                <a:lnSpc>
-                  <a:spcPct val="115000"/>
-                </a:lnSpc>
-                <a:spcBef>
-                  <a:spcPts val="0"/>
-                </a:spcBef>
-                <a:spcAft>
-                  <a:spcPts val="0"/>
-                </a:spcAft>
-                <a:buClr>
-                  <a:srgbClr val="E9AA1B"/>
-                </a:buClr>
-                <a:buSzPts val="1600"/>
-                <a:buFont typeface="Cabin"/>
-                <a:buChar char="○"/>
-                <a:defRPr sz="1600" b="0" i="0" u="none" strike="noStrike" cap="none">
-                  <a:solidFill>
-                    <a:srgbClr val="999999"/>
-                  </a:solidFill>
-                  <a:latin typeface="Cabin"/>
-                  <a:ea typeface="Cabin"/>
-                  <a:cs typeface="Cabin"/>
-                  <a:sym typeface="Cabin"/>
-                </a:defRPr>
-              </a:lvl2pPr>
-              <a:lvl3pPr marL="1371600" marR="0" lvl="2" indent="-323850" algn="l" rtl="0">
-                <a:lnSpc>
-                  <a:spcPct val="115000"/>
-                </a:lnSpc>
-                <a:spcBef>
-                  <a:spcPts val="0"/>
-                </a:spcBef>
-                <a:spcAft>
-                  <a:spcPts val="0"/>
-                </a:spcAft>
-                <a:buClr>
-                  <a:srgbClr val="E9AA1B"/>
-                </a:buClr>
-                <a:buSzPts val="1500"/>
-                <a:buFont typeface="Cabin"/>
-                <a:buChar char="■"/>
-                <a:defRPr sz="1500" b="0" i="0" u="none" strike="noStrike" cap="none">
-                  <a:solidFill>
-                    <a:srgbClr val="999999"/>
-                  </a:solidFill>
-                  <a:latin typeface="Cabin"/>
-                  <a:ea typeface="Cabin"/>
-                  <a:cs typeface="Cabin"/>
-                  <a:sym typeface="Cabin"/>
-                </a:defRPr>
-              </a:lvl3pPr>
-              <a:lvl4pPr marL="1828800" marR="0" lvl="3" indent="-323850" algn="l" rtl="0">
-                <a:lnSpc>
-                  <a:spcPct val="115000"/>
-                </a:lnSpc>
-                <a:spcBef>
-                  <a:spcPts val="0"/>
-                </a:spcBef>
-                <a:spcAft>
-                  <a:spcPts val="0"/>
-                </a:spcAft>
-                <a:buClr>
-                  <a:srgbClr val="E9AA1B"/>
-                </a:buClr>
-                <a:buSzPts val="1500"/>
-                <a:buFont typeface="Cabin"/>
-                <a:buChar char="●"/>
-                <a:defRPr sz="1500" b="0" i="0" u="none" strike="noStrike" cap="none">
-                  <a:solidFill>
-                    <a:srgbClr val="999999"/>
-                  </a:solidFill>
-                  <a:latin typeface="Cabin"/>
-                  <a:ea typeface="Cabin"/>
-                  <a:cs typeface="Cabin"/>
-                  <a:sym typeface="Cabin"/>
-                </a:defRPr>
-              </a:lvl4pPr>
-              <a:lvl5pPr marL="2286000" marR="0" lvl="4" indent="-317500" algn="l" rtl="0">
-                <a:lnSpc>
-                  <a:spcPct val="115000"/>
-                </a:lnSpc>
-                <a:spcBef>
-                  <a:spcPts val="0"/>
-                </a:spcBef>
-                <a:spcAft>
-                  <a:spcPts val="0"/>
-                </a:spcAft>
-                <a:buClr>
-                  <a:srgbClr val="E9AA1B"/>
-                </a:buClr>
-                <a:buSzPts val="1400"/>
-                <a:buFont typeface="Cabin"/>
-                <a:buChar char="○"/>
-                <a:defRPr sz="1400" b="0" i="0" u="none" strike="noStrike" cap="none">
-                  <a:solidFill>
-                    <a:srgbClr val="999999"/>
-                  </a:solidFill>
-                  <a:latin typeface="Cabin"/>
-                  <a:ea typeface="Cabin"/>
-                  <a:cs typeface="Cabin"/>
-                  <a:sym typeface="Cabin"/>
-                </a:defRPr>
-              </a:lvl5pPr>
-              <a:lvl6pPr marL="2743200" marR="0" lvl="5" indent="-317500" algn="l" rtl="0">
-                <a:lnSpc>
-                  <a:spcPct val="115000"/>
-                </a:lnSpc>
-                <a:spcBef>
-                  <a:spcPts val="0"/>
-                </a:spcBef>
-                <a:spcAft>
-                  <a:spcPts val="0"/>
-                </a:spcAft>
-                <a:buClr>
-                  <a:srgbClr val="E9AA1B"/>
-                </a:buClr>
-                <a:buSzPts val="1400"/>
-                <a:buFont typeface="Cabin"/>
-                <a:buChar char="■"/>
-                <a:defRPr sz="1400" b="0" i="0" u="none" strike="noStrike" cap="none">
-                  <a:solidFill>
-                    <a:srgbClr val="999999"/>
-                  </a:solidFill>
-                  <a:latin typeface="Cabin"/>
-                  <a:ea typeface="Cabin"/>
-                  <a:cs typeface="Cabin"/>
-                  <a:sym typeface="Cabin"/>
-                </a:defRPr>
-              </a:lvl6pPr>
-              <a:lvl7pPr marL="3200400" marR="0" lvl="6" indent="-311150" algn="l" rtl="0">
-                <a:lnSpc>
-                  <a:spcPct val="115000"/>
-                </a:lnSpc>
-                <a:spcBef>
-                  <a:spcPts val="0"/>
-                </a:spcBef>
-                <a:spcAft>
-                  <a:spcPts val="0"/>
-                </a:spcAft>
-                <a:buClr>
-                  <a:srgbClr val="999999"/>
-                </a:buClr>
-                <a:buSzPts val="1300"/>
-                <a:buFont typeface="Cabin"/>
-                <a:buChar char="●"/>
-                <a:defRPr sz="1300" b="0" i="0" u="none" strike="noStrike" cap="none">
-                  <a:solidFill>
-                    <a:srgbClr val="999999"/>
-                  </a:solidFill>
-                  <a:latin typeface="Cabin"/>
-                  <a:ea typeface="Cabin"/>
-                  <a:cs typeface="Cabin"/>
-                  <a:sym typeface="Cabin"/>
-                </a:defRPr>
-              </a:lvl7pPr>
-              <a:lvl8pPr marL="3657600" marR="0" lvl="7" indent="-311150" algn="l" rtl="0">
-                <a:lnSpc>
-                  <a:spcPct val="115000"/>
-                </a:lnSpc>
-                <a:spcBef>
-                  <a:spcPts val="0"/>
-                </a:spcBef>
-                <a:spcAft>
-                  <a:spcPts val="0"/>
-                </a:spcAft>
-                <a:buClr>
-                  <a:srgbClr val="999999"/>
-                </a:buClr>
-                <a:buSzPts val="1300"/>
-                <a:buFont typeface="Cabin"/>
-                <a:buChar char="○"/>
-                <a:defRPr sz="1300" b="0" i="0" u="none" strike="noStrike" cap="none">
-                  <a:solidFill>
-                    <a:srgbClr val="999999"/>
-                  </a:solidFill>
-                  <a:latin typeface="Cabin"/>
-                  <a:ea typeface="Cabin"/>
-                  <a:cs typeface="Cabin"/>
-                  <a:sym typeface="Cabin"/>
-                </a:defRPr>
-              </a:lvl8pPr>
-              <a:lvl9pPr marL="4114800" marR="0" lvl="8" indent="-304800" algn="l" rtl="0">
-                <a:lnSpc>
-                  <a:spcPct val="115000"/>
-                </a:lnSpc>
-                <a:spcBef>
-                  <a:spcPts val="0"/>
-                </a:spcBef>
-                <a:spcAft>
-                  <a:spcPts val="0"/>
-                </a:spcAft>
-                <a:buClr>
-                  <a:srgbClr val="999999"/>
-                </a:buClr>
-                <a:buSzPts val="1200"/>
-                <a:buFont typeface="Cabin"/>
-                <a:buChar char="■"/>
-                <a:defRPr sz="1200" b="0" i="0" u="none" strike="noStrike" cap="none">
-                  <a:solidFill>
-                    <a:srgbClr val="999999"/>
-                  </a:solidFill>
-                  <a:latin typeface="Cabin"/>
-                  <a:ea typeface="Cabin"/>
-                  <a:cs typeface="Cabin"/>
-                  <a:sym typeface="Cabin"/>
-                </a:defRPr>
-              </a:lvl9pPr>
-            </a:lstStyle>
-            <a:p>
-              <a:pPr marL="0" indent="0">
-                <a:buFont typeface="Cabin"/>
-                <a:buNone/>
-              </a:pPr>
-              <a:r>
-                <a:rPr lang="en-US" b="1" dirty="0">
-                  <a:solidFill>
-                    <a:srgbClr val="3E516C"/>
-                  </a:solidFill>
-                  <a:latin typeface="Montserrat"/>
-                  <a:ea typeface="Montserrat"/>
-                  <a:cs typeface="Montserrat"/>
-                  <a:sym typeface="Montserrat"/>
-                </a:rPr>
-                <a:t>Học trực tuyến</a:t>
-              </a:r>
-              <a:br>
-                <a:rPr lang="en-US" sz="1800" dirty="0"/>
-              </a:br>
-              <a:r>
-                <a:rPr lang="en-US" sz="1400" dirty="0"/>
-                <a:t>Cung cấp nền tảng học tập trực tuyến cho người dùng</a:t>
-              </a:r>
-              <a:endParaRPr lang="en-US" sz="1600" dirty="0"/>
-            </a:p>
-          </p:txBody>
-        </p:sp>
-        <p:sp>
-          <p:nvSpPr>
-            <p:cNvPr id="9" name="Google Shape;1148;p50">
-              <a:extLst>
-                <a:ext uri="{FF2B5EF4-FFF2-40B4-BE49-F238E27FC236}">
-                  <a16:creationId xmlns:a16="http://schemas.microsoft.com/office/drawing/2014/main" id="{62AB7496-9484-4198-B1C2-AD91A86A23FF}"/>
-                </a:ext>
-              </a:extLst>
-            </p:cNvPr>
-            <p:cNvSpPr txBox="1">
-              <a:spLocks/>
-            </p:cNvSpPr>
-            <p:nvPr/>
-          </p:nvSpPr>
-          <p:spPr>
-            <a:xfrm>
-              <a:off x="5986800" y="1828800"/>
-              <a:ext cx="2166600" cy="1136100"/>
-            </a:xfrm>
-            <a:prstGeom prst="rect">
-              <a:avLst/>
-            </a:prstGeom>
-            <a:noFill/>
-            <a:ln>
-              <a:noFill/>
-            </a:ln>
-          </p:spPr>
-          <p:txBody>
-            <a:bodyPr spcFirstLastPara="1" wrap="square" lIns="91425" tIns="91425" rIns="91425" bIns="91425" anchor="t" anchorCtr="0">
-              <a:noAutofit/>
-            </a:bodyPr>
-            <a:lstStyle>
-              <a:defPPr marR="0" lvl="0" algn="l" rtl="0">
-                <a:lnSpc>
-                  <a:spcPct val="100000"/>
-                </a:lnSpc>
-                <a:spcBef>
-                  <a:spcPts val="0"/>
-                </a:spcBef>
-                <a:spcAft>
-                  <a:spcPts val="0"/>
-                </a:spcAft>
-              </a:defPPr>
-              <a:lvl1pPr marL="457200" marR="0" lvl="0" indent="-330200" algn="l" rtl="0">
-                <a:lnSpc>
-                  <a:spcPct val="115000"/>
-                </a:lnSpc>
-                <a:spcBef>
-                  <a:spcPts val="0"/>
-                </a:spcBef>
-                <a:spcAft>
-                  <a:spcPts val="0"/>
-                </a:spcAft>
-                <a:buClr>
-                  <a:srgbClr val="E9AA1B"/>
-                </a:buClr>
-                <a:buSzPts val="1600"/>
-                <a:buFont typeface="Cabin"/>
-                <a:buChar char="●"/>
-                <a:defRPr sz="1600" b="0" i="0" u="none" strike="noStrike" cap="none">
-                  <a:solidFill>
-                    <a:srgbClr val="999999"/>
-                  </a:solidFill>
-                  <a:latin typeface="Cabin"/>
-                  <a:ea typeface="Cabin"/>
-                  <a:cs typeface="Cabin"/>
-                  <a:sym typeface="Cabin"/>
-                </a:defRPr>
-              </a:lvl1pPr>
-              <a:lvl2pPr marL="914400" marR="0" lvl="1" indent="-330200" algn="l" rtl="0">
-                <a:lnSpc>
-                  <a:spcPct val="115000"/>
-                </a:lnSpc>
-                <a:spcBef>
-                  <a:spcPts val="0"/>
-                </a:spcBef>
-                <a:spcAft>
-                  <a:spcPts val="0"/>
-                </a:spcAft>
-                <a:buClr>
-                  <a:srgbClr val="E9AA1B"/>
-                </a:buClr>
-                <a:buSzPts val="1600"/>
-                <a:buFont typeface="Cabin"/>
-                <a:buChar char="○"/>
-                <a:defRPr sz="1600" b="0" i="0" u="none" strike="noStrike" cap="none">
-                  <a:solidFill>
-                    <a:srgbClr val="999999"/>
-                  </a:solidFill>
-                  <a:latin typeface="Cabin"/>
-                  <a:ea typeface="Cabin"/>
-                  <a:cs typeface="Cabin"/>
-                  <a:sym typeface="Cabin"/>
-                </a:defRPr>
-              </a:lvl2pPr>
-              <a:lvl3pPr marL="1371600" marR="0" lvl="2" indent="-323850" algn="l" rtl="0">
-                <a:lnSpc>
-                  <a:spcPct val="115000"/>
-                </a:lnSpc>
-                <a:spcBef>
-                  <a:spcPts val="0"/>
-                </a:spcBef>
-                <a:spcAft>
-                  <a:spcPts val="0"/>
-                </a:spcAft>
-                <a:buClr>
-                  <a:srgbClr val="E9AA1B"/>
-                </a:buClr>
-                <a:buSzPts val="1500"/>
-                <a:buFont typeface="Cabin"/>
-                <a:buChar char="■"/>
-                <a:defRPr sz="1500" b="0" i="0" u="none" strike="noStrike" cap="none">
-                  <a:solidFill>
-                    <a:srgbClr val="999999"/>
-                  </a:solidFill>
-                  <a:latin typeface="Cabin"/>
-                  <a:ea typeface="Cabin"/>
-                  <a:cs typeface="Cabin"/>
-                  <a:sym typeface="Cabin"/>
-                </a:defRPr>
-              </a:lvl3pPr>
-              <a:lvl4pPr marL="1828800" marR="0" lvl="3" indent="-323850" algn="l" rtl="0">
-                <a:lnSpc>
-                  <a:spcPct val="115000"/>
-                </a:lnSpc>
-                <a:spcBef>
-                  <a:spcPts val="0"/>
-                </a:spcBef>
-                <a:spcAft>
-                  <a:spcPts val="0"/>
-                </a:spcAft>
-                <a:buClr>
-                  <a:srgbClr val="E9AA1B"/>
-                </a:buClr>
-                <a:buSzPts val="1500"/>
-                <a:buFont typeface="Cabin"/>
-                <a:buChar char="●"/>
-                <a:defRPr sz="1500" b="0" i="0" u="none" strike="noStrike" cap="none">
-                  <a:solidFill>
-                    <a:srgbClr val="999999"/>
-                  </a:solidFill>
-                  <a:latin typeface="Cabin"/>
-                  <a:ea typeface="Cabin"/>
-                  <a:cs typeface="Cabin"/>
-                  <a:sym typeface="Cabin"/>
-                </a:defRPr>
-              </a:lvl4pPr>
-              <a:lvl5pPr marL="2286000" marR="0" lvl="4" indent="-317500" algn="l" rtl="0">
-                <a:lnSpc>
-                  <a:spcPct val="115000"/>
-                </a:lnSpc>
-                <a:spcBef>
-                  <a:spcPts val="0"/>
-                </a:spcBef>
-                <a:spcAft>
-                  <a:spcPts val="0"/>
-                </a:spcAft>
-                <a:buClr>
-                  <a:srgbClr val="E9AA1B"/>
-                </a:buClr>
-                <a:buSzPts val="1400"/>
-                <a:buFont typeface="Cabin"/>
-                <a:buChar char="○"/>
-                <a:defRPr sz="1400" b="0" i="0" u="none" strike="noStrike" cap="none">
-                  <a:solidFill>
-                    <a:srgbClr val="999999"/>
-                  </a:solidFill>
-                  <a:latin typeface="Cabin"/>
-                  <a:ea typeface="Cabin"/>
-                  <a:cs typeface="Cabin"/>
-                  <a:sym typeface="Cabin"/>
-                </a:defRPr>
-              </a:lvl5pPr>
-              <a:lvl6pPr marL="2743200" marR="0" lvl="5" indent="-317500" algn="l" rtl="0">
-                <a:lnSpc>
-                  <a:spcPct val="115000"/>
-                </a:lnSpc>
-                <a:spcBef>
-                  <a:spcPts val="0"/>
-                </a:spcBef>
-                <a:spcAft>
-                  <a:spcPts val="0"/>
-                </a:spcAft>
-                <a:buClr>
-                  <a:srgbClr val="E9AA1B"/>
-                </a:buClr>
-                <a:buSzPts val="1400"/>
-                <a:buFont typeface="Cabin"/>
-                <a:buChar char="■"/>
-                <a:defRPr sz="1400" b="0" i="0" u="none" strike="noStrike" cap="none">
-                  <a:solidFill>
-                    <a:srgbClr val="999999"/>
-                  </a:solidFill>
-                  <a:latin typeface="Cabin"/>
-                  <a:ea typeface="Cabin"/>
-                  <a:cs typeface="Cabin"/>
-                  <a:sym typeface="Cabin"/>
-                </a:defRPr>
-              </a:lvl6pPr>
-              <a:lvl7pPr marL="3200400" marR="0" lvl="6" indent="-311150" algn="l" rtl="0">
-                <a:lnSpc>
-                  <a:spcPct val="115000"/>
-                </a:lnSpc>
-                <a:spcBef>
-                  <a:spcPts val="0"/>
-                </a:spcBef>
-                <a:spcAft>
-                  <a:spcPts val="0"/>
-                </a:spcAft>
-                <a:buClr>
-                  <a:srgbClr val="999999"/>
-                </a:buClr>
-                <a:buSzPts val="1300"/>
-                <a:buFont typeface="Cabin"/>
-                <a:buChar char="●"/>
-                <a:defRPr sz="1300" b="0" i="0" u="none" strike="noStrike" cap="none">
-                  <a:solidFill>
-                    <a:srgbClr val="999999"/>
-                  </a:solidFill>
-                  <a:latin typeface="Cabin"/>
-                  <a:ea typeface="Cabin"/>
-                  <a:cs typeface="Cabin"/>
-                  <a:sym typeface="Cabin"/>
-                </a:defRPr>
-              </a:lvl7pPr>
-              <a:lvl8pPr marL="3657600" marR="0" lvl="7" indent="-311150" algn="l" rtl="0">
-                <a:lnSpc>
-                  <a:spcPct val="115000"/>
-                </a:lnSpc>
-                <a:spcBef>
-                  <a:spcPts val="0"/>
-                </a:spcBef>
-                <a:spcAft>
-                  <a:spcPts val="0"/>
-                </a:spcAft>
-                <a:buClr>
-                  <a:srgbClr val="999999"/>
-                </a:buClr>
-                <a:buSzPts val="1300"/>
-                <a:buFont typeface="Cabin"/>
-                <a:buChar char="○"/>
-                <a:defRPr sz="1300" b="0" i="0" u="none" strike="noStrike" cap="none">
-                  <a:solidFill>
-                    <a:srgbClr val="999999"/>
-                  </a:solidFill>
-                  <a:latin typeface="Cabin"/>
-                  <a:ea typeface="Cabin"/>
-                  <a:cs typeface="Cabin"/>
-                  <a:sym typeface="Cabin"/>
-                </a:defRPr>
-              </a:lvl8pPr>
-              <a:lvl9pPr marL="4114800" marR="0" lvl="8" indent="-304800" algn="l" rtl="0">
-                <a:lnSpc>
-                  <a:spcPct val="115000"/>
-                </a:lnSpc>
-                <a:spcBef>
-                  <a:spcPts val="0"/>
-                </a:spcBef>
-                <a:spcAft>
-                  <a:spcPts val="0"/>
-                </a:spcAft>
-                <a:buClr>
-                  <a:srgbClr val="999999"/>
-                </a:buClr>
-                <a:buSzPts val="1200"/>
-                <a:buFont typeface="Cabin"/>
-                <a:buChar char="■"/>
-                <a:defRPr sz="1200" b="0" i="0" u="none" strike="noStrike" cap="none">
-                  <a:solidFill>
-                    <a:srgbClr val="999999"/>
-                  </a:solidFill>
-                  <a:latin typeface="Cabin"/>
-                  <a:ea typeface="Cabin"/>
-                  <a:cs typeface="Cabin"/>
-                  <a:sym typeface="Cabin"/>
-                </a:defRPr>
-              </a:lvl9pPr>
-            </a:lstStyle>
-            <a:p>
-              <a:pPr marL="0" indent="0">
-                <a:buFont typeface="Cabin"/>
-                <a:buNone/>
-              </a:pPr>
-              <a:r>
-                <a:rPr lang="en-US" b="1" dirty="0">
-                  <a:solidFill>
-                    <a:srgbClr val="F8BC28"/>
-                  </a:solidFill>
-                  <a:latin typeface="Montserrat"/>
-                  <a:ea typeface="Montserrat"/>
-                  <a:cs typeface="Montserrat"/>
-                  <a:sym typeface="Montserrat"/>
-                </a:rPr>
-                <a:t>Quản lý tài liệu</a:t>
-              </a:r>
-              <a:br>
-                <a:rPr lang="en-US" sz="1400" dirty="0"/>
-              </a:br>
-              <a:r>
-                <a:rPr lang="en-US" sz="1400" dirty="0"/>
-                <a:t>Hỗ trợ quản lý tài liệu cá nhân cũng như tài liệu của khoá học</a:t>
-              </a:r>
-              <a:endParaRPr lang="en-US" sz="1200" dirty="0"/>
-            </a:p>
-          </p:txBody>
-        </p:sp>
-        <p:sp>
-          <p:nvSpPr>
-            <p:cNvPr id="10" name="Google Shape;1149;p50">
-              <a:extLst>
-                <a:ext uri="{FF2B5EF4-FFF2-40B4-BE49-F238E27FC236}">
-                  <a16:creationId xmlns:a16="http://schemas.microsoft.com/office/drawing/2014/main" id="{9A5D8D95-D0C3-440E-8072-1619BD3A2D06}"/>
-                </a:ext>
-              </a:extLst>
-            </p:cNvPr>
-            <p:cNvSpPr txBox="1">
-              <a:spLocks/>
-            </p:cNvSpPr>
-            <p:nvPr/>
-          </p:nvSpPr>
-          <p:spPr>
-            <a:xfrm>
-              <a:off x="1048400" y="3058654"/>
-              <a:ext cx="2112000" cy="1136100"/>
-            </a:xfrm>
-            <a:prstGeom prst="rect">
-              <a:avLst/>
-            </a:prstGeom>
-            <a:noFill/>
-            <a:ln>
-              <a:noFill/>
-            </a:ln>
-          </p:spPr>
-          <p:txBody>
-            <a:bodyPr spcFirstLastPara="1" wrap="square" lIns="91425" tIns="91425" rIns="91425" bIns="91425" anchor="t" anchorCtr="0">
-              <a:noAutofit/>
-            </a:bodyPr>
-            <a:lstStyle>
-              <a:defPPr marR="0" lvl="0" algn="l" rtl="0">
-                <a:lnSpc>
-                  <a:spcPct val="100000"/>
-                </a:lnSpc>
-                <a:spcBef>
-                  <a:spcPts val="0"/>
-                </a:spcBef>
-                <a:spcAft>
-                  <a:spcPts val="0"/>
-                </a:spcAft>
-              </a:defPPr>
-              <a:lvl1pPr marL="457200" marR="0" lvl="0" indent="-330200" algn="l" rtl="0">
-                <a:lnSpc>
-                  <a:spcPct val="115000"/>
-                </a:lnSpc>
-                <a:spcBef>
-                  <a:spcPts val="0"/>
-                </a:spcBef>
-                <a:spcAft>
-                  <a:spcPts val="0"/>
-                </a:spcAft>
-                <a:buClr>
-                  <a:srgbClr val="E9AA1B"/>
-                </a:buClr>
-                <a:buSzPts val="1600"/>
-                <a:buFont typeface="Cabin"/>
-                <a:buChar char="●"/>
-                <a:defRPr sz="1600" b="0" i="0" u="none" strike="noStrike" cap="none">
-                  <a:solidFill>
-                    <a:srgbClr val="999999"/>
-                  </a:solidFill>
-                  <a:latin typeface="Cabin"/>
-                  <a:ea typeface="Cabin"/>
-                  <a:cs typeface="Cabin"/>
-                  <a:sym typeface="Cabin"/>
-                </a:defRPr>
-              </a:lvl1pPr>
-              <a:lvl2pPr marL="914400" marR="0" lvl="1" indent="-330200" algn="l" rtl="0">
-                <a:lnSpc>
-                  <a:spcPct val="115000"/>
-                </a:lnSpc>
-                <a:spcBef>
-                  <a:spcPts val="0"/>
-                </a:spcBef>
-                <a:spcAft>
-                  <a:spcPts val="0"/>
-                </a:spcAft>
-                <a:buClr>
-                  <a:srgbClr val="E9AA1B"/>
-                </a:buClr>
-                <a:buSzPts val="1600"/>
-                <a:buFont typeface="Cabin"/>
-                <a:buChar char="○"/>
-                <a:defRPr sz="1600" b="0" i="0" u="none" strike="noStrike" cap="none">
-                  <a:solidFill>
-                    <a:srgbClr val="999999"/>
-                  </a:solidFill>
-                  <a:latin typeface="Cabin"/>
-                  <a:ea typeface="Cabin"/>
-                  <a:cs typeface="Cabin"/>
-                  <a:sym typeface="Cabin"/>
-                </a:defRPr>
-              </a:lvl2pPr>
-              <a:lvl3pPr marL="1371600" marR="0" lvl="2" indent="-323850" algn="l" rtl="0">
-                <a:lnSpc>
-                  <a:spcPct val="115000"/>
-                </a:lnSpc>
-                <a:spcBef>
-                  <a:spcPts val="0"/>
-                </a:spcBef>
-                <a:spcAft>
-                  <a:spcPts val="0"/>
-                </a:spcAft>
-                <a:buClr>
-                  <a:srgbClr val="E9AA1B"/>
-                </a:buClr>
-                <a:buSzPts val="1500"/>
-                <a:buFont typeface="Cabin"/>
-                <a:buChar char="■"/>
-                <a:defRPr sz="1500" b="0" i="0" u="none" strike="noStrike" cap="none">
-                  <a:solidFill>
-                    <a:srgbClr val="999999"/>
-                  </a:solidFill>
-                  <a:latin typeface="Cabin"/>
-                  <a:ea typeface="Cabin"/>
-                  <a:cs typeface="Cabin"/>
-                  <a:sym typeface="Cabin"/>
-                </a:defRPr>
-              </a:lvl3pPr>
-              <a:lvl4pPr marL="1828800" marR="0" lvl="3" indent="-323850" algn="l" rtl="0">
-                <a:lnSpc>
-                  <a:spcPct val="115000"/>
-                </a:lnSpc>
-                <a:spcBef>
-                  <a:spcPts val="0"/>
-                </a:spcBef>
-                <a:spcAft>
-                  <a:spcPts val="0"/>
-                </a:spcAft>
-                <a:buClr>
-                  <a:srgbClr val="E9AA1B"/>
-                </a:buClr>
-                <a:buSzPts val="1500"/>
-                <a:buFont typeface="Cabin"/>
-                <a:buChar char="●"/>
-                <a:defRPr sz="1500" b="0" i="0" u="none" strike="noStrike" cap="none">
-                  <a:solidFill>
-                    <a:srgbClr val="999999"/>
-                  </a:solidFill>
-                  <a:latin typeface="Cabin"/>
-                  <a:ea typeface="Cabin"/>
-                  <a:cs typeface="Cabin"/>
-                  <a:sym typeface="Cabin"/>
-                </a:defRPr>
-              </a:lvl4pPr>
-              <a:lvl5pPr marL="2286000" marR="0" lvl="4" indent="-317500" algn="l" rtl="0">
-                <a:lnSpc>
-                  <a:spcPct val="115000"/>
-                </a:lnSpc>
-                <a:spcBef>
-                  <a:spcPts val="0"/>
-                </a:spcBef>
-                <a:spcAft>
-                  <a:spcPts val="0"/>
-                </a:spcAft>
-                <a:buClr>
-                  <a:srgbClr val="E9AA1B"/>
-                </a:buClr>
-                <a:buSzPts val="1400"/>
-                <a:buFont typeface="Cabin"/>
-                <a:buChar char="○"/>
-                <a:defRPr sz="1400" b="0" i="0" u="none" strike="noStrike" cap="none">
-                  <a:solidFill>
-                    <a:srgbClr val="999999"/>
-                  </a:solidFill>
-                  <a:latin typeface="Cabin"/>
-                  <a:ea typeface="Cabin"/>
-                  <a:cs typeface="Cabin"/>
-                  <a:sym typeface="Cabin"/>
-                </a:defRPr>
-              </a:lvl5pPr>
-              <a:lvl6pPr marL="2743200" marR="0" lvl="5" indent="-317500" algn="l" rtl="0">
-                <a:lnSpc>
-                  <a:spcPct val="115000"/>
-                </a:lnSpc>
-                <a:spcBef>
-                  <a:spcPts val="0"/>
-                </a:spcBef>
-                <a:spcAft>
-                  <a:spcPts val="0"/>
-                </a:spcAft>
-                <a:buClr>
-                  <a:srgbClr val="E9AA1B"/>
-                </a:buClr>
-                <a:buSzPts val="1400"/>
-                <a:buFont typeface="Cabin"/>
-                <a:buChar char="■"/>
-                <a:defRPr sz="1400" b="0" i="0" u="none" strike="noStrike" cap="none">
-                  <a:solidFill>
-                    <a:srgbClr val="999999"/>
-                  </a:solidFill>
-                  <a:latin typeface="Cabin"/>
-                  <a:ea typeface="Cabin"/>
-                  <a:cs typeface="Cabin"/>
-                  <a:sym typeface="Cabin"/>
-                </a:defRPr>
-              </a:lvl6pPr>
-              <a:lvl7pPr marL="3200400" marR="0" lvl="6" indent="-311150" algn="l" rtl="0">
-                <a:lnSpc>
-                  <a:spcPct val="115000"/>
-                </a:lnSpc>
-                <a:spcBef>
-                  <a:spcPts val="0"/>
-                </a:spcBef>
-                <a:spcAft>
-                  <a:spcPts val="0"/>
-                </a:spcAft>
-                <a:buClr>
-                  <a:srgbClr val="999999"/>
-                </a:buClr>
-                <a:buSzPts val="1300"/>
-                <a:buFont typeface="Cabin"/>
-                <a:buChar char="●"/>
-                <a:defRPr sz="1300" b="0" i="0" u="none" strike="noStrike" cap="none">
-                  <a:solidFill>
-                    <a:srgbClr val="999999"/>
-                  </a:solidFill>
-                  <a:latin typeface="Cabin"/>
-                  <a:ea typeface="Cabin"/>
-                  <a:cs typeface="Cabin"/>
-                  <a:sym typeface="Cabin"/>
-                </a:defRPr>
-              </a:lvl7pPr>
-              <a:lvl8pPr marL="3657600" marR="0" lvl="7" indent="-311150" algn="l" rtl="0">
-                <a:lnSpc>
-                  <a:spcPct val="115000"/>
-                </a:lnSpc>
-                <a:spcBef>
-                  <a:spcPts val="0"/>
-                </a:spcBef>
-                <a:spcAft>
-                  <a:spcPts val="0"/>
-                </a:spcAft>
-                <a:buClr>
-                  <a:srgbClr val="999999"/>
-                </a:buClr>
-                <a:buSzPts val="1300"/>
-                <a:buFont typeface="Cabin"/>
-                <a:buChar char="○"/>
-                <a:defRPr sz="1300" b="0" i="0" u="none" strike="noStrike" cap="none">
-                  <a:solidFill>
-                    <a:srgbClr val="999999"/>
-                  </a:solidFill>
-                  <a:latin typeface="Cabin"/>
-                  <a:ea typeface="Cabin"/>
-                  <a:cs typeface="Cabin"/>
-                  <a:sym typeface="Cabin"/>
-                </a:defRPr>
-              </a:lvl8pPr>
-              <a:lvl9pPr marL="4114800" marR="0" lvl="8" indent="-304800" algn="l" rtl="0">
-                <a:lnSpc>
-                  <a:spcPct val="115000"/>
-                </a:lnSpc>
-                <a:spcBef>
-                  <a:spcPts val="0"/>
-                </a:spcBef>
-                <a:spcAft>
-                  <a:spcPts val="0"/>
-                </a:spcAft>
-                <a:buClr>
-                  <a:srgbClr val="999999"/>
-                </a:buClr>
-                <a:buSzPts val="1200"/>
-                <a:buFont typeface="Cabin"/>
-                <a:buChar char="■"/>
-                <a:defRPr sz="1200" b="0" i="0" u="none" strike="noStrike" cap="none">
-                  <a:solidFill>
-                    <a:srgbClr val="999999"/>
-                  </a:solidFill>
-                  <a:latin typeface="Cabin"/>
-                  <a:ea typeface="Cabin"/>
-                  <a:cs typeface="Cabin"/>
-                  <a:sym typeface="Cabin"/>
-                </a:defRPr>
-              </a:lvl9pPr>
-            </a:lstStyle>
-            <a:p>
-              <a:pPr marL="0" indent="0">
-                <a:buFont typeface="Cabin"/>
-                <a:buNone/>
-              </a:pPr>
-              <a:r>
-                <a:rPr lang="en-US" b="1" dirty="0">
-                  <a:solidFill>
-                    <a:srgbClr val="3E516C"/>
-                  </a:solidFill>
-                  <a:latin typeface="Montserrat"/>
-                  <a:sym typeface="Montserrat"/>
-                </a:rPr>
-                <a:t>Bản đồ</a:t>
-              </a:r>
-              <a:br>
-                <a:rPr lang="en-US" sz="1400" dirty="0"/>
-              </a:br>
-              <a:r>
-                <a:rPr lang="en-US" sz="1400" dirty="0"/>
-                <a:t>Hiển thị được bản đồ gia sư cũng như vị trí và đường đi và khoảng cách đến gia sư đó</a:t>
-              </a:r>
-              <a:endParaRPr lang="en-US" sz="1200" dirty="0"/>
-            </a:p>
-          </p:txBody>
-        </p:sp>
-        <p:sp>
-          <p:nvSpPr>
-            <p:cNvPr id="11" name="Google Shape;1150;p50">
-              <a:extLst>
-                <a:ext uri="{FF2B5EF4-FFF2-40B4-BE49-F238E27FC236}">
-                  <a16:creationId xmlns:a16="http://schemas.microsoft.com/office/drawing/2014/main" id="{B321CF8D-3BCF-46E0-B615-F1660CE97FD4}"/>
-                </a:ext>
-              </a:extLst>
-            </p:cNvPr>
-            <p:cNvSpPr txBox="1">
-              <a:spLocks/>
-            </p:cNvSpPr>
-            <p:nvPr/>
-          </p:nvSpPr>
-          <p:spPr>
-            <a:xfrm>
-              <a:off x="3490299" y="3058654"/>
-              <a:ext cx="2224695" cy="1136100"/>
-            </a:xfrm>
-            <a:prstGeom prst="rect">
-              <a:avLst/>
-            </a:prstGeom>
-            <a:noFill/>
-            <a:ln>
-              <a:noFill/>
-            </a:ln>
-          </p:spPr>
-          <p:txBody>
-            <a:bodyPr spcFirstLastPara="1" wrap="square" lIns="91425" tIns="91425" rIns="91425" bIns="91425" anchor="t" anchorCtr="0">
-              <a:noAutofit/>
-            </a:bodyPr>
-            <a:lstStyle>
-              <a:defPPr marR="0" lvl="0" algn="l" rtl="0">
-                <a:lnSpc>
-                  <a:spcPct val="100000"/>
-                </a:lnSpc>
-                <a:spcBef>
-                  <a:spcPts val="0"/>
-                </a:spcBef>
-                <a:spcAft>
-                  <a:spcPts val="0"/>
-                </a:spcAft>
-              </a:defPPr>
-              <a:lvl1pPr marL="457200" marR="0" lvl="0" indent="-330200" algn="l" rtl="0">
-                <a:lnSpc>
-                  <a:spcPct val="115000"/>
-                </a:lnSpc>
-                <a:spcBef>
-                  <a:spcPts val="0"/>
-                </a:spcBef>
-                <a:spcAft>
-                  <a:spcPts val="0"/>
-                </a:spcAft>
-                <a:buClr>
-                  <a:srgbClr val="E9AA1B"/>
-                </a:buClr>
-                <a:buSzPts val="1600"/>
-                <a:buFont typeface="Cabin"/>
-                <a:buChar char="●"/>
-                <a:defRPr sz="1600" b="0" i="0" u="none" strike="noStrike" cap="none">
-                  <a:solidFill>
-                    <a:srgbClr val="999999"/>
-                  </a:solidFill>
-                  <a:latin typeface="Cabin"/>
-                  <a:ea typeface="Cabin"/>
-                  <a:cs typeface="Cabin"/>
-                  <a:sym typeface="Cabin"/>
-                </a:defRPr>
-              </a:lvl1pPr>
-              <a:lvl2pPr marL="914400" marR="0" lvl="1" indent="-330200" algn="l" rtl="0">
-                <a:lnSpc>
-                  <a:spcPct val="115000"/>
-                </a:lnSpc>
-                <a:spcBef>
-                  <a:spcPts val="0"/>
-                </a:spcBef>
-                <a:spcAft>
-                  <a:spcPts val="0"/>
-                </a:spcAft>
-                <a:buClr>
-                  <a:srgbClr val="E9AA1B"/>
-                </a:buClr>
-                <a:buSzPts val="1600"/>
-                <a:buFont typeface="Cabin"/>
-                <a:buChar char="○"/>
-                <a:defRPr sz="1600" b="0" i="0" u="none" strike="noStrike" cap="none">
-                  <a:solidFill>
-                    <a:srgbClr val="999999"/>
-                  </a:solidFill>
-                  <a:latin typeface="Cabin"/>
-                  <a:ea typeface="Cabin"/>
-                  <a:cs typeface="Cabin"/>
-                  <a:sym typeface="Cabin"/>
-                </a:defRPr>
-              </a:lvl2pPr>
-              <a:lvl3pPr marL="1371600" marR="0" lvl="2" indent="-323850" algn="l" rtl="0">
-                <a:lnSpc>
-                  <a:spcPct val="115000"/>
-                </a:lnSpc>
-                <a:spcBef>
-                  <a:spcPts val="0"/>
-                </a:spcBef>
-                <a:spcAft>
-                  <a:spcPts val="0"/>
-                </a:spcAft>
-                <a:buClr>
-                  <a:srgbClr val="E9AA1B"/>
-                </a:buClr>
-                <a:buSzPts val="1500"/>
-                <a:buFont typeface="Cabin"/>
-                <a:buChar char="■"/>
-                <a:defRPr sz="1500" b="0" i="0" u="none" strike="noStrike" cap="none">
-                  <a:solidFill>
-                    <a:srgbClr val="999999"/>
-                  </a:solidFill>
-                  <a:latin typeface="Cabin"/>
-                  <a:ea typeface="Cabin"/>
-                  <a:cs typeface="Cabin"/>
-                  <a:sym typeface="Cabin"/>
-                </a:defRPr>
-              </a:lvl3pPr>
-              <a:lvl4pPr marL="1828800" marR="0" lvl="3" indent="-323850" algn="l" rtl="0">
-                <a:lnSpc>
-                  <a:spcPct val="115000"/>
-                </a:lnSpc>
-                <a:spcBef>
-                  <a:spcPts val="0"/>
-                </a:spcBef>
-                <a:spcAft>
-                  <a:spcPts val="0"/>
-                </a:spcAft>
-                <a:buClr>
-                  <a:srgbClr val="E9AA1B"/>
-                </a:buClr>
-                <a:buSzPts val="1500"/>
-                <a:buFont typeface="Cabin"/>
-                <a:buChar char="●"/>
-                <a:defRPr sz="1500" b="0" i="0" u="none" strike="noStrike" cap="none">
-                  <a:solidFill>
-                    <a:srgbClr val="999999"/>
-                  </a:solidFill>
-                  <a:latin typeface="Cabin"/>
-                  <a:ea typeface="Cabin"/>
-                  <a:cs typeface="Cabin"/>
-                  <a:sym typeface="Cabin"/>
-                </a:defRPr>
-              </a:lvl4pPr>
-              <a:lvl5pPr marL="2286000" marR="0" lvl="4" indent="-317500" algn="l" rtl="0">
-                <a:lnSpc>
-                  <a:spcPct val="115000"/>
-                </a:lnSpc>
-                <a:spcBef>
-                  <a:spcPts val="0"/>
-                </a:spcBef>
-                <a:spcAft>
-                  <a:spcPts val="0"/>
-                </a:spcAft>
-                <a:buClr>
-                  <a:srgbClr val="E9AA1B"/>
-                </a:buClr>
-                <a:buSzPts val="1400"/>
-                <a:buFont typeface="Cabin"/>
-                <a:buChar char="○"/>
-                <a:defRPr sz="1400" b="0" i="0" u="none" strike="noStrike" cap="none">
-                  <a:solidFill>
-                    <a:srgbClr val="999999"/>
-                  </a:solidFill>
-                  <a:latin typeface="Cabin"/>
-                  <a:ea typeface="Cabin"/>
-                  <a:cs typeface="Cabin"/>
-                  <a:sym typeface="Cabin"/>
-                </a:defRPr>
-              </a:lvl5pPr>
-              <a:lvl6pPr marL="2743200" marR="0" lvl="5" indent="-317500" algn="l" rtl="0">
-                <a:lnSpc>
-                  <a:spcPct val="115000"/>
-                </a:lnSpc>
-                <a:spcBef>
-                  <a:spcPts val="0"/>
-                </a:spcBef>
-                <a:spcAft>
-                  <a:spcPts val="0"/>
-                </a:spcAft>
-                <a:buClr>
-                  <a:srgbClr val="E9AA1B"/>
-                </a:buClr>
-                <a:buSzPts val="1400"/>
-                <a:buFont typeface="Cabin"/>
-                <a:buChar char="■"/>
-                <a:defRPr sz="1400" b="0" i="0" u="none" strike="noStrike" cap="none">
-                  <a:solidFill>
-                    <a:srgbClr val="999999"/>
-                  </a:solidFill>
-                  <a:latin typeface="Cabin"/>
-                  <a:ea typeface="Cabin"/>
-                  <a:cs typeface="Cabin"/>
-                  <a:sym typeface="Cabin"/>
-                </a:defRPr>
-              </a:lvl6pPr>
-              <a:lvl7pPr marL="3200400" marR="0" lvl="6" indent="-311150" algn="l" rtl="0">
-                <a:lnSpc>
-                  <a:spcPct val="115000"/>
-                </a:lnSpc>
-                <a:spcBef>
-                  <a:spcPts val="0"/>
-                </a:spcBef>
-                <a:spcAft>
-                  <a:spcPts val="0"/>
-                </a:spcAft>
-                <a:buClr>
-                  <a:srgbClr val="999999"/>
-                </a:buClr>
-                <a:buSzPts val="1300"/>
-                <a:buFont typeface="Cabin"/>
-                <a:buChar char="●"/>
-                <a:defRPr sz="1300" b="0" i="0" u="none" strike="noStrike" cap="none">
-                  <a:solidFill>
-                    <a:srgbClr val="999999"/>
-                  </a:solidFill>
-                  <a:latin typeface="Cabin"/>
-                  <a:ea typeface="Cabin"/>
-                  <a:cs typeface="Cabin"/>
-                  <a:sym typeface="Cabin"/>
-                </a:defRPr>
-              </a:lvl7pPr>
-              <a:lvl8pPr marL="3657600" marR="0" lvl="7" indent="-311150" algn="l" rtl="0">
-                <a:lnSpc>
-                  <a:spcPct val="115000"/>
-                </a:lnSpc>
-                <a:spcBef>
-                  <a:spcPts val="0"/>
-                </a:spcBef>
-                <a:spcAft>
-                  <a:spcPts val="0"/>
-                </a:spcAft>
-                <a:buClr>
-                  <a:srgbClr val="999999"/>
-                </a:buClr>
-                <a:buSzPts val="1300"/>
-                <a:buFont typeface="Cabin"/>
-                <a:buChar char="○"/>
-                <a:defRPr sz="1300" b="0" i="0" u="none" strike="noStrike" cap="none">
-                  <a:solidFill>
-                    <a:srgbClr val="999999"/>
-                  </a:solidFill>
-                  <a:latin typeface="Cabin"/>
-                  <a:ea typeface="Cabin"/>
-                  <a:cs typeface="Cabin"/>
-                  <a:sym typeface="Cabin"/>
-                </a:defRPr>
-              </a:lvl8pPr>
-              <a:lvl9pPr marL="4114800" marR="0" lvl="8" indent="-304800" algn="l" rtl="0">
-                <a:lnSpc>
-                  <a:spcPct val="115000"/>
-                </a:lnSpc>
-                <a:spcBef>
-                  <a:spcPts val="0"/>
-                </a:spcBef>
-                <a:spcAft>
-                  <a:spcPts val="0"/>
-                </a:spcAft>
-                <a:buClr>
-                  <a:srgbClr val="999999"/>
-                </a:buClr>
-                <a:buSzPts val="1200"/>
-                <a:buFont typeface="Cabin"/>
-                <a:buChar char="■"/>
-                <a:defRPr sz="1200" b="0" i="0" u="none" strike="noStrike" cap="none">
-                  <a:solidFill>
-                    <a:srgbClr val="999999"/>
-                  </a:solidFill>
-                  <a:latin typeface="Cabin"/>
-                  <a:ea typeface="Cabin"/>
-                  <a:cs typeface="Cabin"/>
-                  <a:sym typeface="Cabin"/>
-                </a:defRPr>
-              </a:lvl9pPr>
-            </a:lstStyle>
-            <a:p>
-              <a:pPr marL="0" indent="0">
-                <a:buFont typeface="Cabin"/>
-                <a:buNone/>
-              </a:pPr>
-              <a:r>
-                <a:rPr lang="en-US" b="1" dirty="0">
-                  <a:solidFill>
-                    <a:srgbClr val="E8A81A"/>
-                  </a:solidFill>
-                  <a:latin typeface="Montserrat"/>
-                  <a:ea typeface="Montserrat"/>
-                  <a:cs typeface="Montserrat"/>
-                  <a:sym typeface="Montserrat"/>
-                </a:rPr>
-                <a:t>Thanh toán</a:t>
-              </a:r>
-              <a:br>
-                <a:rPr lang="en-US" dirty="0"/>
-              </a:br>
-              <a:r>
-                <a:rPr lang="en-US" sz="1400" dirty="0"/>
-                <a:t>Chưa quản lý thu nhập của lớp học</a:t>
-              </a:r>
-            </a:p>
-            <a:p>
-              <a:pPr marL="0" indent="0">
-                <a:buFont typeface="Cabin"/>
-                <a:buNone/>
-              </a:pPr>
-              <a:r>
-                <a:rPr lang="en-US" sz="1400" dirty="0"/>
-                <a:t>Gia sư chưa thể rút tiền về tài khoản</a:t>
-              </a:r>
-            </a:p>
-          </p:txBody>
-        </p:sp>
-        <p:sp>
-          <p:nvSpPr>
-            <p:cNvPr id="12" name="Google Shape;1151;p50">
-              <a:extLst>
-                <a:ext uri="{FF2B5EF4-FFF2-40B4-BE49-F238E27FC236}">
-                  <a16:creationId xmlns:a16="http://schemas.microsoft.com/office/drawing/2014/main" id="{14FF9136-D95A-4D56-90ED-D23A4CA82C6E}"/>
-                </a:ext>
-              </a:extLst>
-            </p:cNvPr>
-            <p:cNvSpPr txBox="1">
-              <a:spLocks/>
-            </p:cNvSpPr>
-            <p:nvPr/>
-          </p:nvSpPr>
-          <p:spPr>
-            <a:xfrm>
-              <a:off x="5986799" y="3058646"/>
-              <a:ext cx="2224690" cy="1136100"/>
-            </a:xfrm>
-            <a:prstGeom prst="rect">
-              <a:avLst/>
-            </a:prstGeom>
-            <a:noFill/>
-            <a:ln>
-              <a:noFill/>
-            </a:ln>
-          </p:spPr>
-          <p:txBody>
-            <a:bodyPr spcFirstLastPara="1" wrap="square" lIns="91425" tIns="91425" rIns="91425" bIns="91425" anchor="t" anchorCtr="0">
-              <a:noAutofit/>
-            </a:bodyPr>
-            <a:lstStyle>
-              <a:defPPr marR="0" lvl="0" algn="l" rtl="0">
-                <a:lnSpc>
-                  <a:spcPct val="100000"/>
-                </a:lnSpc>
-                <a:spcBef>
-                  <a:spcPts val="0"/>
-                </a:spcBef>
-                <a:spcAft>
-                  <a:spcPts val="0"/>
-                </a:spcAft>
-              </a:defPPr>
-              <a:lvl1pPr marL="457200" marR="0" lvl="0" indent="-330200" algn="l" rtl="0">
-                <a:lnSpc>
-                  <a:spcPct val="115000"/>
-                </a:lnSpc>
-                <a:spcBef>
-                  <a:spcPts val="0"/>
-                </a:spcBef>
-                <a:spcAft>
-                  <a:spcPts val="0"/>
-                </a:spcAft>
-                <a:buClr>
-                  <a:srgbClr val="E9AA1B"/>
-                </a:buClr>
-                <a:buSzPts val="1600"/>
-                <a:buFont typeface="Cabin"/>
-                <a:buChar char="●"/>
-                <a:defRPr sz="1600" b="0" i="0" u="none" strike="noStrike" cap="none">
-                  <a:solidFill>
-                    <a:srgbClr val="999999"/>
-                  </a:solidFill>
-                  <a:latin typeface="Cabin"/>
-                  <a:ea typeface="Cabin"/>
-                  <a:cs typeface="Cabin"/>
-                  <a:sym typeface="Cabin"/>
-                </a:defRPr>
-              </a:lvl1pPr>
-              <a:lvl2pPr marL="914400" marR="0" lvl="1" indent="-330200" algn="l" rtl="0">
-                <a:lnSpc>
-                  <a:spcPct val="115000"/>
-                </a:lnSpc>
-                <a:spcBef>
-                  <a:spcPts val="0"/>
-                </a:spcBef>
-                <a:spcAft>
-                  <a:spcPts val="0"/>
-                </a:spcAft>
-                <a:buClr>
-                  <a:srgbClr val="E9AA1B"/>
-                </a:buClr>
-                <a:buSzPts val="1600"/>
-                <a:buFont typeface="Cabin"/>
-                <a:buChar char="○"/>
-                <a:defRPr sz="1600" b="0" i="0" u="none" strike="noStrike" cap="none">
-                  <a:solidFill>
-                    <a:srgbClr val="999999"/>
-                  </a:solidFill>
-                  <a:latin typeface="Cabin"/>
-                  <a:ea typeface="Cabin"/>
-                  <a:cs typeface="Cabin"/>
-                  <a:sym typeface="Cabin"/>
-                </a:defRPr>
-              </a:lvl2pPr>
-              <a:lvl3pPr marL="1371600" marR="0" lvl="2" indent="-323850" algn="l" rtl="0">
-                <a:lnSpc>
-                  <a:spcPct val="115000"/>
-                </a:lnSpc>
-                <a:spcBef>
-                  <a:spcPts val="0"/>
-                </a:spcBef>
-                <a:spcAft>
-                  <a:spcPts val="0"/>
-                </a:spcAft>
-                <a:buClr>
-                  <a:srgbClr val="E9AA1B"/>
-                </a:buClr>
-                <a:buSzPts val="1500"/>
-                <a:buFont typeface="Cabin"/>
-                <a:buChar char="■"/>
-                <a:defRPr sz="1500" b="0" i="0" u="none" strike="noStrike" cap="none">
-                  <a:solidFill>
-                    <a:srgbClr val="999999"/>
-                  </a:solidFill>
-                  <a:latin typeface="Cabin"/>
-                  <a:ea typeface="Cabin"/>
-                  <a:cs typeface="Cabin"/>
-                  <a:sym typeface="Cabin"/>
-                </a:defRPr>
-              </a:lvl3pPr>
-              <a:lvl4pPr marL="1828800" marR="0" lvl="3" indent="-323850" algn="l" rtl="0">
-                <a:lnSpc>
-                  <a:spcPct val="115000"/>
-                </a:lnSpc>
-                <a:spcBef>
-                  <a:spcPts val="0"/>
-                </a:spcBef>
-                <a:spcAft>
-                  <a:spcPts val="0"/>
-                </a:spcAft>
-                <a:buClr>
-                  <a:srgbClr val="E9AA1B"/>
-                </a:buClr>
-                <a:buSzPts val="1500"/>
-                <a:buFont typeface="Cabin"/>
-                <a:buChar char="●"/>
-                <a:defRPr sz="1500" b="0" i="0" u="none" strike="noStrike" cap="none">
-                  <a:solidFill>
-                    <a:srgbClr val="999999"/>
-                  </a:solidFill>
-                  <a:latin typeface="Cabin"/>
-                  <a:ea typeface="Cabin"/>
-                  <a:cs typeface="Cabin"/>
-                  <a:sym typeface="Cabin"/>
-                </a:defRPr>
-              </a:lvl4pPr>
-              <a:lvl5pPr marL="2286000" marR="0" lvl="4" indent="-317500" algn="l" rtl="0">
-                <a:lnSpc>
-                  <a:spcPct val="115000"/>
-                </a:lnSpc>
-                <a:spcBef>
-                  <a:spcPts val="0"/>
-                </a:spcBef>
-                <a:spcAft>
-                  <a:spcPts val="0"/>
-                </a:spcAft>
-                <a:buClr>
-                  <a:srgbClr val="E9AA1B"/>
-                </a:buClr>
-                <a:buSzPts val="1400"/>
-                <a:buFont typeface="Cabin"/>
-                <a:buChar char="○"/>
-                <a:defRPr sz="1400" b="0" i="0" u="none" strike="noStrike" cap="none">
-                  <a:solidFill>
-                    <a:srgbClr val="999999"/>
-                  </a:solidFill>
-                  <a:latin typeface="Cabin"/>
-                  <a:ea typeface="Cabin"/>
-                  <a:cs typeface="Cabin"/>
-                  <a:sym typeface="Cabin"/>
-                </a:defRPr>
-              </a:lvl5pPr>
-              <a:lvl6pPr marL="2743200" marR="0" lvl="5" indent="-317500" algn="l" rtl="0">
-                <a:lnSpc>
-                  <a:spcPct val="115000"/>
-                </a:lnSpc>
-                <a:spcBef>
-                  <a:spcPts val="0"/>
-                </a:spcBef>
-                <a:spcAft>
-                  <a:spcPts val="0"/>
-                </a:spcAft>
-                <a:buClr>
-                  <a:srgbClr val="E9AA1B"/>
-                </a:buClr>
-                <a:buSzPts val="1400"/>
-                <a:buFont typeface="Cabin"/>
-                <a:buChar char="■"/>
-                <a:defRPr sz="1400" b="0" i="0" u="none" strike="noStrike" cap="none">
-                  <a:solidFill>
-                    <a:srgbClr val="999999"/>
-                  </a:solidFill>
-                  <a:latin typeface="Cabin"/>
-                  <a:ea typeface="Cabin"/>
-                  <a:cs typeface="Cabin"/>
-                  <a:sym typeface="Cabin"/>
-                </a:defRPr>
-              </a:lvl6pPr>
-              <a:lvl7pPr marL="3200400" marR="0" lvl="6" indent="-311150" algn="l" rtl="0">
-                <a:lnSpc>
-                  <a:spcPct val="115000"/>
-                </a:lnSpc>
-                <a:spcBef>
-                  <a:spcPts val="0"/>
-                </a:spcBef>
-                <a:spcAft>
-                  <a:spcPts val="0"/>
-                </a:spcAft>
-                <a:buClr>
-                  <a:srgbClr val="999999"/>
-                </a:buClr>
-                <a:buSzPts val="1300"/>
-                <a:buFont typeface="Cabin"/>
-                <a:buChar char="●"/>
-                <a:defRPr sz="1300" b="0" i="0" u="none" strike="noStrike" cap="none">
-                  <a:solidFill>
-                    <a:srgbClr val="999999"/>
-                  </a:solidFill>
-                  <a:latin typeface="Cabin"/>
-                  <a:ea typeface="Cabin"/>
-                  <a:cs typeface="Cabin"/>
-                  <a:sym typeface="Cabin"/>
-                </a:defRPr>
-              </a:lvl7pPr>
-              <a:lvl8pPr marL="3657600" marR="0" lvl="7" indent="-311150" algn="l" rtl="0">
-                <a:lnSpc>
-                  <a:spcPct val="115000"/>
-                </a:lnSpc>
-                <a:spcBef>
-                  <a:spcPts val="0"/>
-                </a:spcBef>
-                <a:spcAft>
-                  <a:spcPts val="0"/>
-                </a:spcAft>
-                <a:buClr>
-                  <a:srgbClr val="999999"/>
-                </a:buClr>
-                <a:buSzPts val="1300"/>
-                <a:buFont typeface="Cabin"/>
-                <a:buChar char="○"/>
-                <a:defRPr sz="1300" b="0" i="0" u="none" strike="noStrike" cap="none">
-                  <a:solidFill>
-                    <a:srgbClr val="999999"/>
-                  </a:solidFill>
-                  <a:latin typeface="Cabin"/>
-                  <a:ea typeface="Cabin"/>
-                  <a:cs typeface="Cabin"/>
-                  <a:sym typeface="Cabin"/>
-                </a:defRPr>
-              </a:lvl8pPr>
-              <a:lvl9pPr marL="4114800" marR="0" lvl="8" indent="-304800" algn="l" rtl="0">
-                <a:lnSpc>
-                  <a:spcPct val="115000"/>
-                </a:lnSpc>
-                <a:spcBef>
-                  <a:spcPts val="0"/>
-                </a:spcBef>
-                <a:spcAft>
-                  <a:spcPts val="0"/>
-                </a:spcAft>
-                <a:buClr>
-                  <a:srgbClr val="999999"/>
-                </a:buClr>
-                <a:buSzPts val="1200"/>
-                <a:buFont typeface="Cabin"/>
-                <a:buChar char="■"/>
-                <a:defRPr sz="1200" b="0" i="0" u="none" strike="noStrike" cap="none">
-                  <a:solidFill>
-                    <a:srgbClr val="999999"/>
-                  </a:solidFill>
-                  <a:latin typeface="Cabin"/>
-                  <a:ea typeface="Cabin"/>
-                  <a:cs typeface="Cabin"/>
-                  <a:sym typeface="Cabin"/>
-                </a:defRPr>
-              </a:lvl9pPr>
-            </a:lstStyle>
-            <a:p>
-              <a:pPr marL="0" indent="0">
-                <a:buFont typeface="Cabin"/>
-                <a:buNone/>
-              </a:pPr>
-              <a:r>
-                <a:rPr lang="en-US" b="1" dirty="0">
-                  <a:solidFill>
-                    <a:srgbClr val="3E516C"/>
-                  </a:solidFill>
-                  <a:latin typeface="Montserrat"/>
-                  <a:ea typeface="Montserrat"/>
-                  <a:cs typeface="Montserrat"/>
-                  <a:sym typeface="Montserrat"/>
-                </a:rPr>
-                <a:t>Quản lý</a:t>
-              </a:r>
-              <a:br>
-                <a:rPr lang="en-US" sz="1400" dirty="0"/>
-              </a:br>
-              <a:r>
-                <a:rPr lang="en-US" sz="1400" dirty="0"/>
-                <a:t>Quản lý được người dùng trên hệ thống</a:t>
-              </a:r>
-            </a:p>
-            <a:p>
-              <a:pPr marL="0" indent="0">
-                <a:buFont typeface="Cabin"/>
-                <a:buNone/>
-              </a:pPr>
-              <a:r>
-                <a:rPr lang="en-US" sz="1400" dirty="0"/>
-                <a:t>Thống kê được dữ liệu người dùng</a:t>
-              </a:r>
-              <a:endParaRPr lang="en-US" dirty="0"/>
-            </a:p>
-          </p:txBody>
-        </p:sp>
-        <p:cxnSp>
-          <p:nvCxnSpPr>
-            <p:cNvPr id="13" name="Google Shape;1152;p50">
-              <a:extLst>
-                <a:ext uri="{FF2B5EF4-FFF2-40B4-BE49-F238E27FC236}">
-                  <a16:creationId xmlns:a16="http://schemas.microsoft.com/office/drawing/2014/main" id="{11FA1C65-DDF7-4684-89A7-C82E46EC9400}"/>
-                </a:ext>
-              </a:extLst>
-            </p:cNvPr>
-            <p:cNvCxnSpPr/>
-            <p:nvPr/>
-          </p:nvCxnSpPr>
-          <p:spPr>
-            <a:xfrm>
-              <a:off x="3325350" y="1828800"/>
-              <a:ext cx="0" cy="2459700"/>
-            </a:xfrm>
-            <a:prstGeom prst="straightConnector1">
-              <a:avLst/>
-            </a:prstGeom>
-            <a:noFill/>
-            <a:ln w="9525" cap="flat" cmpd="sng">
-              <a:solidFill>
-                <a:srgbClr val="F8BC28"/>
-              </a:solidFill>
-              <a:prstDash val="dash"/>
-              <a:round/>
-              <a:headEnd type="none" w="med" len="med"/>
-              <a:tailEnd type="none" w="med" len="med"/>
-            </a:ln>
-          </p:spPr>
-        </p:cxnSp>
-        <p:cxnSp>
-          <p:nvCxnSpPr>
-            <p:cNvPr id="14" name="Google Shape;1153;p50">
-              <a:extLst>
-                <a:ext uri="{FF2B5EF4-FFF2-40B4-BE49-F238E27FC236}">
-                  <a16:creationId xmlns:a16="http://schemas.microsoft.com/office/drawing/2014/main" id="{B82224E9-FDCD-4F85-BC3F-41F94C5872C8}"/>
-                </a:ext>
-              </a:extLst>
-            </p:cNvPr>
-            <p:cNvCxnSpPr/>
-            <p:nvPr/>
-          </p:nvCxnSpPr>
-          <p:spPr>
-            <a:xfrm>
-              <a:off x="5821850" y="1828800"/>
-              <a:ext cx="0" cy="2459700"/>
-            </a:xfrm>
-            <a:prstGeom prst="straightConnector1">
-              <a:avLst/>
-            </a:prstGeom>
-            <a:noFill/>
-            <a:ln w="9525" cap="flat" cmpd="sng">
-              <a:solidFill>
-                <a:srgbClr val="F8BC28"/>
-              </a:solidFill>
-              <a:prstDash val="dash"/>
-              <a:round/>
-              <a:headEnd type="none" w="med" len="med"/>
-              <a:tailEnd type="none" w="med" len="med"/>
-            </a:ln>
-          </p:spPr>
-        </p:cxnSp>
-      </p:grpSp>
-    </p:spTree>
-    <p:extLst>
-      <p:ext uri="{BB962C8B-B14F-4D97-AF65-F5344CB8AC3E}">
-        <p14:creationId xmlns:p14="http://schemas.microsoft.com/office/powerpoint/2010/main" val="2937072578"/>
-      </p:ext>
-    </p:extLst>
-  </p:cSld>
-  <p:clrMapOvr>
-    <a:masterClrMapping/>
-  </p:clrMapOvr>
-</p:sld>
-</file>
-
-<file path=ppt/slides/slide25.xml><?xml version="1.0" encoding="utf-8"?>
 <p:sld xmlns:a="http://schemas.openxmlformats.org/drawingml/2006/main" xmlns:r="http://schemas.openxmlformats.org/officeDocument/2006/relationships" xmlns:p="http://schemas.openxmlformats.org/presentationml/2006/main">
   <p:cSld>
     <p:spTree>
@@ -28521,7 +26141,7 @@
               </a:br>
               <a:r>
                 <a:rPr lang="en-US" sz="1400" dirty="0"/>
-                <a:t>Vừa đi làm ở xa</a:t>
+                <a:t>Vừa làm luận văn vừa đi làm</a:t>
               </a:r>
               <a:br>
                 <a:rPr lang="en-US" sz="1400" dirty="0"/>
@@ -28899,7 +26519,7 @@
 </p:sld>
 </file>
 
-<file path=ppt/slides/slide26.xml><?xml version="1.0" encoding="utf-8"?>
+<file path=ppt/slides/slide25.xml><?xml version="1.0" encoding="utf-8"?>
 <p:sld xmlns:a="http://schemas.openxmlformats.org/drawingml/2006/main" xmlns:r="http://schemas.openxmlformats.org/officeDocument/2006/relationships" xmlns:p="http://schemas.openxmlformats.org/presentationml/2006/main">
   <p:cSld>
     <p:spTree>
@@ -29250,7 +26870,7 @@
                   <a:schemeClr val="bg1"/>
                 </a:solidFill>
               </a:rPr>
-              <a:t>26</a:t>
+              <a:t>25</a:t>
             </a:fld>
             <a:endParaRPr lang="es" dirty="0">
               <a:solidFill>
@@ -33250,7 +30870,7 @@
 </p:sld>
 </file>
 
-<file path=ppt/slides/slide27.xml><?xml version="1.0" encoding="utf-8"?>
+<file path=ppt/slides/slide26.xml><?xml version="1.0" encoding="utf-8"?>
 <p:sld xmlns:a="http://schemas.openxmlformats.org/drawingml/2006/main" xmlns:r="http://schemas.openxmlformats.org/officeDocument/2006/relationships" xmlns:p="http://schemas.openxmlformats.org/presentationml/2006/main">
   <p:cSld>
     <p:spTree>
@@ -33693,7 +31313,7 @@
             </a:pPr>
             <a:fld id="{00000000-1234-1234-1234-123412341234}" type="slidenum">
               <a:rPr lang="es" smtClean="0"/>
-              <a:t>27</a:t>
+              <a:t>26</a:t>
             </a:fld>
             <a:endParaRPr lang="es"/>
           </a:p>
@@ -33707,7 +31327,7 @@
 </p:sld>
 </file>
 
-<file path=ppt/slides/slide28.xml><?xml version="1.0" encoding="utf-8"?>
+<file path=ppt/slides/slide27.xml><?xml version="1.0" encoding="utf-8"?>
 <p:sld xmlns:a="http://schemas.openxmlformats.org/drawingml/2006/main" xmlns:r="http://schemas.openxmlformats.org/officeDocument/2006/relationships" xmlns:p="http://schemas.openxmlformats.org/presentationml/2006/main">
   <p:cSld>
     <p:spTree>
@@ -33806,7 +31426,7 @@
             </a:pPr>
             <a:fld id="{00000000-1234-1234-1234-123412341234}" type="slidenum">
               <a:rPr lang="es" smtClean="0"/>
-              <a:t>28</a:t>
+              <a:t>27</a:t>
             </a:fld>
             <a:endParaRPr lang="es"/>
           </a:p>
